--- a/PPTs/Lecture 9-red-black trees.pptx
+++ b/PPTs/Lecture 9-red-black trees.pptx
@@ -9,22 +9,22 @@
   </p:notesMasterIdLst>
   <p:sldIdLst>
     <p:sldId id="256" r:id="rId2"/>
-    <p:sldId id="352" r:id="rId3"/>
-    <p:sldId id="334" r:id="rId4"/>
-    <p:sldId id="339" r:id="rId5"/>
-    <p:sldId id="341" r:id="rId6"/>
-    <p:sldId id="342" r:id="rId7"/>
-    <p:sldId id="343" r:id="rId8"/>
-    <p:sldId id="348" r:id="rId9"/>
-    <p:sldId id="345" r:id="rId10"/>
-    <p:sldId id="344" r:id="rId11"/>
-    <p:sldId id="347" r:id="rId12"/>
-    <p:sldId id="340" r:id="rId13"/>
-    <p:sldId id="349" r:id="rId14"/>
-    <p:sldId id="350" r:id="rId15"/>
-    <p:sldId id="353" r:id="rId16"/>
-    <p:sldId id="351" r:id="rId17"/>
-    <p:sldId id="326" r:id="rId18"/>
+    <p:sldId id="334" r:id="rId3"/>
+    <p:sldId id="339" r:id="rId4"/>
+    <p:sldId id="341" r:id="rId5"/>
+    <p:sldId id="342" r:id="rId6"/>
+    <p:sldId id="343" r:id="rId7"/>
+    <p:sldId id="348" r:id="rId8"/>
+    <p:sldId id="345" r:id="rId9"/>
+    <p:sldId id="344" r:id="rId10"/>
+    <p:sldId id="347" r:id="rId11"/>
+    <p:sldId id="340" r:id="rId12"/>
+    <p:sldId id="349" r:id="rId13"/>
+    <p:sldId id="350" r:id="rId14"/>
+    <p:sldId id="353" r:id="rId15"/>
+    <p:sldId id="351" r:id="rId16"/>
+    <p:sldId id="326" r:id="rId17"/>
+    <p:sldId id="352" r:id="rId18"/>
   </p:sldIdLst>
   <p:sldSz cx="9144000" cy="6858000" type="screen4x3"/>
   <p:notesSz cx="6858000" cy="9144000"/>
@@ -224,7 +224,7 @@
           <a:p>
             <a:fld id="{1B0CF57B-C747-FC49-8C8F-81AE37C96CA4}" type="datetimeFigureOut">
               <a:rPr lang="en-US" smtClean="0"/>
-              <a:t>9/18/2024</a:t>
+              <a:t>10/27/2024</a:t>
             </a:fld>
             <a:endParaRPr lang="en-US"/>
           </a:p>
@@ -704,7 +704,7 @@
           <a:p>
             <a:fld id="{13F62E29-99FC-EB40-923F-D38E4FE7BE7E}" type="slidenum">
               <a:rPr lang="en-US" smtClean="0"/>
-              <a:t>4</a:t>
+              <a:t>3</a:t>
             </a:fld>
             <a:endParaRPr lang="en-US"/>
           </a:p>
@@ -792,7 +792,7 @@
           <a:p>
             <a:fld id="{13F62E29-99FC-EB40-923F-D38E4FE7BE7E}" type="slidenum">
               <a:rPr lang="en-US" smtClean="0"/>
-              <a:t>6</a:t>
+              <a:t>5</a:t>
             </a:fld>
             <a:endParaRPr lang="en-US"/>
           </a:p>
@@ -998,7 +998,7 @@
           <a:p>
             <a:fld id="{FB221443-D73C-634A-A910-7320408C156D}" type="datetimeFigureOut">
               <a:rPr lang="en-US" smtClean="0"/>
-              <a:t>9/18/2024</a:t>
+              <a:t>10/27/2024</a:t>
             </a:fld>
             <a:endParaRPr lang="en-US"/>
           </a:p>
@@ -1168,7 +1168,7 @@
           <a:p>
             <a:fld id="{FB221443-D73C-634A-A910-7320408C156D}" type="datetimeFigureOut">
               <a:rPr lang="en-US" smtClean="0"/>
-              <a:t>9/18/2024</a:t>
+              <a:t>10/27/2024</a:t>
             </a:fld>
             <a:endParaRPr lang="en-US"/>
           </a:p>
@@ -1348,7 +1348,7 @@
           <a:p>
             <a:fld id="{FB221443-D73C-634A-A910-7320408C156D}" type="datetimeFigureOut">
               <a:rPr lang="en-US" smtClean="0"/>
-              <a:t>9/18/2024</a:t>
+              <a:t>10/27/2024</a:t>
             </a:fld>
             <a:endParaRPr lang="en-US"/>
           </a:p>
@@ -1518,7 +1518,7 @@
           <a:p>
             <a:fld id="{FB221443-D73C-634A-A910-7320408C156D}" type="datetimeFigureOut">
               <a:rPr lang="en-US" smtClean="0"/>
-              <a:t>9/18/2024</a:t>
+              <a:t>10/27/2024</a:t>
             </a:fld>
             <a:endParaRPr lang="en-US"/>
           </a:p>
@@ -1764,7 +1764,7 @@
           <a:p>
             <a:fld id="{FB221443-D73C-634A-A910-7320408C156D}" type="datetimeFigureOut">
               <a:rPr lang="en-US" smtClean="0"/>
-              <a:t>9/18/2024</a:t>
+              <a:t>10/27/2024</a:t>
             </a:fld>
             <a:endParaRPr lang="en-US"/>
           </a:p>
@@ -2052,7 +2052,7 @@
           <a:p>
             <a:fld id="{FB221443-D73C-634A-A910-7320408C156D}" type="datetimeFigureOut">
               <a:rPr lang="en-US" smtClean="0"/>
-              <a:t>9/18/2024</a:t>
+              <a:t>10/27/2024</a:t>
             </a:fld>
             <a:endParaRPr lang="en-US"/>
           </a:p>
@@ -2474,7 +2474,7 @@
           <a:p>
             <a:fld id="{FB221443-D73C-634A-A910-7320408C156D}" type="datetimeFigureOut">
               <a:rPr lang="en-US" smtClean="0"/>
-              <a:t>9/18/2024</a:t>
+              <a:t>10/27/2024</a:t>
             </a:fld>
             <a:endParaRPr lang="en-US"/>
           </a:p>
@@ -2592,7 +2592,7 @@
           <a:p>
             <a:fld id="{FB221443-D73C-634A-A910-7320408C156D}" type="datetimeFigureOut">
               <a:rPr lang="en-US" smtClean="0"/>
-              <a:t>9/18/2024</a:t>
+              <a:t>10/27/2024</a:t>
             </a:fld>
             <a:endParaRPr lang="en-US"/>
           </a:p>
@@ -2687,7 +2687,7 @@
           <a:p>
             <a:fld id="{FB221443-D73C-634A-A910-7320408C156D}" type="datetimeFigureOut">
               <a:rPr lang="en-US" smtClean="0"/>
-              <a:t>9/18/2024</a:t>
+              <a:t>10/27/2024</a:t>
             </a:fld>
             <a:endParaRPr lang="en-US"/>
           </a:p>
@@ -2964,7 +2964,7 @@
           <a:p>
             <a:fld id="{FB221443-D73C-634A-A910-7320408C156D}" type="datetimeFigureOut">
               <a:rPr lang="en-US" smtClean="0"/>
-              <a:t>9/18/2024</a:t>
+              <a:t>10/27/2024</a:t>
             </a:fld>
             <a:endParaRPr lang="en-US"/>
           </a:p>
@@ -3217,7 +3217,7 @@
           <a:p>
             <a:fld id="{FB221443-D73C-634A-A910-7320408C156D}" type="datetimeFigureOut">
               <a:rPr lang="en-US" smtClean="0"/>
-              <a:t>9/18/2024</a:t>
+              <a:t>10/27/2024</a:t>
             </a:fld>
             <a:endParaRPr lang="en-US"/>
           </a:p>
@@ -3430,7 +3430,7 @@
           <a:p>
             <a:fld id="{FB221443-D73C-634A-A910-7320408C156D}" type="datetimeFigureOut">
               <a:rPr lang="en-US" smtClean="0"/>
-              <a:t>9/18/2024</a:t>
+              <a:t>10/27/2024</a:t>
             </a:fld>
             <a:endParaRPr lang="en-US"/>
           </a:p>
@@ -3511,6 +3511,54 @@
               <a:t>‹#›</a:t>
             </a:fld>
             <a:endParaRPr lang="en-US"/>
+          </a:p>
+        </p:txBody>
+      </p:sp>
+      <p:sp>
+        <p:nvSpPr>
+          <p:cNvPr id="8" name="TextBox 7">
+            <a:extLst>
+              <a:ext uri="{FF2B5EF4-FFF2-40B4-BE49-F238E27FC236}">
+                <a16:creationId xmlns:a16="http://schemas.microsoft.com/office/drawing/2014/main" id="{F13FF810-B42F-72F4-5ABA-817DD07F977C}"/>
+              </a:ext>
+            </a:extLst>
+          </p:cNvPr>
+          <p:cNvSpPr txBox="1"/>
+          <p:nvPr userDrawn="1">
+            <p:extLst>
+              <p:ext uri="{1162E1C5-73C7-4A58-AE30-91384D911F3F}">
+                <p184:classification xmlns:p184="http://schemas.microsoft.com/office/powerpoint/2018/4/main" val="hdr"/>
+              </p:ext>
+            </p:extLst>
+          </p:nvPr>
+        </p:nvSpPr>
+        <p:spPr>
+          <a:xfrm>
+            <a:off x="8315325" y="63500"/>
+            <a:ext cx="787400" cy="121920"/>
+          </a:xfrm>
+          <a:prstGeom prst="rect">
+            <a:avLst/>
+          </a:prstGeom>
+        </p:spPr>
+        <p:txBody>
+          <a:bodyPr horzOverflow="overflow" lIns="0" tIns="0" rIns="0" bIns="0">
+            <a:spAutoFit/>
+          </a:bodyPr>
+          <a:lstStyle/>
+          <a:p>
+            <a:pPr algn="l"/>
+            <a:r>
+              <a:rPr lang="en-SE" sz="800">
+                <a:solidFill>
+                  <a:srgbClr val="000000"/>
+                </a:solidFill>
+                <a:latin typeface="Calibri" panose="020F0502020204030204" pitchFamily="34" charset="0"/>
+                <a:ea typeface="Calibri" panose="020F0502020204030204" pitchFamily="34" charset="0"/>
+                <a:cs typeface="Calibri" panose="020F0502020204030204" pitchFamily="34" charset="0"/>
+              </a:rPr>
+              <a:t>Begränsad delning</a:t>
+            </a:r>
           </a:p>
         </p:txBody>
       </p:sp>
@@ -4027,7 +4075,7 @@
           <p:cNvPr id="2" name="Title 1">
             <a:extLst>
               <a:ext uri="{FF2B5EF4-FFF2-40B4-BE49-F238E27FC236}">
-                <a16:creationId xmlns:a16="http://schemas.microsoft.com/office/drawing/2014/main" id="{61852DE2-252D-DD50-759E-7607E6C718F3}"/>
+                <a16:creationId xmlns:a16="http://schemas.microsoft.com/office/drawing/2014/main" id="{38D03389-1367-7C74-6889-3D3162A7B8C8}"/>
               </a:ext>
             </a:extLst>
           </p:cNvPr>
@@ -4047,7 +4095,7 @@
           <a:p>
             <a:r>
               <a:rPr lang="en-GB" dirty="0"/>
-              <a:t>Case 2. </a:t>
+              <a:t>Case 3 </a:t>
             </a:r>
             <a:r>
               <a:rPr lang="en-GB" dirty="0" err="1"/>
@@ -4055,19 +4103,7 @@
             </a:r>
             <a:r>
               <a:rPr lang="en-GB" dirty="0"/>
-              <a:t> = </a:t>
-            </a:r>
-            <a:r>
-              <a:rPr lang="en-GB" dirty="0">
-                <a:solidFill>
-                  <a:schemeClr val="tx1"/>
-                </a:solidFill>
-              </a:rPr>
-              <a:t>black</a:t>
-            </a:r>
-            <a:r>
-              <a:rPr lang="en-GB" dirty="0"/>
-              <a:t> (triangle)</a:t>
+              <a:t> = black (line)</a:t>
             </a:r>
             <a:endParaRPr lang="en-SE" dirty="0"/>
           </a:p>
@@ -4078,7 +4114,7 @@
           <p:cNvPr id="3" name="Content Placeholder 2">
             <a:extLst>
               <a:ext uri="{FF2B5EF4-FFF2-40B4-BE49-F238E27FC236}">
-                <a16:creationId xmlns:a16="http://schemas.microsoft.com/office/drawing/2014/main" id="{F237F824-033E-B0ED-9BDD-EE1A3F45809E}"/>
+                <a16:creationId xmlns:a16="http://schemas.microsoft.com/office/drawing/2014/main" id="{6D910BE6-514B-B4A0-B20B-4604ACE7AE58}"/>
               </a:ext>
             </a:extLst>
           </p:cNvPr>
@@ -4089,7 +4125,12 @@
             <p:ph idx="1"/>
           </p:nvPr>
         </p:nvSpPr>
-        <p:spPr/>
+        <p:spPr>
+          <a:xfrm>
+            <a:off x="501250" y="1274436"/>
+            <a:ext cx="8229600" cy="4525963"/>
+          </a:xfrm>
+        </p:spPr>
         <p:txBody>
           <a:bodyPr/>
           <a:lstStyle/>
@@ -4100,21 +4141,18 @@
             </a:r>
             <a:r>
               <a:rPr lang="en-GB" dirty="0" err="1"/>
-              <a:t>Z.parent</a:t>
-            </a:r>
-            <a:endParaRPr lang="en-GB" dirty="0"/>
-          </a:p>
-          <a:p>
+              <a:t>Z.grandparent</a:t>
+            </a:r>
             <a:endParaRPr lang="en-SE" dirty="0"/>
           </a:p>
         </p:txBody>
       </p:sp>
       <p:pic>
         <p:nvPicPr>
-          <p:cNvPr id="9" name="Picture 8">
-            <a:extLst>
-              <a:ext uri="{FF2B5EF4-FFF2-40B4-BE49-F238E27FC236}">
-                <a16:creationId xmlns:a16="http://schemas.microsoft.com/office/drawing/2014/main" id="{4DF22396-6B72-47E8-7A2F-A2D30B8FFFF5}"/>
+          <p:cNvPr id="4" name="Picture 3">
+            <a:extLst>
+              <a:ext uri="{FF2B5EF4-FFF2-40B4-BE49-F238E27FC236}">
+                <a16:creationId xmlns:a16="http://schemas.microsoft.com/office/drawing/2014/main" id="{A53C201C-46FA-7742-13EC-1C9AA5234A10}"/>
               </a:ext>
             </a:extLst>
           </p:cNvPr>
@@ -4125,14 +4163,13 @@
         </p:nvPicPr>
         <p:blipFill>
           <a:blip r:embed="rId2"/>
-          <a:stretch>
-            <a:fillRect/>
-          </a:stretch>
+          <a:srcRect/>
+          <a:stretch/>
         </p:blipFill>
         <p:spPr>
           <a:xfrm>
-            <a:off x="5226077" y="2869494"/>
-            <a:ext cx="3504773" cy="2858106"/>
+            <a:off x="5270127" y="1783276"/>
+            <a:ext cx="3504773" cy="2310774"/>
           </a:xfrm>
           <a:prstGeom prst="rect">
             <a:avLst/>
@@ -4141,10 +4178,10 @@
       </p:pic>
       <p:pic>
         <p:nvPicPr>
-          <p:cNvPr id="11" name="Picture 10">
-            <a:extLst>
-              <a:ext uri="{FF2B5EF4-FFF2-40B4-BE49-F238E27FC236}">
-                <a16:creationId xmlns:a16="http://schemas.microsoft.com/office/drawing/2014/main" id="{90410713-6DC3-15CC-971D-D55E03F99EFF}"/>
+          <p:cNvPr id="5" name="Picture 4">
+            <a:extLst>
+              <a:ext uri="{FF2B5EF4-FFF2-40B4-BE49-F238E27FC236}">
+                <a16:creationId xmlns:a16="http://schemas.microsoft.com/office/drawing/2014/main" id="{087D9465-83AA-019F-2DCC-33453C827259}"/>
               </a:ext>
             </a:extLst>
           </p:cNvPr>
@@ -4160,8 +4197,8 @@
         </p:blipFill>
         <p:spPr>
           <a:xfrm>
-            <a:off x="783008" y="2950235"/>
-            <a:ext cx="2762303" cy="2688640"/>
+            <a:off x="827058" y="1904543"/>
+            <a:ext cx="2762303" cy="2060255"/>
           </a:xfrm>
           <a:prstGeom prst="rect">
             <a:avLst/>
@@ -4170,10 +4207,10 @@
       </p:pic>
       <p:sp>
         <p:nvSpPr>
-          <p:cNvPr id="12" name="Arrow: Right 11">
-            <a:extLst>
-              <a:ext uri="{FF2B5EF4-FFF2-40B4-BE49-F238E27FC236}">
-                <a16:creationId xmlns:a16="http://schemas.microsoft.com/office/drawing/2014/main" id="{2728EFD9-283B-80C1-C34D-54F64208EBE5}"/>
+          <p:cNvPr id="6" name="Arrow: Right 5">
+            <a:extLst>
+              <a:ext uri="{FF2B5EF4-FFF2-40B4-BE49-F238E27FC236}">
+                <a16:creationId xmlns:a16="http://schemas.microsoft.com/office/drawing/2014/main" id="{3EE95494-8129-031C-64D6-9732D58A4423}"/>
               </a:ext>
             </a:extLst>
           </p:cNvPr>
@@ -4182,7 +4219,7 @@
         </p:nvSpPr>
         <p:spPr>
           <a:xfrm>
-            <a:off x="3699330" y="4412770"/>
+            <a:off x="3743380" y="3052886"/>
             <a:ext cx="1360883" cy="484632"/>
           </a:xfrm>
           <a:prstGeom prst="rightArrow">
@@ -4214,10 +4251,10 @@
       </p:sp>
       <p:sp>
         <p:nvSpPr>
-          <p:cNvPr id="13" name="TextBox 12">
-            <a:extLst>
-              <a:ext uri="{FF2B5EF4-FFF2-40B4-BE49-F238E27FC236}">
-                <a16:creationId xmlns:a16="http://schemas.microsoft.com/office/drawing/2014/main" id="{072AF439-3254-A2CA-774B-52CA45204B97}"/>
+          <p:cNvPr id="7" name="TextBox 6">
+            <a:extLst>
+              <a:ext uri="{FF2B5EF4-FFF2-40B4-BE49-F238E27FC236}">
+                <a16:creationId xmlns:a16="http://schemas.microsoft.com/office/drawing/2014/main" id="{DD648652-AA21-E208-E1CC-764DB70ACDA1}"/>
               </a:ext>
             </a:extLst>
           </p:cNvPr>
@@ -4226,8 +4263,8 @@
         </p:nvSpPr>
         <p:spPr>
           <a:xfrm>
-            <a:off x="3711175" y="3701311"/>
-            <a:ext cx="1234120" cy="830997"/>
+            <a:off x="3688616" y="2380657"/>
+            <a:ext cx="1954125" cy="830997"/>
           </a:xfrm>
           <a:prstGeom prst="rect">
             <a:avLst/>
@@ -4248,7 +4285,130 @@
           <a:p>
             <a:r>
               <a:rPr lang="en-GB" sz="2400" dirty="0" err="1"/>
-              <a:t>Z.parent</a:t>
+              <a:t>Z.grandparent</a:t>
+            </a:r>
+            <a:endParaRPr lang="en-SE" sz="2400" dirty="0"/>
+          </a:p>
+        </p:txBody>
+      </p:sp>
+      <p:pic>
+        <p:nvPicPr>
+          <p:cNvPr id="9" name="Picture 8">
+            <a:extLst>
+              <a:ext uri="{FF2B5EF4-FFF2-40B4-BE49-F238E27FC236}">
+                <a16:creationId xmlns:a16="http://schemas.microsoft.com/office/drawing/2014/main" id="{B8065325-1B06-96BB-C75C-A2F8E633E306}"/>
+              </a:ext>
+            </a:extLst>
+          </p:cNvPr>
+          <p:cNvPicPr>
+            <a:picLocks noChangeAspect="1"/>
+          </p:cNvPicPr>
+          <p:nvPr/>
+        </p:nvPicPr>
+        <p:blipFill>
+          <a:blip r:embed="rId4"/>
+          <a:stretch>
+            <a:fillRect/>
+          </a:stretch>
+        </p:blipFill>
+        <p:spPr>
+          <a:xfrm>
+            <a:off x="5248101" y="4462752"/>
+            <a:ext cx="3482749" cy="2354813"/>
+          </a:xfrm>
+          <a:prstGeom prst="rect">
+            <a:avLst/>
+          </a:prstGeom>
+        </p:spPr>
+      </p:pic>
+      <p:sp>
+        <p:nvSpPr>
+          <p:cNvPr id="10" name="Arrow: Right 9">
+            <a:extLst>
+              <a:ext uri="{FF2B5EF4-FFF2-40B4-BE49-F238E27FC236}">
+                <a16:creationId xmlns:a16="http://schemas.microsoft.com/office/drawing/2014/main" id="{D86B70CE-51A0-D90D-80CC-45F69A709DF0}"/>
+              </a:ext>
+            </a:extLst>
+          </p:cNvPr>
+          <p:cNvSpPr/>
+          <p:nvPr/>
+        </p:nvSpPr>
+        <p:spPr>
+          <a:xfrm rot="5400000">
+            <a:off x="6746889" y="4096934"/>
+            <a:ext cx="485171" cy="484632"/>
+          </a:xfrm>
+          <a:prstGeom prst="rightArrow">
+            <a:avLst/>
+          </a:prstGeom>
+        </p:spPr>
+        <p:style>
+          <a:lnRef idx="1">
+            <a:schemeClr val="accent1"/>
+          </a:lnRef>
+          <a:fillRef idx="3">
+            <a:schemeClr val="accent1"/>
+          </a:fillRef>
+          <a:effectRef idx="2">
+            <a:schemeClr val="accent1"/>
+          </a:effectRef>
+          <a:fontRef idx="minor">
+            <a:schemeClr val="lt1"/>
+          </a:fontRef>
+        </p:style>
+        <p:txBody>
+          <a:bodyPr rtlCol="0" anchor="ctr"/>
+          <a:lstStyle/>
+          <a:p>
+            <a:pPr algn="ctr"/>
+            <a:endParaRPr lang="en-SE" sz="2400"/>
+          </a:p>
+        </p:txBody>
+      </p:sp>
+      <p:sp>
+        <p:nvSpPr>
+          <p:cNvPr id="11" name="TextBox 10">
+            <a:extLst>
+              <a:ext uri="{FF2B5EF4-FFF2-40B4-BE49-F238E27FC236}">
+                <a16:creationId xmlns:a16="http://schemas.microsoft.com/office/drawing/2014/main" id="{CB8712B7-22D4-1EBA-580D-1FD02E7CFDC4}"/>
+              </a:ext>
+            </a:extLst>
+          </p:cNvPr>
+          <p:cNvSpPr txBox="1"/>
+          <p:nvPr/>
+        </p:nvSpPr>
+        <p:spPr>
+          <a:xfrm>
+            <a:off x="5381989" y="3995035"/>
+            <a:ext cx="1849802" cy="1200329"/>
+          </a:xfrm>
+          <a:prstGeom prst="rect">
+            <a:avLst/>
+          </a:prstGeom>
+          <a:noFill/>
+        </p:spPr>
+        <p:txBody>
+          <a:bodyPr wrap="none" rtlCol="0">
+            <a:spAutoFit/>
+          </a:bodyPr>
+          <a:lstStyle/>
+          <a:p>
+            <a:r>
+              <a:rPr lang="en-GB" sz="2400" dirty="0" err="1"/>
+              <a:t>recolor</a:t>
+            </a:r>
+            <a:endParaRPr lang="en-GB" sz="2400" dirty="0"/>
+          </a:p>
+          <a:p>
+            <a:r>
+              <a:rPr lang="en-GB" sz="2400" dirty="0"/>
+              <a:t>Parents &amp;</a:t>
+            </a:r>
+          </a:p>
+          <a:p>
+            <a:r>
+              <a:rPr lang="en-GB" sz="2400" dirty="0"/>
+              <a:t>grandparents</a:t>
             </a:r>
             <a:endParaRPr lang="en-SE" sz="2400" dirty="0"/>
           </a:p>
@@ -4257,7 +4417,7 @@
     </p:spTree>
     <p:extLst>
       <p:ext uri="{BB962C8B-B14F-4D97-AF65-F5344CB8AC3E}">
-        <p14:creationId xmlns:p14="http://schemas.microsoft.com/office/powerpoint/2010/main" val="230043739"/>
+        <p14:creationId xmlns:p14="http://schemas.microsoft.com/office/powerpoint/2010/main" val="2272817501"/>
       </p:ext>
     </p:extLst>
   </p:cSld>
@@ -4289,7 +4449,7 @@
           <p:cNvPr id="2" name="Title 1">
             <a:extLst>
               <a:ext uri="{FF2B5EF4-FFF2-40B4-BE49-F238E27FC236}">
-                <a16:creationId xmlns:a16="http://schemas.microsoft.com/office/drawing/2014/main" id="{38D03389-1367-7C74-6889-3D3162A7B8C8}"/>
+                <a16:creationId xmlns:a16="http://schemas.microsoft.com/office/drawing/2014/main" id="{CB6C7F44-6A25-12EC-BC90-D6E01B7F2BB7}"/>
               </a:ext>
             </a:extLst>
           </p:cNvPr>
@@ -4309,53 +4469,7 @@
           <a:p>
             <a:r>
               <a:rPr lang="en-GB" dirty="0"/>
-              <a:t>Case 3 </a:t>
-            </a:r>
-            <a:r>
-              <a:rPr lang="en-GB" dirty="0" err="1"/>
-              <a:t>Z.uncle</a:t>
-            </a:r>
-            <a:r>
-              <a:rPr lang="en-GB" dirty="0"/>
-              <a:t> = black (line)</a:t>
-            </a:r>
-            <a:endParaRPr lang="en-SE" dirty="0"/>
-          </a:p>
-        </p:txBody>
-      </p:sp>
-      <p:sp>
-        <p:nvSpPr>
-          <p:cNvPr id="3" name="Content Placeholder 2">
-            <a:extLst>
-              <a:ext uri="{FF2B5EF4-FFF2-40B4-BE49-F238E27FC236}">
-                <a16:creationId xmlns:a16="http://schemas.microsoft.com/office/drawing/2014/main" id="{6D910BE6-514B-B4A0-B20B-4604ACE7AE58}"/>
-              </a:ext>
-            </a:extLst>
-          </p:cNvPr>
-          <p:cNvSpPr>
-            <a:spLocks noGrp="1"/>
-          </p:cNvSpPr>
-          <p:nvPr>
-            <p:ph idx="1"/>
-          </p:nvPr>
-        </p:nvSpPr>
-        <p:spPr>
-          <a:xfrm>
-            <a:off x="501250" y="1274436"/>
-            <a:ext cx="8229600" cy="4525963"/>
-          </a:xfrm>
-        </p:spPr>
-        <p:txBody>
-          <a:bodyPr/>
-          <a:lstStyle/>
-          <a:p>
-            <a:r>
-              <a:rPr lang="en-GB" dirty="0"/>
-              <a:t>Rotate </a:t>
-            </a:r>
-            <a:r>
-              <a:rPr lang="en-GB" dirty="0" err="1"/>
-              <a:t>Z.grandparent</a:t>
+              <a:t>Example 1</a:t>
             </a:r>
             <a:endParaRPr lang="en-SE" dirty="0"/>
           </a:p>
@@ -4363,10 +4477,10 @@
       </p:sp>
       <p:pic>
         <p:nvPicPr>
-          <p:cNvPr id="4" name="Picture 3">
-            <a:extLst>
-              <a:ext uri="{FF2B5EF4-FFF2-40B4-BE49-F238E27FC236}">
-                <a16:creationId xmlns:a16="http://schemas.microsoft.com/office/drawing/2014/main" id="{A53C201C-46FA-7742-13EC-1C9AA5234A10}"/>
+          <p:cNvPr id="5" name="Picture 4">
+            <a:extLst>
+              <a:ext uri="{FF2B5EF4-FFF2-40B4-BE49-F238E27FC236}">
+                <a16:creationId xmlns:a16="http://schemas.microsoft.com/office/drawing/2014/main" id="{ACD3AF60-1715-E981-0AAC-4C859BA1A230}"/>
               </a:ext>
             </a:extLst>
           </p:cNvPr>
@@ -4382,8 +4496,8 @@
         </p:blipFill>
         <p:spPr>
           <a:xfrm>
-            <a:off x="5270127" y="1783276"/>
-            <a:ext cx="3504773" cy="2310774"/>
+            <a:off x="2092349" y="1662050"/>
+            <a:ext cx="2419447" cy="1584241"/>
           </a:xfrm>
           <a:prstGeom prst="rect">
             <a:avLst/>
@@ -4392,10 +4506,10 @@
       </p:pic>
       <p:pic>
         <p:nvPicPr>
-          <p:cNvPr id="5" name="Picture 4">
-            <a:extLst>
-              <a:ext uri="{FF2B5EF4-FFF2-40B4-BE49-F238E27FC236}">
-                <a16:creationId xmlns:a16="http://schemas.microsoft.com/office/drawing/2014/main" id="{087D9465-83AA-019F-2DCC-33453C827259}"/>
+          <p:cNvPr id="7" name="Picture 6">
+            <a:extLst>
+              <a:ext uri="{FF2B5EF4-FFF2-40B4-BE49-F238E27FC236}">
+                <a16:creationId xmlns:a16="http://schemas.microsoft.com/office/drawing/2014/main" id="{B45419B8-2D29-E258-A4E3-499637FB1267}"/>
               </a:ext>
             </a:extLst>
           </p:cNvPr>
@@ -4406,13 +4520,14 @@
         </p:nvPicPr>
         <p:blipFill>
           <a:blip r:embed="rId3"/>
-          <a:srcRect/>
-          <a:stretch/>
+          <a:stretch>
+            <a:fillRect/>
+          </a:stretch>
         </p:blipFill>
         <p:spPr>
           <a:xfrm>
-            <a:off x="827058" y="1904543"/>
-            <a:ext cx="2762303" cy="2060255"/>
+            <a:off x="5853982" y="1612567"/>
+            <a:ext cx="1468023" cy="1535307"/>
           </a:xfrm>
           <a:prstGeom prst="rect">
             <a:avLst/>
@@ -4421,10 +4536,10 @@
       </p:pic>
       <p:sp>
         <p:nvSpPr>
-          <p:cNvPr id="6" name="Arrow: Right 5">
-            <a:extLst>
-              <a:ext uri="{FF2B5EF4-FFF2-40B4-BE49-F238E27FC236}">
-                <a16:creationId xmlns:a16="http://schemas.microsoft.com/office/drawing/2014/main" id="{3EE95494-8129-031C-64D6-9732D58A4423}"/>
+          <p:cNvPr id="8" name="Arrow: Right 7">
+            <a:extLst>
+              <a:ext uri="{FF2B5EF4-FFF2-40B4-BE49-F238E27FC236}">
+                <a16:creationId xmlns:a16="http://schemas.microsoft.com/office/drawing/2014/main" id="{C79ABA7A-86F2-F550-E7A1-598012AC6AB0}"/>
               </a:ext>
             </a:extLst>
           </p:cNvPr>
@@ -4433,8 +4548,8 @@
         </p:nvSpPr>
         <p:spPr>
           <a:xfrm>
-            <a:off x="3743380" y="3052886"/>
-            <a:ext cx="1360883" cy="484632"/>
+            <a:off x="1133162" y="2274806"/>
+            <a:ext cx="993644" cy="484632"/>
           </a:xfrm>
           <a:prstGeom prst="rightArrow">
             <a:avLst/>
@@ -4465,10 +4580,10 @@
       </p:sp>
       <p:sp>
         <p:nvSpPr>
-          <p:cNvPr id="7" name="TextBox 6">
-            <a:extLst>
-              <a:ext uri="{FF2B5EF4-FFF2-40B4-BE49-F238E27FC236}">
-                <a16:creationId xmlns:a16="http://schemas.microsoft.com/office/drawing/2014/main" id="{DD648652-AA21-E208-E1CC-764DB70ACDA1}"/>
+          <p:cNvPr id="9" name="TextBox 8">
+            <a:extLst>
+              <a:ext uri="{FF2B5EF4-FFF2-40B4-BE49-F238E27FC236}">
+                <a16:creationId xmlns:a16="http://schemas.microsoft.com/office/drawing/2014/main" id="{1830154E-B73F-740F-0832-56708EA6C28C}"/>
               </a:ext>
             </a:extLst>
           </p:cNvPr>
@@ -4477,8 +4592,8 @@
         </p:nvSpPr>
         <p:spPr>
           <a:xfrm>
-            <a:off x="3688616" y="2380657"/>
-            <a:ext cx="1954125" cy="830997"/>
+            <a:off x="911638" y="1943022"/>
+            <a:ext cx="1281120" cy="461665"/>
           </a:xfrm>
           <a:prstGeom prst="rect">
             <a:avLst/>
@@ -4493,54 +4608,18 @@
           <a:p>
             <a:r>
               <a:rPr lang="en-GB" sz="2400" dirty="0"/>
-              <a:t>rotate </a:t>
-            </a:r>
-          </a:p>
-          <a:p>
-            <a:r>
-              <a:rPr lang="en-GB" sz="2400" dirty="0" err="1"/>
-              <a:t>Z.grandparent</a:t>
+              <a:t>insert 15</a:t>
             </a:r>
             <a:endParaRPr lang="en-SE" sz="2400" dirty="0"/>
           </a:p>
         </p:txBody>
       </p:sp>
-      <p:pic>
-        <p:nvPicPr>
-          <p:cNvPr id="9" name="Picture 8">
-            <a:extLst>
-              <a:ext uri="{FF2B5EF4-FFF2-40B4-BE49-F238E27FC236}">
-                <a16:creationId xmlns:a16="http://schemas.microsoft.com/office/drawing/2014/main" id="{B8065325-1B06-96BB-C75C-A2F8E633E306}"/>
-              </a:ext>
-            </a:extLst>
-          </p:cNvPr>
-          <p:cNvPicPr>
-            <a:picLocks noChangeAspect="1"/>
-          </p:cNvPicPr>
-          <p:nvPr/>
-        </p:nvPicPr>
-        <p:blipFill>
-          <a:blip r:embed="rId4"/>
-          <a:stretch>
-            <a:fillRect/>
-          </a:stretch>
-        </p:blipFill>
-        <p:spPr>
-          <a:xfrm>
-            <a:off x="5248101" y="4462752"/>
-            <a:ext cx="3482749" cy="2354813"/>
-          </a:xfrm>
-          <a:prstGeom prst="rect">
-            <a:avLst/>
-          </a:prstGeom>
-        </p:spPr>
-      </p:pic>
       <p:sp>
         <p:nvSpPr>
           <p:cNvPr id="10" name="Arrow: Right 9">
             <a:extLst>
               <a:ext uri="{FF2B5EF4-FFF2-40B4-BE49-F238E27FC236}">
-                <a16:creationId xmlns:a16="http://schemas.microsoft.com/office/drawing/2014/main" id="{D86B70CE-51A0-D90D-80CC-45F69A709DF0}"/>
+                <a16:creationId xmlns:a16="http://schemas.microsoft.com/office/drawing/2014/main" id="{D24D0946-FA6D-090B-EB05-652B5B335AFA}"/>
               </a:ext>
             </a:extLst>
           </p:cNvPr>
@@ -4548,9 +4627,9 @@
           <p:nvPr/>
         </p:nvSpPr>
         <p:spPr>
-          <a:xfrm rot="5400000">
-            <a:off x="6746889" y="4096934"/>
-            <a:ext cx="485171" cy="484632"/>
+          <a:xfrm>
+            <a:off x="4399453" y="2155888"/>
+            <a:ext cx="993644" cy="484632"/>
           </a:xfrm>
           <a:prstGeom prst="rightArrow">
             <a:avLst/>
@@ -4584,7 +4663,7 @@
           <p:cNvPr id="11" name="TextBox 10">
             <a:extLst>
               <a:ext uri="{FF2B5EF4-FFF2-40B4-BE49-F238E27FC236}">
-                <a16:creationId xmlns:a16="http://schemas.microsoft.com/office/drawing/2014/main" id="{CB8712B7-22D4-1EBA-580D-1FD02E7CFDC4}"/>
+                <a16:creationId xmlns:a16="http://schemas.microsoft.com/office/drawing/2014/main" id="{479B0E18-62CD-3A49-32EB-9331D55D097E}"/>
               </a:ext>
             </a:extLst>
           </p:cNvPr>
@@ -4593,8 +4672,8 @@
         </p:nvSpPr>
         <p:spPr>
           <a:xfrm>
-            <a:off x="5381989" y="3995035"/>
-            <a:ext cx="1849802" cy="1200329"/>
+            <a:off x="4267468" y="1810986"/>
+            <a:ext cx="1125629" cy="461665"/>
           </a:xfrm>
           <a:prstGeom prst="rect">
             <a:avLst/>
@@ -4608,30 +4687,200 @@
           <a:lstStyle/>
           <a:p>
             <a:r>
-              <a:rPr lang="en-GB" sz="2400" dirty="0" err="1"/>
-              <a:t>recolor</a:t>
-            </a:r>
-            <a:endParaRPr lang="en-GB" sz="2400" dirty="0"/>
-          </a:p>
-          <a:p>
-            <a:r>
               <a:rPr lang="en-GB" sz="2400" dirty="0"/>
-              <a:t>Parents &amp;</a:t>
-            </a:r>
-          </a:p>
+              <a:t>insert 5</a:t>
+            </a:r>
+            <a:endParaRPr lang="en-SE" sz="2400" dirty="0"/>
+          </a:p>
+        </p:txBody>
+      </p:sp>
+      <p:pic>
+        <p:nvPicPr>
+          <p:cNvPr id="16" name="Picture 15">
+            <a:extLst>
+              <a:ext uri="{FF2B5EF4-FFF2-40B4-BE49-F238E27FC236}">
+                <a16:creationId xmlns:a16="http://schemas.microsoft.com/office/drawing/2014/main" id="{6FE5C328-3108-5F09-68C3-0CBC5C0F66F4}"/>
+              </a:ext>
+            </a:extLst>
+          </p:cNvPr>
+          <p:cNvPicPr>
+            <a:picLocks noChangeAspect="1"/>
+          </p:cNvPicPr>
+          <p:nvPr/>
+        </p:nvPicPr>
+        <p:blipFill>
+          <a:blip r:embed="rId4"/>
+          <a:srcRect/>
+          <a:stretch/>
+        </p:blipFill>
+        <p:spPr>
+          <a:xfrm>
+            <a:off x="1222064" y="3514360"/>
+            <a:ext cx="4047540" cy="2911874"/>
+          </a:xfrm>
+          <a:prstGeom prst="rect">
+            <a:avLst/>
+          </a:prstGeom>
+        </p:spPr>
+      </p:pic>
+      <p:sp>
+        <p:nvSpPr>
+          <p:cNvPr id="17" name="Arrow: Right 16">
+            <a:extLst>
+              <a:ext uri="{FF2B5EF4-FFF2-40B4-BE49-F238E27FC236}">
+                <a16:creationId xmlns:a16="http://schemas.microsoft.com/office/drawing/2014/main" id="{658916B1-7206-E7AA-0F5D-2829EBEFD717}"/>
+              </a:ext>
+            </a:extLst>
+          </p:cNvPr>
+          <p:cNvSpPr/>
+          <p:nvPr/>
+        </p:nvSpPr>
+        <p:spPr>
+          <a:xfrm>
+            <a:off x="352726" y="4726279"/>
+            <a:ext cx="993644" cy="484632"/>
+          </a:xfrm>
+          <a:prstGeom prst="rightArrow">
+            <a:avLst/>
+          </a:prstGeom>
+        </p:spPr>
+        <p:style>
+          <a:lnRef idx="1">
+            <a:schemeClr val="accent1"/>
+          </a:lnRef>
+          <a:fillRef idx="3">
+            <a:schemeClr val="accent1"/>
+          </a:fillRef>
+          <a:effectRef idx="2">
+            <a:schemeClr val="accent1"/>
+          </a:effectRef>
+          <a:fontRef idx="minor">
+            <a:schemeClr val="lt1"/>
+          </a:fontRef>
+        </p:style>
+        <p:txBody>
+          <a:bodyPr rtlCol="0" anchor="ctr"/>
+          <a:lstStyle/>
+          <a:p>
+            <a:pPr algn="ctr"/>
+            <a:endParaRPr lang="en-SE" sz="2400"/>
+          </a:p>
+        </p:txBody>
+      </p:sp>
+      <p:sp>
+        <p:nvSpPr>
+          <p:cNvPr id="18" name="TextBox 17">
+            <a:extLst>
+              <a:ext uri="{FF2B5EF4-FFF2-40B4-BE49-F238E27FC236}">
+                <a16:creationId xmlns:a16="http://schemas.microsoft.com/office/drawing/2014/main" id="{1D99A30F-816A-98FB-69F6-97A1F226CEF0}"/>
+              </a:ext>
+            </a:extLst>
+          </p:cNvPr>
+          <p:cNvSpPr txBox="1"/>
+          <p:nvPr/>
+        </p:nvSpPr>
+        <p:spPr>
+          <a:xfrm>
+            <a:off x="220741" y="4381377"/>
+            <a:ext cx="1125629" cy="461665"/>
+          </a:xfrm>
+          <a:prstGeom prst="rect">
+            <a:avLst/>
+          </a:prstGeom>
+          <a:noFill/>
+        </p:spPr>
+        <p:txBody>
+          <a:bodyPr wrap="none" rtlCol="0">
+            <a:spAutoFit/>
+          </a:bodyPr>
+          <a:lstStyle/>
           <a:p>
             <a:r>
               <a:rPr lang="en-GB" sz="2400" dirty="0"/>
-              <a:t>grandparents</a:t>
+              <a:t>insert 1</a:t>
             </a:r>
             <a:endParaRPr lang="en-SE" sz="2400" dirty="0"/>
+          </a:p>
+        </p:txBody>
+      </p:sp>
+      <p:pic>
+        <p:nvPicPr>
+          <p:cNvPr id="20" name="Picture 19">
+            <a:extLst>
+              <a:ext uri="{FF2B5EF4-FFF2-40B4-BE49-F238E27FC236}">
+                <a16:creationId xmlns:a16="http://schemas.microsoft.com/office/drawing/2014/main" id="{860E7C90-BC3A-6007-3E69-11E88DE064A2}"/>
+              </a:ext>
+            </a:extLst>
+          </p:cNvPr>
+          <p:cNvPicPr>
+            <a:picLocks noChangeAspect="1"/>
+          </p:cNvPicPr>
+          <p:nvPr/>
+        </p:nvPicPr>
+        <p:blipFill>
+          <a:blip r:embed="rId5"/>
+          <a:stretch>
+            <a:fillRect/>
+          </a:stretch>
+        </p:blipFill>
+        <p:spPr>
+          <a:xfrm>
+            <a:off x="6483989" y="4127963"/>
+            <a:ext cx="1981395" cy="1393082"/>
+          </a:xfrm>
+          <a:prstGeom prst="rect">
+            <a:avLst/>
+          </a:prstGeom>
+        </p:spPr>
+      </p:pic>
+      <p:sp>
+        <p:nvSpPr>
+          <p:cNvPr id="23" name="Arrow: Right 22">
+            <a:extLst>
+              <a:ext uri="{FF2B5EF4-FFF2-40B4-BE49-F238E27FC236}">
+                <a16:creationId xmlns:a16="http://schemas.microsoft.com/office/drawing/2014/main" id="{AD1710E9-6C04-29DB-58C2-9682E69B7965}"/>
+              </a:ext>
+            </a:extLst>
+          </p:cNvPr>
+          <p:cNvSpPr/>
+          <p:nvPr/>
+        </p:nvSpPr>
+        <p:spPr>
+          <a:xfrm>
+            <a:off x="5490345" y="4726279"/>
+            <a:ext cx="993644" cy="484632"/>
+          </a:xfrm>
+          <a:prstGeom prst="rightArrow">
+            <a:avLst/>
+          </a:prstGeom>
+        </p:spPr>
+        <p:style>
+          <a:lnRef idx="1">
+            <a:schemeClr val="accent1"/>
+          </a:lnRef>
+          <a:fillRef idx="3">
+            <a:schemeClr val="accent1"/>
+          </a:fillRef>
+          <a:effectRef idx="2">
+            <a:schemeClr val="accent1"/>
+          </a:effectRef>
+          <a:fontRef idx="minor">
+            <a:schemeClr val="lt1"/>
+          </a:fontRef>
+        </p:style>
+        <p:txBody>
+          <a:bodyPr rtlCol="0" anchor="ctr"/>
+          <a:lstStyle/>
+          <a:p>
+            <a:pPr algn="ctr"/>
+            <a:endParaRPr lang="en-SE" sz="2400"/>
           </a:p>
         </p:txBody>
       </p:sp>
     </p:spTree>
     <p:extLst>
       <p:ext uri="{BB962C8B-B14F-4D97-AF65-F5344CB8AC3E}">
-        <p14:creationId xmlns:p14="http://schemas.microsoft.com/office/powerpoint/2010/main" val="2272817501"/>
+        <p14:creationId xmlns:p14="http://schemas.microsoft.com/office/powerpoint/2010/main" val="3577417179"/>
       </p:ext>
     </p:extLst>
   </p:cSld>
@@ -4658,43 +4907,12 @@
           <a:chExt cx="0" cy="0"/>
         </a:xfrm>
       </p:grpSpPr>
-      <p:sp>
-        <p:nvSpPr>
-          <p:cNvPr id="2" name="Title 1">
-            <a:extLst>
-              <a:ext uri="{FF2B5EF4-FFF2-40B4-BE49-F238E27FC236}">
-                <a16:creationId xmlns:a16="http://schemas.microsoft.com/office/drawing/2014/main" id="{CB6C7F44-6A25-12EC-BC90-D6E01B7F2BB7}"/>
-              </a:ext>
-            </a:extLst>
-          </p:cNvPr>
-          <p:cNvSpPr>
-            <a:spLocks noGrp="1"/>
-          </p:cNvSpPr>
-          <p:nvPr>
-            <p:ph type="title"/>
-          </p:nvPr>
-        </p:nvSpPr>
-        <p:spPr/>
-        <p:txBody>
-          <a:bodyPr>
-            <a:normAutofit/>
-          </a:bodyPr>
-          <a:lstStyle/>
-          <a:p>
-            <a:r>
-              <a:rPr lang="en-GB" dirty="0"/>
-              <a:t>Example 1</a:t>
-            </a:r>
-            <a:endParaRPr lang="en-SE" dirty="0"/>
-          </a:p>
-        </p:txBody>
-      </p:sp>
       <p:pic>
         <p:nvPicPr>
-          <p:cNvPr id="5" name="Picture 4">
-            <a:extLst>
-              <a:ext uri="{FF2B5EF4-FFF2-40B4-BE49-F238E27FC236}">
-                <a16:creationId xmlns:a16="http://schemas.microsoft.com/office/drawing/2014/main" id="{ACD3AF60-1715-E981-0AAC-4C859BA1A230}"/>
+          <p:cNvPr id="14" name="Picture 13">
+            <a:extLst>
+              <a:ext uri="{FF2B5EF4-FFF2-40B4-BE49-F238E27FC236}">
+                <a16:creationId xmlns:a16="http://schemas.microsoft.com/office/drawing/2014/main" id="{6F32ABA3-796C-7223-D72E-6F38817314F5}"/>
               </a:ext>
             </a:extLst>
           </p:cNvPr>
@@ -4710,8 +4928,8 @@
         </p:blipFill>
         <p:spPr>
           <a:xfrm>
-            <a:off x="2092349" y="1662050"/>
-            <a:ext cx="2419447" cy="1584241"/>
+            <a:off x="5456973" y="3717731"/>
+            <a:ext cx="3590740" cy="2711756"/>
           </a:xfrm>
           <a:prstGeom prst="rect">
             <a:avLst/>
@@ -4720,10 +4938,10 @@
       </p:pic>
       <p:pic>
         <p:nvPicPr>
-          <p:cNvPr id="7" name="Picture 6">
-            <a:extLst>
-              <a:ext uri="{FF2B5EF4-FFF2-40B4-BE49-F238E27FC236}">
-                <a16:creationId xmlns:a16="http://schemas.microsoft.com/office/drawing/2014/main" id="{B45419B8-2D29-E258-A4E3-499637FB1267}"/>
+          <p:cNvPr id="11" name="Picture 10">
+            <a:extLst>
+              <a:ext uri="{FF2B5EF4-FFF2-40B4-BE49-F238E27FC236}">
+                <a16:creationId xmlns:a16="http://schemas.microsoft.com/office/drawing/2014/main" id="{892B0FAB-0099-311D-4701-F666597834E0}"/>
               </a:ext>
             </a:extLst>
           </p:cNvPr>
@@ -4740,8 +4958,8 @@
         </p:blipFill>
         <p:spPr>
           <a:xfrm>
-            <a:off x="5853982" y="1612567"/>
-            <a:ext cx="1468023" cy="1535307"/>
+            <a:off x="1058989" y="3459579"/>
+            <a:ext cx="3151146" cy="2873386"/>
           </a:xfrm>
           <a:prstGeom prst="rect">
             <a:avLst/>
@@ -4750,10 +4968,100 @@
       </p:pic>
       <p:sp>
         <p:nvSpPr>
+          <p:cNvPr id="3" name="Content Placeholder 2">
+            <a:extLst>
+              <a:ext uri="{FF2B5EF4-FFF2-40B4-BE49-F238E27FC236}">
+                <a16:creationId xmlns:a16="http://schemas.microsoft.com/office/drawing/2014/main" id="{EF8FD79E-D57B-6C48-5D16-CE8BFAAD23A3}"/>
+              </a:ext>
+            </a:extLst>
+          </p:cNvPr>
+          <p:cNvSpPr>
+            <a:spLocks noGrp="1"/>
+          </p:cNvSpPr>
+          <p:nvPr>
+            <p:ph idx="1"/>
+          </p:nvPr>
+        </p:nvSpPr>
+        <p:spPr>
+          <a:xfrm>
+            <a:off x="457200" y="1600201"/>
+            <a:ext cx="8229600" cy="2214052"/>
+          </a:xfrm>
+        </p:spPr>
+        <p:txBody>
+          <a:bodyPr/>
+          <a:lstStyle/>
+          <a:p>
+            <a:endParaRPr lang="en-SE" dirty="0"/>
+          </a:p>
+        </p:txBody>
+      </p:sp>
+      <p:pic>
+        <p:nvPicPr>
+          <p:cNvPr id="5" name="Picture 4">
+            <a:extLst>
+              <a:ext uri="{FF2B5EF4-FFF2-40B4-BE49-F238E27FC236}">
+                <a16:creationId xmlns:a16="http://schemas.microsoft.com/office/drawing/2014/main" id="{D8350048-8E02-5594-EDC7-B4F9F0865E07}"/>
+              </a:ext>
+            </a:extLst>
+          </p:cNvPr>
+          <p:cNvPicPr>
+            <a:picLocks noChangeAspect="1"/>
+          </p:cNvPicPr>
+          <p:nvPr/>
+        </p:nvPicPr>
+        <p:blipFill>
+          <a:blip r:embed="rId4"/>
+          <a:stretch>
+            <a:fillRect/>
+          </a:stretch>
+        </p:blipFill>
+        <p:spPr>
+          <a:xfrm>
+            <a:off x="304801" y="385252"/>
+            <a:ext cx="3470100" cy="2558867"/>
+          </a:xfrm>
+          <a:prstGeom prst="rect">
+            <a:avLst/>
+          </a:prstGeom>
+        </p:spPr>
+      </p:pic>
+      <p:pic>
+        <p:nvPicPr>
+          <p:cNvPr id="7" name="Picture 6">
+            <a:extLst>
+              <a:ext uri="{FF2B5EF4-FFF2-40B4-BE49-F238E27FC236}">
+                <a16:creationId xmlns:a16="http://schemas.microsoft.com/office/drawing/2014/main" id="{BE2E5162-04B3-F214-AEE1-6F0AF3597FF6}"/>
+              </a:ext>
+            </a:extLst>
+          </p:cNvPr>
+          <p:cNvPicPr>
+            <a:picLocks noChangeAspect="1"/>
+          </p:cNvPicPr>
+          <p:nvPr/>
+        </p:nvPicPr>
+        <p:blipFill>
+          <a:blip r:embed="rId5"/>
+          <a:stretch>
+            <a:fillRect/>
+          </a:stretch>
+        </p:blipFill>
+        <p:spPr>
+          <a:xfrm>
+            <a:off x="4896852" y="274638"/>
+            <a:ext cx="3470099" cy="3139613"/>
+          </a:xfrm>
+          <a:prstGeom prst="rect">
+            <a:avLst/>
+          </a:prstGeom>
+        </p:spPr>
+      </p:pic>
+      <p:sp>
+        <p:nvSpPr>
           <p:cNvPr id="8" name="Arrow: Right 7">
             <a:extLst>
               <a:ext uri="{FF2B5EF4-FFF2-40B4-BE49-F238E27FC236}">
-                <a16:creationId xmlns:a16="http://schemas.microsoft.com/office/drawing/2014/main" id="{C79ABA7A-86F2-F550-E7A1-598012AC6AB0}"/>
+                <a16:creationId xmlns:a16="http://schemas.microsoft.com/office/drawing/2014/main" id="{72776C62-D6E8-A103-4207-9F36C1E9C4A1}"/>
               </a:ext>
             </a:extLst>
           </p:cNvPr>
@@ -4762,7 +5070,7 @@
         </p:nvSpPr>
         <p:spPr>
           <a:xfrm>
-            <a:off x="1133162" y="2274806"/>
+            <a:off x="224403" y="5345046"/>
             <a:ext cx="993644" cy="484632"/>
           </a:xfrm>
           <a:prstGeom prst="rightArrow">
@@ -4797,7 +5105,7 @@
           <p:cNvPr id="9" name="TextBox 8">
             <a:extLst>
               <a:ext uri="{FF2B5EF4-FFF2-40B4-BE49-F238E27FC236}">
-                <a16:creationId xmlns:a16="http://schemas.microsoft.com/office/drawing/2014/main" id="{1830154E-B73F-740F-0832-56708EA6C28C}"/>
+                <a16:creationId xmlns:a16="http://schemas.microsoft.com/office/drawing/2014/main" id="{FE5F53BB-2653-04C1-04C2-A3A1F21748BA}"/>
               </a:ext>
             </a:extLst>
           </p:cNvPr>
@@ -4806,8 +5114,8 @@
         </p:nvSpPr>
         <p:spPr>
           <a:xfrm>
-            <a:off x="911638" y="1943022"/>
-            <a:ext cx="1281120" cy="461665"/>
+            <a:off x="86453" y="4296108"/>
+            <a:ext cx="1799303" cy="1200329"/>
           </a:xfrm>
           <a:prstGeom prst="rect">
             <a:avLst/>
@@ -4815,14 +5123,40 @@
           <a:noFill/>
         </p:spPr>
         <p:txBody>
-          <a:bodyPr wrap="none" rtlCol="0">
+          <a:bodyPr wrap="square" rtlCol="0">
             <a:spAutoFit/>
           </a:bodyPr>
           <a:lstStyle/>
           <a:p>
             <a:r>
               <a:rPr lang="en-GB" sz="2400" dirty="0"/>
-              <a:t>insert 15</a:t>
+              <a:t>Case 1. </a:t>
+            </a:r>
+            <a:r>
+              <a:rPr lang="en-GB" sz="2400" dirty="0" err="1"/>
+              <a:t>Z.uncle</a:t>
+            </a:r>
+            <a:r>
+              <a:rPr lang="en-GB" sz="2400" dirty="0"/>
+              <a:t> = </a:t>
+            </a:r>
+            <a:r>
+              <a:rPr lang="en-GB" sz="2400" dirty="0">
+                <a:solidFill>
+                  <a:srgbClr val="FF0000"/>
+                </a:solidFill>
+              </a:rPr>
+              <a:t>red</a:t>
+            </a:r>
+          </a:p>
+          <a:p>
+            <a:r>
+              <a:rPr lang="en-GB" sz="2400" dirty="0" err="1"/>
+              <a:t>recolor</a:t>
+            </a:r>
+            <a:r>
+              <a:rPr lang="en-GB" sz="2400" dirty="0"/>
+              <a:t> </a:t>
             </a:r>
             <a:endParaRPr lang="en-SE" sz="2400" dirty="0"/>
           </a:p>
@@ -4830,10 +5164,10 @@
       </p:sp>
       <p:sp>
         <p:nvSpPr>
-          <p:cNvPr id="10" name="Arrow: Right 9">
-            <a:extLst>
-              <a:ext uri="{FF2B5EF4-FFF2-40B4-BE49-F238E27FC236}">
-                <a16:creationId xmlns:a16="http://schemas.microsoft.com/office/drawing/2014/main" id="{D24D0946-FA6D-090B-EB05-652B5B335AFA}"/>
+          <p:cNvPr id="12" name="Arrow: Right 11">
+            <a:extLst>
+              <a:ext uri="{FF2B5EF4-FFF2-40B4-BE49-F238E27FC236}">
+                <a16:creationId xmlns:a16="http://schemas.microsoft.com/office/drawing/2014/main" id="{5C4409BC-B89C-6844-02D6-768768D2A164}"/>
               </a:ext>
             </a:extLst>
           </p:cNvPr>
@@ -4842,7 +5176,7 @@
         </p:nvSpPr>
         <p:spPr>
           <a:xfrm>
-            <a:off x="4399453" y="2155888"/>
+            <a:off x="3927300" y="2032209"/>
             <a:ext cx="993644" cy="484632"/>
           </a:xfrm>
           <a:prstGeom prst="rightArrow">
@@ -4874,10 +5208,10 @@
       </p:sp>
       <p:sp>
         <p:nvSpPr>
-          <p:cNvPr id="11" name="TextBox 10">
-            <a:extLst>
-              <a:ext uri="{FF2B5EF4-FFF2-40B4-BE49-F238E27FC236}">
-                <a16:creationId xmlns:a16="http://schemas.microsoft.com/office/drawing/2014/main" id="{479B0E18-62CD-3A49-32EB-9331D55D097E}"/>
+          <p:cNvPr id="13" name="TextBox 12">
+            <a:extLst>
+              <a:ext uri="{FF2B5EF4-FFF2-40B4-BE49-F238E27FC236}">
+                <a16:creationId xmlns:a16="http://schemas.microsoft.com/office/drawing/2014/main" id="{595B9A4D-B995-F89D-178E-71E5C6B0947F}"/>
               </a:ext>
             </a:extLst>
           </p:cNvPr>
@@ -4886,8 +5220,8 @@
         </p:nvSpPr>
         <p:spPr>
           <a:xfrm>
-            <a:off x="4267468" y="1810986"/>
-            <a:ext cx="1125629" cy="461665"/>
+            <a:off x="3795315" y="1687307"/>
+            <a:ext cx="1281120" cy="461665"/>
           </a:xfrm>
           <a:prstGeom prst="rect">
             <a:avLst/>
@@ -4902,47 +5236,18 @@
           <a:p>
             <a:r>
               <a:rPr lang="en-GB" sz="2400" dirty="0"/>
-              <a:t>insert 5</a:t>
+              <a:t>insert 10</a:t>
             </a:r>
             <a:endParaRPr lang="en-SE" sz="2400" dirty="0"/>
           </a:p>
         </p:txBody>
       </p:sp>
-      <p:pic>
-        <p:nvPicPr>
-          <p:cNvPr id="16" name="Picture 15">
-            <a:extLst>
-              <a:ext uri="{FF2B5EF4-FFF2-40B4-BE49-F238E27FC236}">
-                <a16:creationId xmlns:a16="http://schemas.microsoft.com/office/drawing/2014/main" id="{6FE5C328-3108-5F09-68C3-0CBC5C0F66F4}"/>
-              </a:ext>
-            </a:extLst>
-          </p:cNvPr>
-          <p:cNvPicPr>
-            <a:picLocks noChangeAspect="1"/>
-          </p:cNvPicPr>
-          <p:nvPr/>
-        </p:nvPicPr>
-        <p:blipFill>
-          <a:blip r:embed="rId4"/>
-          <a:srcRect/>
-          <a:stretch/>
-        </p:blipFill>
-        <p:spPr>
-          <a:xfrm>
-            <a:off x="1222064" y="3514360"/>
-            <a:ext cx="4047540" cy="2911874"/>
-          </a:xfrm>
-          <a:prstGeom prst="rect">
-            <a:avLst/>
-          </a:prstGeom>
-        </p:spPr>
-      </p:pic>
-      <p:sp>
-        <p:nvSpPr>
-          <p:cNvPr id="17" name="Arrow: Right 16">
-            <a:extLst>
-              <a:ext uri="{FF2B5EF4-FFF2-40B4-BE49-F238E27FC236}">
-                <a16:creationId xmlns:a16="http://schemas.microsoft.com/office/drawing/2014/main" id="{658916B1-7206-E7AA-0F5D-2829EBEFD717}"/>
+      <p:sp>
+        <p:nvSpPr>
+          <p:cNvPr id="15" name="Arrow: Right 14">
+            <a:extLst>
+              <a:ext uri="{FF2B5EF4-FFF2-40B4-BE49-F238E27FC236}">
+                <a16:creationId xmlns:a16="http://schemas.microsoft.com/office/drawing/2014/main" id="{34091109-3205-1DF9-8B38-D258EBA89378}"/>
               </a:ext>
             </a:extLst>
           </p:cNvPr>
@@ -4951,7 +5256,7 @@
         </p:nvSpPr>
         <p:spPr>
           <a:xfrm>
-            <a:off x="352726" y="4726279"/>
+            <a:off x="4526499" y="5414407"/>
             <a:ext cx="993644" cy="484632"/>
           </a:xfrm>
           <a:prstGeom prst="rightArrow">
@@ -4983,10 +5288,10 @@
       </p:sp>
       <p:sp>
         <p:nvSpPr>
-          <p:cNvPr id="18" name="TextBox 17">
-            <a:extLst>
-              <a:ext uri="{FF2B5EF4-FFF2-40B4-BE49-F238E27FC236}">
-                <a16:creationId xmlns:a16="http://schemas.microsoft.com/office/drawing/2014/main" id="{1D99A30F-816A-98FB-69F6-97A1F226CEF0}"/>
+          <p:cNvPr id="16" name="TextBox 15">
+            <a:extLst>
+              <a:ext uri="{FF2B5EF4-FFF2-40B4-BE49-F238E27FC236}">
+                <a16:creationId xmlns:a16="http://schemas.microsoft.com/office/drawing/2014/main" id="{8743DD0C-0833-3ADC-AF89-66532AB6C21A}"/>
               </a:ext>
             </a:extLst>
           </p:cNvPr>
@@ -4995,8 +5300,8 @@
         </p:nvSpPr>
         <p:spPr>
           <a:xfrm>
-            <a:off x="220741" y="4381377"/>
-            <a:ext cx="1125629" cy="461665"/>
+            <a:off x="4210135" y="3656198"/>
+            <a:ext cx="1669555" cy="1938992"/>
           </a:xfrm>
           <a:prstGeom prst="rect">
             <a:avLst/>
@@ -5004,97 +5309,305 @@
           <a:noFill/>
         </p:spPr>
         <p:txBody>
-          <a:bodyPr wrap="none" rtlCol="0">
+          <a:bodyPr wrap="square" rtlCol="0">
             <a:spAutoFit/>
           </a:bodyPr>
           <a:lstStyle/>
           <a:p>
             <a:r>
               <a:rPr lang="en-GB" sz="2400" dirty="0"/>
-              <a:t>insert 1</a:t>
+              <a:t>Case 2. </a:t>
+            </a:r>
+            <a:r>
+              <a:rPr lang="en-GB" sz="2400" dirty="0" err="1"/>
+              <a:t>Z.uncle</a:t>
+            </a:r>
+            <a:r>
+              <a:rPr lang="en-GB" sz="2400" dirty="0"/>
+              <a:t> = black</a:t>
+            </a:r>
+          </a:p>
+          <a:p>
+            <a:r>
+              <a:rPr lang="en-GB" sz="2400" dirty="0"/>
+              <a:t>right rotate on 15</a:t>
             </a:r>
             <a:endParaRPr lang="en-SE" sz="2400" dirty="0"/>
           </a:p>
         </p:txBody>
       </p:sp>
-      <p:pic>
-        <p:nvPicPr>
-          <p:cNvPr id="20" name="Picture 19">
-            <a:extLst>
-              <a:ext uri="{FF2B5EF4-FFF2-40B4-BE49-F238E27FC236}">
-                <a16:creationId xmlns:a16="http://schemas.microsoft.com/office/drawing/2014/main" id="{860E7C90-BC3A-6007-3E69-11E88DE064A2}"/>
-              </a:ext>
-            </a:extLst>
-          </p:cNvPr>
-          <p:cNvPicPr>
-            <a:picLocks noChangeAspect="1"/>
-          </p:cNvPicPr>
+      <p:sp>
+        <p:nvSpPr>
+          <p:cNvPr id="18" name="TextBox 17">
+            <a:extLst>
+              <a:ext uri="{FF2B5EF4-FFF2-40B4-BE49-F238E27FC236}">
+                <a16:creationId xmlns:a16="http://schemas.microsoft.com/office/drawing/2014/main" id="{E8C736D6-0212-79B6-EE58-FD4362464623}"/>
+              </a:ext>
+            </a:extLst>
+          </p:cNvPr>
+          <p:cNvSpPr txBox="1"/>
           <p:nvPr/>
-        </p:nvPicPr>
-        <p:blipFill>
-          <a:blip r:embed="rId5"/>
-          <a:stretch>
-            <a:fillRect/>
-          </a:stretch>
-        </p:blipFill>
-        <p:spPr>
-          <a:xfrm>
-            <a:off x="6483989" y="4127963"/>
-            <a:ext cx="1981395" cy="1393082"/>
+        </p:nvSpPr>
+        <p:spPr>
+          <a:xfrm>
+            <a:off x="2521985" y="4711606"/>
+            <a:ext cx="297426" cy="369332"/>
           </a:xfrm>
           <a:prstGeom prst="rect">
             <a:avLst/>
           </a:prstGeom>
-        </p:spPr>
-      </p:pic>
-      <p:sp>
-        <p:nvSpPr>
-          <p:cNvPr id="23" name="Arrow: Right 22">
-            <a:extLst>
-              <a:ext uri="{FF2B5EF4-FFF2-40B4-BE49-F238E27FC236}">
-                <a16:creationId xmlns:a16="http://schemas.microsoft.com/office/drawing/2014/main" id="{AD1710E9-6C04-29DB-58C2-9682E69B7965}"/>
-              </a:ext>
-            </a:extLst>
-          </p:cNvPr>
-          <p:cNvSpPr/>
+          <a:noFill/>
+        </p:spPr>
+        <p:txBody>
+          <a:bodyPr wrap="square">
+            <a:spAutoFit/>
+          </a:bodyPr>
+          <a:lstStyle/>
+          <a:p>
+            <a:r>
+              <a:rPr lang="en-GB" dirty="0"/>
+              <a:t>Z</a:t>
+            </a:r>
+            <a:endParaRPr lang="en-SE" dirty="0"/>
+          </a:p>
+        </p:txBody>
+      </p:sp>
+      <p:sp>
+        <p:nvSpPr>
+          <p:cNvPr id="19" name="TextBox 18">
+            <a:extLst>
+              <a:ext uri="{FF2B5EF4-FFF2-40B4-BE49-F238E27FC236}">
+                <a16:creationId xmlns:a16="http://schemas.microsoft.com/office/drawing/2014/main" id="{E1BB84DB-2C24-3C77-846C-0DAD05DF8FCD}"/>
+              </a:ext>
+            </a:extLst>
+          </p:cNvPr>
+          <p:cNvSpPr txBox="1"/>
           <p:nvPr/>
         </p:nvSpPr>
         <p:spPr>
           <a:xfrm>
-            <a:off x="5490345" y="4726279"/>
-            <a:ext cx="993644" cy="484632"/>
-          </a:xfrm>
-          <a:prstGeom prst="rightArrow">
+            <a:off x="1481171" y="4111442"/>
+            <a:ext cx="869491" cy="369332"/>
+          </a:xfrm>
+          <a:prstGeom prst="rect">
             <a:avLst/>
           </a:prstGeom>
-        </p:spPr>
-        <p:style>
-          <a:lnRef idx="1">
-            <a:schemeClr val="accent1"/>
-          </a:lnRef>
-          <a:fillRef idx="3">
-            <a:schemeClr val="accent1"/>
-          </a:fillRef>
-          <a:effectRef idx="2">
-            <a:schemeClr val="accent1"/>
-          </a:effectRef>
-          <a:fontRef idx="minor">
-            <a:schemeClr val="lt1"/>
-          </a:fontRef>
-        </p:style>
-        <p:txBody>
-          <a:bodyPr rtlCol="0" anchor="ctr"/>
-          <a:lstStyle/>
-          <a:p>
-            <a:pPr algn="ctr"/>
-            <a:endParaRPr lang="en-SE" sz="2400"/>
+          <a:noFill/>
+        </p:spPr>
+        <p:txBody>
+          <a:bodyPr wrap="square">
+            <a:spAutoFit/>
+          </a:bodyPr>
+          <a:lstStyle/>
+          <a:p>
+            <a:r>
+              <a:rPr lang="en-GB" dirty="0" err="1"/>
+              <a:t>Z.uncle</a:t>
+            </a:r>
+            <a:endParaRPr lang="en-SE" dirty="0"/>
+          </a:p>
+        </p:txBody>
+      </p:sp>
+      <p:sp>
+        <p:nvSpPr>
+          <p:cNvPr id="22" name="TextBox 21">
+            <a:extLst>
+              <a:ext uri="{FF2B5EF4-FFF2-40B4-BE49-F238E27FC236}">
+                <a16:creationId xmlns:a16="http://schemas.microsoft.com/office/drawing/2014/main" id="{833BAE2F-1D4B-962D-358B-A87FAA6E1DCE}"/>
+              </a:ext>
+            </a:extLst>
+          </p:cNvPr>
+          <p:cNvSpPr txBox="1"/>
+          <p:nvPr/>
+        </p:nvSpPr>
+        <p:spPr>
+          <a:xfrm>
+            <a:off x="6631901" y="2759453"/>
+            <a:ext cx="869491" cy="369332"/>
+          </a:xfrm>
+          <a:prstGeom prst="rect">
+            <a:avLst/>
+          </a:prstGeom>
+          <a:noFill/>
+        </p:spPr>
+        <p:txBody>
+          <a:bodyPr wrap="square">
+            <a:spAutoFit/>
+          </a:bodyPr>
+          <a:lstStyle/>
+          <a:p>
+            <a:r>
+              <a:rPr lang="en-GB" dirty="0" err="1"/>
+              <a:t>Z.uncle</a:t>
+            </a:r>
+            <a:endParaRPr lang="en-SE" dirty="0"/>
+          </a:p>
+        </p:txBody>
+      </p:sp>
+      <p:sp>
+        <p:nvSpPr>
+          <p:cNvPr id="23" name="TextBox 22">
+            <a:extLst>
+              <a:ext uri="{FF2B5EF4-FFF2-40B4-BE49-F238E27FC236}">
+                <a16:creationId xmlns:a16="http://schemas.microsoft.com/office/drawing/2014/main" id="{F1876323-7348-7F76-157C-38ADC3F22A06}"/>
+              </a:ext>
+            </a:extLst>
+          </p:cNvPr>
+          <p:cNvSpPr txBox="1"/>
+          <p:nvPr/>
+        </p:nvSpPr>
+        <p:spPr>
+          <a:xfrm>
+            <a:off x="5786295" y="3154586"/>
+            <a:ext cx="297426" cy="369332"/>
+          </a:xfrm>
+          <a:prstGeom prst="rect">
+            <a:avLst/>
+          </a:prstGeom>
+          <a:noFill/>
+        </p:spPr>
+        <p:txBody>
+          <a:bodyPr wrap="square">
+            <a:spAutoFit/>
+          </a:bodyPr>
+          <a:lstStyle/>
+          <a:p>
+            <a:r>
+              <a:rPr lang="en-GB" dirty="0"/>
+              <a:t>Z</a:t>
+            </a:r>
+            <a:endParaRPr lang="en-SE" dirty="0"/>
+          </a:p>
+        </p:txBody>
+      </p:sp>
+      <p:sp>
+        <p:nvSpPr>
+          <p:cNvPr id="24" name="Title 1">
+            <a:extLst>
+              <a:ext uri="{FF2B5EF4-FFF2-40B4-BE49-F238E27FC236}">
+                <a16:creationId xmlns:a16="http://schemas.microsoft.com/office/drawing/2014/main" id="{CC34313F-F628-E420-FBC0-57664F0A466C}"/>
+              </a:ext>
+            </a:extLst>
+          </p:cNvPr>
+          <p:cNvSpPr txBox="1">
+            <a:spLocks/>
+          </p:cNvSpPr>
+          <p:nvPr/>
+        </p:nvSpPr>
+        <p:spPr>
+          <a:xfrm>
+            <a:off x="2275976" y="-251744"/>
+            <a:ext cx="3317700" cy="1143000"/>
+          </a:xfrm>
+          <a:prstGeom prst="rect">
+            <a:avLst/>
+          </a:prstGeom>
+        </p:spPr>
+        <p:txBody>
+          <a:bodyPr vert="horz" lIns="91440" tIns="45720" rIns="91440" bIns="45720" rtlCol="0" anchor="ctr">
+            <a:normAutofit/>
+          </a:bodyPr>
+          <a:lstStyle>
+            <a:lvl1pPr algn="ctr" defTabSz="457200" rtl="0" eaLnBrk="1" latinLnBrk="0" hangingPunct="1">
+              <a:spcBef>
+                <a:spcPct val="0"/>
+              </a:spcBef>
+              <a:buNone/>
+              <a:defRPr sz="3600" kern="1200">
+                <a:solidFill>
+                  <a:schemeClr val="accent1"/>
+                </a:solidFill>
+                <a:latin typeface="Helvetica"/>
+                <a:ea typeface="+mj-ea"/>
+                <a:cs typeface="Helvetica"/>
+              </a:defRPr>
+            </a:lvl1pPr>
+          </a:lstStyle>
+          <a:p>
+            <a:r>
+              <a:rPr lang="en-GB" dirty="0"/>
+              <a:t>Example 2</a:t>
+            </a:r>
+            <a:endParaRPr lang="en-SE" dirty="0"/>
+          </a:p>
+        </p:txBody>
+      </p:sp>
+      <p:sp>
+        <p:nvSpPr>
+          <p:cNvPr id="25" name="TextBox 24">
+            <a:extLst>
+              <a:ext uri="{FF2B5EF4-FFF2-40B4-BE49-F238E27FC236}">
+                <a16:creationId xmlns:a16="http://schemas.microsoft.com/office/drawing/2014/main" id="{8464F0C0-9FDC-2994-F0DA-18CB96030672}"/>
+              </a:ext>
+            </a:extLst>
+          </p:cNvPr>
+          <p:cNvSpPr txBox="1"/>
+          <p:nvPr/>
+        </p:nvSpPr>
+        <p:spPr>
+          <a:xfrm>
+            <a:off x="8220540" y="4627648"/>
+            <a:ext cx="297426" cy="369332"/>
+          </a:xfrm>
+          <a:prstGeom prst="rect">
+            <a:avLst/>
+          </a:prstGeom>
+          <a:noFill/>
+        </p:spPr>
+        <p:txBody>
+          <a:bodyPr wrap="square">
+            <a:spAutoFit/>
+          </a:bodyPr>
+          <a:lstStyle/>
+          <a:p>
+            <a:r>
+              <a:rPr lang="en-GB" dirty="0"/>
+              <a:t>Z</a:t>
+            </a:r>
+            <a:endParaRPr lang="en-SE" dirty="0"/>
+          </a:p>
+        </p:txBody>
+      </p:sp>
+      <p:sp>
+        <p:nvSpPr>
+          <p:cNvPr id="28" name="TextBox 27">
+            <a:extLst>
+              <a:ext uri="{FF2B5EF4-FFF2-40B4-BE49-F238E27FC236}">
+                <a16:creationId xmlns:a16="http://schemas.microsoft.com/office/drawing/2014/main" id="{709B0EA1-A5F4-59EC-8FBB-D85FEDC6935A}"/>
+              </a:ext>
+            </a:extLst>
+          </p:cNvPr>
+          <p:cNvSpPr txBox="1"/>
+          <p:nvPr/>
+        </p:nvSpPr>
+        <p:spPr>
+          <a:xfrm>
+            <a:off x="5879690" y="4288037"/>
+            <a:ext cx="869491" cy="369332"/>
+          </a:xfrm>
+          <a:prstGeom prst="rect">
+            <a:avLst/>
+          </a:prstGeom>
+          <a:noFill/>
+        </p:spPr>
+        <p:txBody>
+          <a:bodyPr wrap="square">
+            <a:spAutoFit/>
+          </a:bodyPr>
+          <a:lstStyle/>
+          <a:p>
+            <a:r>
+              <a:rPr lang="en-GB" dirty="0" err="1"/>
+              <a:t>Z.uncle</a:t>
+            </a:r>
+            <a:endParaRPr lang="en-SE" dirty="0"/>
           </a:p>
         </p:txBody>
       </p:sp>
     </p:spTree>
     <p:extLst>
       <p:ext uri="{BB962C8B-B14F-4D97-AF65-F5344CB8AC3E}">
-        <p14:creationId xmlns:p14="http://schemas.microsoft.com/office/powerpoint/2010/main" val="3577417179"/>
+        <p14:creationId xmlns:p14="http://schemas.microsoft.com/office/powerpoint/2010/main" val="3305834215"/>
       </p:ext>
     </p:extLst>
   </p:cSld>
@@ -5121,12 +5634,72 @@
           <a:chExt cx="0" cy="0"/>
         </a:xfrm>
       </p:grpSpPr>
+      <p:sp>
+        <p:nvSpPr>
+          <p:cNvPr id="2" name="Title 1">
+            <a:extLst>
+              <a:ext uri="{FF2B5EF4-FFF2-40B4-BE49-F238E27FC236}">
+                <a16:creationId xmlns:a16="http://schemas.microsoft.com/office/drawing/2014/main" id="{97473D06-C2E0-F86B-9A58-360D3DF6B67F}"/>
+              </a:ext>
+            </a:extLst>
+          </p:cNvPr>
+          <p:cNvSpPr>
+            <a:spLocks noGrp="1"/>
+          </p:cNvSpPr>
+          <p:nvPr>
+            <p:ph type="title"/>
+          </p:nvPr>
+        </p:nvSpPr>
+        <p:spPr/>
+        <p:txBody>
+          <a:bodyPr>
+            <a:normAutofit/>
+          </a:bodyPr>
+          <a:lstStyle/>
+          <a:p>
+            <a:r>
+              <a:rPr lang="en-GB" dirty="0"/>
+              <a:t>Example 2 </a:t>
+            </a:r>
+            <a:r>
+              <a:rPr lang="en-GB" dirty="0" err="1"/>
+              <a:t>Con’t</a:t>
+            </a:r>
+            <a:endParaRPr lang="en-SE" dirty="0"/>
+          </a:p>
+        </p:txBody>
+      </p:sp>
+      <p:sp>
+        <p:nvSpPr>
+          <p:cNvPr id="3" name="Content Placeholder 2">
+            <a:extLst>
+              <a:ext uri="{FF2B5EF4-FFF2-40B4-BE49-F238E27FC236}">
+                <a16:creationId xmlns:a16="http://schemas.microsoft.com/office/drawing/2014/main" id="{F155A4FE-7BB8-541F-BD39-79BD9204B105}"/>
+              </a:ext>
+            </a:extLst>
+          </p:cNvPr>
+          <p:cNvSpPr>
+            <a:spLocks noGrp="1"/>
+          </p:cNvSpPr>
+          <p:nvPr>
+            <p:ph idx="1"/>
+          </p:nvPr>
+        </p:nvSpPr>
+        <p:spPr/>
+        <p:txBody>
+          <a:bodyPr/>
+          <a:lstStyle/>
+          <a:p>
+            <a:endParaRPr lang="en-SE"/>
+          </a:p>
+        </p:txBody>
+      </p:sp>
       <p:pic>
         <p:nvPicPr>
-          <p:cNvPr id="14" name="Picture 13">
-            <a:extLst>
-              <a:ext uri="{FF2B5EF4-FFF2-40B4-BE49-F238E27FC236}">
-                <a16:creationId xmlns:a16="http://schemas.microsoft.com/office/drawing/2014/main" id="{6F32ABA3-796C-7223-D72E-6F38817314F5}"/>
+          <p:cNvPr id="4" name="Picture 3">
+            <a:extLst>
+              <a:ext uri="{FF2B5EF4-FFF2-40B4-BE49-F238E27FC236}">
+                <a16:creationId xmlns:a16="http://schemas.microsoft.com/office/drawing/2014/main" id="{27A6170B-EE56-2E53-CCA3-F4F34DCAAE14}"/>
               </a:ext>
             </a:extLst>
           </p:cNvPr>
@@ -5142,7 +5715,7 @@
         </p:blipFill>
         <p:spPr>
           <a:xfrm>
-            <a:off x="5456973" y="3717731"/>
+            <a:off x="272181" y="2353186"/>
             <a:ext cx="3590740" cy="2711756"/>
           </a:xfrm>
           <a:prstGeom prst="rect">
@@ -5150,132 +5723,84 @@
           </a:prstGeom>
         </p:spPr>
       </p:pic>
-      <p:pic>
-        <p:nvPicPr>
-          <p:cNvPr id="11" name="Picture 10">
-            <a:extLst>
-              <a:ext uri="{FF2B5EF4-FFF2-40B4-BE49-F238E27FC236}">
-                <a16:creationId xmlns:a16="http://schemas.microsoft.com/office/drawing/2014/main" id="{892B0FAB-0099-311D-4701-F666597834E0}"/>
-              </a:ext>
-            </a:extLst>
-          </p:cNvPr>
-          <p:cNvPicPr>
-            <a:picLocks noChangeAspect="1"/>
-          </p:cNvPicPr>
+      <p:sp>
+        <p:nvSpPr>
+          <p:cNvPr id="7" name="TextBox 6">
+            <a:extLst>
+              <a:ext uri="{FF2B5EF4-FFF2-40B4-BE49-F238E27FC236}">
+                <a16:creationId xmlns:a16="http://schemas.microsoft.com/office/drawing/2014/main" id="{D6D2E3D5-C86A-CA33-431C-2733F2E85EF7}"/>
+              </a:ext>
+            </a:extLst>
+          </p:cNvPr>
+          <p:cNvSpPr txBox="1"/>
           <p:nvPr/>
-        </p:nvPicPr>
-        <p:blipFill>
-          <a:blip r:embed="rId3"/>
-          <a:stretch>
-            <a:fillRect/>
-          </a:stretch>
-        </p:blipFill>
-        <p:spPr>
-          <a:xfrm>
-            <a:off x="1058989" y="3459579"/>
-            <a:ext cx="3151146" cy="2873386"/>
+        </p:nvSpPr>
+        <p:spPr>
+          <a:xfrm>
+            <a:off x="3035748" y="3263103"/>
+            <a:ext cx="297426" cy="369332"/>
           </a:xfrm>
           <a:prstGeom prst="rect">
             <a:avLst/>
           </a:prstGeom>
-        </p:spPr>
-      </p:pic>
-      <p:sp>
-        <p:nvSpPr>
-          <p:cNvPr id="3" name="Content Placeholder 2">
-            <a:extLst>
-              <a:ext uri="{FF2B5EF4-FFF2-40B4-BE49-F238E27FC236}">
-                <a16:creationId xmlns:a16="http://schemas.microsoft.com/office/drawing/2014/main" id="{EF8FD79E-D57B-6C48-5D16-CE8BFAAD23A3}"/>
-              </a:ext>
-            </a:extLst>
-          </p:cNvPr>
-          <p:cNvSpPr>
-            <a:spLocks noGrp="1"/>
-          </p:cNvSpPr>
-          <p:nvPr>
-            <p:ph idx="1"/>
-          </p:nvPr>
-        </p:nvSpPr>
-        <p:spPr>
-          <a:xfrm>
-            <a:off x="457200" y="1600201"/>
-            <a:ext cx="8229600" cy="2214052"/>
-          </a:xfrm>
-        </p:spPr>
-        <p:txBody>
-          <a:bodyPr/>
-          <a:lstStyle/>
-          <a:p>
+          <a:noFill/>
+        </p:spPr>
+        <p:txBody>
+          <a:bodyPr wrap="square">
+            <a:spAutoFit/>
+          </a:bodyPr>
+          <a:lstStyle/>
+          <a:p>
+            <a:r>
+              <a:rPr lang="en-GB" dirty="0"/>
+              <a:t>Z</a:t>
+            </a:r>
             <a:endParaRPr lang="en-SE" dirty="0"/>
           </a:p>
         </p:txBody>
       </p:sp>
-      <p:pic>
-        <p:nvPicPr>
-          <p:cNvPr id="5" name="Picture 4">
-            <a:extLst>
-              <a:ext uri="{FF2B5EF4-FFF2-40B4-BE49-F238E27FC236}">
-                <a16:creationId xmlns:a16="http://schemas.microsoft.com/office/drawing/2014/main" id="{D8350048-8E02-5594-EDC7-B4F9F0865E07}"/>
-              </a:ext>
-            </a:extLst>
-          </p:cNvPr>
-          <p:cNvPicPr>
-            <a:picLocks noChangeAspect="1"/>
-          </p:cNvPicPr>
+      <p:sp>
+        <p:nvSpPr>
+          <p:cNvPr id="8" name="TextBox 7">
+            <a:extLst>
+              <a:ext uri="{FF2B5EF4-FFF2-40B4-BE49-F238E27FC236}">
+                <a16:creationId xmlns:a16="http://schemas.microsoft.com/office/drawing/2014/main" id="{970DB451-1101-9B73-7393-E01217DFEBCF}"/>
+              </a:ext>
+            </a:extLst>
+          </p:cNvPr>
+          <p:cNvSpPr txBox="1"/>
           <p:nvPr/>
-        </p:nvPicPr>
-        <p:blipFill>
-          <a:blip r:embed="rId4"/>
-          <a:stretch>
-            <a:fillRect/>
-          </a:stretch>
-        </p:blipFill>
-        <p:spPr>
-          <a:xfrm>
-            <a:off x="304801" y="385252"/>
-            <a:ext cx="3470100" cy="2558867"/>
+        </p:nvSpPr>
+        <p:spPr>
+          <a:xfrm>
+            <a:off x="694898" y="2923492"/>
+            <a:ext cx="869491" cy="369332"/>
           </a:xfrm>
           <a:prstGeom prst="rect">
             <a:avLst/>
           </a:prstGeom>
-        </p:spPr>
-      </p:pic>
-      <p:pic>
-        <p:nvPicPr>
-          <p:cNvPr id="7" name="Picture 6">
-            <a:extLst>
-              <a:ext uri="{FF2B5EF4-FFF2-40B4-BE49-F238E27FC236}">
-                <a16:creationId xmlns:a16="http://schemas.microsoft.com/office/drawing/2014/main" id="{BE2E5162-04B3-F214-AEE1-6F0AF3597FF6}"/>
-              </a:ext>
-            </a:extLst>
-          </p:cNvPr>
-          <p:cNvPicPr>
-            <a:picLocks noChangeAspect="1"/>
-          </p:cNvPicPr>
-          <p:nvPr/>
-        </p:nvPicPr>
-        <p:blipFill>
-          <a:blip r:embed="rId5"/>
-          <a:stretch>
-            <a:fillRect/>
-          </a:stretch>
-        </p:blipFill>
-        <p:spPr>
-          <a:xfrm>
-            <a:off x="4896852" y="274638"/>
-            <a:ext cx="3470099" cy="3139613"/>
-          </a:xfrm>
-          <a:prstGeom prst="rect">
-            <a:avLst/>
-          </a:prstGeom>
-        </p:spPr>
-      </p:pic>
-      <p:sp>
-        <p:nvSpPr>
-          <p:cNvPr id="8" name="Arrow: Right 7">
-            <a:extLst>
-              <a:ext uri="{FF2B5EF4-FFF2-40B4-BE49-F238E27FC236}">
-                <a16:creationId xmlns:a16="http://schemas.microsoft.com/office/drawing/2014/main" id="{72776C62-D6E8-A103-4207-9F36C1E9C4A1}"/>
+          <a:noFill/>
+        </p:spPr>
+        <p:txBody>
+          <a:bodyPr wrap="square">
+            <a:spAutoFit/>
+          </a:bodyPr>
+          <a:lstStyle/>
+          <a:p>
+            <a:r>
+              <a:rPr lang="en-GB" dirty="0" err="1"/>
+              <a:t>Z.uncle</a:t>
+            </a:r>
+            <a:endParaRPr lang="en-SE" dirty="0"/>
+          </a:p>
+        </p:txBody>
+      </p:sp>
+      <p:sp>
+        <p:nvSpPr>
+          <p:cNvPr id="11" name="Arrow: Right 10">
+            <a:extLst>
+              <a:ext uri="{FF2B5EF4-FFF2-40B4-BE49-F238E27FC236}">
+                <a16:creationId xmlns:a16="http://schemas.microsoft.com/office/drawing/2014/main" id="{F5838CA9-C463-78FE-16C5-7D7A2A4E9B79}"/>
               </a:ext>
             </a:extLst>
           </p:cNvPr>
@@ -5284,7 +5809,7 @@
         </p:nvSpPr>
         <p:spPr>
           <a:xfrm>
-            <a:off x="224403" y="5345046"/>
+            <a:off x="4037969" y="4195691"/>
             <a:ext cx="993644" cy="484632"/>
           </a:xfrm>
           <a:prstGeom prst="rightArrow">
@@ -5316,10 +5841,10 @@
       </p:sp>
       <p:sp>
         <p:nvSpPr>
-          <p:cNvPr id="9" name="TextBox 8">
-            <a:extLst>
-              <a:ext uri="{FF2B5EF4-FFF2-40B4-BE49-F238E27FC236}">
-                <a16:creationId xmlns:a16="http://schemas.microsoft.com/office/drawing/2014/main" id="{FE5F53BB-2653-04C1-04C2-A3A1F21748BA}"/>
+          <p:cNvPr id="12" name="TextBox 11">
+            <a:extLst>
+              <a:ext uri="{FF2B5EF4-FFF2-40B4-BE49-F238E27FC236}">
+                <a16:creationId xmlns:a16="http://schemas.microsoft.com/office/drawing/2014/main" id="{7E37C1EE-5E48-1DDD-80ED-D90DA1A06BC5}"/>
               </a:ext>
             </a:extLst>
           </p:cNvPr>
@@ -5328,8 +5853,8 @@
         </p:nvSpPr>
         <p:spPr>
           <a:xfrm>
-            <a:off x="86453" y="4296108"/>
-            <a:ext cx="1799303" cy="1200329"/>
+            <a:off x="3763823" y="2083892"/>
+            <a:ext cx="1669555" cy="2308324"/>
           </a:xfrm>
           <a:prstGeom prst="rect">
             <a:avLst/>
@@ -5344,7 +5869,7 @@
           <a:p>
             <a:r>
               <a:rPr lang="en-GB" sz="2400" dirty="0"/>
-              <a:t>Case 1. </a:t>
+              <a:t>Case 2. </a:t>
             </a:r>
             <a:r>
               <a:rPr lang="en-GB" sz="2400" dirty="0" err="1"/>
@@ -5352,476 +5877,56 @@
             </a:r>
             <a:r>
               <a:rPr lang="en-GB" sz="2400" dirty="0"/>
-              <a:t> = </a:t>
-            </a:r>
-            <a:r>
-              <a:rPr lang="en-GB" sz="2400" dirty="0">
-                <a:solidFill>
-                  <a:srgbClr val="FF0000"/>
-                </a:solidFill>
-              </a:rPr>
-              <a:t>red</a:t>
-            </a:r>
-          </a:p>
-          <a:p>
+              <a:t> = black</a:t>
+            </a:r>
+          </a:p>
+          <a:p>
+            <a:r>
+              <a:rPr lang="en-GB" sz="2400" dirty="0"/>
+              <a:t>left rotate on 8 &amp; </a:t>
+            </a:r>
             <a:r>
               <a:rPr lang="en-GB" sz="2400" dirty="0" err="1"/>
               <a:t>recolor</a:t>
             </a:r>
-            <a:r>
-              <a:rPr lang="en-GB" sz="2400" dirty="0"/>
-              <a:t> </a:t>
-            </a:r>
             <a:endParaRPr lang="en-SE" sz="2400" dirty="0"/>
           </a:p>
         </p:txBody>
       </p:sp>
-      <p:sp>
-        <p:nvSpPr>
-          <p:cNvPr id="12" name="Arrow: Right 11">
-            <a:extLst>
-              <a:ext uri="{FF2B5EF4-FFF2-40B4-BE49-F238E27FC236}">
-                <a16:creationId xmlns:a16="http://schemas.microsoft.com/office/drawing/2014/main" id="{5C4409BC-B89C-6844-02D6-768768D2A164}"/>
-              </a:ext>
-            </a:extLst>
-          </p:cNvPr>
-          <p:cNvSpPr/>
+      <p:pic>
+        <p:nvPicPr>
+          <p:cNvPr id="14" name="Picture 13">
+            <a:extLst>
+              <a:ext uri="{FF2B5EF4-FFF2-40B4-BE49-F238E27FC236}">
+                <a16:creationId xmlns:a16="http://schemas.microsoft.com/office/drawing/2014/main" id="{E72F3960-2177-7003-B9A3-03D5B5535ABC}"/>
+              </a:ext>
+            </a:extLst>
+          </p:cNvPr>
+          <p:cNvPicPr>
+            <a:picLocks noChangeAspect="1"/>
+          </p:cNvPicPr>
           <p:nvPr/>
-        </p:nvSpPr>
-        <p:spPr>
-          <a:xfrm>
-            <a:off x="3927300" y="2032209"/>
-            <a:ext cx="993644" cy="484632"/>
-          </a:xfrm>
-          <a:prstGeom prst="rightArrow">
-            <a:avLst/>
-          </a:prstGeom>
-        </p:spPr>
-        <p:style>
-          <a:lnRef idx="1">
-            <a:schemeClr val="accent1"/>
-          </a:lnRef>
-          <a:fillRef idx="3">
-            <a:schemeClr val="accent1"/>
-          </a:fillRef>
-          <a:effectRef idx="2">
-            <a:schemeClr val="accent1"/>
-          </a:effectRef>
-          <a:fontRef idx="minor">
-            <a:schemeClr val="lt1"/>
-          </a:fontRef>
-        </p:style>
-        <p:txBody>
-          <a:bodyPr rtlCol="0" anchor="ctr"/>
-          <a:lstStyle/>
-          <a:p>
-            <a:pPr algn="ctr"/>
-            <a:endParaRPr lang="en-SE" sz="2400"/>
-          </a:p>
-        </p:txBody>
-      </p:sp>
-      <p:sp>
-        <p:nvSpPr>
-          <p:cNvPr id="13" name="TextBox 12">
-            <a:extLst>
-              <a:ext uri="{FF2B5EF4-FFF2-40B4-BE49-F238E27FC236}">
-                <a16:creationId xmlns:a16="http://schemas.microsoft.com/office/drawing/2014/main" id="{595B9A4D-B995-F89D-178E-71E5C6B0947F}"/>
-              </a:ext>
-            </a:extLst>
-          </p:cNvPr>
-          <p:cNvSpPr txBox="1"/>
-          <p:nvPr/>
-        </p:nvSpPr>
-        <p:spPr>
-          <a:xfrm>
-            <a:off x="3795315" y="1687307"/>
-            <a:ext cx="1281120" cy="461665"/>
+        </p:nvPicPr>
+        <p:blipFill>
+          <a:blip r:embed="rId3"/>
+          <a:stretch>
+            <a:fillRect/>
+          </a:stretch>
+        </p:blipFill>
+        <p:spPr>
+          <a:xfrm>
+            <a:off x="5334280" y="2418895"/>
+            <a:ext cx="3489248" cy="2427080"/>
           </a:xfrm>
           <a:prstGeom prst="rect">
             <a:avLst/>
           </a:prstGeom>
-          <a:noFill/>
-        </p:spPr>
-        <p:txBody>
-          <a:bodyPr wrap="none" rtlCol="0">
-            <a:spAutoFit/>
-          </a:bodyPr>
-          <a:lstStyle/>
-          <a:p>
-            <a:r>
-              <a:rPr lang="en-GB" sz="2400" dirty="0"/>
-              <a:t>insert 10</a:t>
-            </a:r>
-            <a:endParaRPr lang="en-SE" sz="2400" dirty="0"/>
-          </a:p>
-        </p:txBody>
-      </p:sp>
-      <p:sp>
-        <p:nvSpPr>
-          <p:cNvPr id="15" name="Arrow: Right 14">
-            <a:extLst>
-              <a:ext uri="{FF2B5EF4-FFF2-40B4-BE49-F238E27FC236}">
-                <a16:creationId xmlns:a16="http://schemas.microsoft.com/office/drawing/2014/main" id="{34091109-3205-1DF9-8B38-D258EBA89378}"/>
-              </a:ext>
-            </a:extLst>
-          </p:cNvPr>
-          <p:cNvSpPr/>
-          <p:nvPr/>
-        </p:nvSpPr>
-        <p:spPr>
-          <a:xfrm>
-            <a:off x="4526499" y="5414407"/>
-            <a:ext cx="993644" cy="484632"/>
-          </a:xfrm>
-          <a:prstGeom prst="rightArrow">
-            <a:avLst/>
-          </a:prstGeom>
-        </p:spPr>
-        <p:style>
-          <a:lnRef idx="1">
-            <a:schemeClr val="accent1"/>
-          </a:lnRef>
-          <a:fillRef idx="3">
-            <a:schemeClr val="accent1"/>
-          </a:fillRef>
-          <a:effectRef idx="2">
-            <a:schemeClr val="accent1"/>
-          </a:effectRef>
-          <a:fontRef idx="minor">
-            <a:schemeClr val="lt1"/>
-          </a:fontRef>
-        </p:style>
-        <p:txBody>
-          <a:bodyPr rtlCol="0" anchor="ctr"/>
-          <a:lstStyle/>
-          <a:p>
-            <a:pPr algn="ctr"/>
-            <a:endParaRPr lang="en-SE" sz="2400"/>
-          </a:p>
-        </p:txBody>
-      </p:sp>
-      <p:sp>
-        <p:nvSpPr>
-          <p:cNvPr id="16" name="TextBox 15">
-            <a:extLst>
-              <a:ext uri="{FF2B5EF4-FFF2-40B4-BE49-F238E27FC236}">
-                <a16:creationId xmlns:a16="http://schemas.microsoft.com/office/drawing/2014/main" id="{8743DD0C-0833-3ADC-AF89-66532AB6C21A}"/>
-              </a:ext>
-            </a:extLst>
-          </p:cNvPr>
-          <p:cNvSpPr txBox="1"/>
-          <p:nvPr/>
-        </p:nvSpPr>
-        <p:spPr>
-          <a:xfrm>
-            <a:off x="4210135" y="3656198"/>
-            <a:ext cx="1669555" cy="1938992"/>
-          </a:xfrm>
-          <a:prstGeom prst="rect">
-            <a:avLst/>
-          </a:prstGeom>
-          <a:noFill/>
-        </p:spPr>
-        <p:txBody>
-          <a:bodyPr wrap="square" rtlCol="0">
-            <a:spAutoFit/>
-          </a:bodyPr>
-          <a:lstStyle/>
-          <a:p>
-            <a:r>
-              <a:rPr lang="en-GB" sz="2400" dirty="0"/>
-              <a:t>Case 2. </a:t>
-            </a:r>
-            <a:r>
-              <a:rPr lang="en-GB" sz="2400" dirty="0" err="1"/>
-              <a:t>Z.uncle</a:t>
-            </a:r>
-            <a:r>
-              <a:rPr lang="en-GB" sz="2400" dirty="0"/>
-              <a:t> = black</a:t>
-            </a:r>
-          </a:p>
-          <a:p>
-            <a:r>
-              <a:rPr lang="en-GB" sz="2400" dirty="0"/>
-              <a:t>right rotate on 15</a:t>
-            </a:r>
-            <a:endParaRPr lang="en-SE" sz="2400" dirty="0"/>
-          </a:p>
-        </p:txBody>
-      </p:sp>
-      <p:sp>
-        <p:nvSpPr>
-          <p:cNvPr id="18" name="TextBox 17">
-            <a:extLst>
-              <a:ext uri="{FF2B5EF4-FFF2-40B4-BE49-F238E27FC236}">
-                <a16:creationId xmlns:a16="http://schemas.microsoft.com/office/drawing/2014/main" id="{E8C736D6-0212-79B6-EE58-FD4362464623}"/>
-              </a:ext>
-            </a:extLst>
-          </p:cNvPr>
-          <p:cNvSpPr txBox="1"/>
-          <p:nvPr/>
-        </p:nvSpPr>
-        <p:spPr>
-          <a:xfrm>
-            <a:off x="2521985" y="4711606"/>
-            <a:ext cx="297426" cy="369332"/>
-          </a:xfrm>
-          <a:prstGeom prst="rect">
-            <a:avLst/>
-          </a:prstGeom>
-          <a:noFill/>
-        </p:spPr>
-        <p:txBody>
-          <a:bodyPr wrap="square">
-            <a:spAutoFit/>
-          </a:bodyPr>
-          <a:lstStyle/>
-          <a:p>
-            <a:r>
-              <a:rPr lang="en-GB" dirty="0"/>
-              <a:t>Z</a:t>
-            </a:r>
-            <a:endParaRPr lang="en-SE" dirty="0"/>
-          </a:p>
-        </p:txBody>
-      </p:sp>
-      <p:sp>
-        <p:nvSpPr>
-          <p:cNvPr id="19" name="TextBox 18">
-            <a:extLst>
-              <a:ext uri="{FF2B5EF4-FFF2-40B4-BE49-F238E27FC236}">
-                <a16:creationId xmlns:a16="http://schemas.microsoft.com/office/drawing/2014/main" id="{E1BB84DB-2C24-3C77-846C-0DAD05DF8FCD}"/>
-              </a:ext>
-            </a:extLst>
-          </p:cNvPr>
-          <p:cNvSpPr txBox="1"/>
-          <p:nvPr/>
-        </p:nvSpPr>
-        <p:spPr>
-          <a:xfrm>
-            <a:off x="1481171" y="4111442"/>
-            <a:ext cx="869491" cy="369332"/>
-          </a:xfrm>
-          <a:prstGeom prst="rect">
-            <a:avLst/>
-          </a:prstGeom>
-          <a:noFill/>
-        </p:spPr>
-        <p:txBody>
-          <a:bodyPr wrap="square">
-            <a:spAutoFit/>
-          </a:bodyPr>
-          <a:lstStyle/>
-          <a:p>
-            <a:r>
-              <a:rPr lang="en-GB" dirty="0" err="1"/>
-              <a:t>Z.uncle</a:t>
-            </a:r>
-            <a:endParaRPr lang="en-SE" dirty="0"/>
-          </a:p>
-        </p:txBody>
-      </p:sp>
-      <p:sp>
-        <p:nvSpPr>
-          <p:cNvPr id="22" name="TextBox 21">
-            <a:extLst>
-              <a:ext uri="{FF2B5EF4-FFF2-40B4-BE49-F238E27FC236}">
-                <a16:creationId xmlns:a16="http://schemas.microsoft.com/office/drawing/2014/main" id="{833BAE2F-1D4B-962D-358B-A87FAA6E1DCE}"/>
-              </a:ext>
-            </a:extLst>
-          </p:cNvPr>
-          <p:cNvSpPr txBox="1"/>
-          <p:nvPr/>
-        </p:nvSpPr>
-        <p:spPr>
-          <a:xfrm>
-            <a:off x="6631901" y="2759453"/>
-            <a:ext cx="869491" cy="369332"/>
-          </a:xfrm>
-          <a:prstGeom prst="rect">
-            <a:avLst/>
-          </a:prstGeom>
-          <a:noFill/>
-        </p:spPr>
-        <p:txBody>
-          <a:bodyPr wrap="square">
-            <a:spAutoFit/>
-          </a:bodyPr>
-          <a:lstStyle/>
-          <a:p>
-            <a:r>
-              <a:rPr lang="en-GB" dirty="0" err="1"/>
-              <a:t>Z.uncle</a:t>
-            </a:r>
-            <a:endParaRPr lang="en-SE" dirty="0"/>
-          </a:p>
-        </p:txBody>
-      </p:sp>
-      <p:sp>
-        <p:nvSpPr>
-          <p:cNvPr id="23" name="TextBox 22">
-            <a:extLst>
-              <a:ext uri="{FF2B5EF4-FFF2-40B4-BE49-F238E27FC236}">
-                <a16:creationId xmlns:a16="http://schemas.microsoft.com/office/drawing/2014/main" id="{F1876323-7348-7F76-157C-38ADC3F22A06}"/>
-              </a:ext>
-            </a:extLst>
-          </p:cNvPr>
-          <p:cNvSpPr txBox="1"/>
-          <p:nvPr/>
-        </p:nvSpPr>
-        <p:spPr>
-          <a:xfrm>
-            <a:off x="5786295" y="3154586"/>
-            <a:ext cx="297426" cy="369332"/>
-          </a:xfrm>
-          <a:prstGeom prst="rect">
-            <a:avLst/>
-          </a:prstGeom>
-          <a:noFill/>
-        </p:spPr>
-        <p:txBody>
-          <a:bodyPr wrap="square">
-            <a:spAutoFit/>
-          </a:bodyPr>
-          <a:lstStyle/>
-          <a:p>
-            <a:r>
-              <a:rPr lang="en-GB" dirty="0"/>
-              <a:t>Z</a:t>
-            </a:r>
-            <a:endParaRPr lang="en-SE" dirty="0"/>
-          </a:p>
-        </p:txBody>
-      </p:sp>
-      <p:sp>
-        <p:nvSpPr>
-          <p:cNvPr id="24" name="Title 1">
-            <a:extLst>
-              <a:ext uri="{FF2B5EF4-FFF2-40B4-BE49-F238E27FC236}">
-                <a16:creationId xmlns:a16="http://schemas.microsoft.com/office/drawing/2014/main" id="{CC34313F-F628-E420-FBC0-57664F0A466C}"/>
-              </a:ext>
-            </a:extLst>
-          </p:cNvPr>
-          <p:cNvSpPr txBox="1">
-            <a:spLocks/>
-          </p:cNvSpPr>
-          <p:nvPr/>
-        </p:nvSpPr>
-        <p:spPr>
-          <a:xfrm>
-            <a:off x="2275976" y="-251744"/>
-            <a:ext cx="3317700" cy="1143000"/>
-          </a:xfrm>
-          <a:prstGeom prst="rect">
-            <a:avLst/>
-          </a:prstGeom>
-        </p:spPr>
-        <p:txBody>
-          <a:bodyPr vert="horz" lIns="91440" tIns="45720" rIns="91440" bIns="45720" rtlCol="0" anchor="ctr">
-            <a:normAutofit/>
-          </a:bodyPr>
-          <a:lstStyle>
-            <a:lvl1pPr algn="ctr" defTabSz="457200" rtl="0" eaLnBrk="1" latinLnBrk="0" hangingPunct="1">
-              <a:spcBef>
-                <a:spcPct val="0"/>
-              </a:spcBef>
-              <a:buNone/>
-              <a:defRPr sz="3600" kern="1200">
-                <a:solidFill>
-                  <a:schemeClr val="accent1"/>
-                </a:solidFill>
-                <a:latin typeface="Helvetica"/>
-                <a:ea typeface="+mj-ea"/>
-                <a:cs typeface="Helvetica"/>
-              </a:defRPr>
-            </a:lvl1pPr>
-          </a:lstStyle>
-          <a:p>
-            <a:r>
-              <a:rPr lang="en-GB" dirty="0"/>
-              <a:t>Example 2</a:t>
-            </a:r>
-            <a:endParaRPr lang="en-SE" dirty="0"/>
-          </a:p>
-        </p:txBody>
-      </p:sp>
-      <p:sp>
-        <p:nvSpPr>
-          <p:cNvPr id="25" name="TextBox 24">
-            <a:extLst>
-              <a:ext uri="{FF2B5EF4-FFF2-40B4-BE49-F238E27FC236}">
-                <a16:creationId xmlns:a16="http://schemas.microsoft.com/office/drawing/2014/main" id="{8464F0C0-9FDC-2994-F0DA-18CB96030672}"/>
-              </a:ext>
-            </a:extLst>
-          </p:cNvPr>
-          <p:cNvSpPr txBox="1"/>
-          <p:nvPr/>
-        </p:nvSpPr>
-        <p:spPr>
-          <a:xfrm>
-            <a:off x="8220540" y="4627648"/>
-            <a:ext cx="297426" cy="369332"/>
-          </a:xfrm>
-          <a:prstGeom prst="rect">
-            <a:avLst/>
-          </a:prstGeom>
-          <a:noFill/>
-        </p:spPr>
-        <p:txBody>
-          <a:bodyPr wrap="square">
-            <a:spAutoFit/>
-          </a:bodyPr>
-          <a:lstStyle/>
-          <a:p>
-            <a:r>
-              <a:rPr lang="en-GB" dirty="0"/>
-              <a:t>Z</a:t>
-            </a:r>
-            <a:endParaRPr lang="en-SE" dirty="0"/>
-          </a:p>
-        </p:txBody>
-      </p:sp>
-      <p:sp>
-        <p:nvSpPr>
-          <p:cNvPr id="28" name="TextBox 27">
-            <a:extLst>
-              <a:ext uri="{FF2B5EF4-FFF2-40B4-BE49-F238E27FC236}">
-                <a16:creationId xmlns:a16="http://schemas.microsoft.com/office/drawing/2014/main" id="{709B0EA1-A5F4-59EC-8FBB-D85FEDC6935A}"/>
-              </a:ext>
-            </a:extLst>
-          </p:cNvPr>
-          <p:cNvSpPr txBox="1"/>
-          <p:nvPr/>
-        </p:nvSpPr>
-        <p:spPr>
-          <a:xfrm>
-            <a:off x="5879690" y="4288037"/>
-            <a:ext cx="869491" cy="369332"/>
-          </a:xfrm>
-          <a:prstGeom prst="rect">
-            <a:avLst/>
-          </a:prstGeom>
-          <a:noFill/>
-        </p:spPr>
-        <p:txBody>
-          <a:bodyPr wrap="square">
-            <a:spAutoFit/>
-          </a:bodyPr>
-          <a:lstStyle/>
-          <a:p>
-            <a:r>
-              <a:rPr lang="en-GB" dirty="0" err="1"/>
-              <a:t>Z.uncle</a:t>
-            </a:r>
-            <a:endParaRPr lang="en-SE" dirty="0"/>
-          </a:p>
-        </p:txBody>
-      </p:sp>
+        </p:spPr>
+      </p:pic>
     </p:spTree>
     <p:extLst>
       <p:ext uri="{BB962C8B-B14F-4D97-AF65-F5344CB8AC3E}">
-        <p14:creationId xmlns:p14="http://schemas.microsoft.com/office/powerpoint/2010/main" val="3305834215"/>
+        <p14:creationId xmlns:p14="http://schemas.microsoft.com/office/powerpoint/2010/main" val="3490110440"/>
       </p:ext>
     </p:extLst>
   </p:cSld>
@@ -5853,7 +5958,7 @@
           <p:cNvPr id="2" name="Title 1">
             <a:extLst>
               <a:ext uri="{FF2B5EF4-FFF2-40B4-BE49-F238E27FC236}">
-                <a16:creationId xmlns:a16="http://schemas.microsoft.com/office/drawing/2014/main" id="{97473D06-C2E0-F86B-9A58-360D3DF6B67F}"/>
+                <a16:creationId xmlns:a16="http://schemas.microsoft.com/office/drawing/2014/main" id="{3B97C924-B8FD-5B49-633B-08C70B2F5CDA}"/>
               </a:ext>
             </a:extLst>
           </p:cNvPr>
@@ -5866,18 +5971,12 @@
         </p:nvSpPr>
         <p:spPr/>
         <p:txBody>
-          <a:bodyPr>
-            <a:normAutofit/>
-          </a:bodyPr>
+          <a:bodyPr/>
           <a:lstStyle/>
           <a:p>
             <a:r>
               <a:rPr lang="en-GB" dirty="0"/>
-              <a:t>Example 2 </a:t>
-            </a:r>
-            <a:r>
-              <a:rPr lang="en-GB" dirty="0" err="1"/>
-              <a:t>Con’t</a:t>
+              <a:t>Another Example</a:t>
             </a:r>
             <a:endParaRPr lang="en-SE" dirty="0"/>
           </a:p>
@@ -5888,7 +5987,7 @@
           <p:cNvPr id="3" name="Content Placeholder 2">
             <a:extLst>
               <a:ext uri="{FF2B5EF4-FFF2-40B4-BE49-F238E27FC236}">
-                <a16:creationId xmlns:a16="http://schemas.microsoft.com/office/drawing/2014/main" id="{F155A4FE-7BB8-541F-BD39-79BD9204B105}"/>
+                <a16:creationId xmlns:a16="http://schemas.microsoft.com/office/drawing/2014/main" id="{D121DE93-6C77-E0C7-F409-E97ED136442C}"/>
               </a:ext>
             </a:extLst>
           </p:cNvPr>
@@ -5910,10 +6009,10 @@
       </p:sp>
       <p:pic>
         <p:nvPicPr>
-          <p:cNvPr id="4" name="Picture 3">
-            <a:extLst>
-              <a:ext uri="{FF2B5EF4-FFF2-40B4-BE49-F238E27FC236}">
-                <a16:creationId xmlns:a16="http://schemas.microsoft.com/office/drawing/2014/main" id="{27A6170B-EE56-2E53-CCA3-F4F34DCAAE14}"/>
+          <p:cNvPr id="5" name="Picture 4">
+            <a:extLst>
+              <a:ext uri="{FF2B5EF4-FFF2-40B4-BE49-F238E27FC236}">
+                <a16:creationId xmlns:a16="http://schemas.microsoft.com/office/drawing/2014/main" id="{31DCD213-D662-E271-1E0B-84130C648A64}"/>
               </a:ext>
             </a:extLst>
           </p:cNvPr>
@@ -5924,223 +6023,85 @@
         </p:nvPicPr>
         <p:blipFill>
           <a:blip r:embed="rId2"/>
-          <a:srcRect/>
-          <a:stretch/>
-        </p:blipFill>
-        <p:spPr>
-          <a:xfrm>
-            <a:off x="272181" y="2353186"/>
-            <a:ext cx="3590740" cy="2711756"/>
-          </a:xfrm>
-          <a:prstGeom prst="rect">
-            <a:avLst/>
-          </a:prstGeom>
-        </p:spPr>
-      </p:pic>
-      <p:sp>
-        <p:nvSpPr>
-          <p:cNvPr id="7" name="TextBox 6">
-            <a:extLst>
-              <a:ext uri="{FF2B5EF4-FFF2-40B4-BE49-F238E27FC236}">
-                <a16:creationId xmlns:a16="http://schemas.microsoft.com/office/drawing/2014/main" id="{D6D2E3D5-C86A-CA33-431C-2733F2E85EF7}"/>
-              </a:ext>
-            </a:extLst>
-          </p:cNvPr>
-          <p:cNvSpPr txBox="1"/>
-          <p:nvPr/>
-        </p:nvSpPr>
-        <p:spPr>
-          <a:xfrm>
-            <a:off x="3035748" y="3263103"/>
-            <a:ext cx="297426" cy="369332"/>
-          </a:xfrm>
-          <a:prstGeom prst="rect">
-            <a:avLst/>
-          </a:prstGeom>
-          <a:noFill/>
-        </p:spPr>
-        <p:txBody>
-          <a:bodyPr wrap="square">
-            <a:spAutoFit/>
-          </a:bodyPr>
-          <a:lstStyle/>
-          <a:p>
-            <a:r>
-              <a:rPr lang="en-GB" dirty="0"/>
-              <a:t>Z</a:t>
-            </a:r>
-            <a:endParaRPr lang="en-SE" dirty="0"/>
-          </a:p>
-        </p:txBody>
-      </p:sp>
-      <p:sp>
-        <p:nvSpPr>
-          <p:cNvPr id="8" name="TextBox 7">
-            <a:extLst>
-              <a:ext uri="{FF2B5EF4-FFF2-40B4-BE49-F238E27FC236}">
-                <a16:creationId xmlns:a16="http://schemas.microsoft.com/office/drawing/2014/main" id="{970DB451-1101-9B73-7393-E01217DFEBCF}"/>
-              </a:ext>
-            </a:extLst>
-          </p:cNvPr>
-          <p:cNvSpPr txBox="1"/>
-          <p:nvPr/>
-        </p:nvSpPr>
-        <p:spPr>
-          <a:xfrm>
-            <a:off x="694898" y="2923492"/>
-            <a:ext cx="869491" cy="369332"/>
-          </a:xfrm>
-          <a:prstGeom prst="rect">
-            <a:avLst/>
-          </a:prstGeom>
-          <a:noFill/>
-        </p:spPr>
-        <p:txBody>
-          <a:bodyPr wrap="square">
-            <a:spAutoFit/>
-          </a:bodyPr>
-          <a:lstStyle/>
-          <a:p>
-            <a:r>
-              <a:rPr lang="en-GB" dirty="0" err="1"/>
-              <a:t>Z.uncle</a:t>
-            </a:r>
-            <a:endParaRPr lang="en-SE" dirty="0"/>
-          </a:p>
-        </p:txBody>
-      </p:sp>
-      <p:sp>
-        <p:nvSpPr>
-          <p:cNvPr id="11" name="Arrow: Right 10">
-            <a:extLst>
-              <a:ext uri="{FF2B5EF4-FFF2-40B4-BE49-F238E27FC236}">
-                <a16:creationId xmlns:a16="http://schemas.microsoft.com/office/drawing/2014/main" id="{F5838CA9-C463-78FE-16C5-7D7A2A4E9B79}"/>
-              </a:ext>
-            </a:extLst>
-          </p:cNvPr>
-          <p:cNvSpPr/>
-          <p:nvPr/>
-        </p:nvSpPr>
-        <p:spPr>
-          <a:xfrm>
-            <a:off x="4037969" y="4195691"/>
-            <a:ext cx="993644" cy="484632"/>
-          </a:xfrm>
-          <a:prstGeom prst="rightArrow">
-            <a:avLst/>
-          </a:prstGeom>
-        </p:spPr>
-        <p:style>
-          <a:lnRef idx="1">
-            <a:schemeClr val="accent1"/>
-          </a:lnRef>
-          <a:fillRef idx="3">
-            <a:schemeClr val="accent1"/>
-          </a:fillRef>
-          <a:effectRef idx="2">
-            <a:schemeClr val="accent1"/>
-          </a:effectRef>
-          <a:fontRef idx="minor">
-            <a:schemeClr val="lt1"/>
-          </a:fontRef>
-        </p:style>
-        <p:txBody>
-          <a:bodyPr rtlCol="0" anchor="ctr"/>
-          <a:lstStyle/>
-          <a:p>
-            <a:pPr algn="ctr"/>
-            <a:endParaRPr lang="en-SE" sz="2400"/>
-          </a:p>
-        </p:txBody>
-      </p:sp>
-      <p:sp>
-        <p:nvSpPr>
-          <p:cNvPr id="12" name="TextBox 11">
-            <a:extLst>
-              <a:ext uri="{FF2B5EF4-FFF2-40B4-BE49-F238E27FC236}">
-                <a16:creationId xmlns:a16="http://schemas.microsoft.com/office/drawing/2014/main" id="{7E37C1EE-5E48-1DDD-80ED-D90DA1A06BC5}"/>
-              </a:ext>
-            </a:extLst>
-          </p:cNvPr>
-          <p:cNvSpPr txBox="1"/>
-          <p:nvPr/>
-        </p:nvSpPr>
-        <p:spPr>
-          <a:xfrm>
-            <a:off x="3763823" y="2083892"/>
-            <a:ext cx="1669555" cy="2308324"/>
-          </a:xfrm>
-          <a:prstGeom prst="rect">
-            <a:avLst/>
-          </a:prstGeom>
-          <a:noFill/>
-        </p:spPr>
-        <p:txBody>
-          <a:bodyPr wrap="square" rtlCol="0">
-            <a:spAutoFit/>
-          </a:bodyPr>
-          <a:lstStyle/>
-          <a:p>
-            <a:r>
-              <a:rPr lang="en-GB" sz="2400" dirty="0"/>
-              <a:t>Case 2. </a:t>
-            </a:r>
-            <a:r>
-              <a:rPr lang="en-GB" sz="2400" dirty="0" err="1"/>
-              <a:t>Z.uncle</a:t>
-            </a:r>
-            <a:r>
-              <a:rPr lang="en-GB" sz="2400" dirty="0"/>
-              <a:t> = black</a:t>
-            </a:r>
-          </a:p>
-          <a:p>
-            <a:r>
-              <a:rPr lang="en-GB" sz="2400" dirty="0"/>
-              <a:t>left rotate on 8 &amp; </a:t>
-            </a:r>
-            <a:r>
-              <a:rPr lang="en-GB" sz="2400" dirty="0" err="1"/>
-              <a:t>recolor</a:t>
-            </a:r>
-            <a:endParaRPr lang="en-SE" sz="2400" dirty="0"/>
-          </a:p>
-        </p:txBody>
-      </p:sp>
-      <p:pic>
-        <p:nvPicPr>
-          <p:cNvPr id="14" name="Picture 13">
-            <a:extLst>
-              <a:ext uri="{FF2B5EF4-FFF2-40B4-BE49-F238E27FC236}">
-                <a16:creationId xmlns:a16="http://schemas.microsoft.com/office/drawing/2014/main" id="{E72F3960-2177-7003-B9A3-03D5B5535ABC}"/>
-              </a:ext>
-            </a:extLst>
-          </p:cNvPr>
-          <p:cNvPicPr>
-            <a:picLocks noChangeAspect="1"/>
-          </p:cNvPicPr>
-          <p:nvPr/>
-        </p:nvPicPr>
-        <p:blipFill>
-          <a:blip r:embed="rId3"/>
           <a:stretch>
             <a:fillRect/>
           </a:stretch>
         </p:blipFill>
         <p:spPr>
           <a:xfrm>
-            <a:off x="5334280" y="2418895"/>
-            <a:ext cx="3489248" cy="2427080"/>
+            <a:off x="0" y="1289047"/>
+            <a:ext cx="9144000" cy="4837116"/>
           </a:xfrm>
           <a:prstGeom prst="rect">
             <a:avLst/>
           </a:prstGeom>
         </p:spPr>
       </p:pic>
+      <p:sp>
+        <p:nvSpPr>
+          <p:cNvPr id="6" name="TextBox 5">
+            <a:extLst>
+              <a:ext uri="{FF2B5EF4-FFF2-40B4-BE49-F238E27FC236}">
+                <a16:creationId xmlns:a16="http://schemas.microsoft.com/office/drawing/2014/main" id="{E5CB9F29-8E61-1717-FA68-E063E9A9958B}"/>
+              </a:ext>
+            </a:extLst>
+          </p:cNvPr>
+          <p:cNvSpPr txBox="1"/>
+          <p:nvPr/>
+        </p:nvSpPr>
+        <p:spPr>
+          <a:xfrm>
+            <a:off x="2728469" y="6182766"/>
+            <a:ext cx="4331094" cy="584775"/>
+          </a:xfrm>
+          <a:prstGeom prst="rect">
+            <a:avLst/>
+          </a:prstGeom>
+          <a:ln w="12700"/>
+        </p:spPr>
+        <p:style>
+          <a:lnRef idx="2">
+            <a:schemeClr val="accent2"/>
+          </a:lnRef>
+          <a:fillRef idx="1">
+            <a:schemeClr val="lt1"/>
+          </a:fillRef>
+          <a:effectRef idx="0">
+            <a:schemeClr val="accent2"/>
+          </a:effectRef>
+          <a:fontRef idx="minor">
+            <a:schemeClr val="dk1"/>
+          </a:fontRef>
+        </p:style>
+        <p:txBody>
+          <a:bodyPr wrap="square">
+            <a:spAutoFit/>
+          </a:bodyPr>
+          <a:lstStyle/>
+          <a:p>
+            <a:r>
+              <a:rPr lang="en-GB" sz="1600" dirty="0"/>
+              <a:t>Red Black Tree – Insertion</a:t>
+            </a:r>
+          </a:p>
+          <a:p>
+            <a:r>
+              <a:rPr lang="en-GB" sz="1600" dirty="0">
+                <a:hlinkClick r:id="rId3"/>
+              </a:rPr>
+              <a:t>https://www.youtube.com/watch?v=9ubIKipLpRU</a:t>
+            </a:r>
+            <a:r>
+              <a:rPr lang="en-GB" sz="1600" dirty="0"/>
+              <a:t>  </a:t>
+            </a:r>
+          </a:p>
+        </p:txBody>
+      </p:sp>
     </p:spTree>
     <p:extLst>
       <p:ext uri="{BB962C8B-B14F-4D97-AF65-F5344CB8AC3E}">
-        <p14:creationId xmlns:p14="http://schemas.microsoft.com/office/powerpoint/2010/main" val="3490110440"/>
+        <p14:creationId xmlns:p14="http://schemas.microsoft.com/office/powerpoint/2010/main" val="1225420176"/>
       </p:ext>
     </p:extLst>
   </p:cSld>
@@ -6172,7 +6133,7 @@
           <p:cNvPr id="2" name="Title 1">
             <a:extLst>
               <a:ext uri="{FF2B5EF4-FFF2-40B4-BE49-F238E27FC236}">
-                <a16:creationId xmlns:a16="http://schemas.microsoft.com/office/drawing/2014/main" id="{3B97C924-B8FD-5B49-633B-08C70B2F5CDA}"/>
+                <a16:creationId xmlns:a16="http://schemas.microsoft.com/office/drawing/2014/main" id="{C5682CF7-9E14-7B9F-65E8-72D4D69608E7}"/>
               </a:ext>
             </a:extLst>
           </p:cNvPr>
@@ -6185,12 +6146,14 @@
         </p:nvSpPr>
         <p:spPr/>
         <p:txBody>
-          <a:bodyPr/>
+          <a:bodyPr>
+            <a:normAutofit/>
+          </a:bodyPr>
           <a:lstStyle/>
           <a:p>
             <a:r>
               <a:rPr lang="en-GB" dirty="0"/>
-              <a:t>Another Example</a:t>
+              <a:t>Time Complexity</a:t>
             </a:r>
             <a:endParaRPr lang="en-SE" dirty="0"/>
           </a:p>
@@ -6201,7 +6164,7 @@
           <p:cNvPr id="3" name="Content Placeholder 2">
             <a:extLst>
               <a:ext uri="{FF2B5EF4-FFF2-40B4-BE49-F238E27FC236}">
-                <a16:creationId xmlns:a16="http://schemas.microsoft.com/office/drawing/2014/main" id="{D121DE93-6C77-E0C7-F409-E97ED136442C}"/>
+                <a16:creationId xmlns:a16="http://schemas.microsoft.com/office/drawing/2014/main" id="{FBBBD6D3-070C-593D-B602-E4B863528A96}"/>
               </a:ext>
             </a:extLst>
           </p:cNvPr>
@@ -6214,100 +6177,68 @@
         </p:nvSpPr>
         <p:spPr/>
         <p:txBody>
-          <a:bodyPr/>
-          <a:lstStyle/>
-          <a:p>
-            <a:endParaRPr lang="en-SE"/>
-          </a:p>
-        </p:txBody>
-      </p:sp>
-      <p:pic>
-        <p:nvPicPr>
-          <p:cNvPr id="5" name="Picture 4">
-            <a:extLst>
-              <a:ext uri="{FF2B5EF4-FFF2-40B4-BE49-F238E27FC236}">
-                <a16:creationId xmlns:a16="http://schemas.microsoft.com/office/drawing/2014/main" id="{31DCD213-D662-E271-1E0B-84130C648A64}"/>
-              </a:ext>
-            </a:extLst>
-          </p:cNvPr>
-          <p:cNvPicPr>
-            <a:picLocks noChangeAspect="1"/>
-          </p:cNvPicPr>
-          <p:nvPr/>
-        </p:nvPicPr>
-        <p:blipFill>
-          <a:blip r:embed="rId2"/>
-          <a:stretch>
-            <a:fillRect/>
-          </a:stretch>
-        </p:blipFill>
-        <p:spPr>
-          <a:xfrm>
-            <a:off x="0" y="1289047"/>
-            <a:ext cx="9144000" cy="4837116"/>
-          </a:xfrm>
-          <a:prstGeom prst="rect">
-            <a:avLst/>
-          </a:prstGeom>
-        </p:spPr>
-      </p:pic>
-      <p:sp>
-        <p:nvSpPr>
-          <p:cNvPr id="6" name="TextBox 5">
-            <a:extLst>
-              <a:ext uri="{FF2B5EF4-FFF2-40B4-BE49-F238E27FC236}">
-                <a16:creationId xmlns:a16="http://schemas.microsoft.com/office/drawing/2014/main" id="{E5CB9F29-8E61-1717-FA68-E063E9A9958B}"/>
-              </a:ext>
-            </a:extLst>
-          </p:cNvPr>
-          <p:cNvSpPr txBox="1"/>
-          <p:nvPr/>
-        </p:nvSpPr>
-        <p:spPr>
-          <a:xfrm>
-            <a:off x="2728469" y="6182766"/>
-            <a:ext cx="4331094" cy="584775"/>
-          </a:xfrm>
-          <a:prstGeom prst="rect">
-            <a:avLst/>
-          </a:prstGeom>
-          <a:ln w="12700"/>
-        </p:spPr>
-        <p:style>
-          <a:lnRef idx="2">
-            <a:schemeClr val="accent2"/>
-          </a:lnRef>
-          <a:fillRef idx="1">
-            <a:schemeClr val="lt1"/>
-          </a:fillRef>
-          <a:effectRef idx="0">
-            <a:schemeClr val="accent2"/>
-          </a:effectRef>
-          <a:fontRef idx="minor">
-            <a:schemeClr val="dk1"/>
-          </a:fontRef>
-        </p:style>
-        <p:txBody>
-          <a:bodyPr wrap="square">
-            <a:spAutoFit/>
+          <a:bodyPr>
+            <a:normAutofit/>
           </a:bodyPr>
           <a:lstStyle/>
           <a:p>
             <a:r>
-              <a:rPr lang="en-GB" sz="1600" dirty="0"/>
-              <a:t>Red Black Tree – Insertion</a:t>
-            </a:r>
-          </a:p>
-          <a:p>
-            <a:r>
-              <a:rPr lang="en-GB" sz="1600" dirty="0">
-                <a:hlinkClick r:id="rId3"/>
-              </a:rPr>
-              <a:t>https://www.youtube.com/watch?v=9ubIKipLpRU</a:t>
-            </a:r>
-            <a:r>
-              <a:rPr lang="en-GB" sz="1600" dirty="0"/>
-              <a:t>  </a:t>
+              <a:rPr lang="en-GB" sz="2800" dirty="0"/>
+              <a:t>1. Insert : O(log(n))</a:t>
+            </a:r>
+          </a:p>
+          <a:p>
+            <a:pPr lvl="1"/>
+            <a:r>
+              <a:rPr lang="en-GB" sz="2400" dirty="0"/>
+              <a:t>maximum height of red-black trees</a:t>
+            </a:r>
+          </a:p>
+          <a:p>
+            <a:r>
+              <a:rPr lang="en-GB" sz="2800" dirty="0"/>
+              <a:t>2. </a:t>
+            </a:r>
+            <a:r>
+              <a:rPr lang="en-GB" sz="2800" dirty="0" err="1"/>
+              <a:t>Color</a:t>
+            </a:r>
+            <a:r>
+              <a:rPr lang="en-GB" sz="2800" dirty="0"/>
+              <a:t> red : O(1)</a:t>
+            </a:r>
+          </a:p>
+          <a:p>
+            <a:r>
+              <a:rPr lang="en-GB" sz="2800" dirty="0"/>
+              <a:t>3. Fix violations :</a:t>
+            </a:r>
+          </a:p>
+          <a:p>
+            <a:pPr lvl="1"/>
+            <a:r>
+              <a:rPr lang="en-GB" sz="2400" dirty="0"/>
+              <a:t>Constant # of:</a:t>
+            </a:r>
+          </a:p>
+          <a:p>
+            <a:pPr lvl="1"/>
+            <a:r>
+              <a:rPr lang="en-GB" sz="2400" dirty="0"/>
+              <a:t>a. Recolor : O(1)</a:t>
+            </a:r>
+          </a:p>
+          <a:p>
+            <a:pPr lvl="1"/>
+            <a:r>
+              <a:rPr lang="en-GB" sz="2400" dirty="0"/>
+              <a:t>b. Rotation: O(1)</a:t>
+            </a:r>
+          </a:p>
+          <a:p>
+            <a:r>
+              <a:rPr lang="en-GB" sz="2800" dirty="0"/>
+              <a:t>Overall time complexity: O(log(n))</a:t>
             </a:r>
           </a:p>
         </p:txBody>
@@ -6315,7 +6246,7 @@
     </p:spTree>
     <p:extLst>
       <p:ext uri="{BB962C8B-B14F-4D97-AF65-F5344CB8AC3E}">
-        <p14:creationId xmlns:p14="http://schemas.microsoft.com/office/powerpoint/2010/main" val="1225420176"/>
+        <p14:creationId xmlns:p14="http://schemas.microsoft.com/office/powerpoint/2010/main" val="1077355346"/>
       </p:ext>
     </p:extLst>
   </p:cSld>
@@ -6347,7 +6278,7 @@
           <p:cNvPr id="2" name="Title 1">
             <a:extLst>
               <a:ext uri="{FF2B5EF4-FFF2-40B4-BE49-F238E27FC236}">
-                <a16:creationId xmlns:a16="http://schemas.microsoft.com/office/drawing/2014/main" id="{C5682CF7-9E14-7B9F-65E8-72D4D69608E7}"/>
+                <a16:creationId xmlns:a16="http://schemas.microsoft.com/office/drawing/2014/main" id="{000CECD5-61A1-6D40-BE5D-625D0A368D48}"/>
               </a:ext>
             </a:extLst>
           </p:cNvPr>
@@ -6359,100 +6290,220 @@
           </p:nvPr>
         </p:nvSpPr>
         <p:spPr/>
+        <p:txBody>
+          <a:bodyPr/>
+          <a:lstStyle/>
+          <a:p>
+            <a:r>
+              <a:rPr lang="en-US" dirty="0"/>
+              <a:t>Applications</a:t>
+            </a:r>
+          </a:p>
+        </p:txBody>
+      </p:sp>
+      <p:sp>
+        <p:nvSpPr>
+          <p:cNvPr id="3" name="Content Placeholder 2">
+            <a:extLst>
+              <a:ext uri="{FF2B5EF4-FFF2-40B4-BE49-F238E27FC236}">
+                <a16:creationId xmlns:a16="http://schemas.microsoft.com/office/drawing/2014/main" id="{091D04F6-1217-3D42-B410-F1BB5AFFC8DD}"/>
+              </a:ext>
+            </a:extLst>
+          </p:cNvPr>
+          <p:cNvSpPr>
+            <a:spLocks noGrp="1"/>
+          </p:cNvSpPr>
+          <p:nvPr>
+            <p:ph idx="1"/>
+          </p:nvPr>
+        </p:nvSpPr>
+        <p:spPr>
+          <a:xfrm>
+            <a:off x="155196" y="1417638"/>
+            <a:ext cx="9114639" cy="4892879"/>
+          </a:xfrm>
+        </p:spPr>
         <p:txBody>
           <a:bodyPr>
             <a:normAutofit/>
           </a:bodyPr>
           <a:lstStyle/>
           <a:p>
-            <a:r>
-              <a:rPr lang="en-GB" dirty="0"/>
-              <a:t>Time Complexity</a:t>
-            </a:r>
-            <a:endParaRPr lang="en-SE" dirty="0"/>
-          </a:p>
-        </p:txBody>
-      </p:sp>
-      <p:sp>
-        <p:nvSpPr>
-          <p:cNvPr id="3" name="Content Placeholder 2">
-            <a:extLst>
-              <a:ext uri="{FF2B5EF4-FFF2-40B4-BE49-F238E27FC236}">
-                <a16:creationId xmlns:a16="http://schemas.microsoft.com/office/drawing/2014/main" id="{FBBBD6D3-070C-593D-B602-E4B863528A96}"/>
-              </a:ext>
-            </a:extLst>
-          </p:cNvPr>
-          <p:cNvSpPr>
-            <a:spLocks noGrp="1"/>
-          </p:cNvSpPr>
-          <p:nvPr>
-            <p:ph idx="1"/>
-          </p:nvPr>
-        </p:nvSpPr>
-        <p:spPr/>
-        <p:txBody>
-          <a:bodyPr>
-            <a:normAutofit/>
-          </a:bodyPr>
-          <a:lstStyle/>
-          <a:p>
-            <a:r>
-              <a:rPr lang="en-GB" sz="2800" dirty="0"/>
-              <a:t>1. Insert : O(log(n))</a:t>
-            </a:r>
-          </a:p>
-          <a:p>
-            <a:pPr lvl="1"/>
-            <a:r>
-              <a:rPr lang="en-GB" sz="2400" dirty="0"/>
-              <a:t>maximum height of red-black trees</a:t>
-            </a:r>
-          </a:p>
-          <a:p>
-            <a:r>
-              <a:rPr lang="en-GB" sz="2800" dirty="0"/>
-              <a:t>2. </a:t>
-            </a:r>
-            <a:r>
-              <a:rPr lang="en-GB" sz="2800" dirty="0" err="1"/>
-              <a:t>Color</a:t>
-            </a:r>
-            <a:r>
-              <a:rPr lang="en-GB" sz="2800" dirty="0"/>
-              <a:t> red : O(1)</a:t>
-            </a:r>
-          </a:p>
-          <a:p>
-            <a:r>
-              <a:rPr lang="en-GB" sz="2800" dirty="0"/>
-              <a:t>3. Fix violations :</a:t>
-            </a:r>
-          </a:p>
-          <a:p>
-            <a:pPr lvl="1"/>
-            <a:r>
-              <a:rPr lang="en-GB" sz="2400" dirty="0"/>
-              <a:t>Constant # of:</a:t>
-            </a:r>
-          </a:p>
-          <a:p>
-            <a:pPr lvl="1"/>
-            <a:r>
-              <a:rPr lang="en-GB" sz="2400" dirty="0"/>
-              <a:t>a. Recolor : O(1)</a:t>
-            </a:r>
-          </a:p>
-          <a:p>
-            <a:pPr lvl="1"/>
-            <a:r>
-              <a:rPr lang="en-GB" sz="2400" dirty="0"/>
-              <a:t>b. Rotation: O(1)</a:t>
-            </a:r>
-          </a:p>
-          <a:p>
-            <a:r>
-              <a:rPr lang="en-GB" sz="2800" dirty="0"/>
-              <a:t>Overall time complexity: O(log(n))</a:t>
+            <a:pPr>
+              <a:lnSpc>
+                <a:spcPct val="110000"/>
+              </a:lnSpc>
+              <a:spcBef>
+                <a:spcPts val="100"/>
+              </a:spcBef>
+              <a:spcAft>
+                <a:spcPts val="100"/>
+              </a:spcAft>
+            </a:pPr>
+            <a:r>
+              <a:rPr lang="en-US" dirty="0">
+                <a:solidFill>
+                  <a:schemeClr val="accent1"/>
+                </a:solidFill>
+                <a:latin typeface="Times New Roman" panose="02020603050405020304" pitchFamily="18" charset="0"/>
+                <a:cs typeface="Times New Roman" panose="02020603050405020304" pitchFamily="18" charset="0"/>
+              </a:rPr>
+              <a:t>Red–black trees are widely used as system symbol tables. </a:t>
+            </a:r>
+            <a:endParaRPr lang="en-US" altLang="zh-CN" dirty="0">
+              <a:solidFill>
+                <a:schemeClr val="accent1"/>
+              </a:solidFill>
+              <a:latin typeface="Times New Roman" panose="02020603050405020304" pitchFamily="18" charset="0"/>
+              <a:cs typeface="Times New Roman" panose="02020603050405020304" pitchFamily="18" charset="0"/>
+            </a:endParaRPr>
+          </a:p>
+          <a:p>
+            <a:pPr lvl="1">
+              <a:lnSpc>
+                <a:spcPct val="110000"/>
+              </a:lnSpc>
+              <a:spcBef>
+                <a:spcPts val="100"/>
+              </a:spcBef>
+              <a:spcAft>
+                <a:spcPts val="100"/>
+              </a:spcAft>
+            </a:pPr>
+            <a:r>
+              <a:rPr lang="en-US" dirty="0">
+                <a:latin typeface="Times New Roman" panose="02020603050405020304" pitchFamily="18" charset="0"/>
+                <a:cs typeface="Times New Roman" panose="02020603050405020304" pitchFamily="18" charset="0"/>
+              </a:rPr>
+              <a:t>Java: </a:t>
+            </a:r>
+            <a:r>
+              <a:rPr lang="en-US" sz="1700" dirty="0" err="1">
+                <a:latin typeface="Times New Roman" panose="02020603050405020304" pitchFamily="18" charset="0"/>
+                <a:cs typeface="Times New Roman" panose="02020603050405020304" pitchFamily="18" charset="0"/>
+              </a:rPr>
+              <a:t>java.util.TreeMap</a:t>
+            </a:r>
+            <a:r>
+              <a:rPr lang="en-US" sz="1700" dirty="0">
+                <a:latin typeface="Times New Roman" panose="02020603050405020304" pitchFamily="18" charset="0"/>
+                <a:cs typeface="Times New Roman" panose="02020603050405020304" pitchFamily="18" charset="0"/>
+              </a:rPr>
+              <a:t>, </a:t>
+            </a:r>
+            <a:r>
+              <a:rPr lang="en-US" sz="1700" dirty="0" err="1">
+                <a:latin typeface="Times New Roman" panose="02020603050405020304" pitchFamily="18" charset="0"/>
+                <a:cs typeface="Times New Roman" panose="02020603050405020304" pitchFamily="18" charset="0"/>
+              </a:rPr>
+              <a:t>java.util.TreeSet</a:t>
+            </a:r>
+            <a:r>
+              <a:rPr lang="en-US" dirty="0">
+                <a:latin typeface="Times New Roman" panose="02020603050405020304" pitchFamily="18" charset="0"/>
+                <a:cs typeface="Times New Roman" panose="02020603050405020304" pitchFamily="18" charset="0"/>
+              </a:rPr>
+              <a:t>. </a:t>
+            </a:r>
+            <a:endParaRPr lang="en-US" altLang="zh-CN" dirty="0">
+              <a:latin typeface="Times New Roman" panose="02020603050405020304" pitchFamily="18" charset="0"/>
+              <a:cs typeface="Times New Roman" panose="02020603050405020304" pitchFamily="18" charset="0"/>
+            </a:endParaRPr>
+          </a:p>
+          <a:p>
+            <a:pPr lvl="1">
+              <a:lnSpc>
+                <a:spcPct val="110000"/>
+              </a:lnSpc>
+              <a:spcBef>
+                <a:spcPts val="100"/>
+              </a:spcBef>
+              <a:spcAft>
+                <a:spcPts val="100"/>
+              </a:spcAft>
+            </a:pPr>
+            <a:r>
+              <a:rPr lang="en-US" dirty="0">
+                <a:latin typeface="Times New Roman" panose="02020603050405020304" pitchFamily="18" charset="0"/>
+                <a:cs typeface="Times New Roman" panose="02020603050405020304" pitchFamily="18" charset="0"/>
+              </a:rPr>
+              <a:t>C++ STL: map, multimap, multiset. </a:t>
+            </a:r>
+            <a:endParaRPr lang="en-US" altLang="zh-CN" dirty="0">
+              <a:latin typeface="Times New Roman" panose="02020603050405020304" pitchFamily="18" charset="0"/>
+              <a:cs typeface="Times New Roman" panose="02020603050405020304" pitchFamily="18" charset="0"/>
+            </a:endParaRPr>
+          </a:p>
+          <a:p>
+            <a:pPr lvl="1">
+              <a:lnSpc>
+                <a:spcPct val="110000"/>
+              </a:lnSpc>
+              <a:spcBef>
+                <a:spcPts val="100"/>
+              </a:spcBef>
+              <a:spcAft>
+                <a:spcPts val="100"/>
+              </a:spcAft>
+            </a:pPr>
+            <a:r>
+              <a:rPr lang="en-US" dirty="0">
+                <a:latin typeface="Times New Roman" panose="02020603050405020304" pitchFamily="18" charset="0"/>
+                <a:cs typeface="Times New Roman" panose="02020603050405020304" pitchFamily="18" charset="0"/>
+              </a:rPr>
+              <a:t>Linux kernel: completely fair scheduler, </a:t>
+            </a:r>
+            <a:r>
+              <a:rPr lang="en-US" sz="1700" dirty="0" err="1">
+                <a:latin typeface="Times New Roman" panose="02020603050405020304" pitchFamily="18" charset="0"/>
+                <a:cs typeface="Times New Roman" panose="02020603050405020304" pitchFamily="18" charset="0"/>
+              </a:rPr>
+              <a:t>linux</a:t>
+            </a:r>
+            <a:r>
+              <a:rPr lang="en-US" sz="1700" dirty="0">
+                <a:latin typeface="Times New Roman" panose="02020603050405020304" pitchFamily="18" charset="0"/>
+                <a:cs typeface="Times New Roman" panose="02020603050405020304" pitchFamily="18" charset="0"/>
+              </a:rPr>
+              <a:t>/</a:t>
+            </a:r>
+            <a:r>
+              <a:rPr lang="en-US" sz="1700" dirty="0" err="1">
+                <a:latin typeface="Times New Roman" panose="02020603050405020304" pitchFamily="18" charset="0"/>
+                <a:cs typeface="Times New Roman" panose="02020603050405020304" pitchFamily="18" charset="0"/>
+              </a:rPr>
+              <a:t>rbtree.h</a:t>
+            </a:r>
+            <a:r>
+              <a:rPr lang="en-US" dirty="0">
+                <a:latin typeface="Times New Roman" panose="02020603050405020304" pitchFamily="18" charset="0"/>
+                <a:cs typeface="Times New Roman" panose="02020603050405020304" pitchFamily="18" charset="0"/>
+              </a:rPr>
+              <a:t>. </a:t>
+            </a:r>
+            <a:endParaRPr lang="en-US" altLang="zh-CN" dirty="0">
+              <a:latin typeface="Times New Roman" panose="02020603050405020304" pitchFamily="18" charset="0"/>
+              <a:cs typeface="Times New Roman" panose="02020603050405020304" pitchFamily="18" charset="0"/>
+            </a:endParaRPr>
+          </a:p>
+          <a:p>
+            <a:pPr lvl="1">
+              <a:lnSpc>
+                <a:spcPct val="110000"/>
+              </a:lnSpc>
+              <a:spcBef>
+                <a:spcPts val="100"/>
+              </a:spcBef>
+              <a:spcAft>
+                <a:spcPts val="100"/>
+              </a:spcAft>
+            </a:pPr>
+            <a:r>
+              <a:rPr lang="en-US" dirty="0">
+                <a:latin typeface="Times New Roman" panose="02020603050405020304" pitchFamily="18" charset="0"/>
+                <a:cs typeface="Times New Roman" panose="02020603050405020304" pitchFamily="18" charset="0"/>
+              </a:rPr>
+              <a:t>Emacs: conservative stack scanning. </a:t>
             </a:r>
           </a:p>
         </p:txBody>
@@ -6460,7 +6511,7 @@
     </p:spTree>
     <p:extLst>
       <p:ext uri="{BB962C8B-B14F-4D97-AF65-F5344CB8AC3E}">
-        <p14:creationId xmlns:p14="http://schemas.microsoft.com/office/powerpoint/2010/main" val="1077355346"/>
+        <p14:creationId xmlns:p14="http://schemas.microsoft.com/office/powerpoint/2010/main" val="523422879"/>
       </p:ext>
     </p:extLst>
   </p:cSld>
@@ -6492,7 +6543,7 @@
           <p:cNvPr id="2" name="Title 1">
             <a:extLst>
               <a:ext uri="{FF2B5EF4-FFF2-40B4-BE49-F238E27FC236}">
-                <a16:creationId xmlns:a16="http://schemas.microsoft.com/office/drawing/2014/main" id="{000CECD5-61A1-6D40-BE5D-625D0A368D48}"/>
+                <a16:creationId xmlns:a16="http://schemas.microsoft.com/office/drawing/2014/main" id="{290EA530-EC46-AB96-1199-9356A51FA28A}"/>
               </a:ext>
             </a:extLst>
           </p:cNvPr>
@@ -6509,9 +6560,10 @@
           <a:lstStyle/>
           <a:p>
             <a:r>
-              <a:rPr lang="en-US" dirty="0"/>
-              <a:t>Applications</a:t>
-            </a:r>
+              <a:rPr lang="en-GB" dirty="0"/>
+              <a:t>Video Tutorials</a:t>
+            </a:r>
+            <a:endParaRPr lang="en-SE" dirty="0"/>
           </a:p>
         </p:txBody>
       </p:sp>
@@ -6520,7 +6572,7 @@
           <p:cNvPr id="3" name="Content Placeholder 2">
             <a:extLst>
               <a:ext uri="{FF2B5EF4-FFF2-40B4-BE49-F238E27FC236}">
-                <a16:creationId xmlns:a16="http://schemas.microsoft.com/office/drawing/2014/main" id="{091D04F6-1217-3D42-B410-F1BB5AFFC8DD}"/>
+                <a16:creationId xmlns:a16="http://schemas.microsoft.com/office/drawing/2014/main" id="{B43286AA-898C-AFE2-2154-7256C3147C77}"/>
               </a:ext>
             </a:extLst>
           </p:cNvPr>
@@ -6531,201 +6583,74 @@
             <p:ph idx="1"/>
           </p:nvPr>
         </p:nvSpPr>
-        <p:spPr>
-          <a:xfrm>
-            <a:off x="155196" y="1417638"/>
-            <a:ext cx="9114639" cy="4892879"/>
-          </a:xfrm>
-        </p:spPr>
-        <p:txBody>
-          <a:bodyPr>
-            <a:normAutofit/>
-          </a:bodyPr>
-          <a:lstStyle/>
-          <a:p>
-            <a:pPr>
-              <a:lnSpc>
-                <a:spcPct val="110000"/>
-              </a:lnSpc>
-              <a:spcBef>
-                <a:spcPts val="100"/>
-              </a:spcBef>
-              <a:spcAft>
-                <a:spcPts val="100"/>
-              </a:spcAft>
-            </a:pPr>
-            <a:r>
-              <a:rPr lang="en-US" dirty="0">
-                <a:solidFill>
-                  <a:schemeClr val="accent1"/>
-                </a:solidFill>
-                <a:latin typeface="Times New Roman" panose="02020603050405020304" pitchFamily="18" charset="0"/>
-                <a:cs typeface="Times New Roman" panose="02020603050405020304" pitchFamily="18" charset="0"/>
+        <p:spPr/>
+        <p:txBody>
+          <a:bodyPr/>
+          <a:lstStyle/>
+          <a:p>
+            <a:r>
+              <a:rPr lang="en-GB" dirty="0"/>
+              <a:t>Red-Black Trees // Michael </a:t>
+            </a:r>
+            <a:r>
+              <a:rPr lang="en-GB" dirty="0" err="1"/>
+              <a:t>Sambol</a:t>
+            </a:r>
+            <a:endParaRPr lang="en-GB" dirty="0"/>
+          </a:p>
+          <a:p>
+            <a:pPr lvl="1"/>
+            <a:r>
+              <a:rPr lang="en-GB" dirty="0">
+                <a:hlinkClick r:id="rId2"/>
               </a:rPr>
-              <a:t>Red–black trees are widely used as system symbol tables. </a:t>
-            </a:r>
-            <a:endParaRPr lang="en-US" altLang="zh-CN" dirty="0">
-              <a:solidFill>
-                <a:schemeClr val="accent1"/>
-              </a:solidFill>
-              <a:latin typeface="Times New Roman" panose="02020603050405020304" pitchFamily="18" charset="0"/>
-              <a:cs typeface="Times New Roman" panose="02020603050405020304" pitchFamily="18" charset="0"/>
-            </a:endParaRPr>
-          </a:p>
-          <a:p>
-            <a:pPr lvl="1">
-              <a:lnSpc>
-                <a:spcPct val="110000"/>
-              </a:lnSpc>
-              <a:spcBef>
-                <a:spcPts val="100"/>
-              </a:spcBef>
-              <a:spcAft>
-                <a:spcPts val="100"/>
-              </a:spcAft>
-            </a:pPr>
-            <a:r>
-              <a:rPr lang="en-US" dirty="0">
-                <a:latin typeface="Times New Roman" panose="02020603050405020304" pitchFamily="18" charset="0"/>
-                <a:cs typeface="Times New Roman" panose="02020603050405020304" pitchFamily="18" charset="0"/>
+              <a:t>https://www.youtube.com/playlist?list=PL9xmBV_5YoZNqDI8qfOZgzbqahCUmUEin</a:t>
+            </a:r>
+            <a:r>
+              <a:rPr lang="en-GB" dirty="0"/>
+              <a:t> </a:t>
+            </a:r>
+          </a:p>
+          <a:p>
+            <a:pPr lvl="1"/>
+            <a:r>
+              <a:rPr lang="en-GB" dirty="0"/>
+              <a:t>Lecture slides based in this video series</a:t>
+            </a:r>
+          </a:p>
+          <a:p>
+            <a:r>
+              <a:rPr lang="en-GB" dirty="0"/>
+              <a:t>Red Black Tree – Insertion</a:t>
+            </a:r>
+          </a:p>
+          <a:p>
+            <a:pPr lvl="1"/>
+            <a:r>
+              <a:rPr lang="en-GB" dirty="0">
+                <a:hlinkClick r:id="rId3"/>
               </a:rPr>
-              <a:t>Java: </a:t>
-            </a:r>
-            <a:r>
-              <a:rPr lang="en-US" sz="1700" dirty="0" err="1">
-                <a:latin typeface="Times New Roman" panose="02020603050405020304" pitchFamily="18" charset="0"/>
-                <a:cs typeface="Times New Roman" panose="02020603050405020304" pitchFamily="18" charset="0"/>
-              </a:rPr>
-              <a:t>java.util.TreeMap</a:t>
-            </a:r>
-            <a:r>
-              <a:rPr lang="en-US" sz="1700" dirty="0">
-                <a:latin typeface="Times New Roman" panose="02020603050405020304" pitchFamily="18" charset="0"/>
-                <a:cs typeface="Times New Roman" panose="02020603050405020304" pitchFamily="18" charset="0"/>
-              </a:rPr>
-              <a:t>, </a:t>
-            </a:r>
-            <a:r>
-              <a:rPr lang="en-US" sz="1700" dirty="0" err="1">
-                <a:latin typeface="Times New Roman" panose="02020603050405020304" pitchFamily="18" charset="0"/>
-                <a:cs typeface="Times New Roman" panose="02020603050405020304" pitchFamily="18" charset="0"/>
-              </a:rPr>
-              <a:t>java.util.TreeSet</a:t>
-            </a:r>
-            <a:r>
-              <a:rPr lang="en-US" dirty="0">
-                <a:latin typeface="Times New Roman" panose="02020603050405020304" pitchFamily="18" charset="0"/>
-                <a:cs typeface="Times New Roman" panose="02020603050405020304" pitchFamily="18" charset="0"/>
-              </a:rPr>
-              <a:t>. </a:t>
-            </a:r>
-            <a:endParaRPr lang="en-US" altLang="zh-CN" dirty="0">
-              <a:latin typeface="Times New Roman" panose="02020603050405020304" pitchFamily="18" charset="0"/>
-              <a:cs typeface="Times New Roman" panose="02020603050405020304" pitchFamily="18" charset="0"/>
-            </a:endParaRPr>
-          </a:p>
-          <a:p>
-            <a:pPr lvl="1">
-              <a:lnSpc>
-                <a:spcPct val="110000"/>
-              </a:lnSpc>
-              <a:spcBef>
-                <a:spcPts val="100"/>
-              </a:spcBef>
-              <a:spcAft>
-                <a:spcPts val="100"/>
-              </a:spcAft>
-            </a:pPr>
-            <a:r>
-              <a:rPr lang="en-US" dirty="0">
-                <a:latin typeface="Times New Roman" panose="02020603050405020304" pitchFamily="18" charset="0"/>
-                <a:cs typeface="Times New Roman" panose="02020603050405020304" pitchFamily="18" charset="0"/>
-              </a:rPr>
-              <a:t>C++ STL: map, multimap, multiset. </a:t>
-            </a:r>
-            <a:endParaRPr lang="en-US" altLang="zh-CN" dirty="0">
-              <a:latin typeface="Times New Roman" panose="02020603050405020304" pitchFamily="18" charset="0"/>
-              <a:cs typeface="Times New Roman" panose="02020603050405020304" pitchFamily="18" charset="0"/>
-            </a:endParaRPr>
-          </a:p>
-          <a:p>
-            <a:pPr lvl="1">
-              <a:lnSpc>
-                <a:spcPct val="110000"/>
-              </a:lnSpc>
-              <a:spcBef>
-                <a:spcPts val="100"/>
-              </a:spcBef>
-              <a:spcAft>
-                <a:spcPts val="100"/>
-              </a:spcAft>
-            </a:pPr>
-            <a:r>
-              <a:rPr lang="en-US" dirty="0">
-                <a:latin typeface="Times New Roman" panose="02020603050405020304" pitchFamily="18" charset="0"/>
-                <a:cs typeface="Times New Roman" panose="02020603050405020304" pitchFamily="18" charset="0"/>
-              </a:rPr>
-              <a:t>Linux kernel: completely fair scheduler, </a:t>
-            </a:r>
-            <a:r>
-              <a:rPr lang="en-US" sz="1700" dirty="0" err="1">
-                <a:latin typeface="Times New Roman" panose="02020603050405020304" pitchFamily="18" charset="0"/>
-                <a:cs typeface="Times New Roman" panose="02020603050405020304" pitchFamily="18" charset="0"/>
-              </a:rPr>
-              <a:t>linux</a:t>
-            </a:r>
-            <a:r>
-              <a:rPr lang="en-US" sz="1700" dirty="0">
-                <a:latin typeface="Times New Roman" panose="02020603050405020304" pitchFamily="18" charset="0"/>
-                <a:cs typeface="Times New Roman" panose="02020603050405020304" pitchFamily="18" charset="0"/>
-              </a:rPr>
-              <a:t>/</a:t>
-            </a:r>
-            <a:r>
-              <a:rPr lang="en-US" sz="1700" dirty="0" err="1">
-                <a:latin typeface="Times New Roman" panose="02020603050405020304" pitchFamily="18" charset="0"/>
-                <a:cs typeface="Times New Roman" panose="02020603050405020304" pitchFamily="18" charset="0"/>
-              </a:rPr>
-              <a:t>rbtree.h</a:t>
-            </a:r>
-            <a:r>
-              <a:rPr lang="en-US" dirty="0">
-                <a:latin typeface="Times New Roman" panose="02020603050405020304" pitchFamily="18" charset="0"/>
-                <a:cs typeface="Times New Roman" panose="02020603050405020304" pitchFamily="18" charset="0"/>
-              </a:rPr>
-              <a:t>. </a:t>
-            </a:r>
-            <a:endParaRPr lang="en-US" altLang="zh-CN" dirty="0">
-              <a:latin typeface="Times New Roman" panose="02020603050405020304" pitchFamily="18" charset="0"/>
-              <a:cs typeface="Times New Roman" panose="02020603050405020304" pitchFamily="18" charset="0"/>
-            </a:endParaRPr>
-          </a:p>
-          <a:p>
-            <a:pPr lvl="1">
-              <a:lnSpc>
-                <a:spcPct val="110000"/>
-              </a:lnSpc>
-              <a:spcBef>
-                <a:spcPts val="100"/>
-              </a:spcBef>
-              <a:spcAft>
-                <a:spcPts val="100"/>
-              </a:spcAft>
-            </a:pPr>
-            <a:r>
-              <a:rPr lang="en-US" dirty="0">
-                <a:latin typeface="Times New Roman" panose="02020603050405020304" pitchFamily="18" charset="0"/>
-                <a:cs typeface="Times New Roman" panose="02020603050405020304" pitchFamily="18" charset="0"/>
-              </a:rPr>
-              <a:t>Emacs: conservative stack scanning. </a:t>
-            </a:r>
+              <a:t>https://www.youtube.com/watch?v=9ubIKipLpRU</a:t>
+            </a:r>
+            <a:r>
+              <a:rPr lang="en-GB" dirty="0"/>
+              <a:t> </a:t>
+            </a:r>
+          </a:p>
+          <a:p>
+            <a:pPr lvl="1"/>
+            <a:r>
+              <a:rPr lang="en-GB" dirty="0"/>
+              <a:t>Another example</a:t>
+            </a:r>
+            <a:endParaRPr lang="en-SE" dirty="0"/>
           </a:p>
         </p:txBody>
       </p:sp>
     </p:spTree>
     <p:extLst>
       <p:ext uri="{BB962C8B-B14F-4D97-AF65-F5344CB8AC3E}">
-        <p14:creationId xmlns:p14="http://schemas.microsoft.com/office/powerpoint/2010/main" val="523422879"/>
+        <p14:creationId xmlns:p14="http://schemas.microsoft.com/office/powerpoint/2010/main" val="4083943532"/>
       </p:ext>
     </p:extLst>
   </p:cSld>
@@ -6757,7 +6682,7 @@
           <p:cNvPr id="2" name="Title 1">
             <a:extLst>
               <a:ext uri="{FF2B5EF4-FFF2-40B4-BE49-F238E27FC236}">
-                <a16:creationId xmlns:a16="http://schemas.microsoft.com/office/drawing/2014/main" id="{290EA530-EC46-AB96-1199-9356A51FA28A}"/>
+                <a16:creationId xmlns:a16="http://schemas.microsoft.com/office/drawing/2014/main" id="{1183C57A-919B-99D3-528A-B3FD8F01D4FD}"/>
               </a:ext>
             </a:extLst>
           </p:cNvPr>
@@ -6775,7 +6700,7 @@
           <a:p>
             <a:r>
               <a:rPr lang="en-GB" dirty="0"/>
-              <a:t>Video Tutorials</a:t>
+              <a:t>Binary Search Trees</a:t>
             </a:r>
             <a:endParaRPr lang="en-SE" dirty="0"/>
           </a:p>
@@ -6786,7 +6711,7 @@
           <p:cNvPr id="3" name="Content Placeholder 2">
             <a:extLst>
               <a:ext uri="{FF2B5EF4-FFF2-40B4-BE49-F238E27FC236}">
-                <a16:creationId xmlns:a16="http://schemas.microsoft.com/office/drawing/2014/main" id="{B43286AA-898C-AFE2-2154-7256C3147C77}"/>
+                <a16:creationId xmlns:a16="http://schemas.microsoft.com/office/drawing/2014/main" id="{0557887F-CBB4-306A-575F-13C8D5998631}"/>
               </a:ext>
             </a:extLst>
           </p:cNvPr>
@@ -6797,74 +6722,127 @@
             <p:ph idx="1"/>
           </p:nvPr>
         </p:nvSpPr>
-        <p:spPr/>
-        <p:txBody>
-          <a:bodyPr/>
+        <p:spPr>
+          <a:xfrm>
+            <a:off x="457200" y="1247624"/>
+            <a:ext cx="8229600" cy="2501331"/>
+          </a:xfrm>
+        </p:spPr>
+        <p:txBody>
+          <a:bodyPr>
+            <a:normAutofit fontScale="92500"/>
+          </a:bodyPr>
           <a:lstStyle/>
           <a:p>
             <a:r>
               <a:rPr lang="en-GB" dirty="0"/>
-              <a:t>Red-Black Trees // Michael </a:t>
-            </a:r>
-            <a:r>
-              <a:rPr lang="en-GB" dirty="0" err="1"/>
-              <a:t>Sambol</a:t>
-            </a:r>
+              <a:t>Ordered, or sorted, binary trees.</a:t>
+            </a:r>
+          </a:p>
+          <a:p>
+            <a:r>
+              <a:rPr lang="en-GB" dirty="0"/>
+              <a:t>Each node can have 2 subtrees.</a:t>
+            </a:r>
+          </a:p>
+          <a:p>
+            <a:r>
+              <a:rPr lang="en-GB" dirty="0"/>
+              <a:t>Items to the left of a given node are smaller.</a:t>
+            </a:r>
+          </a:p>
+          <a:p>
+            <a:r>
+              <a:rPr lang="en-GB" dirty="0"/>
+              <a:t>Items to the right of a given node are larger.</a:t>
+            </a:r>
+          </a:p>
+          <a:p>
+            <a:r>
+              <a:rPr lang="en-GB" dirty="0"/>
+              <a:t>Balanced search trees have guaranteed height of O(log n) for n items</a:t>
+            </a:r>
+          </a:p>
+          <a:p>
+            <a:pPr lvl="1"/>
+            <a:r>
+              <a:rPr lang="en-GB" dirty="0"/>
+              <a:t>Red-Black Tree is a type of balanced search tree</a:t>
+            </a:r>
+            <a:endParaRPr lang="en-SE" dirty="0"/>
+          </a:p>
+          <a:p>
             <a:endParaRPr lang="en-GB" dirty="0"/>
           </a:p>
           <a:p>
-            <a:pPr lvl="1"/>
-            <a:r>
-              <a:rPr lang="en-GB" dirty="0">
-                <a:hlinkClick r:id="rId2"/>
-              </a:rPr>
-              <a:t>https://www.youtube.com/playlist?list=PL9xmBV_5YoZNqDI8qfOZgzbqahCUmUEin</a:t>
-            </a:r>
-            <a:r>
-              <a:rPr lang="en-GB" dirty="0"/>
-              <a:t> </a:t>
-            </a:r>
-          </a:p>
-          <a:p>
-            <a:pPr lvl="1"/>
-            <a:r>
-              <a:rPr lang="en-GB" dirty="0"/>
-              <a:t>Lecture slides based in this video series</a:t>
-            </a:r>
-          </a:p>
-          <a:p>
-            <a:r>
-              <a:rPr lang="en-GB" dirty="0"/>
-              <a:t>Red Black Tree – Insertion</a:t>
-            </a:r>
-          </a:p>
-          <a:p>
-            <a:pPr lvl="1"/>
-            <a:r>
-              <a:rPr lang="en-GB" dirty="0">
-                <a:hlinkClick r:id="rId3"/>
-              </a:rPr>
-              <a:t>https://www.youtube.com/watch?v=9ubIKipLpRU</a:t>
-            </a:r>
-            <a:r>
-              <a:rPr lang="en-GB" dirty="0"/>
-              <a:t> </a:t>
-            </a:r>
-          </a:p>
-          <a:p>
-            <a:pPr lvl="1"/>
-            <a:r>
-              <a:rPr lang="en-GB" dirty="0"/>
-              <a:t>Another example</a:t>
-            </a:r>
             <a:endParaRPr lang="en-SE" dirty="0"/>
           </a:p>
         </p:txBody>
       </p:sp>
+      <p:pic>
+        <p:nvPicPr>
+          <p:cNvPr id="5" name="Picture 4">
+            <a:extLst>
+              <a:ext uri="{FF2B5EF4-FFF2-40B4-BE49-F238E27FC236}">
+                <a16:creationId xmlns:a16="http://schemas.microsoft.com/office/drawing/2014/main" id="{F6F4EFE9-1E8E-F3FE-CDAE-370135EB8C49}"/>
+              </a:ext>
+            </a:extLst>
+          </p:cNvPr>
+          <p:cNvPicPr>
+            <a:picLocks noChangeAspect="1"/>
+          </p:cNvPicPr>
+          <p:nvPr/>
+        </p:nvPicPr>
+        <p:blipFill>
+          <a:blip r:embed="rId2"/>
+          <a:stretch>
+            <a:fillRect/>
+          </a:stretch>
+        </p:blipFill>
+        <p:spPr>
+          <a:xfrm>
+            <a:off x="274173" y="3748956"/>
+            <a:ext cx="4455143" cy="2532622"/>
+          </a:xfrm>
+          <a:prstGeom prst="rect">
+            <a:avLst/>
+          </a:prstGeom>
+        </p:spPr>
+      </p:pic>
+      <p:pic>
+        <p:nvPicPr>
+          <p:cNvPr id="7" name="Picture 6">
+            <a:extLst>
+              <a:ext uri="{FF2B5EF4-FFF2-40B4-BE49-F238E27FC236}">
+                <a16:creationId xmlns:a16="http://schemas.microsoft.com/office/drawing/2014/main" id="{06AAA302-989C-CDA3-21AD-3C24B6D03CCC}"/>
+              </a:ext>
+            </a:extLst>
+          </p:cNvPr>
+          <p:cNvPicPr>
+            <a:picLocks noChangeAspect="1"/>
+          </p:cNvPicPr>
+          <p:nvPr/>
+        </p:nvPicPr>
+        <p:blipFill>
+          <a:blip r:embed="rId3"/>
+          <a:stretch>
+            <a:fillRect/>
+          </a:stretch>
+        </p:blipFill>
+        <p:spPr>
+          <a:xfrm>
+            <a:off x="4912343" y="3598047"/>
+            <a:ext cx="3267248" cy="3181959"/>
+          </a:xfrm>
+          <a:prstGeom prst="rect">
+            <a:avLst/>
+          </a:prstGeom>
+        </p:spPr>
+      </p:pic>
     </p:spTree>
     <p:extLst>
       <p:ext uri="{BB962C8B-B14F-4D97-AF65-F5344CB8AC3E}">
-        <p14:creationId xmlns:p14="http://schemas.microsoft.com/office/powerpoint/2010/main" val="1901025813"/>
+        <p14:creationId xmlns:p14="http://schemas.microsoft.com/office/powerpoint/2010/main" val="4024490801"/>
       </p:ext>
     </p:extLst>
   </p:cSld>
@@ -6896,7 +6874,7 @@
           <p:cNvPr id="2" name="Title 1">
             <a:extLst>
               <a:ext uri="{FF2B5EF4-FFF2-40B4-BE49-F238E27FC236}">
-                <a16:creationId xmlns:a16="http://schemas.microsoft.com/office/drawing/2014/main" id="{1183C57A-919B-99D3-528A-B3FD8F01D4FD}"/>
+                <a16:creationId xmlns:a16="http://schemas.microsoft.com/office/drawing/2014/main" id="{8935BAAB-AA48-07AE-138B-67E6B7562C86}"/>
               </a:ext>
             </a:extLst>
           </p:cNvPr>
@@ -6909,12 +6887,14 @@
         </p:nvSpPr>
         <p:spPr/>
         <p:txBody>
-          <a:bodyPr/>
+          <a:bodyPr>
+            <a:normAutofit/>
+          </a:bodyPr>
           <a:lstStyle/>
           <a:p>
             <a:r>
               <a:rPr lang="en-GB" dirty="0"/>
-              <a:t>Binary Search Trees</a:t>
+              <a:t>Red-Black Tree</a:t>
             </a:r>
             <a:endParaRPr lang="en-SE" dirty="0"/>
           </a:p>
@@ -6925,7 +6905,7 @@
           <p:cNvPr id="3" name="Content Placeholder 2">
             <a:extLst>
               <a:ext uri="{FF2B5EF4-FFF2-40B4-BE49-F238E27FC236}">
-                <a16:creationId xmlns:a16="http://schemas.microsoft.com/office/drawing/2014/main" id="{0557887F-CBB4-306A-575F-13C8D5998631}"/>
+                <a16:creationId xmlns:a16="http://schemas.microsoft.com/office/drawing/2014/main" id="{5D52CDBE-4922-6863-7908-3C8E411186E9}"/>
               </a:ext>
             </a:extLst>
           </p:cNvPr>
@@ -6938,58 +6918,48 @@
         </p:nvSpPr>
         <p:spPr>
           <a:xfrm>
-            <a:off x="457200" y="1247624"/>
-            <a:ext cx="8229600" cy="2501331"/>
+            <a:off x="457201" y="1258529"/>
+            <a:ext cx="4262284" cy="5427405"/>
           </a:xfrm>
         </p:spPr>
         <p:txBody>
           <a:bodyPr>
-            <a:normAutofit fontScale="92500"/>
+            <a:normAutofit/>
           </a:bodyPr>
           <a:lstStyle/>
           <a:p>
             <a:r>
               <a:rPr lang="en-GB" dirty="0"/>
-              <a:t>Ordered, or sorted, binary trees.</a:t>
+              <a:t>1. A node is either red or black.</a:t>
             </a:r>
           </a:p>
           <a:p>
             <a:r>
               <a:rPr lang="en-GB" dirty="0"/>
-              <a:t>Each node can have 2 subtrees.</a:t>
+              <a:t>2. The root and leaves (NIL) are black.</a:t>
             </a:r>
           </a:p>
           <a:p>
             <a:r>
               <a:rPr lang="en-GB" dirty="0"/>
-              <a:t>Items to the left of a given node are smaller.</a:t>
+              <a:t>3. If a node is red, then its children are black.</a:t>
             </a:r>
           </a:p>
           <a:p>
             <a:r>
               <a:rPr lang="en-GB" dirty="0"/>
-              <a:t>Items to the right of a given node are larger.</a:t>
-            </a:r>
-          </a:p>
-          <a:p>
+              <a:t>4. All paths from a node to its NIL descendants contain the same number of black nodes.</a:t>
+            </a:r>
+          </a:p>
+          <a:p>
+            <a:pPr lvl="1"/>
             <a:r>
               <a:rPr lang="en-GB" dirty="0"/>
-              <a:t>Balanced search trees have guaranteed height of O(log n) for n items</a:t>
-            </a:r>
-          </a:p>
-          <a:p>
-            <a:pPr lvl="1"/>
-            <a:r>
-              <a:rPr lang="en-GB" dirty="0"/>
-              <a:t>Red-Black Tree is a type of balanced search tree</a:t>
-            </a:r>
-            <a:endParaRPr lang="en-SE" dirty="0"/>
-          </a:p>
-          <a:p>
-            <a:endParaRPr lang="en-GB" dirty="0"/>
-          </a:p>
-          <a:p>
-            <a:endParaRPr lang="en-SE" dirty="0"/>
+              <a:t>Path length excludes root node itself</a:t>
+            </a:r>
+          </a:p>
+          <a:p>
+            <a:endParaRPr lang="en-GB" sz="2800" dirty="0"/>
           </a:p>
         </p:txBody>
       </p:sp>
@@ -6998,37 +6968,7 @@
           <p:cNvPr id="5" name="Picture 4">
             <a:extLst>
               <a:ext uri="{FF2B5EF4-FFF2-40B4-BE49-F238E27FC236}">
-                <a16:creationId xmlns:a16="http://schemas.microsoft.com/office/drawing/2014/main" id="{F6F4EFE9-1E8E-F3FE-CDAE-370135EB8C49}"/>
-              </a:ext>
-            </a:extLst>
-          </p:cNvPr>
-          <p:cNvPicPr>
-            <a:picLocks noChangeAspect="1"/>
-          </p:cNvPicPr>
-          <p:nvPr/>
-        </p:nvPicPr>
-        <p:blipFill>
-          <a:blip r:embed="rId2"/>
-          <a:stretch>
-            <a:fillRect/>
-          </a:stretch>
-        </p:blipFill>
-        <p:spPr>
-          <a:xfrm>
-            <a:off x="274173" y="3748956"/>
-            <a:ext cx="4455143" cy="2532622"/>
-          </a:xfrm>
-          <a:prstGeom prst="rect">
-            <a:avLst/>
-          </a:prstGeom>
-        </p:spPr>
-      </p:pic>
-      <p:pic>
-        <p:nvPicPr>
-          <p:cNvPr id="7" name="Picture 6">
-            <a:extLst>
-              <a:ext uri="{FF2B5EF4-FFF2-40B4-BE49-F238E27FC236}">
-                <a16:creationId xmlns:a16="http://schemas.microsoft.com/office/drawing/2014/main" id="{06AAA302-989C-CDA3-21AD-3C24B6D03CCC}"/>
+                <a16:creationId xmlns:a16="http://schemas.microsoft.com/office/drawing/2014/main" id="{4DDF3E65-F346-EA5B-DA79-F5C080784FB4}"/>
               </a:ext>
             </a:extLst>
           </p:cNvPr>
@@ -7039,14 +6979,13 @@
         </p:nvPicPr>
         <p:blipFill>
           <a:blip r:embed="rId3"/>
-          <a:stretch>
-            <a:fillRect/>
-          </a:stretch>
+          <a:srcRect/>
+          <a:stretch/>
         </p:blipFill>
         <p:spPr>
           <a:xfrm>
-            <a:off x="4912343" y="3598047"/>
-            <a:ext cx="3267248" cy="3181959"/>
+            <a:off x="4730624" y="2072073"/>
+            <a:ext cx="4331753" cy="3370747"/>
           </a:xfrm>
           <a:prstGeom prst="rect">
             <a:avLst/>
@@ -7056,7 +6995,7 @@
     </p:spTree>
     <p:extLst>
       <p:ext uri="{BB962C8B-B14F-4D97-AF65-F5344CB8AC3E}">
-        <p14:creationId xmlns:p14="http://schemas.microsoft.com/office/powerpoint/2010/main" val="4024490801"/>
+        <p14:creationId xmlns:p14="http://schemas.microsoft.com/office/powerpoint/2010/main" val="3627592844"/>
       </p:ext>
     </p:extLst>
   </p:cSld>
@@ -7088,7 +7027,7 @@
           <p:cNvPr id="2" name="Title 1">
             <a:extLst>
               <a:ext uri="{FF2B5EF4-FFF2-40B4-BE49-F238E27FC236}">
-                <a16:creationId xmlns:a16="http://schemas.microsoft.com/office/drawing/2014/main" id="{8935BAAB-AA48-07AE-138B-67E6B7562C86}"/>
+                <a16:creationId xmlns:a16="http://schemas.microsoft.com/office/drawing/2014/main" id="{EC7E9E7B-9776-DA6F-C104-F8ECB682CEF1}"/>
               </a:ext>
             </a:extLst>
           </p:cNvPr>
@@ -7108,7 +7047,7 @@
           <a:p>
             <a:r>
               <a:rPr lang="en-GB" dirty="0"/>
-              <a:t>Red-Black Tree</a:t>
+              <a:t>Additional Properties</a:t>
             </a:r>
             <a:endParaRPr lang="en-SE" dirty="0"/>
           </a:p>
@@ -7119,7 +7058,7 @@
           <p:cNvPr id="3" name="Content Placeholder 2">
             <a:extLst>
               <a:ext uri="{FF2B5EF4-FFF2-40B4-BE49-F238E27FC236}">
-                <a16:creationId xmlns:a16="http://schemas.microsoft.com/office/drawing/2014/main" id="{5D52CDBE-4922-6863-7908-3C8E411186E9}"/>
+                <a16:creationId xmlns:a16="http://schemas.microsoft.com/office/drawing/2014/main" id="{C59CF67B-E104-ED9B-E649-C15F87F1838F}"/>
               </a:ext>
             </a:extLst>
           </p:cNvPr>
@@ -7132,57 +7071,63 @@
         </p:nvSpPr>
         <p:spPr>
           <a:xfrm>
-            <a:off x="457201" y="1258529"/>
-            <a:ext cx="4262284" cy="5427405"/>
+            <a:off x="457200" y="1600200"/>
+            <a:ext cx="4262285" cy="4613787"/>
           </a:xfrm>
         </p:spPr>
         <p:txBody>
           <a:bodyPr>
-            <a:normAutofit/>
+            <a:normAutofit fontScale="92500" lnSpcReduction="10000"/>
           </a:bodyPr>
           <a:lstStyle/>
           <a:p>
             <a:r>
               <a:rPr lang="en-GB" dirty="0"/>
-              <a:t>1. A node is either red or black.</a:t>
-            </a:r>
-          </a:p>
-          <a:p>
+              <a:t>Balanced search tree: the longest path (root to farthest NIL) is no more than twice the length of the shortest path (root to nearest NIL).</a:t>
+            </a:r>
+          </a:p>
+          <a:p>
+            <a:pPr lvl="1"/>
             <a:r>
               <a:rPr lang="en-GB" dirty="0"/>
-              <a:t>2. The root and leaves (NIL) are black.</a:t>
-            </a:r>
-          </a:p>
-          <a:p>
+              <a:t>Shortest path: all black nodes (=2)</a:t>
+            </a:r>
+          </a:p>
+          <a:p>
+            <a:pPr lvl="1"/>
             <a:r>
               <a:rPr lang="en-GB" dirty="0"/>
-              <a:t>3. If a node is red, then its children are black.</a:t>
+              <a:t>Longest path: alternating red and black (=4)</a:t>
             </a:r>
           </a:p>
           <a:p>
             <a:r>
               <a:rPr lang="en-GB" dirty="0"/>
-              <a:t>4. All paths from a node to its NIL descendants contain the same number of black nodes.</a:t>
+              <a:t>Operations: search, insert, remove, each with time complexity O(log(n)).</a:t>
             </a:r>
           </a:p>
           <a:p>
             <a:pPr lvl="1"/>
             <a:r>
               <a:rPr lang="en-GB" dirty="0"/>
-              <a:t>Path length excludes root node itself</a:t>
-            </a:r>
-          </a:p>
-          <a:p>
-            <a:endParaRPr lang="en-GB" sz="2800" dirty="0"/>
+              <a:t>Insert and remove may result in violation of red-black tree properties, use rotations to fix it</a:t>
+            </a:r>
+          </a:p>
+          <a:p>
+            <a:pPr lvl="1"/>
+            <a:endParaRPr lang="en-GB" dirty="0"/>
+          </a:p>
+          <a:p>
+            <a:endParaRPr lang="en-SE" dirty="0"/>
           </a:p>
         </p:txBody>
       </p:sp>
       <p:pic>
         <p:nvPicPr>
-          <p:cNvPr id="5" name="Picture 4">
-            <a:extLst>
-              <a:ext uri="{FF2B5EF4-FFF2-40B4-BE49-F238E27FC236}">
-                <a16:creationId xmlns:a16="http://schemas.microsoft.com/office/drawing/2014/main" id="{4DDF3E65-F346-EA5B-DA79-F5C080784FB4}"/>
+          <p:cNvPr id="4" name="Picture 3">
+            <a:extLst>
+              <a:ext uri="{FF2B5EF4-FFF2-40B4-BE49-F238E27FC236}">
+                <a16:creationId xmlns:a16="http://schemas.microsoft.com/office/drawing/2014/main" id="{5532C267-B707-7F38-D2CE-FCA65A5C4EB8}"/>
               </a:ext>
             </a:extLst>
           </p:cNvPr>
@@ -7192,7 +7137,7 @@
           <p:nvPr/>
         </p:nvPicPr>
         <p:blipFill>
-          <a:blip r:embed="rId3"/>
+          <a:blip r:embed="rId2"/>
           <a:srcRect/>
           <a:stretch/>
         </p:blipFill>
@@ -7209,7 +7154,7 @@
     </p:spTree>
     <p:extLst>
       <p:ext uri="{BB962C8B-B14F-4D97-AF65-F5344CB8AC3E}">
-        <p14:creationId xmlns:p14="http://schemas.microsoft.com/office/powerpoint/2010/main" val="3627592844"/>
+        <p14:creationId xmlns:p14="http://schemas.microsoft.com/office/powerpoint/2010/main" val="3547036899"/>
       </p:ext>
     </p:extLst>
   </p:cSld>
@@ -7241,7 +7186,7 @@
           <p:cNvPr id="2" name="Title 1">
             <a:extLst>
               <a:ext uri="{FF2B5EF4-FFF2-40B4-BE49-F238E27FC236}">
-                <a16:creationId xmlns:a16="http://schemas.microsoft.com/office/drawing/2014/main" id="{EC7E9E7B-9776-DA6F-C104-F8ECB682CEF1}"/>
+                <a16:creationId xmlns:a16="http://schemas.microsoft.com/office/drawing/2014/main" id="{F9B8C4BC-6C37-C8A7-FDD1-1162419CEA1D}"/>
               </a:ext>
             </a:extLst>
           </p:cNvPr>
@@ -7254,14 +7199,12 @@
         </p:nvSpPr>
         <p:spPr/>
         <p:txBody>
-          <a:bodyPr>
-            <a:normAutofit/>
-          </a:bodyPr>
+          <a:bodyPr/>
           <a:lstStyle/>
           <a:p>
             <a:r>
               <a:rPr lang="en-GB" dirty="0"/>
-              <a:t>Additional Properties</a:t>
+              <a:t>Rotations</a:t>
             </a:r>
             <a:endParaRPr lang="en-SE" dirty="0"/>
           </a:p>
@@ -7272,7 +7215,7 @@
           <p:cNvPr id="3" name="Content Placeholder 2">
             <a:extLst>
               <a:ext uri="{FF2B5EF4-FFF2-40B4-BE49-F238E27FC236}">
-                <a16:creationId xmlns:a16="http://schemas.microsoft.com/office/drawing/2014/main" id="{C59CF67B-E104-ED9B-E649-C15F87F1838F}"/>
+                <a16:creationId xmlns:a16="http://schemas.microsoft.com/office/drawing/2014/main" id="{215906F3-2682-3A97-646C-AFBD72279F02}"/>
               </a:ext>
             </a:extLst>
           </p:cNvPr>
@@ -7286,50 +7229,42 @@
         <p:spPr>
           <a:xfrm>
             <a:off x="457200" y="1600200"/>
-            <a:ext cx="4262285" cy="4613787"/>
-          </a:xfrm>
-        </p:spPr>
-        <p:txBody>
-          <a:bodyPr>
-            <a:normAutofit fontScale="92500" lnSpcReduction="10000"/>
-          </a:bodyPr>
+            <a:ext cx="3937819" cy="4525963"/>
+          </a:xfrm>
+        </p:spPr>
+        <p:txBody>
+          <a:bodyPr/>
           <a:lstStyle/>
           <a:p>
             <a:r>
               <a:rPr lang="en-GB" dirty="0"/>
-              <a:t>Balanced search tree: the longest path (root to farthest NIL) is no more than twice the length of the shortest path (root to nearest NIL).</a:t>
+              <a:t>Alters the structure of a tree by rearranging subtrees</a:t>
+            </a:r>
+          </a:p>
+          <a:p>
+            <a:r>
+              <a:rPr lang="en-GB" dirty="0"/>
+              <a:t>Goal is to decrease the height of the tree to maximum height of O(log n) </a:t>
             </a:r>
           </a:p>
           <a:p>
             <a:pPr lvl="1"/>
             <a:r>
               <a:rPr lang="en-GB" dirty="0"/>
-              <a:t>Shortest path: all black nodes (=2)</a:t>
-            </a:r>
-          </a:p>
-          <a:p>
-            <a:pPr lvl="1"/>
+              <a:t>Larger subtrees up, smaller subtrees down</a:t>
+            </a:r>
+          </a:p>
+          <a:p>
             <a:r>
               <a:rPr lang="en-GB" dirty="0"/>
-              <a:t>Longest path: alternating red and black (=4)</a:t>
+              <a:t>Does not affect the order of elements</a:t>
             </a:r>
           </a:p>
           <a:p>
             <a:r>
               <a:rPr lang="en-GB" dirty="0"/>
-              <a:t>Operations: search, insert, remove, each with time complexity O(log(n)).</a:t>
-            </a:r>
-          </a:p>
-          <a:p>
-            <a:pPr lvl="1"/>
-            <a:r>
-              <a:rPr lang="en-GB" dirty="0"/>
-              <a:t>Insert and remove may result in violation of red-black tree properties, use rotations to fix it</a:t>
-            </a:r>
-          </a:p>
-          <a:p>
-            <a:pPr lvl="1"/>
-            <a:endParaRPr lang="en-GB" dirty="0"/>
+              <a:t>Time complexity O(1)</a:t>
+            </a:r>
           </a:p>
           <a:p>
             <a:endParaRPr lang="en-SE" dirty="0"/>
@@ -7338,10 +7273,10 @@
       </p:sp>
       <p:pic>
         <p:nvPicPr>
-          <p:cNvPr id="4" name="Picture 3">
-            <a:extLst>
-              <a:ext uri="{FF2B5EF4-FFF2-40B4-BE49-F238E27FC236}">
-                <a16:creationId xmlns:a16="http://schemas.microsoft.com/office/drawing/2014/main" id="{5532C267-B707-7F38-D2CE-FCA65A5C4EB8}"/>
+          <p:cNvPr id="5" name="Picture 4">
+            <a:extLst>
+              <a:ext uri="{FF2B5EF4-FFF2-40B4-BE49-F238E27FC236}">
+                <a16:creationId xmlns:a16="http://schemas.microsoft.com/office/drawing/2014/main" id="{76EEA92D-A236-CA68-C993-B1AFD3E3787A}"/>
               </a:ext>
             </a:extLst>
           </p:cNvPr>
@@ -7351,14 +7286,43 @@
           <p:nvPr/>
         </p:nvPicPr>
         <p:blipFill>
-          <a:blip r:embed="rId2"/>
+          <a:blip r:embed="rId3"/>
           <a:srcRect/>
           <a:stretch/>
         </p:blipFill>
         <p:spPr>
           <a:xfrm>
-            <a:off x="4730624" y="2072073"/>
-            <a:ext cx="4331753" cy="3370747"/>
+            <a:off x="4565214" y="1383159"/>
+            <a:ext cx="4246650" cy="2388741"/>
+          </a:xfrm>
+          <a:prstGeom prst="rect">
+            <a:avLst/>
+          </a:prstGeom>
+        </p:spPr>
+      </p:pic>
+      <p:pic>
+        <p:nvPicPr>
+          <p:cNvPr id="7" name="Picture 6">
+            <a:extLst>
+              <a:ext uri="{FF2B5EF4-FFF2-40B4-BE49-F238E27FC236}">
+                <a16:creationId xmlns:a16="http://schemas.microsoft.com/office/drawing/2014/main" id="{F93D3070-8E71-86A3-E6E9-6F6A0313C4C0}"/>
+              </a:ext>
+            </a:extLst>
+          </p:cNvPr>
+          <p:cNvPicPr>
+            <a:picLocks noChangeAspect="1"/>
+          </p:cNvPicPr>
+          <p:nvPr/>
+        </p:nvPicPr>
+        <p:blipFill>
+          <a:blip r:embed="rId4"/>
+          <a:srcRect/>
+          <a:stretch/>
+        </p:blipFill>
+        <p:spPr>
+          <a:xfrm>
+            <a:off x="4305901" y="3954462"/>
+            <a:ext cx="4423611" cy="2331923"/>
           </a:xfrm>
           <a:prstGeom prst="rect">
             <a:avLst/>
@@ -7368,7 +7332,7 @@
     </p:spTree>
     <p:extLst>
       <p:ext uri="{BB962C8B-B14F-4D97-AF65-F5344CB8AC3E}">
-        <p14:creationId xmlns:p14="http://schemas.microsoft.com/office/powerpoint/2010/main" val="3547036899"/>
+        <p14:creationId xmlns:p14="http://schemas.microsoft.com/office/powerpoint/2010/main" val="481779665"/>
       </p:ext>
     </p:extLst>
   </p:cSld>
@@ -7400,7 +7364,7 @@
           <p:cNvPr id="2" name="Title 1">
             <a:extLst>
               <a:ext uri="{FF2B5EF4-FFF2-40B4-BE49-F238E27FC236}">
-                <a16:creationId xmlns:a16="http://schemas.microsoft.com/office/drawing/2014/main" id="{F9B8C4BC-6C37-C8A7-FDD1-1162419CEA1D}"/>
+                <a16:creationId xmlns:a16="http://schemas.microsoft.com/office/drawing/2014/main" id="{267C38C2-EB52-EBF8-92F2-9EAD71CA2A1E}"/>
               </a:ext>
             </a:extLst>
           </p:cNvPr>
@@ -7418,7 +7382,7 @@
           <a:p>
             <a:r>
               <a:rPr lang="en-GB" dirty="0"/>
-              <a:t>Rotations</a:t>
+              <a:t>Insertions</a:t>
             </a:r>
             <a:endParaRPr lang="en-SE" dirty="0"/>
           </a:p>
@@ -7429,7 +7393,7 @@
           <p:cNvPr id="3" name="Content Placeholder 2">
             <a:extLst>
               <a:ext uri="{FF2B5EF4-FFF2-40B4-BE49-F238E27FC236}">
-                <a16:creationId xmlns:a16="http://schemas.microsoft.com/office/drawing/2014/main" id="{215906F3-2682-3A97-646C-AFBD72279F02}"/>
+                <a16:creationId xmlns:a16="http://schemas.microsoft.com/office/drawing/2014/main" id="{499EFC65-866E-E39A-746C-BCF3614C5B08}"/>
               </a:ext>
             </a:extLst>
           </p:cNvPr>
@@ -7443,45 +7407,148 @@
         <p:spPr>
           <a:xfrm>
             <a:off x="457200" y="1600200"/>
-            <a:ext cx="3937819" cy="4525963"/>
-          </a:xfrm>
-        </p:spPr>
-        <p:txBody>
-          <a:bodyPr/>
+            <a:ext cx="8229600" cy="5095567"/>
+          </a:xfrm>
+        </p:spPr>
+        <p:txBody>
+          <a:bodyPr>
+            <a:normAutofit/>
+          </a:bodyPr>
           <a:lstStyle/>
           <a:p>
             <a:r>
               <a:rPr lang="en-GB" dirty="0"/>
-              <a:t>Alters the structure of a tree by rearranging subtrees</a:t>
-            </a:r>
-          </a:p>
-          <a:p>
+              <a:t>Step 1. Insert Z and </a:t>
+            </a:r>
+            <a:r>
+              <a:rPr lang="en-GB" dirty="0" err="1"/>
+              <a:t>color</a:t>
+            </a:r>
             <a:r>
               <a:rPr lang="en-GB" dirty="0"/>
-              <a:t>Goal is to decrease the height of the tree to maximum height of O(log n) </a:t>
+              <a:t> it </a:t>
+            </a:r>
+            <a:r>
+              <a:rPr lang="en-GB" dirty="0">
+                <a:solidFill>
+                  <a:srgbClr val="FF0000"/>
+                </a:solidFill>
+              </a:rPr>
+              <a:t>red</a:t>
+            </a:r>
+          </a:p>
+          <a:p>
+            <a:r>
+              <a:rPr lang="en-GB" dirty="0"/>
+              <a:t>Step 2. Recolor and rotate nodes to fix violations</a:t>
+            </a:r>
+          </a:p>
+          <a:p>
+            <a:r>
+              <a:rPr lang="en-GB" dirty="0"/>
+              <a:t>4 scenarios after inserting node Z</a:t>
+            </a:r>
+          </a:p>
+          <a:p>
+            <a:r>
+              <a:rPr lang="en-GB" dirty="0"/>
+              <a:t>Case 0. Z = root</a:t>
             </a:r>
           </a:p>
           <a:p>
             <a:pPr lvl="1"/>
             <a:r>
+              <a:rPr lang="en-GB" dirty="0" err="1"/>
+              <a:t>Color</a:t>
+            </a:r>
+            <a:r>
               <a:rPr lang="en-GB" dirty="0"/>
-              <a:t>Larger subtrees up, smaller subtrees down</a:t>
+              <a:t> Z black</a:t>
             </a:r>
           </a:p>
           <a:p>
             <a:r>
               <a:rPr lang="en-GB" dirty="0"/>
-              <a:t>Does not affect the order of elements</a:t>
-            </a:r>
-          </a:p>
-          <a:p>
+              <a:t>Case 1. </a:t>
+            </a:r>
+            <a:r>
+              <a:rPr lang="en-GB" dirty="0" err="1"/>
+              <a:t>Z.uncle</a:t>
+            </a:r>
             <a:r>
               <a:rPr lang="en-GB" dirty="0"/>
-              <a:t>Time complexity O(1)</a:t>
-            </a:r>
-          </a:p>
-          <a:p>
-            <a:endParaRPr lang="en-SE" dirty="0"/>
+              <a:t> = </a:t>
+            </a:r>
+            <a:r>
+              <a:rPr lang="en-GB" dirty="0">
+                <a:solidFill>
+                  <a:srgbClr val="FF0000"/>
+                </a:solidFill>
+              </a:rPr>
+              <a:t>red</a:t>
+            </a:r>
+          </a:p>
+          <a:p>
+            <a:pPr lvl="1"/>
+            <a:r>
+              <a:rPr lang="en-GB" dirty="0"/>
+              <a:t>Recolor Z’s parents and grandparent</a:t>
+            </a:r>
+          </a:p>
+          <a:p>
+            <a:r>
+              <a:rPr lang="en-GB" dirty="0"/>
+              <a:t>Case 2. </a:t>
+            </a:r>
+            <a:r>
+              <a:rPr lang="en-GB" dirty="0" err="1"/>
+              <a:t>Z.uncle</a:t>
+            </a:r>
+            <a:r>
+              <a:rPr lang="en-GB" dirty="0"/>
+              <a:t> = black (triangle)</a:t>
+            </a:r>
+          </a:p>
+          <a:p>
+            <a:pPr lvl="1"/>
+            <a:r>
+              <a:rPr lang="en-GB" dirty="0"/>
+              <a:t>Rotate </a:t>
+            </a:r>
+            <a:r>
+              <a:rPr lang="en-GB" dirty="0" err="1"/>
+              <a:t>Z.parent</a:t>
+            </a:r>
+            <a:endParaRPr lang="en-GB" dirty="0"/>
+          </a:p>
+          <a:p>
+            <a:r>
+              <a:rPr lang="en-GB" dirty="0"/>
+              <a:t>Case 3. </a:t>
+            </a:r>
+            <a:r>
+              <a:rPr lang="en-GB" dirty="0" err="1"/>
+              <a:t>Z.uncle</a:t>
+            </a:r>
+            <a:r>
+              <a:rPr lang="en-GB" dirty="0"/>
+              <a:t> = black (line)</a:t>
+            </a:r>
+          </a:p>
+          <a:p>
+            <a:pPr lvl="1"/>
+            <a:r>
+              <a:rPr lang="en-GB" dirty="0"/>
+              <a:t>Rotate </a:t>
+            </a:r>
+            <a:r>
+              <a:rPr lang="en-GB" dirty="0" err="1"/>
+              <a:t>Z.grandparent</a:t>
+            </a:r>
+            <a:r>
+              <a:rPr lang="en-GB" dirty="0"/>
+              <a:t> &amp; Recolor Z’s parents and grandparent</a:t>
+            </a:r>
           </a:p>
         </p:txBody>
       </p:sp>
@@ -7490,7 +7557,7 @@
           <p:cNvPr id="5" name="Picture 4">
             <a:extLst>
               <a:ext uri="{FF2B5EF4-FFF2-40B4-BE49-F238E27FC236}">
-                <a16:creationId xmlns:a16="http://schemas.microsoft.com/office/drawing/2014/main" id="{76EEA92D-A236-CA68-C993-B1AFD3E3787A}"/>
+                <a16:creationId xmlns:a16="http://schemas.microsoft.com/office/drawing/2014/main" id="{73200FAC-C95F-DE8E-B699-6349D011B528}"/>
               </a:ext>
             </a:extLst>
           </p:cNvPr>
@@ -7500,43 +7567,15 @@
           <p:nvPr/>
         </p:nvPicPr>
         <p:blipFill>
-          <a:blip r:embed="rId3"/>
-          <a:srcRect/>
-          <a:stretch/>
+          <a:blip r:embed="rId2"/>
+          <a:stretch>
+            <a:fillRect/>
+          </a:stretch>
         </p:blipFill>
         <p:spPr>
           <a:xfrm>
-            <a:off x="4565214" y="1383159"/>
-            <a:ext cx="4246650" cy="2388741"/>
-          </a:xfrm>
-          <a:prstGeom prst="rect">
-            <a:avLst/>
-          </a:prstGeom>
-        </p:spPr>
-      </p:pic>
-      <p:pic>
-        <p:nvPicPr>
-          <p:cNvPr id="7" name="Picture 6">
-            <a:extLst>
-              <a:ext uri="{FF2B5EF4-FFF2-40B4-BE49-F238E27FC236}">
-                <a16:creationId xmlns:a16="http://schemas.microsoft.com/office/drawing/2014/main" id="{F93D3070-8E71-86A3-E6E9-6F6A0313C4C0}"/>
-              </a:ext>
-            </a:extLst>
-          </p:cNvPr>
-          <p:cNvPicPr>
-            <a:picLocks noChangeAspect="1"/>
-          </p:cNvPicPr>
-          <p:nvPr/>
-        </p:nvPicPr>
-        <p:blipFill>
-          <a:blip r:embed="rId4"/>
-          <a:srcRect/>
-          <a:stretch/>
-        </p:blipFill>
-        <p:spPr>
-          <a:xfrm>
-            <a:off x="4305901" y="3954462"/>
-            <a:ext cx="4423611" cy="2331923"/>
+            <a:off x="5112227" y="2863647"/>
+            <a:ext cx="3962947" cy="2052482"/>
           </a:xfrm>
           <a:prstGeom prst="rect">
             <a:avLst/>
@@ -7546,7 +7585,7 @@
     </p:spTree>
     <p:extLst>
       <p:ext uri="{BB962C8B-B14F-4D97-AF65-F5344CB8AC3E}">
-        <p14:creationId xmlns:p14="http://schemas.microsoft.com/office/powerpoint/2010/main" val="481779665"/>
+        <p14:creationId xmlns:p14="http://schemas.microsoft.com/office/powerpoint/2010/main" val="2867380140"/>
       </p:ext>
     </p:extLst>
   </p:cSld>
@@ -7578,7 +7617,7 @@
           <p:cNvPr id="2" name="Title 1">
             <a:extLst>
               <a:ext uri="{FF2B5EF4-FFF2-40B4-BE49-F238E27FC236}">
-                <a16:creationId xmlns:a16="http://schemas.microsoft.com/office/drawing/2014/main" id="{267C38C2-EB52-EBF8-92F2-9EAD71CA2A1E}"/>
+                <a16:creationId xmlns:a16="http://schemas.microsoft.com/office/drawing/2014/main" id="{2D942522-D3FC-7D11-0972-EA12F100AF50}"/>
               </a:ext>
             </a:extLst>
           </p:cNvPr>
@@ -7590,40 +7629,6 @@
           </p:nvPr>
         </p:nvSpPr>
         <p:spPr/>
-        <p:txBody>
-          <a:bodyPr/>
-          <a:lstStyle/>
-          <a:p>
-            <a:r>
-              <a:rPr lang="en-GB" dirty="0"/>
-              <a:t>Insertions</a:t>
-            </a:r>
-            <a:endParaRPr lang="en-SE" dirty="0"/>
-          </a:p>
-        </p:txBody>
-      </p:sp>
-      <p:sp>
-        <p:nvSpPr>
-          <p:cNvPr id="3" name="Content Placeholder 2">
-            <a:extLst>
-              <a:ext uri="{FF2B5EF4-FFF2-40B4-BE49-F238E27FC236}">
-                <a16:creationId xmlns:a16="http://schemas.microsoft.com/office/drawing/2014/main" id="{499EFC65-866E-E39A-746C-BCF3614C5B08}"/>
-              </a:ext>
-            </a:extLst>
-          </p:cNvPr>
-          <p:cNvSpPr>
-            <a:spLocks noGrp="1"/>
-          </p:cNvSpPr>
-          <p:nvPr>
-            <p:ph idx="1"/>
-          </p:nvPr>
-        </p:nvSpPr>
-        <p:spPr>
-          <a:xfrm>
-            <a:off x="457200" y="1600200"/>
-            <a:ext cx="8229600" cy="5095567"/>
-          </a:xfrm>
-        </p:spPr>
         <p:txBody>
           <a:bodyPr>
             <a:normAutofit/>
@@ -7632,45 +7637,37 @@
           <a:p>
             <a:r>
               <a:rPr lang="en-GB" dirty="0"/>
-              <a:t>Step 1. Insert Z and </a:t>
-            </a:r>
-            <a:r>
-              <a:rPr lang="en-GB" dirty="0" err="1"/>
-              <a:t>color</a:t>
-            </a:r>
-            <a:r>
-              <a:rPr lang="en-GB" dirty="0"/>
-              <a:t> it </a:t>
-            </a:r>
-            <a:r>
-              <a:rPr lang="en-GB" dirty="0">
-                <a:solidFill>
-                  <a:srgbClr val="FF0000"/>
-                </a:solidFill>
-              </a:rPr>
-              <a:t>red</a:t>
-            </a:r>
-          </a:p>
-          <a:p>
-            <a:r>
-              <a:rPr lang="en-GB" dirty="0"/>
-              <a:t>Step 2. Recolor and rotate nodes to fix violations</a:t>
-            </a:r>
-          </a:p>
-          <a:p>
-            <a:r>
-              <a:rPr lang="en-GB" dirty="0"/>
-              <a:t>4 scenarios after inserting node Z</a:t>
-            </a:r>
-          </a:p>
-          <a:p>
-            <a:r>
-              <a:rPr lang="en-GB" dirty="0"/>
               <a:t>Case 0. Z = root</a:t>
             </a:r>
-          </a:p>
-          <a:p>
-            <a:pPr lvl="1"/>
+            <a:endParaRPr lang="en-SE" dirty="0">
+              <a:solidFill>
+                <a:srgbClr val="FF0000"/>
+              </a:solidFill>
+            </a:endParaRPr>
+          </a:p>
+        </p:txBody>
+      </p:sp>
+      <p:sp>
+        <p:nvSpPr>
+          <p:cNvPr id="3" name="Content Placeholder 2">
+            <a:extLst>
+              <a:ext uri="{FF2B5EF4-FFF2-40B4-BE49-F238E27FC236}">
+                <a16:creationId xmlns:a16="http://schemas.microsoft.com/office/drawing/2014/main" id="{0CA4BF79-FCAE-853C-19D0-2FC605F64070}"/>
+              </a:ext>
+            </a:extLst>
+          </p:cNvPr>
+          <p:cNvSpPr>
+            <a:spLocks noGrp="1"/>
+          </p:cNvSpPr>
+          <p:nvPr>
+            <p:ph idx="1"/>
+          </p:nvPr>
+        </p:nvSpPr>
+        <p:spPr/>
+        <p:txBody>
+          <a:bodyPr/>
+          <a:lstStyle/>
+          <a:p>
             <a:r>
               <a:rPr lang="en-GB" dirty="0" err="1"/>
               <a:t>Color</a:t>
@@ -7680,98 +7677,14 @@
               <a:t> Z black</a:t>
             </a:r>
           </a:p>
-          <a:p>
-            <a:r>
-              <a:rPr lang="en-GB" dirty="0"/>
-              <a:t>Case 1. </a:t>
-            </a:r>
-            <a:r>
-              <a:rPr lang="en-GB" dirty="0" err="1"/>
-              <a:t>Z.uncle</a:t>
-            </a:r>
-            <a:r>
-              <a:rPr lang="en-GB" dirty="0"/>
-              <a:t> = </a:t>
-            </a:r>
-            <a:r>
-              <a:rPr lang="en-GB" dirty="0">
-                <a:solidFill>
-                  <a:srgbClr val="FF0000"/>
-                </a:solidFill>
-              </a:rPr>
-              <a:t>red</a:t>
-            </a:r>
-          </a:p>
-          <a:p>
-            <a:pPr lvl="1"/>
-            <a:r>
-              <a:rPr lang="en-GB" dirty="0"/>
-              <a:t>Recolor Z’s parents and grandparent</a:t>
-            </a:r>
-          </a:p>
-          <a:p>
-            <a:r>
-              <a:rPr lang="en-GB" dirty="0"/>
-              <a:t>Case 2. </a:t>
-            </a:r>
-            <a:r>
-              <a:rPr lang="en-GB" dirty="0" err="1"/>
-              <a:t>Z.uncle</a:t>
-            </a:r>
-            <a:r>
-              <a:rPr lang="en-GB" dirty="0"/>
-              <a:t> = black (triangle)</a:t>
-            </a:r>
-          </a:p>
-          <a:p>
-            <a:pPr lvl="1"/>
-            <a:r>
-              <a:rPr lang="en-GB" dirty="0"/>
-              <a:t>Rotate </a:t>
-            </a:r>
-            <a:r>
-              <a:rPr lang="en-GB" dirty="0" err="1"/>
-              <a:t>Z.parent</a:t>
-            </a:r>
-            <a:endParaRPr lang="en-GB" dirty="0"/>
-          </a:p>
-          <a:p>
-            <a:r>
-              <a:rPr lang="en-GB" dirty="0"/>
-              <a:t>Case 3. </a:t>
-            </a:r>
-            <a:r>
-              <a:rPr lang="en-GB" dirty="0" err="1"/>
-              <a:t>Z.uncle</a:t>
-            </a:r>
-            <a:r>
-              <a:rPr lang="en-GB" dirty="0"/>
-              <a:t> = black (line)</a:t>
-            </a:r>
-          </a:p>
-          <a:p>
-            <a:pPr lvl="1"/>
-            <a:r>
-              <a:rPr lang="en-GB" dirty="0"/>
-              <a:t>Rotate </a:t>
-            </a:r>
-            <a:r>
-              <a:rPr lang="en-GB" dirty="0" err="1"/>
-              <a:t>Z.grandparent</a:t>
-            </a:r>
-            <a:r>
-              <a:rPr lang="en-GB" dirty="0"/>
-              <a:t> &amp; Recolor Z’s parents and grandparent</a:t>
-            </a:r>
-          </a:p>
         </p:txBody>
       </p:sp>
       <p:pic>
         <p:nvPicPr>
-          <p:cNvPr id="5" name="Picture 4">
-            <a:extLst>
-              <a:ext uri="{FF2B5EF4-FFF2-40B4-BE49-F238E27FC236}">
-                <a16:creationId xmlns:a16="http://schemas.microsoft.com/office/drawing/2014/main" id="{73200FAC-C95F-DE8E-B699-6349D011B528}"/>
+          <p:cNvPr id="7" name="Picture 6">
+            <a:extLst>
+              <a:ext uri="{FF2B5EF4-FFF2-40B4-BE49-F238E27FC236}">
+                <a16:creationId xmlns:a16="http://schemas.microsoft.com/office/drawing/2014/main" id="{2C86E9EE-E136-D30B-564A-2095AF0D4F7A}"/>
               </a:ext>
             </a:extLst>
           </p:cNvPr>
@@ -7782,14 +7695,133 @@
         </p:nvPicPr>
         <p:blipFill>
           <a:blip r:embed="rId2"/>
+          <a:srcRect/>
+          <a:stretch/>
+        </p:blipFill>
+        <p:spPr>
+          <a:xfrm>
+            <a:off x="3242212" y="3731045"/>
+            <a:ext cx="769349" cy="762022"/>
+          </a:xfrm>
+          <a:prstGeom prst="rect">
+            <a:avLst/>
+          </a:prstGeom>
+        </p:spPr>
+      </p:pic>
+      <p:sp>
+        <p:nvSpPr>
+          <p:cNvPr id="10" name="Arrow: Right 9">
+            <a:extLst>
+              <a:ext uri="{FF2B5EF4-FFF2-40B4-BE49-F238E27FC236}">
+                <a16:creationId xmlns:a16="http://schemas.microsoft.com/office/drawing/2014/main" id="{C92A5FF1-0EFC-3D7C-ADA5-18A79643E530}"/>
+              </a:ext>
+            </a:extLst>
+          </p:cNvPr>
+          <p:cNvSpPr/>
+          <p:nvPr/>
+        </p:nvSpPr>
+        <p:spPr>
+          <a:xfrm>
+            <a:off x="4194483" y="3882112"/>
+            <a:ext cx="978408" cy="484632"/>
+          </a:xfrm>
+          <a:prstGeom prst="rightArrow">
+            <a:avLst/>
+          </a:prstGeom>
+        </p:spPr>
+        <p:style>
+          <a:lnRef idx="1">
+            <a:schemeClr val="accent1"/>
+          </a:lnRef>
+          <a:fillRef idx="3">
+            <a:schemeClr val="accent1"/>
+          </a:fillRef>
+          <a:effectRef idx="2">
+            <a:schemeClr val="accent1"/>
+          </a:effectRef>
+          <a:fontRef idx="minor">
+            <a:schemeClr val="lt1"/>
+          </a:fontRef>
+        </p:style>
+        <p:txBody>
+          <a:bodyPr rtlCol="0" anchor="ctr"/>
+          <a:lstStyle/>
+          <a:p>
+            <a:pPr algn="ctr"/>
+            <a:endParaRPr lang="en-SE"/>
+          </a:p>
+        </p:txBody>
+      </p:sp>
+      <p:sp>
+        <p:nvSpPr>
+          <p:cNvPr id="11" name="TextBox 10">
+            <a:extLst>
+              <a:ext uri="{FF2B5EF4-FFF2-40B4-BE49-F238E27FC236}">
+                <a16:creationId xmlns:a16="http://schemas.microsoft.com/office/drawing/2014/main" id="{FE4C8BA1-B159-1659-22B5-8270999FCBA4}"/>
+              </a:ext>
+            </a:extLst>
+          </p:cNvPr>
+          <p:cNvSpPr txBox="1"/>
+          <p:nvPr/>
+        </p:nvSpPr>
+        <p:spPr>
+          <a:xfrm>
+            <a:off x="4109779" y="3164392"/>
+            <a:ext cx="1063112" cy="830997"/>
+          </a:xfrm>
+          <a:prstGeom prst="rect">
+            <a:avLst/>
+          </a:prstGeom>
+          <a:noFill/>
+        </p:spPr>
+        <p:txBody>
+          <a:bodyPr wrap="none" rtlCol="0">
+            <a:spAutoFit/>
+          </a:bodyPr>
+          <a:lstStyle/>
+          <a:p>
+            <a:r>
+              <a:rPr lang="en-GB" sz="2400" dirty="0" err="1"/>
+              <a:t>Color</a:t>
+            </a:r>
+            <a:r>
+              <a:rPr lang="en-GB" sz="2400" dirty="0"/>
+              <a:t> Z</a:t>
+            </a:r>
+          </a:p>
+          <a:p>
+            <a:r>
+              <a:rPr lang="en-GB" sz="2400" dirty="0"/>
+              <a:t>black</a:t>
+            </a:r>
+            <a:endParaRPr lang="en-SE" sz="2400" dirty="0"/>
+          </a:p>
+        </p:txBody>
+      </p:sp>
+      <p:pic>
+        <p:nvPicPr>
+          <p:cNvPr id="5" name="Picture 4">
+            <a:extLst>
+              <a:ext uri="{FF2B5EF4-FFF2-40B4-BE49-F238E27FC236}">
+                <a16:creationId xmlns:a16="http://schemas.microsoft.com/office/drawing/2014/main" id="{1F814C78-0410-F9C1-0D58-7D996118E549}"/>
+              </a:ext>
+            </a:extLst>
+          </p:cNvPr>
+          <p:cNvPicPr>
+            <a:picLocks noChangeAspect="1"/>
+          </p:cNvPicPr>
+          <p:nvPr/>
+        </p:nvPicPr>
+        <p:blipFill>
+          <a:blip r:embed="rId3"/>
           <a:stretch>
             <a:fillRect/>
           </a:stretch>
         </p:blipFill>
         <p:spPr>
           <a:xfrm>
-            <a:off x="5112227" y="2863647"/>
-            <a:ext cx="3962947" cy="2052482"/>
+            <a:off x="5263620" y="3736274"/>
+            <a:ext cx="769349" cy="754833"/>
           </a:xfrm>
           <a:prstGeom prst="rect">
             <a:avLst/>
@@ -7799,7 +7831,7 @@
     </p:spTree>
     <p:extLst>
       <p:ext uri="{BB962C8B-B14F-4D97-AF65-F5344CB8AC3E}">
-        <p14:creationId xmlns:p14="http://schemas.microsoft.com/office/powerpoint/2010/main" val="2867380140"/>
+        <p14:creationId xmlns:p14="http://schemas.microsoft.com/office/powerpoint/2010/main" val="3665673816"/>
       </p:ext>
     </p:extLst>
   </p:cSld>
@@ -7851,7 +7883,23 @@
           <a:p>
             <a:r>
               <a:rPr lang="en-GB" dirty="0"/>
-              <a:t>Case 0. Z = root</a:t>
+              <a:t>Case 1. </a:t>
+            </a:r>
+            <a:r>
+              <a:rPr lang="en-GB" dirty="0" err="1"/>
+              <a:t>Z.uncle</a:t>
+            </a:r>
+            <a:r>
+              <a:rPr lang="en-GB" dirty="0"/>
+              <a:t> = </a:t>
+            </a:r>
+            <a:r>
+              <a:rPr lang="en-GB" dirty="0">
+                <a:solidFill>
+                  <a:srgbClr val="FF0000"/>
+                </a:solidFill>
+              </a:rPr>
+              <a:t>red</a:t>
             </a:r>
             <a:endParaRPr lang="en-SE" dirty="0">
               <a:solidFill>
@@ -7883,13 +7931,12 @@
           <a:lstStyle/>
           <a:p>
             <a:r>
-              <a:rPr lang="en-GB" dirty="0" err="1"/>
-              <a:t>Color</a:t>
-            </a:r>
-            <a:r>
               <a:rPr lang="en-GB" dirty="0"/>
-              <a:t> Z black</a:t>
-            </a:r>
+              <a:t>Recolor Z’s parents and grandparent</a:t>
+            </a:r>
+          </a:p>
+          <a:p>
+            <a:endParaRPr lang="en-SE" dirty="0"/>
           </a:p>
         </p:txBody>
       </p:sp>
@@ -7909,19 +7956,50 @@
         </p:nvPicPr>
         <p:blipFill>
           <a:blip r:embed="rId2"/>
-          <a:srcRect/>
-          <a:stretch/>
+          <a:stretch>
+            <a:fillRect/>
+          </a:stretch>
         </p:blipFill>
         <p:spPr>
           <a:xfrm>
-            <a:off x="3242212" y="3731045"/>
-            <a:ext cx="769349" cy="762022"/>
+            <a:off x="1387715" y="2931456"/>
+            <a:ext cx="2884401" cy="2385944"/>
           </a:xfrm>
           <a:prstGeom prst="rect">
             <a:avLst/>
           </a:prstGeom>
         </p:spPr>
       </p:pic>
+      <p:pic>
+        <p:nvPicPr>
+          <p:cNvPr id="9" name="Picture 8">
+            <a:extLst>
+              <a:ext uri="{FF2B5EF4-FFF2-40B4-BE49-F238E27FC236}">
+                <a16:creationId xmlns:a16="http://schemas.microsoft.com/office/drawing/2014/main" id="{6FAEC0F2-F48F-EC83-7CFC-A8D45892D32E}"/>
+              </a:ext>
+            </a:extLst>
+          </p:cNvPr>
+          <p:cNvPicPr>
+            <a:picLocks noChangeAspect="1"/>
+          </p:cNvPicPr>
+          <p:nvPr/>
+        </p:nvPicPr>
+        <p:blipFill>
+          <a:blip r:embed="rId3"/>
+          <a:stretch>
+            <a:fillRect/>
+          </a:stretch>
+        </p:blipFill>
+        <p:spPr>
+          <a:xfrm>
+            <a:off x="5685693" y="3060230"/>
+            <a:ext cx="1666187" cy="2274376"/>
+          </a:xfrm>
+          <a:prstGeom prst="rect">
+            <a:avLst/>
+          </a:prstGeom>
+        </p:spPr>
+      </p:pic>
       <p:sp>
         <p:nvSpPr>
           <p:cNvPr id="10" name="Arrow: Right 9">
@@ -7936,7 +8014,7 @@
         </p:nvSpPr>
         <p:spPr>
           <a:xfrm>
-            <a:off x="4194483" y="3882112"/>
+            <a:off x="4539998" y="3882112"/>
             <a:ext cx="978408" cy="484632"/>
           </a:xfrm>
           <a:prstGeom prst="rightArrow">
@@ -7980,8 +8058,8 @@
         </p:nvSpPr>
         <p:spPr>
           <a:xfrm>
-            <a:off x="4109779" y="3164392"/>
-            <a:ext cx="1063112" cy="830997"/>
+            <a:off x="4104301" y="2748894"/>
+            <a:ext cx="1849802" cy="1200329"/>
           </a:xfrm>
           <a:prstGeom prst="rect">
             <a:avLst/>
@@ -7995,57 +8073,29 @@
           <a:lstStyle/>
           <a:p>
             <a:r>
-              <a:rPr lang="en-GB" sz="2400" dirty="0" err="1"/>
-              <a:t>Color</a:t>
-            </a:r>
-            <a:r>
               <a:rPr lang="en-GB" sz="2400" dirty="0"/>
-              <a:t> Z</a:t>
+              <a:t>Recolor</a:t>
             </a:r>
           </a:p>
           <a:p>
             <a:r>
               <a:rPr lang="en-GB" sz="2400" dirty="0"/>
-              <a:t>black</a:t>
+              <a:t>Parents &amp;</a:t>
+            </a:r>
+          </a:p>
+          <a:p>
+            <a:r>
+              <a:rPr lang="en-GB" sz="2400" dirty="0"/>
+              <a:t>grandparents</a:t>
             </a:r>
             <a:endParaRPr lang="en-SE" sz="2400" dirty="0"/>
           </a:p>
         </p:txBody>
       </p:sp>
-      <p:pic>
-        <p:nvPicPr>
-          <p:cNvPr id="5" name="Picture 4">
-            <a:extLst>
-              <a:ext uri="{FF2B5EF4-FFF2-40B4-BE49-F238E27FC236}">
-                <a16:creationId xmlns:a16="http://schemas.microsoft.com/office/drawing/2014/main" id="{1F814C78-0410-F9C1-0D58-7D996118E549}"/>
-              </a:ext>
-            </a:extLst>
-          </p:cNvPr>
-          <p:cNvPicPr>
-            <a:picLocks noChangeAspect="1"/>
-          </p:cNvPicPr>
-          <p:nvPr/>
-        </p:nvPicPr>
-        <p:blipFill>
-          <a:blip r:embed="rId3"/>
-          <a:stretch>
-            <a:fillRect/>
-          </a:stretch>
-        </p:blipFill>
-        <p:spPr>
-          <a:xfrm>
-            <a:off x="5263620" y="3736274"/>
-            <a:ext cx="769349" cy="754833"/>
-          </a:xfrm>
-          <a:prstGeom prst="rect">
-            <a:avLst/>
-          </a:prstGeom>
-        </p:spPr>
-      </p:pic>
     </p:spTree>
     <p:extLst>
       <p:ext uri="{BB962C8B-B14F-4D97-AF65-F5344CB8AC3E}">
-        <p14:creationId xmlns:p14="http://schemas.microsoft.com/office/powerpoint/2010/main" val="3665673816"/>
+        <p14:creationId xmlns:p14="http://schemas.microsoft.com/office/powerpoint/2010/main" val="2464148555"/>
       </p:ext>
     </p:extLst>
   </p:cSld>
@@ -8077,7 +8127,7 @@
           <p:cNvPr id="2" name="Title 1">
             <a:extLst>
               <a:ext uri="{FF2B5EF4-FFF2-40B4-BE49-F238E27FC236}">
-                <a16:creationId xmlns:a16="http://schemas.microsoft.com/office/drawing/2014/main" id="{2D942522-D3FC-7D11-0972-EA12F100AF50}"/>
+                <a16:creationId xmlns:a16="http://schemas.microsoft.com/office/drawing/2014/main" id="{61852DE2-252D-DD50-759E-7607E6C718F3}"/>
               </a:ext>
             </a:extLst>
           </p:cNvPr>
@@ -8097,7 +8147,7 @@
           <a:p>
             <a:r>
               <a:rPr lang="en-GB" dirty="0"/>
-              <a:t>Case 1. </a:t>
+              <a:t>Case 2. </a:t>
             </a:r>
             <a:r>
               <a:rPr lang="en-GB" dirty="0" err="1"/>
@@ -8110,16 +8160,16 @@
             <a:r>
               <a:rPr lang="en-GB" dirty="0">
                 <a:solidFill>
-                  <a:srgbClr val="FF0000"/>
+                  <a:schemeClr val="tx1"/>
                 </a:solidFill>
               </a:rPr>
-              <a:t>red</a:t>
-            </a:r>
-            <a:endParaRPr lang="en-SE" dirty="0">
-              <a:solidFill>
-                <a:srgbClr val="FF0000"/>
-              </a:solidFill>
-            </a:endParaRPr>
+              <a:t>black</a:t>
+            </a:r>
+            <a:r>
+              <a:rPr lang="en-GB" dirty="0"/>
+              <a:t> (triangle)</a:t>
+            </a:r>
+            <a:endParaRPr lang="en-SE" dirty="0"/>
           </a:p>
         </p:txBody>
       </p:sp>
@@ -8128,7 +8178,7 @@
           <p:cNvPr id="3" name="Content Placeholder 2">
             <a:extLst>
               <a:ext uri="{FF2B5EF4-FFF2-40B4-BE49-F238E27FC236}">
-                <a16:creationId xmlns:a16="http://schemas.microsoft.com/office/drawing/2014/main" id="{0CA4BF79-FCAE-853C-19D0-2FC605F64070}"/>
+                <a16:creationId xmlns:a16="http://schemas.microsoft.com/office/drawing/2014/main" id="{F237F824-033E-B0ED-9BDD-EE1A3F45809E}"/>
               </a:ext>
             </a:extLst>
           </p:cNvPr>
@@ -8146,8 +8196,13 @@
           <a:p>
             <a:r>
               <a:rPr lang="en-GB" dirty="0"/>
-              <a:t>Recolor Z’s parents and grandparent</a:t>
-            </a:r>
+              <a:t>Rotate </a:t>
+            </a:r>
+            <a:r>
+              <a:rPr lang="en-GB" dirty="0" err="1"/>
+              <a:t>Z.parent</a:t>
+            </a:r>
+            <a:endParaRPr lang="en-GB" dirty="0"/>
           </a:p>
           <a:p>
             <a:endParaRPr lang="en-SE" dirty="0"/>
@@ -8156,10 +8211,10 @@
       </p:sp>
       <p:pic>
         <p:nvPicPr>
-          <p:cNvPr id="7" name="Picture 6">
-            <a:extLst>
-              <a:ext uri="{FF2B5EF4-FFF2-40B4-BE49-F238E27FC236}">
-                <a16:creationId xmlns:a16="http://schemas.microsoft.com/office/drawing/2014/main" id="{2C86E9EE-E136-D30B-564A-2095AF0D4F7A}"/>
+          <p:cNvPr id="9" name="Picture 8">
+            <a:extLst>
+              <a:ext uri="{FF2B5EF4-FFF2-40B4-BE49-F238E27FC236}">
+                <a16:creationId xmlns:a16="http://schemas.microsoft.com/office/drawing/2014/main" id="{4DF22396-6B72-47E8-7A2F-A2D30B8FFFF5}"/>
               </a:ext>
             </a:extLst>
           </p:cNvPr>
@@ -8176,8 +8231,8 @@
         </p:blipFill>
         <p:spPr>
           <a:xfrm>
-            <a:off x="1387715" y="2931456"/>
-            <a:ext cx="2884401" cy="2385944"/>
+            <a:off x="5226077" y="2869494"/>
+            <a:ext cx="3504773" cy="2858106"/>
           </a:xfrm>
           <a:prstGeom prst="rect">
             <a:avLst/>
@@ -8186,10 +8241,10 @@
       </p:pic>
       <p:pic>
         <p:nvPicPr>
-          <p:cNvPr id="9" name="Picture 8">
-            <a:extLst>
-              <a:ext uri="{FF2B5EF4-FFF2-40B4-BE49-F238E27FC236}">
-                <a16:creationId xmlns:a16="http://schemas.microsoft.com/office/drawing/2014/main" id="{6FAEC0F2-F48F-EC83-7CFC-A8D45892D32E}"/>
+          <p:cNvPr id="11" name="Picture 10">
+            <a:extLst>
+              <a:ext uri="{FF2B5EF4-FFF2-40B4-BE49-F238E27FC236}">
+                <a16:creationId xmlns:a16="http://schemas.microsoft.com/office/drawing/2014/main" id="{90410713-6DC3-15CC-971D-D55E03F99EFF}"/>
               </a:ext>
             </a:extLst>
           </p:cNvPr>
@@ -8200,14 +8255,13 @@
         </p:nvPicPr>
         <p:blipFill>
           <a:blip r:embed="rId3"/>
-          <a:stretch>
-            <a:fillRect/>
-          </a:stretch>
+          <a:srcRect/>
+          <a:stretch/>
         </p:blipFill>
         <p:spPr>
           <a:xfrm>
-            <a:off x="5685693" y="3060230"/>
-            <a:ext cx="1666187" cy="2274376"/>
+            <a:off x="783008" y="2950235"/>
+            <a:ext cx="2762303" cy="2688640"/>
           </a:xfrm>
           <a:prstGeom prst="rect">
             <a:avLst/>
@@ -8216,10 +8270,10 @@
       </p:pic>
       <p:sp>
         <p:nvSpPr>
-          <p:cNvPr id="10" name="Arrow: Right 9">
-            <a:extLst>
-              <a:ext uri="{FF2B5EF4-FFF2-40B4-BE49-F238E27FC236}">
-                <a16:creationId xmlns:a16="http://schemas.microsoft.com/office/drawing/2014/main" id="{C92A5FF1-0EFC-3D7C-ADA5-18A79643E530}"/>
+          <p:cNvPr id="12" name="Arrow: Right 11">
+            <a:extLst>
+              <a:ext uri="{FF2B5EF4-FFF2-40B4-BE49-F238E27FC236}">
+                <a16:creationId xmlns:a16="http://schemas.microsoft.com/office/drawing/2014/main" id="{2728EFD9-283B-80C1-C34D-54F64208EBE5}"/>
               </a:ext>
             </a:extLst>
           </p:cNvPr>
@@ -8228,8 +8282,8 @@
         </p:nvSpPr>
         <p:spPr>
           <a:xfrm>
-            <a:off x="4539998" y="3882112"/>
-            <a:ext cx="978408" cy="484632"/>
+            <a:off x="3699330" y="4412770"/>
+            <a:ext cx="1360883" cy="484632"/>
           </a:xfrm>
           <a:prstGeom prst="rightArrow">
             <a:avLst/>
@@ -8254,16 +8308,16 @@
           <a:lstStyle/>
           <a:p>
             <a:pPr algn="ctr"/>
-            <a:endParaRPr lang="en-SE"/>
-          </a:p>
-        </p:txBody>
-      </p:sp>
-      <p:sp>
-        <p:nvSpPr>
-          <p:cNvPr id="11" name="TextBox 10">
-            <a:extLst>
-              <a:ext uri="{FF2B5EF4-FFF2-40B4-BE49-F238E27FC236}">
-                <a16:creationId xmlns:a16="http://schemas.microsoft.com/office/drawing/2014/main" id="{FE4C8BA1-B159-1659-22B5-8270999FCBA4}"/>
+            <a:endParaRPr lang="en-SE" sz="2400"/>
+          </a:p>
+        </p:txBody>
+      </p:sp>
+      <p:sp>
+        <p:nvSpPr>
+          <p:cNvPr id="13" name="TextBox 12">
+            <a:extLst>
+              <a:ext uri="{FF2B5EF4-FFF2-40B4-BE49-F238E27FC236}">
+                <a16:creationId xmlns:a16="http://schemas.microsoft.com/office/drawing/2014/main" id="{072AF439-3254-A2CA-774B-52CA45204B97}"/>
               </a:ext>
             </a:extLst>
           </p:cNvPr>
@@ -8272,8 +8326,8 @@
         </p:nvSpPr>
         <p:spPr>
           <a:xfrm>
-            <a:off x="4104301" y="2748894"/>
-            <a:ext cx="1849802" cy="1200329"/>
+            <a:off x="3711175" y="3701311"/>
+            <a:ext cx="1234120" cy="830997"/>
           </a:xfrm>
           <a:prstGeom prst="rect">
             <a:avLst/>
@@ -8288,19 +8342,13 @@
           <a:p>
             <a:r>
               <a:rPr lang="en-GB" sz="2400" dirty="0"/>
-              <a:t>Recolor</a:t>
-            </a:r>
-          </a:p>
-          <a:p>
-            <a:r>
-              <a:rPr lang="en-GB" sz="2400" dirty="0"/>
-              <a:t>Parents &amp;</a:t>
-            </a:r>
-          </a:p>
-          <a:p>
-            <a:r>
-              <a:rPr lang="en-GB" sz="2400" dirty="0"/>
-              <a:t>grandparents</a:t>
+              <a:t>rotate </a:t>
+            </a:r>
+          </a:p>
+          <a:p>
+            <a:r>
+              <a:rPr lang="en-GB" sz="2400" dirty="0" err="1"/>
+              <a:t>Z.parent</a:t>
             </a:r>
             <a:endParaRPr lang="en-SE" sz="2400" dirty="0"/>
           </a:p>
@@ -8309,7 +8357,7 @@
     </p:spTree>
     <p:extLst>
       <p:ext uri="{BB962C8B-B14F-4D97-AF65-F5344CB8AC3E}">
-        <p14:creationId xmlns:p14="http://schemas.microsoft.com/office/powerpoint/2010/main" val="2464148555"/>
+        <p14:creationId xmlns:p14="http://schemas.microsoft.com/office/powerpoint/2010/main" val="230043739"/>
       </p:ext>
     </p:extLst>
   </p:cSld>
@@ -8932,4 +8980,10 @@
     </a:ext>
   </a:extLst>
 </a:theme>
+</file>
+
+<file path=docMetadata/LabelInfo.xml><?xml version="1.0" encoding="utf-8"?>
+<clbl:labelList xmlns:clbl="http://schemas.microsoft.com/office/2020/mipLabelMetadata">
+  <clbl:label id="{f13b610e-d3b5-490f-b165-988100e8232a}" enabled="1" method="Standard" siteId="{5a4ba6f9-f531-4f32-9467-398f19e69de4}" contentBits="1" removed="0"/>
+</clbl:labelList>
 </file>
--- a/PPTs/Lecture 9-red-black trees.pptx
+++ b/PPTs/Lecture 9-red-black trees.pptx
@@ -5,26 +5,32 @@
     <p:sldMasterId id="2147483648" r:id="rId1"/>
   </p:sldMasterIdLst>
   <p:notesMasterIdLst>
-    <p:notesMasterId r:id="rId19"/>
+    <p:notesMasterId r:id="rId25"/>
   </p:notesMasterIdLst>
   <p:sldIdLst>
     <p:sldId id="256" r:id="rId2"/>
     <p:sldId id="334" r:id="rId3"/>
     <p:sldId id="339" r:id="rId4"/>
-    <p:sldId id="341" r:id="rId5"/>
-    <p:sldId id="342" r:id="rId6"/>
-    <p:sldId id="343" r:id="rId7"/>
-    <p:sldId id="348" r:id="rId8"/>
-    <p:sldId id="345" r:id="rId9"/>
-    <p:sldId id="344" r:id="rId10"/>
-    <p:sldId id="347" r:id="rId11"/>
-    <p:sldId id="340" r:id="rId12"/>
-    <p:sldId id="349" r:id="rId13"/>
-    <p:sldId id="350" r:id="rId14"/>
-    <p:sldId id="353" r:id="rId15"/>
-    <p:sldId id="351" r:id="rId16"/>
-    <p:sldId id="326" r:id="rId17"/>
-    <p:sldId id="352" r:id="rId18"/>
+    <p:sldId id="354" r:id="rId5"/>
+    <p:sldId id="355" r:id="rId6"/>
+    <p:sldId id="341" r:id="rId7"/>
+    <p:sldId id="342" r:id="rId8"/>
+    <p:sldId id="359" r:id="rId9"/>
+    <p:sldId id="356" r:id="rId10"/>
+    <p:sldId id="343" r:id="rId11"/>
+    <p:sldId id="348" r:id="rId12"/>
+    <p:sldId id="345" r:id="rId13"/>
+    <p:sldId id="344" r:id="rId14"/>
+    <p:sldId id="357" r:id="rId15"/>
+    <p:sldId id="358" r:id="rId16"/>
+    <p:sldId id="347" r:id="rId17"/>
+    <p:sldId id="340" r:id="rId18"/>
+    <p:sldId id="349" r:id="rId19"/>
+    <p:sldId id="350" r:id="rId20"/>
+    <p:sldId id="353" r:id="rId21"/>
+    <p:sldId id="351" r:id="rId22"/>
+    <p:sldId id="326" r:id="rId23"/>
+    <p:sldId id="352" r:id="rId24"/>
   </p:sldIdLst>
   <p:sldSz cx="9144000" cy="6858000" type="screen4x3"/>
   <p:notesSz cx="6858000" cy="9144000"/>
@@ -224,7 +230,7 @@
           <a:p>
             <a:fld id="{1B0CF57B-C747-FC49-8C8F-81AE37C96CA4}" type="datetimeFigureOut">
               <a:rPr lang="en-US" smtClean="0"/>
-              <a:t>10/27/2024</a:t>
+              <a:t>10/30/2024</a:t>
             </a:fld>
             <a:endParaRPr lang="en-US"/>
           </a:p>
@@ -683,6 +689,231 @@
               <a:rPr lang="en-GB" dirty="0"/>
               <a:t>. </a:t>
             </a:r>
+          </a:p>
+          <a:p>
+            <a:endParaRPr lang="en-GB" dirty="0"/>
+          </a:p>
+          <a:p>
+            <a:pPr algn="l" fontAlgn="base">
+              <a:buFont typeface="+mj-lt"/>
+              <a:buAutoNum type="arabicPeriod"/>
+            </a:pPr>
+            <a:r>
+              <a:rPr lang="en-GB" b="1" i="0" dirty="0">
+                <a:solidFill>
+                  <a:srgbClr val="273239"/>
+                </a:solidFill>
+                <a:effectLst/>
+                <a:latin typeface="Nunito" pitchFamily="2" charset="0"/>
+              </a:rPr>
+              <a:t>Node </a:t>
+            </a:r>
+            <a:r>
+              <a:rPr lang="en-GB" b="1" i="0" dirty="0" err="1">
+                <a:solidFill>
+                  <a:srgbClr val="273239"/>
+                </a:solidFill>
+                <a:effectLst/>
+                <a:latin typeface="Nunito" pitchFamily="2" charset="0"/>
+              </a:rPr>
+              <a:t>Color</a:t>
+            </a:r>
+            <a:r>
+              <a:rPr lang="en-GB" b="0" i="0" dirty="0">
+                <a:solidFill>
+                  <a:srgbClr val="273239"/>
+                </a:solidFill>
+                <a:effectLst/>
+                <a:latin typeface="Nunito" pitchFamily="2" charset="0"/>
+              </a:rPr>
+              <a:t>: Each node is either red or </a:t>
+            </a:r>
+            <a:r>
+              <a:rPr lang="en-GB" b="1" i="0" dirty="0">
+                <a:solidFill>
+                  <a:srgbClr val="273239"/>
+                </a:solidFill>
+                <a:effectLst/>
+                <a:latin typeface="Nunito" pitchFamily="2" charset="0"/>
+              </a:rPr>
+              <a:t>black</a:t>
+            </a:r>
+            <a:r>
+              <a:rPr lang="en-GB" b="0" i="0" dirty="0">
+                <a:solidFill>
+                  <a:srgbClr val="273239"/>
+                </a:solidFill>
+                <a:effectLst/>
+                <a:latin typeface="Nunito" pitchFamily="2" charset="0"/>
+              </a:rPr>
+              <a:t>.</a:t>
+            </a:r>
+          </a:p>
+          <a:p>
+            <a:pPr algn="l" fontAlgn="base">
+              <a:buFont typeface="+mj-lt"/>
+              <a:buAutoNum type="arabicPeriod" startAt="2"/>
+            </a:pPr>
+            <a:r>
+              <a:rPr lang="en-GB" b="1" i="0" dirty="0">
+                <a:solidFill>
+                  <a:srgbClr val="273239"/>
+                </a:solidFill>
+                <a:effectLst/>
+                <a:latin typeface="Nunito" pitchFamily="2" charset="0"/>
+              </a:rPr>
+              <a:t>Root Property</a:t>
+            </a:r>
+            <a:r>
+              <a:rPr lang="en-GB" b="0" i="0" dirty="0">
+                <a:solidFill>
+                  <a:srgbClr val="273239"/>
+                </a:solidFill>
+                <a:effectLst/>
+                <a:latin typeface="Nunito" pitchFamily="2" charset="0"/>
+              </a:rPr>
+              <a:t>: The root of the tree is always </a:t>
+            </a:r>
+            <a:r>
+              <a:rPr lang="en-GB" b="1" i="0" dirty="0">
+                <a:solidFill>
+                  <a:srgbClr val="273239"/>
+                </a:solidFill>
+                <a:effectLst/>
+                <a:latin typeface="Nunito" pitchFamily="2" charset="0"/>
+              </a:rPr>
+              <a:t>black</a:t>
+            </a:r>
+            <a:r>
+              <a:rPr lang="en-GB" b="0" i="0" dirty="0">
+                <a:solidFill>
+                  <a:srgbClr val="273239"/>
+                </a:solidFill>
+                <a:effectLst/>
+                <a:latin typeface="Nunito" pitchFamily="2" charset="0"/>
+              </a:rPr>
+              <a:t>.</a:t>
+            </a:r>
+          </a:p>
+          <a:p>
+            <a:pPr algn="l" fontAlgn="base">
+              <a:buFont typeface="+mj-lt"/>
+              <a:buAutoNum type="arabicPeriod" startAt="3"/>
+            </a:pPr>
+            <a:r>
+              <a:rPr lang="en-GB" b="1" i="0" dirty="0">
+                <a:solidFill>
+                  <a:srgbClr val="273239"/>
+                </a:solidFill>
+                <a:effectLst/>
+                <a:latin typeface="Nunito" pitchFamily="2" charset="0"/>
+              </a:rPr>
+              <a:t>Red Property</a:t>
+            </a:r>
+            <a:r>
+              <a:rPr lang="en-GB" b="0" i="0" dirty="0">
+                <a:solidFill>
+                  <a:srgbClr val="273239"/>
+                </a:solidFill>
+                <a:effectLst/>
+                <a:latin typeface="Nunito" pitchFamily="2" charset="0"/>
+              </a:rPr>
+              <a:t>: Red nodes cannot have red children (no two consecutive red nodes on any path).</a:t>
+            </a:r>
+          </a:p>
+          <a:p>
+            <a:pPr algn="l" fontAlgn="base">
+              <a:buFont typeface="+mj-lt"/>
+              <a:buAutoNum type="arabicPeriod" startAt="4"/>
+            </a:pPr>
+            <a:r>
+              <a:rPr lang="en-GB" b="1" i="0" dirty="0">
+                <a:solidFill>
+                  <a:srgbClr val="273239"/>
+                </a:solidFill>
+                <a:effectLst/>
+                <a:latin typeface="Nunito" pitchFamily="2" charset="0"/>
+              </a:rPr>
+              <a:t>Black Property</a:t>
+            </a:r>
+            <a:r>
+              <a:rPr lang="en-GB" b="0" i="0" dirty="0">
+                <a:solidFill>
+                  <a:srgbClr val="273239"/>
+                </a:solidFill>
+                <a:effectLst/>
+                <a:latin typeface="Nunito" pitchFamily="2" charset="0"/>
+              </a:rPr>
+              <a:t>: Every path from a node to its descendant null nodes (leaves) has the same number of </a:t>
+            </a:r>
+            <a:r>
+              <a:rPr lang="en-GB" b="1" i="0" dirty="0">
+                <a:solidFill>
+                  <a:srgbClr val="273239"/>
+                </a:solidFill>
+                <a:effectLst/>
+                <a:latin typeface="Nunito" pitchFamily="2" charset="0"/>
+              </a:rPr>
+              <a:t>black</a:t>
+            </a:r>
+            <a:r>
+              <a:rPr lang="en-GB" b="0" i="0" dirty="0">
+                <a:solidFill>
+                  <a:srgbClr val="273239"/>
+                </a:solidFill>
+                <a:effectLst/>
+                <a:latin typeface="Nunito" pitchFamily="2" charset="0"/>
+              </a:rPr>
+              <a:t> nodes.</a:t>
+            </a:r>
+          </a:p>
+          <a:p>
+            <a:pPr algn="l" fontAlgn="base">
+              <a:buFont typeface="+mj-lt"/>
+              <a:buAutoNum type="arabicPeriod" startAt="5"/>
+            </a:pPr>
+            <a:r>
+              <a:rPr lang="en-GB" b="1" i="0" dirty="0">
+                <a:solidFill>
+                  <a:srgbClr val="273239"/>
+                </a:solidFill>
+                <a:effectLst/>
+                <a:latin typeface="Nunito" pitchFamily="2" charset="0"/>
+              </a:rPr>
+              <a:t>Leaf Property</a:t>
+            </a:r>
+            <a:r>
+              <a:rPr lang="en-GB" b="0" i="0" dirty="0">
+                <a:solidFill>
+                  <a:srgbClr val="273239"/>
+                </a:solidFill>
+                <a:effectLst/>
+                <a:latin typeface="Nunito" pitchFamily="2" charset="0"/>
+              </a:rPr>
+              <a:t>: All leaves (NIL nodes) are </a:t>
+            </a:r>
+            <a:r>
+              <a:rPr lang="en-GB" b="1" i="0" dirty="0">
+                <a:solidFill>
+                  <a:srgbClr val="273239"/>
+                </a:solidFill>
+                <a:effectLst/>
+                <a:latin typeface="Nunito" pitchFamily="2" charset="0"/>
+              </a:rPr>
+              <a:t>black</a:t>
+            </a:r>
+            <a:r>
+              <a:rPr lang="en-GB" b="0" i="0" dirty="0">
+                <a:solidFill>
+                  <a:srgbClr val="273239"/>
+                </a:solidFill>
+                <a:effectLst/>
+                <a:latin typeface="Nunito" pitchFamily="2" charset="0"/>
+              </a:rPr>
+              <a:t>.</a:t>
+            </a:r>
+          </a:p>
+          <a:p>
             <a:endParaRPr lang="en-SE" dirty="0"/>
           </a:p>
         </p:txBody>
@@ -792,7 +1023,7 @@
           <a:p>
             <a:fld id="{13F62E29-99FC-EB40-923F-D38E4FE7BE7E}" type="slidenum">
               <a:rPr lang="en-US" smtClean="0"/>
-              <a:t>5</a:t>
+              <a:t>7</a:t>
             </a:fld>
             <a:endParaRPr lang="en-US"/>
           </a:p>
@@ -802,6 +1033,94 @@
     <p:extLst>
       <p:ext uri="{BB962C8B-B14F-4D97-AF65-F5344CB8AC3E}">
         <p14:creationId xmlns:p14="http://schemas.microsoft.com/office/powerpoint/2010/main" val="428456425"/>
+      </p:ext>
+    </p:extLst>
+  </p:cSld>
+  <p:clrMapOvr>
+    <a:masterClrMapping/>
+  </p:clrMapOvr>
+</p:notes>
+</file>
+
+<file path=ppt/notesSlides/notesSlide4.xml><?xml version="1.0" encoding="utf-8"?>
+<p:notes xmlns:a="http://schemas.openxmlformats.org/drawingml/2006/main" xmlns:r="http://schemas.openxmlformats.org/officeDocument/2006/relationships" xmlns:p="http://schemas.openxmlformats.org/presentationml/2006/main">
+  <p:cSld>
+    <p:spTree>
+      <p:nvGrpSpPr>
+        <p:cNvPr id="1" name=""/>
+        <p:cNvGrpSpPr/>
+        <p:nvPr/>
+      </p:nvGrpSpPr>
+      <p:grpSpPr>
+        <a:xfrm>
+          <a:off x="0" y="0"/>
+          <a:ext cx="0" cy="0"/>
+          <a:chOff x="0" y="0"/>
+          <a:chExt cx="0" cy="0"/>
+        </a:xfrm>
+      </p:grpSpPr>
+      <p:sp>
+        <p:nvSpPr>
+          <p:cNvPr id="2" name="Slide Image Placeholder 1"/>
+          <p:cNvSpPr>
+            <a:spLocks noGrp="1" noRot="1" noChangeAspect="1"/>
+          </p:cNvSpPr>
+          <p:nvPr>
+            <p:ph type="sldImg"/>
+          </p:nvPr>
+        </p:nvSpPr>
+        <p:spPr/>
+      </p:sp>
+      <p:sp>
+        <p:nvSpPr>
+          <p:cNvPr id="3" name="Notes Placeholder 2"/>
+          <p:cNvSpPr>
+            <a:spLocks noGrp="1"/>
+          </p:cNvSpPr>
+          <p:nvPr>
+            <p:ph type="body" idx="1"/>
+          </p:nvPr>
+        </p:nvSpPr>
+        <p:spPr/>
+        <p:txBody>
+          <a:bodyPr/>
+          <a:lstStyle/>
+          <a:p>
+            <a:r>
+              <a:rPr lang="en-GB" dirty="0"/>
+              <a:t>v</a:t>
+            </a:r>
+            <a:endParaRPr lang="en-SE" dirty="0"/>
+          </a:p>
+        </p:txBody>
+      </p:sp>
+      <p:sp>
+        <p:nvSpPr>
+          <p:cNvPr id="4" name="Slide Number Placeholder 3"/>
+          <p:cNvSpPr>
+            <a:spLocks noGrp="1"/>
+          </p:cNvSpPr>
+          <p:nvPr>
+            <p:ph type="sldNum" sz="quarter" idx="5"/>
+          </p:nvPr>
+        </p:nvSpPr>
+        <p:spPr/>
+        <p:txBody>
+          <a:bodyPr/>
+          <a:lstStyle/>
+          <a:p>
+            <a:fld id="{13F62E29-99FC-EB40-923F-D38E4FE7BE7E}" type="slidenum">
+              <a:rPr lang="en-US" smtClean="0"/>
+              <a:t>10</a:t>
+            </a:fld>
+            <a:endParaRPr lang="en-US"/>
+          </a:p>
+        </p:txBody>
+      </p:sp>
+    </p:spTree>
+    <p:extLst>
+      <p:ext uri="{BB962C8B-B14F-4D97-AF65-F5344CB8AC3E}">
+        <p14:creationId xmlns:p14="http://schemas.microsoft.com/office/powerpoint/2010/main" val="733712038"/>
       </p:ext>
     </p:extLst>
   </p:cSld>
@@ -998,7 +1317,7 @@
           <a:p>
             <a:fld id="{FB221443-D73C-634A-A910-7320408C156D}" type="datetimeFigureOut">
               <a:rPr lang="en-US" smtClean="0"/>
-              <a:t>10/27/2024</a:t>
+              <a:t>10/30/2024</a:t>
             </a:fld>
             <a:endParaRPr lang="en-US"/>
           </a:p>
@@ -1168,7 +1487,7 @@
           <a:p>
             <a:fld id="{FB221443-D73C-634A-A910-7320408C156D}" type="datetimeFigureOut">
               <a:rPr lang="en-US" smtClean="0"/>
-              <a:t>10/27/2024</a:t>
+              <a:t>10/30/2024</a:t>
             </a:fld>
             <a:endParaRPr lang="en-US"/>
           </a:p>
@@ -1348,7 +1667,7 @@
           <a:p>
             <a:fld id="{FB221443-D73C-634A-A910-7320408C156D}" type="datetimeFigureOut">
               <a:rPr lang="en-US" smtClean="0"/>
-              <a:t>10/27/2024</a:t>
+              <a:t>10/30/2024</a:t>
             </a:fld>
             <a:endParaRPr lang="en-US"/>
           </a:p>
@@ -1518,7 +1837,7 @@
           <a:p>
             <a:fld id="{FB221443-D73C-634A-A910-7320408C156D}" type="datetimeFigureOut">
               <a:rPr lang="en-US" smtClean="0"/>
-              <a:t>10/27/2024</a:t>
+              <a:t>10/30/2024</a:t>
             </a:fld>
             <a:endParaRPr lang="en-US"/>
           </a:p>
@@ -1764,7 +2083,7 @@
           <a:p>
             <a:fld id="{FB221443-D73C-634A-A910-7320408C156D}" type="datetimeFigureOut">
               <a:rPr lang="en-US" smtClean="0"/>
-              <a:t>10/27/2024</a:t>
+              <a:t>10/30/2024</a:t>
             </a:fld>
             <a:endParaRPr lang="en-US"/>
           </a:p>
@@ -2052,7 +2371,7 @@
           <a:p>
             <a:fld id="{FB221443-D73C-634A-A910-7320408C156D}" type="datetimeFigureOut">
               <a:rPr lang="en-US" smtClean="0"/>
-              <a:t>10/27/2024</a:t>
+              <a:t>10/30/2024</a:t>
             </a:fld>
             <a:endParaRPr lang="en-US"/>
           </a:p>
@@ -2474,7 +2793,7 @@
           <a:p>
             <a:fld id="{FB221443-D73C-634A-A910-7320408C156D}" type="datetimeFigureOut">
               <a:rPr lang="en-US" smtClean="0"/>
-              <a:t>10/27/2024</a:t>
+              <a:t>10/30/2024</a:t>
             </a:fld>
             <a:endParaRPr lang="en-US"/>
           </a:p>
@@ -2592,7 +2911,7 @@
           <a:p>
             <a:fld id="{FB221443-D73C-634A-A910-7320408C156D}" type="datetimeFigureOut">
               <a:rPr lang="en-US" smtClean="0"/>
-              <a:t>10/27/2024</a:t>
+              <a:t>10/30/2024</a:t>
             </a:fld>
             <a:endParaRPr lang="en-US"/>
           </a:p>
@@ -2687,7 +3006,7 @@
           <a:p>
             <a:fld id="{FB221443-D73C-634A-A910-7320408C156D}" type="datetimeFigureOut">
               <a:rPr lang="en-US" smtClean="0"/>
-              <a:t>10/27/2024</a:t>
+              <a:t>10/30/2024</a:t>
             </a:fld>
             <a:endParaRPr lang="en-US"/>
           </a:p>
@@ -2964,7 +3283,7 @@
           <a:p>
             <a:fld id="{FB221443-D73C-634A-A910-7320408C156D}" type="datetimeFigureOut">
               <a:rPr lang="en-US" smtClean="0"/>
-              <a:t>10/27/2024</a:t>
+              <a:t>10/30/2024</a:t>
             </a:fld>
             <a:endParaRPr lang="en-US"/>
           </a:p>
@@ -3217,7 +3536,7 @@
           <a:p>
             <a:fld id="{FB221443-D73C-634A-A910-7320408C156D}" type="datetimeFigureOut">
               <a:rPr lang="en-US" smtClean="0"/>
-              <a:t>10/27/2024</a:t>
+              <a:t>10/30/2024</a:t>
             </a:fld>
             <a:endParaRPr lang="en-US"/>
           </a:p>
@@ -3430,7 +3749,7 @@
           <a:p>
             <a:fld id="{FB221443-D73C-634A-A910-7320408C156D}" type="datetimeFigureOut">
               <a:rPr lang="en-US" smtClean="0"/>
-              <a:t>10/27/2024</a:t>
+              <a:t>10/30/2024</a:t>
             </a:fld>
             <a:endParaRPr lang="en-US"/>
           </a:p>
@@ -3511,54 +3830,6 @@
               <a:t>‹#›</a:t>
             </a:fld>
             <a:endParaRPr lang="en-US"/>
-          </a:p>
-        </p:txBody>
-      </p:sp>
-      <p:sp>
-        <p:nvSpPr>
-          <p:cNvPr id="8" name="TextBox 7">
-            <a:extLst>
-              <a:ext uri="{FF2B5EF4-FFF2-40B4-BE49-F238E27FC236}">
-                <a16:creationId xmlns:a16="http://schemas.microsoft.com/office/drawing/2014/main" id="{F13FF810-B42F-72F4-5ABA-817DD07F977C}"/>
-              </a:ext>
-            </a:extLst>
-          </p:cNvPr>
-          <p:cNvSpPr txBox="1"/>
-          <p:nvPr userDrawn="1">
-            <p:extLst>
-              <p:ext uri="{1162E1C5-73C7-4A58-AE30-91384D911F3F}">
-                <p184:classification xmlns:p184="http://schemas.microsoft.com/office/powerpoint/2018/4/main" val="hdr"/>
-              </p:ext>
-            </p:extLst>
-          </p:nvPr>
-        </p:nvSpPr>
-        <p:spPr>
-          <a:xfrm>
-            <a:off x="8315325" y="63500"/>
-            <a:ext cx="787400" cy="121920"/>
-          </a:xfrm>
-          <a:prstGeom prst="rect">
-            <a:avLst/>
-          </a:prstGeom>
-        </p:spPr>
-        <p:txBody>
-          <a:bodyPr horzOverflow="overflow" lIns="0" tIns="0" rIns="0" bIns="0">
-            <a:spAutoFit/>
-          </a:bodyPr>
-          <a:lstStyle/>
-          <a:p>
-            <a:pPr algn="l"/>
-            <a:r>
-              <a:rPr lang="en-SE" sz="800">
-                <a:solidFill>
-                  <a:srgbClr val="000000"/>
-                </a:solidFill>
-                <a:latin typeface="Calibri" panose="020F0502020204030204" pitchFamily="34" charset="0"/>
-                <a:ea typeface="Calibri" panose="020F0502020204030204" pitchFamily="34" charset="0"/>
-                <a:cs typeface="Calibri" panose="020F0502020204030204" pitchFamily="34" charset="0"/>
-              </a:rPr>
-              <a:t>Begränsad delning</a:t>
-            </a:r>
           </a:p>
         </p:txBody>
       </p:sp>
@@ -4075,7 +4346,7 @@
           <p:cNvPr id="2" name="Title 1">
             <a:extLst>
               <a:ext uri="{FF2B5EF4-FFF2-40B4-BE49-F238E27FC236}">
-                <a16:creationId xmlns:a16="http://schemas.microsoft.com/office/drawing/2014/main" id="{38D03389-1367-7C74-6889-3D3162A7B8C8}"/>
+                <a16:creationId xmlns:a16="http://schemas.microsoft.com/office/drawing/2014/main" id="{267C38C2-EB52-EBF8-92F2-9EAD71CA2A1E}"/>
               </a:ext>
             </a:extLst>
           </p:cNvPr>
@@ -4086,7 +4357,46 @@
             <p:ph type="title"/>
           </p:nvPr>
         </p:nvSpPr>
-        <p:spPr/>
+        <p:spPr>
+          <a:xfrm>
+            <a:off x="457200" y="274638"/>
+            <a:ext cx="6252519" cy="1143000"/>
+          </a:xfrm>
+        </p:spPr>
+        <p:txBody>
+          <a:bodyPr/>
+          <a:lstStyle/>
+          <a:p>
+            <a:r>
+              <a:rPr lang="en-GB" dirty="0"/>
+              <a:t>Insertions</a:t>
+            </a:r>
+            <a:endParaRPr lang="en-SE" dirty="0"/>
+          </a:p>
+        </p:txBody>
+      </p:sp>
+      <p:sp>
+        <p:nvSpPr>
+          <p:cNvPr id="3" name="Content Placeholder 2">
+            <a:extLst>
+              <a:ext uri="{FF2B5EF4-FFF2-40B4-BE49-F238E27FC236}">
+                <a16:creationId xmlns:a16="http://schemas.microsoft.com/office/drawing/2014/main" id="{499EFC65-866E-E39A-746C-BCF3614C5B08}"/>
+              </a:ext>
+            </a:extLst>
+          </p:cNvPr>
+          <p:cNvSpPr>
+            <a:spLocks noGrp="1"/>
+          </p:cNvSpPr>
+          <p:nvPr>
+            <p:ph idx="1"/>
+          </p:nvPr>
+        </p:nvSpPr>
+        <p:spPr>
+          <a:xfrm>
+            <a:off x="457200" y="1600200"/>
+            <a:ext cx="8229600" cy="5095567"/>
+          </a:xfrm>
+        </p:spPr>
         <p:txBody>
           <a:bodyPr>
             <a:normAutofit/>
@@ -4095,7 +4405,58 @@
           <a:p>
             <a:r>
               <a:rPr lang="en-GB" dirty="0"/>
-              <a:t>Case 3 </a:t>
+              <a:t>Step 1. Insert Z and </a:t>
+            </a:r>
+            <a:r>
+              <a:rPr lang="en-GB" dirty="0" err="1"/>
+              <a:t>color</a:t>
+            </a:r>
+            <a:r>
+              <a:rPr lang="en-GB" dirty="0"/>
+              <a:t> it </a:t>
+            </a:r>
+            <a:r>
+              <a:rPr lang="en-GB" dirty="0">
+                <a:solidFill>
+                  <a:srgbClr val="FF0000"/>
+                </a:solidFill>
+              </a:rPr>
+              <a:t>red</a:t>
+            </a:r>
+          </a:p>
+          <a:p>
+            <a:r>
+              <a:rPr lang="en-GB" dirty="0"/>
+              <a:t>Step 2. Recolor and rotate nodes to fix violations</a:t>
+            </a:r>
+          </a:p>
+          <a:p>
+            <a:r>
+              <a:rPr lang="en-GB" dirty="0"/>
+              <a:t>4 scenarios after inserting node Z</a:t>
+            </a:r>
+          </a:p>
+          <a:p>
+            <a:r>
+              <a:rPr lang="en-GB" dirty="0"/>
+              <a:t>Case 0. Z = root</a:t>
+            </a:r>
+          </a:p>
+          <a:p>
+            <a:pPr lvl="1"/>
+            <a:r>
+              <a:rPr lang="en-GB" dirty="0" err="1"/>
+              <a:t>Color</a:t>
+            </a:r>
+            <a:r>
+              <a:rPr lang="en-GB" dirty="0"/>
+              <a:t> Z black</a:t>
+            </a:r>
+          </a:p>
+          <a:p>
+            <a:r>
+              <a:rPr lang="en-GB" dirty="0"/>
+              <a:t>Case 1. </a:t>
             </a:r>
             <a:r>
               <a:rPr lang="en-GB" dirty="0" err="1"/>
@@ -4103,85 +4464,87 @@
             </a:r>
             <a:r>
               <a:rPr lang="en-GB" dirty="0"/>
-              <a:t> = black (line)</a:t>
-            </a:r>
-            <a:endParaRPr lang="en-SE" dirty="0"/>
-          </a:p>
-        </p:txBody>
-      </p:sp>
-      <p:sp>
-        <p:nvSpPr>
-          <p:cNvPr id="3" name="Content Placeholder 2">
-            <a:extLst>
-              <a:ext uri="{FF2B5EF4-FFF2-40B4-BE49-F238E27FC236}">
-                <a16:creationId xmlns:a16="http://schemas.microsoft.com/office/drawing/2014/main" id="{6D910BE6-514B-B4A0-B20B-4604ACE7AE58}"/>
-              </a:ext>
-            </a:extLst>
-          </p:cNvPr>
-          <p:cNvSpPr>
-            <a:spLocks noGrp="1"/>
-          </p:cNvSpPr>
-          <p:nvPr>
-            <p:ph idx="1"/>
-          </p:nvPr>
-        </p:nvSpPr>
-        <p:spPr>
-          <a:xfrm>
-            <a:off x="501250" y="1274436"/>
-            <a:ext cx="8229600" cy="4525963"/>
-          </a:xfrm>
-        </p:spPr>
-        <p:txBody>
-          <a:bodyPr/>
-          <a:lstStyle/>
-          <a:p>
+              <a:t> = </a:t>
+            </a:r>
+            <a:r>
+              <a:rPr lang="en-GB" dirty="0">
+                <a:solidFill>
+                  <a:srgbClr val="FF0000"/>
+                </a:solidFill>
+              </a:rPr>
+              <a:t>red</a:t>
+            </a:r>
+          </a:p>
+          <a:p>
+            <a:pPr lvl="1"/>
+            <a:r>
+              <a:rPr lang="en-GB" dirty="0"/>
+              <a:t>Recolor Z’s parents and grandparent</a:t>
+            </a:r>
+          </a:p>
+          <a:p>
+            <a:r>
+              <a:rPr lang="en-GB" dirty="0"/>
+              <a:t>Case 2. </a:t>
+            </a:r>
+            <a:r>
+              <a:rPr lang="en-GB" dirty="0" err="1"/>
+              <a:t>Z.uncle</a:t>
+            </a:r>
+            <a:r>
+              <a:rPr lang="en-GB" dirty="0"/>
+              <a:t> = black (triangle)</a:t>
+            </a:r>
+          </a:p>
+          <a:p>
+            <a:pPr lvl="1"/>
             <a:r>
               <a:rPr lang="en-GB" dirty="0"/>
               <a:t>Rotate </a:t>
             </a:r>
             <a:r>
               <a:rPr lang="en-GB" dirty="0" err="1"/>
+              <a:t>Z.parent</a:t>
+            </a:r>
+            <a:endParaRPr lang="en-GB" dirty="0"/>
+          </a:p>
+          <a:p>
+            <a:r>
+              <a:rPr lang="en-GB" dirty="0"/>
+              <a:t>Case 3. </a:t>
+            </a:r>
+            <a:r>
+              <a:rPr lang="en-GB" dirty="0" err="1"/>
+              <a:t>Z.uncle</a:t>
+            </a:r>
+            <a:r>
+              <a:rPr lang="en-GB" dirty="0"/>
+              <a:t> = black (line)</a:t>
+            </a:r>
+          </a:p>
+          <a:p>
+            <a:pPr lvl="1"/>
+            <a:r>
+              <a:rPr lang="en-GB" dirty="0"/>
+              <a:t>Rotate </a:t>
+            </a:r>
+            <a:r>
+              <a:rPr lang="en-GB" dirty="0" err="1"/>
               <a:t>Z.grandparent</a:t>
             </a:r>
-            <a:endParaRPr lang="en-SE" dirty="0"/>
-          </a:p>
-        </p:txBody>
-      </p:sp>
-      <p:pic>
-        <p:nvPicPr>
-          <p:cNvPr id="4" name="Picture 3">
-            <a:extLst>
-              <a:ext uri="{FF2B5EF4-FFF2-40B4-BE49-F238E27FC236}">
-                <a16:creationId xmlns:a16="http://schemas.microsoft.com/office/drawing/2014/main" id="{A53C201C-46FA-7742-13EC-1C9AA5234A10}"/>
-              </a:ext>
-            </a:extLst>
-          </p:cNvPr>
-          <p:cNvPicPr>
-            <a:picLocks noChangeAspect="1"/>
-          </p:cNvPicPr>
-          <p:nvPr/>
-        </p:nvPicPr>
-        <p:blipFill>
-          <a:blip r:embed="rId2"/>
-          <a:srcRect/>
-          <a:stretch/>
-        </p:blipFill>
-        <p:spPr>
-          <a:xfrm>
-            <a:off x="5270127" y="1783276"/>
-            <a:ext cx="3504773" cy="2310774"/>
-          </a:xfrm>
-          <a:prstGeom prst="rect">
-            <a:avLst/>
-          </a:prstGeom>
-        </p:spPr>
-      </p:pic>
+            <a:r>
+              <a:rPr lang="en-GB" dirty="0"/>
+              <a:t> &amp; Recolor Z’s parents and grandparent</a:t>
+            </a:r>
+          </a:p>
+        </p:txBody>
+      </p:sp>
       <p:pic>
         <p:nvPicPr>
           <p:cNvPr id="5" name="Picture 4">
             <a:extLst>
               <a:ext uri="{FF2B5EF4-FFF2-40B4-BE49-F238E27FC236}">
-                <a16:creationId xmlns:a16="http://schemas.microsoft.com/office/drawing/2014/main" id="{087D9465-83AA-019F-2DCC-33453C827259}"/>
+                <a16:creationId xmlns:a16="http://schemas.microsoft.com/office/drawing/2014/main" id="{73200FAC-C95F-DE8E-B699-6349D011B528}"/>
               </a:ext>
             </a:extLst>
           </p:cNvPr>
@@ -4192,232 +4555,24 @@
         </p:nvPicPr>
         <p:blipFill>
           <a:blip r:embed="rId3"/>
-          <a:srcRect/>
-          <a:stretch/>
-        </p:blipFill>
-        <p:spPr>
-          <a:xfrm>
-            <a:off x="827058" y="1904543"/>
-            <a:ext cx="2762303" cy="2060255"/>
-          </a:xfrm>
-          <a:prstGeom prst="rect">
-            <a:avLst/>
-          </a:prstGeom>
-        </p:spPr>
-      </p:pic>
-      <p:sp>
-        <p:nvSpPr>
-          <p:cNvPr id="6" name="Arrow: Right 5">
-            <a:extLst>
-              <a:ext uri="{FF2B5EF4-FFF2-40B4-BE49-F238E27FC236}">
-                <a16:creationId xmlns:a16="http://schemas.microsoft.com/office/drawing/2014/main" id="{3EE95494-8129-031C-64D6-9732D58A4423}"/>
-              </a:ext>
-            </a:extLst>
-          </p:cNvPr>
-          <p:cNvSpPr/>
-          <p:nvPr/>
-        </p:nvSpPr>
-        <p:spPr>
-          <a:xfrm>
-            <a:off x="3743380" y="3052886"/>
-            <a:ext cx="1360883" cy="484632"/>
-          </a:xfrm>
-          <a:prstGeom prst="rightArrow">
-            <a:avLst/>
-          </a:prstGeom>
-        </p:spPr>
-        <p:style>
-          <a:lnRef idx="1">
-            <a:schemeClr val="accent1"/>
-          </a:lnRef>
-          <a:fillRef idx="3">
-            <a:schemeClr val="accent1"/>
-          </a:fillRef>
-          <a:effectRef idx="2">
-            <a:schemeClr val="accent1"/>
-          </a:effectRef>
-          <a:fontRef idx="minor">
-            <a:schemeClr val="lt1"/>
-          </a:fontRef>
-        </p:style>
-        <p:txBody>
-          <a:bodyPr rtlCol="0" anchor="ctr"/>
-          <a:lstStyle/>
-          <a:p>
-            <a:pPr algn="ctr"/>
-            <a:endParaRPr lang="en-SE" sz="2400"/>
-          </a:p>
-        </p:txBody>
-      </p:sp>
-      <p:sp>
-        <p:nvSpPr>
-          <p:cNvPr id="7" name="TextBox 6">
-            <a:extLst>
-              <a:ext uri="{FF2B5EF4-FFF2-40B4-BE49-F238E27FC236}">
-                <a16:creationId xmlns:a16="http://schemas.microsoft.com/office/drawing/2014/main" id="{DD648652-AA21-E208-E1CC-764DB70ACDA1}"/>
-              </a:ext>
-            </a:extLst>
-          </p:cNvPr>
-          <p:cNvSpPr txBox="1"/>
-          <p:nvPr/>
-        </p:nvSpPr>
-        <p:spPr>
-          <a:xfrm>
-            <a:off x="3688616" y="2380657"/>
-            <a:ext cx="1954125" cy="830997"/>
-          </a:xfrm>
-          <a:prstGeom prst="rect">
-            <a:avLst/>
-          </a:prstGeom>
-          <a:noFill/>
-        </p:spPr>
-        <p:txBody>
-          <a:bodyPr wrap="none" rtlCol="0">
-            <a:spAutoFit/>
-          </a:bodyPr>
-          <a:lstStyle/>
-          <a:p>
-            <a:r>
-              <a:rPr lang="en-GB" sz="2400" dirty="0"/>
-              <a:t>rotate </a:t>
-            </a:r>
-          </a:p>
-          <a:p>
-            <a:r>
-              <a:rPr lang="en-GB" sz="2400" dirty="0" err="1"/>
-              <a:t>Z.grandparent</a:t>
-            </a:r>
-            <a:endParaRPr lang="en-SE" sz="2400" dirty="0"/>
-          </a:p>
-        </p:txBody>
-      </p:sp>
-      <p:pic>
-        <p:nvPicPr>
-          <p:cNvPr id="9" name="Picture 8">
-            <a:extLst>
-              <a:ext uri="{FF2B5EF4-FFF2-40B4-BE49-F238E27FC236}">
-                <a16:creationId xmlns:a16="http://schemas.microsoft.com/office/drawing/2014/main" id="{B8065325-1B06-96BB-C75C-A2F8E633E306}"/>
-              </a:ext>
-            </a:extLst>
-          </p:cNvPr>
-          <p:cNvPicPr>
-            <a:picLocks noChangeAspect="1"/>
-          </p:cNvPicPr>
-          <p:nvPr/>
-        </p:nvPicPr>
-        <p:blipFill>
-          <a:blip r:embed="rId4"/>
           <a:stretch>
             <a:fillRect/>
           </a:stretch>
         </p:blipFill>
         <p:spPr>
           <a:xfrm>
-            <a:off x="5248101" y="4462752"/>
-            <a:ext cx="3482749" cy="2354813"/>
+            <a:off x="5078626" y="3027406"/>
+            <a:ext cx="3966519" cy="2054332"/>
           </a:xfrm>
           <a:prstGeom prst="rect">
             <a:avLst/>
           </a:prstGeom>
         </p:spPr>
       </p:pic>
-      <p:sp>
-        <p:nvSpPr>
-          <p:cNvPr id="10" name="Arrow: Right 9">
-            <a:extLst>
-              <a:ext uri="{FF2B5EF4-FFF2-40B4-BE49-F238E27FC236}">
-                <a16:creationId xmlns:a16="http://schemas.microsoft.com/office/drawing/2014/main" id="{D86B70CE-51A0-D90D-80CC-45F69A709DF0}"/>
-              </a:ext>
-            </a:extLst>
-          </p:cNvPr>
-          <p:cNvSpPr/>
-          <p:nvPr/>
-        </p:nvSpPr>
-        <p:spPr>
-          <a:xfrm rot="5400000">
-            <a:off x="6746889" y="4096934"/>
-            <a:ext cx="485171" cy="484632"/>
-          </a:xfrm>
-          <a:prstGeom prst="rightArrow">
-            <a:avLst/>
-          </a:prstGeom>
-        </p:spPr>
-        <p:style>
-          <a:lnRef idx="1">
-            <a:schemeClr val="accent1"/>
-          </a:lnRef>
-          <a:fillRef idx="3">
-            <a:schemeClr val="accent1"/>
-          </a:fillRef>
-          <a:effectRef idx="2">
-            <a:schemeClr val="accent1"/>
-          </a:effectRef>
-          <a:fontRef idx="minor">
-            <a:schemeClr val="lt1"/>
-          </a:fontRef>
-        </p:style>
-        <p:txBody>
-          <a:bodyPr rtlCol="0" anchor="ctr"/>
-          <a:lstStyle/>
-          <a:p>
-            <a:pPr algn="ctr"/>
-            <a:endParaRPr lang="en-SE" sz="2400"/>
-          </a:p>
-        </p:txBody>
-      </p:sp>
-      <p:sp>
-        <p:nvSpPr>
-          <p:cNvPr id="11" name="TextBox 10">
-            <a:extLst>
-              <a:ext uri="{FF2B5EF4-FFF2-40B4-BE49-F238E27FC236}">
-                <a16:creationId xmlns:a16="http://schemas.microsoft.com/office/drawing/2014/main" id="{CB8712B7-22D4-1EBA-580D-1FD02E7CFDC4}"/>
-              </a:ext>
-            </a:extLst>
-          </p:cNvPr>
-          <p:cNvSpPr txBox="1"/>
-          <p:nvPr/>
-        </p:nvSpPr>
-        <p:spPr>
-          <a:xfrm>
-            <a:off x="5381989" y="3995035"/>
-            <a:ext cx="1849802" cy="1200329"/>
-          </a:xfrm>
-          <a:prstGeom prst="rect">
-            <a:avLst/>
-          </a:prstGeom>
-          <a:noFill/>
-        </p:spPr>
-        <p:txBody>
-          <a:bodyPr wrap="none" rtlCol="0">
-            <a:spAutoFit/>
-          </a:bodyPr>
-          <a:lstStyle/>
-          <a:p>
-            <a:r>
-              <a:rPr lang="en-GB" sz="2400" dirty="0" err="1"/>
-              <a:t>recolor</a:t>
-            </a:r>
-            <a:endParaRPr lang="en-GB" sz="2400" dirty="0"/>
-          </a:p>
-          <a:p>
-            <a:r>
-              <a:rPr lang="en-GB" sz="2400" dirty="0"/>
-              <a:t>Parents &amp;</a:t>
-            </a:r>
-          </a:p>
-          <a:p>
-            <a:r>
-              <a:rPr lang="en-GB" sz="2400" dirty="0"/>
-              <a:t>grandparents</a:t>
-            </a:r>
-            <a:endParaRPr lang="en-SE" sz="2400" dirty="0"/>
-          </a:p>
-        </p:txBody>
-      </p:sp>
     </p:spTree>
     <p:extLst>
       <p:ext uri="{BB962C8B-B14F-4D97-AF65-F5344CB8AC3E}">
-        <p14:creationId xmlns:p14="http://schemas.microsoft.com/office/powerpoint/2010/main" val="2272817501"/>
+        <p14:creationId xmlns:p14="http://schemas.microsoft.com/office/powerpoint/2010/main" val="2867380140"/>
       </p:ext>
     </p:extLst>
   </p:cSld>
@@ -4449,7 +4604,7 @@
           <p:cNvPr id="2" name="Title 1">
             <a:extLst>
               <a:ext uri="{FF2B5EF4-FFF2-40B4-BE49-F238E27FC236}">
-                <a16:creationId xmlns:a16="http://schemas.microsoft.com/office/drawing/2014/main" id="{CB6C7F44-6A25-12EC-BC90-D6E01B7F2BB7}"/>
+                <a16:creationId xmlns:a16="http://schemas.microsoft.com/office/drawing/2014/main" id="{2D942522-D3FC-7D11-0972-EA12F100AF50}"/>
               </a:ext>
             </a:extLst>
           </p:cNvPr>
@@ -4469,18 +4624,54 @@
           <a:p>
             <a:r>
               <a:rPr lang="en-GB" dirty="0"/>
-              <a:t>Example 1</a:t>
-            </a:r>
-            <a:endParaRPr lang="en-SE" dirty="0"/>
+              <a:t>Case 0. Z = root</a:t>
+            </a:r>
+            <a:endParaRPr lang="en-SE" dirty="0">
+              <a:solidFill>
+                <a:srgbClr val="FF0000"/>
+              </a:solidFill>
+            </a:endParaRPr>
+          </a:p>
+        </p:txBody>
+      </p:sp>
+      <p:sp>
+        <p:nvSpPr>
+          <p:cNvPr id="3" name="Content Placeholder 2">
+            <a:extLst>
+              <a:ext uri="{FF2B5EF4-FFF2-40B4-BE49-F238E27FC236}">
+                <a16:creationId xmlns:a16="http://schemas.microsoft.com/office/drawing/2014/main" id="{0CA4BF79-FCAE-853C-19D0-2FC605F64070}"/>
+              </a:ext>
+            </a:extLst>
+          </p:cNvPr>
+          <p:cNvSpPr>
+            <a:spLocks noGrp="1"/>
+          </p:cNvSpPr>
+          <p:nvPr>
+            <p:ph idx="1"/>
+          </p:nvPr>
+        </p:nvSpPr>
+        <p:spPr/>
+        <p:txBody>
+          <a:bodyPr/>
+          <a:lstStyle/>
+          <a:p>
+            <a:r>
+              <a:rPr lang="en-GB" dirty="0" err="1"/>
+              <a:t>Color</a:t>
+            </a:r>
+            <a:r>
+              <a:rPr lang="en-GB" dirty="0"/>
+              <a:t> Z black</a:t>
+            </a:r>
           </a:p>
         </p:txBody>
       </p:sp>
       <p:pic>
         <p:nvPicPr>
-          <p:cNvPr id="5" name="Picture 4">
-            <a:extLst>
-              <a:ext uri="{FF2B5EF4-FFF2-40B4-BE49-F238E27FC236}">
-                <a16:creationId xmlns:a16="http://schemas.microsoft.com/office/drawing/2014/main" id="{ACD3AF60-1715-E981-0AAC-4C859BA1A230}"/>
+          <p:cNvPr id="7" name="Picture 6">
+            <a:extLst>
+              <a:ext uri="{FF2B5EF4-FFF2-40B4-BE49-F238E27FC236}">
+                <a16:creationId xmlns:a16="http://schemas.microsoft.com/office/drawing/2014/main" id="{2C86E9EE-E136-D30B-564A-2095AF0D4F7A}"/>
               </a:ext>
             </a:extLst>
           </p:cNvPr>
@@ -4496,50 +4687,20 @@
         </p:blipFill>
         <p:spPr>
           <a:xfrm>
-            <a:off x="2092349" y="1662050"/>
-            <a:ext cx="2419447" cy="1584241"/>
+            <a:off x="3242212" y="3731045"/>
+            <a:ext cx="769349" cy="762022"/>
           </a:xfrm>
           <a:prstGeom prst="rect">
             <a:avLst/>
           </a:prstGeom>
         </p:spPr>
       </p:pic>
-      <p:pic>
-        <p:nvPicPr>
-          <p:cNvPr id="7" name="Picture 6">
-            <a:extLst>
-              <a:ext uri="{FF2B5EF4-FFF2-40B4-BE49-F238E27FC236}">
-                <a16:creationId xmlns:a16="http://schemas.microsoft.com/office/drawing/2014/main" id="{B45419B8-2D29-E258-A4E3-499637FB1267}"/>
-              </a:ext>
-            </a:extLst>
-          </p:cNvPr>
-          <p:cNvPicPr>
-            <a:picLocks noChangeAspect="1"/>
-          </p:cNvPicPr>
-          <p:nvPr/>
-        </p:nvPicPr>
-        <p:blipFill>
-          <a:blip r:embed="rId3"/>
-          <a:stretch>
-            <a:fillRect/>
-          </a:stretch>
-        </p:blipFill>
-        <p:spPr>
-          <a:xfrm>
-            <a:off x="5853982" y="1612567"/>
-            <a:ext cx="1468023" cy="1535307"/>
-          </a:xfrm>
-          <a:prstGeom prst="rect">
-            <a:avLst/>
-          </a:prstGeom>
-        </p:spPr>
-      </p:pic>
-      <p:sp>
-        <p:nvSpPr>
-          <p:cNvPr id="8" name="Arrow: Right 7">
-            <a:extLst>
-              <a:ext uri="{FF2B5EF4-FFF2-40B4-BE49-F238E27FC236}">
-                <a16:creationId xmlns:a16="http://schemas.microsoft.com/office/drawing/2014/main" id="{C79ABA7A-86F2-F550-E7A1-598012AC6AB0}"/>
+      <p:sp>
+        <p:nvSpPr>
+          <p:cNvPr id="10" name="Arrow: Right 9">
+            <a:extLst>
+              <a:ext uri="{FF2B5EF4-FFF2-40B4-BE49-F238E27FC236}">
+                <a16:creationId xmlns:a16="http://schemas.microsoft.com/office/drawing/2014/main" id="{C92A5FF1-0EFC-3D7C-ADA5-18A79643E530}"/>
               </a:ext>
             </a:extLst>
           </p:cNvPr>
@@ -4548,8 +4709,8 @@
         </p:nvSpPr>
         <p:spPr>
           <a:xfrm>
-            <a:off x="1133162" y="2274806"/>
-            <a:ext cx="993644" cy="484632"/>
+            <a:off x="4194483" y="3882112"/>
+            <a:ext cx="978408" cy="484632"/>
           </a:xfrm>
           <a:prstGeom prst="rightArrow">
             <a:avLst/>
@@ -4574,16 +4735,16 @@
           <a:lstStyle/>
           <a:p>
             <a:pPr algn="ctr"/>
-            <a:endParaRPr lang="en-SE" sz="2400"/>
-          </a:p>
-        </p:txBody>
-      </p:sp>
-      <p:sp>
-        <p:nvSpPr>
-          <p:cNvPr id="9" name="TextBox 8">
-            <a:extLst>
-              <a:ext uri="{FF2B5EF4-FFF2-40B4-BE49-F238E27FC236}">
-                <a16:creationId xmlns:a16="http://schemas.microsoft.com/office/drawing/2014/main" id="{1830154E-B73F-740F-0832-56708EA6C28C}"/>
+            <a:endParaRPr lang="en-SE"/>
+          </a:p>
+        </p:txBody>
+      </p:sp>
+      <p:sp>
+        <p:nvSpPr>
+          <p:cNvPr id="11" name="TextBox 10">
+            <a:extLst>
+              <a:ext uri="{FF2B5EF4-FFF2-40B4-BE49-F238E27FC236}">
+                <a16:creationId xmlns:a16="http://schemas.microsoft.com/office/drawing/2014/main" id="{FE4C8BA1-B159-1659-22B5-8270999FCBA4}"/>
               </a:ext>
             </a:extLst>
           </p:cNvPr>
@@ -4592,8 +4753,8 @@
         </p:nvSpPr>
         <p:spPr>
           <a:xfrm>
-            <a:off x="911638" y="1943022"/>
-            <a:ext cx="1281120" cy="461665"/>
+            <a:off x="4109779" y="3164392"/>
+            <a:ext cx="1063112" cy="830997"/>
           </a:xfrm>
           <a:prstGeom prst="rect">
             <a:avLst/>
@@ -4607,88 +4768,18 @@
           <a:lstStyle/>
           <a:p>
             <a:r>
+              <a:rPr lang="en-GB" sz="2400" dirty="0" err="1"/>
+              <a:t>Color</a:t>
+            </a:r>
+            <a:r>
               <a:rPr lang="en-GB" sz="2400" dirty="0"/>
-              <a:t>insert 15</a:t>
-            </a:r>
-            <a:endParaRPr lang="en-SE" sz="2400" dirty="0"/>
-          </a:p>
-        </p:txBody>
-      </p:sp>
-      <p:sp>
-        <p:nvSpPr>
-          <p:cNvPr id="10" name="Arrow: Right 9">
-            <a:extLst>
-              <a:ext uri="{FF2B5EF4-FFF2-40B4-BE49-F238E27FC236}">
-                <a16:creationId xmlns:a16="http://schemas.microsoft.com/office/drawing/2014/main" id="{D24D0946-FA6D-090B-EB05-652B5B335AFA}"/>
-              </a:ext>
-            </a:extLst>
-          </p:cNvPr>
-          <p:cNvSpPr/>
-          <p:nvPr/>
-        </p:nvSpPr>
-        <p:spPr>
-          <a:xfrm>
-            <a:off x="4399453" y="2155888"/>
-            <a:ext cx="993644" cy="484632"/>
-          </a:xfrm>
-          <a:prstGeom prst="rightArrow">
-            <a:avLst/>
-          </a:prstGeom>
-        </p:spPr>
-        <p:style>
-          <a:lnRef idx="1">
-            <a:schemeClr val="accent1"/>
-          </a:lnRef>
-          <a:fillRef idx="3">
-            <a:schemeClr val="accent1"/>
-          </a:fillRef>
-          <a:effectRef idx="2">
-            <a:schemeClr val="accent1"/>
-          </a:effectRef>
-          <a:fontRef idx="minor">
-            <a:schemeClr val="lt1"/>
-          </a:fontRef>
-        </p:style>
-        <p:txBody>
-          <a:bodyPr rtlCol="0" anchor="ctr"/>
-          <a:lstStyle/>
-          <a:p>
-            <a:pPr algn="ctr"/>
-            <a:endParaRPr lang="en-SE" sz="2400"/>
-          </a:p>
-        </p:txBody>
-      </p:sp>
-      <p:sp>
-        <p:nvSpPr>
-          <p:cNvPr id="11" name="TextBox 10">
-            <a:extLst>
-              <a:ext uri="{FF2B5EF4-FFF2-40B4-BE49-F238E27FC236}">
-                <a16:creationId xmlns:a16="http://schemas.microsoft.com/office/drawing/2014/main" id="{479B0E18-62CD-3A49-32EB-9331D55D097E}"/>
-              </a:ext>
-            </a:extLst>
-          </p:cNvPr>
-          <p:cNvSpPr txBox="1"/>
-          <p:nvPr/>
-        </p:nvSpPr>
-        <p:spPr>
-          <a:xfrm>
-            <a:off x="4267468" y="1810986"/>
-            <a:ext cx="1125629" cy="461665"/>
-          </a:xfrm>
-          <a:prstGeom prst="rect">
-            <a:avLst/>
-          </a:prstGeom>
-          <a:noFill/>
-        </p:spPr>
-        <p:txBody>
-          <a:bodyPr wrap="none" rtlCol="0">
-            <a:spAutoFit/>
-          </a:bodyPr>
-          <a:lstStyle/>
+              <a:t> Z</a:t>
+            </a:r>
+          </a:p>
           <a:p>
             <a:r>
               <a:rPr lang="en-GB" sz="2400" dirty="0"/>
-              <a:t>insert 5</a:t>
+              <a:t>black</a:t>
             </a:r>
             <a:endParaRPr lang="en-SE" sz="2400" dirty="0"/>
           </a:p>
@@ -4696,10 +4787,10 @@
       </p:sp>
       <p:pic>
         <p:nvPicPr>
-          <p:cNvPr id="16" name="Picture 15">
-            <a:extLst>
-              <a:ext uri="{FF2B5EF4-FFF2-40B4-BE49-F238E27FC236}">
-                <a16:creationId xmlns:a16="http://schemas.microsoft.com/office/drawing/2014/main" id="{6FE5C328-3108-5F09-68C3-0CBC5C0F66F4}"/>
+          <p:cNvPr id="5" name="Picture 4">
+            <a:extLst>
+              <a:ext uri="{FF2B5EF4-FFF2-40B4-BE49-F238E27FC236}">
+                <a16:creationId xmlns:a16="http://schemas.microsoft.com/office/drawing/2014/main" id="{1F814C78-0410-F9C1-0D58-7D996118E549}"/>
               </a:ext>
             </a:extLst>
           </p:cNvPr>
@@ -4709,178 +4800,25 @@
           <p:nvPr/>
         </p:nvPicPr>
         <p:blipFill>
-          <a:blip r:embed="rId4"/>
-          <a:srcRect/>
-          <a:stretch/>
-        </p:blipFill>
-        <p:spPr>
-          <a:xfrm>
-            <a:off x="1222064" y="3514360"/>
-            <a:ext cx="4047540" cy="2911874"/>
-          </a:xfrm>
-          <a:prstGeom prst="rect">
-            <a:avLst/>
-          </a:prstGeom>
-        </p:spPr>
-      </p:pic>
-      <p:sp>
-        <p:nvSpPr>
-          <p:cNvPr id="17" name="Arrow: Right 16">
-            <a:extLst>
-              <a:ext uri="{FF2B5EF4-FFF2-40B4-BE49-F238E27FC236}">
-                <a16:creationId xmlns:a16="http://schemas.microsoft.com/office/drawing/2014/main" id="{658916B1-7206-E7AA-0F5D-2829EBEFD717}"/>
-              </a:ext>
-            </a:extLst>
-          </p:cNvPr>
-          <p:cNvSpPr/>
-          <p:nvPr/>
-        </p:nvSpPr>
-        <p:spPr>
-          <a:xfrm>
-            <a:off x="352726" y="4726279"/>
-            <a:ext cx="993644" cy="484632"/>
-          </a:xfrm>
-          <a:prstGeom prst="rightArrow">
-            <a:avLst/>
-          </a:prstGeom>
-        </p:spPr>
-        <p:style>
-          <a:lnRef idx="1">
-            <a:schemeClr val="accent1"/>
-          </a:lnRef>
-          <a:fillRef idx="3">
-            <a:schemeClr val="accent1"/>
-          </a:fillRef>
-          <a:effectRef idx="2">
-            <a:schemeClr val="accent1"/>
-          </a:effectRef>
-          <a:fontRef idx="minor">
-            <a:schemeClr val="lt1"/>
-          </a:fontRef>
-        </p:style>
-        <p:txBody>
-          <a:bodyPr rtlCol="0" anchor="ctr"/>
-          <a:lstStyle/>
-          <a:p>
-            <a:pPr algn="ctr"/>
-            <a:endParaRPr lang="en-SE" sz="2400"/>
-          </a:p>
-        </p:txBody>
-      </p:sp>
-      <p:sp>
-        <p:nvSpPr>
-          <p:cNvPr id="18" name="TextBox 17">
-            <a:extLst>
-              <a:ext uri="{FF2B5EF4-FFF2-40B4-BE49-F238E27FC236}">
-                <a16:creationId xmlns:a16="http://schemas.microsoft.com/office/drawing/2014/main" id="{1D99A30F-816A-98FB-69F6-97A1F226CEF0}"/>
-              </a:ext>
-            </a:extLst>
-          </p:cNvPr>
-          <p:cNvSpPr txBox="1"/>
-          <p:nvPr/>
-        </p:nvSpPr>
-        <p:spPr>
-          <a:xfrm>
-            <a:off x="220741" y="4381377"/>
-            <a:ext cx="1125629" cy="461665"/>
-          </a:xfrm>
-          <a:prstGeom prst="rect">
-            <a:avLst/>
-          </a:prstGeom>
-          <a:noFill/>
-        </p:spPr>
-        <p:txBody>
-          <a:bodyPr wrap="none" rtlCol="0">
-            <a:spAutoFit/>
-          </a:bodyPr>
-          <a:lstStyle/>
-          <a:p>
-            <a:r>
-              <a:rPr lang="en-GB" sz="2400" dirty="0"/>
-              <a:t>insert 1</a:t>
-            </a:r>
-            <a:endParaRPr lang="en-SE" sz="2400" dirty="0"/>
-          </a:p>
-        </p:txBody>
-      </p:sp>
-      <p:pic>
-        <p:nvPicPr>
-          <p:cNvPr id="20" name="Picture 19">
-            <a:extLst>
-              <a:ext uri="{FF2B5EF4-FFF2-40B4-BE49-F238E27FC236}">
-                <a16:creationId xmlns:a16="http://schemas.microsoft.com/office/drawing/2014/main" id="{860E7C90-BC3A-6007-3E69-11E88DE064A2}"/>
-              </a:ext>
-            </a:extLst>
-          </p:cNvPr>
-          <p:cNvPicPr>
-            <a:picLocks noChangeAspect="1"/>
-          </p:cNvPicPr>
-          <p:nvPr/>
-        </p:nvPicPr>
-        <p:blipFill>
-          <a:blip r:embed="rId5"/>
+          <a:blip r:embed="rId3"/>
           <a:stretch>
             <a:fillRect/>
           </a:stretch>
         </p:blipFill>
         <p:spPr>
           <a:xfrm>
-            <a:off x="6483989" y="4127963"/>
-            <a:ext cx="1981395" cy="1393082"/>
+            <a:off x="5263620" y="3736274"/>
+            <a:ext cx="769349" cy="754833"/>
           </a:xfrm>
           <a:prstGeom prst="rect">
             <a:avLst/>
           </a:prstGeom>
         </p:spPr>
       </p:pic>
-      <p:sp>
-        <p:nvSpPr>
-          <p:cNvPr id="23" name="Arrow: Right 22">
-            <a:extLst>
-              <a:ext uri="{FF2B5EF4-FFF2-40B4-BE49-F238E27FC236}">
-                <a16:creationId xmlns:a16="http://schemas.microsoft.com/office/drawing/2014/main" id="{AD1710E9-6C04-29DB-58C2-9682E69B7965}"/>
-              </a:ext>
-            </a:extLst>
-          </p:cNvPr>
-          <p:cNvSpPr/>
-          <p:nvPr/>
-        </p:nvSpPr>
-        <p:spPr>
-          <a:xfrm>
-            <a:off x="5490345" y="4726279"/>
-            <a:ext cx="993644" cy="484632"/>
-          </a:xfrm>
-          <a:prstGeom prst="rightArrow">
-            <a:avLst/>
-          </a:prstGeom>
-        </p:spPr>
-        <p:style>
-          <a:lnRef idx="1">
-            <a:schemeClr val="accent1"/>
-          </a:lnRef>
-          <a:fillRef idx="3">
-            <a:schemeClr val="accent1"/>
-          </a:fillRef>
-          <a:effectRef idx="2">
-            <a:schemeClr val="accent1"/>
-          </a:effectRef>
-          <a:fontRef idx="minor">
-            <a:schemeClr val="lt1"/>
-          </a:fontRef>
-        </p:style>
-        <p:txBody>
-          <a:bodyPr rtlCol="0" anchor="ctr"/>
-          <a:lstStyle/>
-          <a:p>
-            <a:pPr algn="ctr"/>
-            <a:endParaRPr lang="en-SE" sz="2400"/>
-          </a:p>
-        </p:txBody>
-      </p:sp>
     </p:spTree>
     <p:extLst>
       <p:ext uri="{BB962C8B-B14F-4D97-AF65-F5344CB8AC3E}">
-        <p14:creationId xmlns:p14="http://schemas.microsoft.com/office/powerpoint/2010/main" val="3577417179"/>
+        <p14:creationId xmlns:p14="http://schemas.microsoft.com/office/powerpoint/2010/main" val="3665673816"/>
       </p:ext>
     </p:extLst>
   </p:cSld>
@@ -4907,12 +4845,94 @@
           <a:chExt cx="0" cy="0"/>
         </a:xfrm>
       </p:grpSpPr>
+      <p:sp>
+        <p:nvSpPr>
+          <p:cNvPr id="2" name="Title 1">
+            <a:extLst>
+              <a:ext uri="{FF2B5EF4-FFF2-40B4-BE49-F238E27FC236}">
+                <a16:creationId xmlns:a16="http://schemas.microsoft.com/office/drawing/2014/main" id="{2D942522-D3FC-7D11-0972-EA12F100AF50}"/>
+              </a:ext>
+            </a:extLst>
+          </p:cNvPr>
+          <p:cNvSpPr>
+            <a:spLocks noGrp="1"/>
+          </p:cNvSpPr>
+          <p:nvPr>
+            <p:ph type="title"/>
+          </p:nvPr>
+        </p:nvSpPr>
+        <p:spPr/>
+        <p:txBody>
+          <a:bodyPr>
+            <a:normAutofit/>
+          </a:bodyPr>
+          <a:lstStyle/>
+          <a:p>
+            <a:r>
+              <a:rPr lang="en-GB" dirty="0"/>
+              <a:t>Case 1. </a:t>
+            </a:r>
+            <a:r>
+              <a:rPr lang="en-GB" dirty="0" err="1"/>
+              <a:t>Z.uncle</a:t>
+            </a:r>
+            <a:r>
+              <a:rPr lang="en-GB" dirty="0"/>
+              <a:t> = </a:t>
+            </a:r>
+            <a:r>
+              <a:rPr lang="en-GB" dirty="0">
+                <a:solidFill>
+                  <a:srgbClr val="FF0000"/>
+                </a:solidFill>
+              </a:rPr>
+              <a:t>red</a:t>
+            </a:r>
+            <a:endParaRPr lang="en-SE" dirty="0">
+              <a:solidFill>
+                <a:srgbClr val="FF0000"/>
+              </a:solidFill>
+            </a:endParaRPr>
+          </a:p>
+        </p:txBody>
+      </p:sp>
+      <p:sp>
+        <p:nvSpPr>
+          <p:cNvPr id="3" name="Content Placeholder 2">
+            <a:extLst>
+              <a:ext uri="{FF2B5EF4-FFF2-40B4-BE49-F238E27FC236}">
+                <a16:creationId xmlns:a16="http://schemas.microsoft.com/office/drawing/2014/main" id="{0CA4BF79-FCAE-853C-19D0-2FC605F64070}"/>
+              </a:ext>
+            </a:extLst>
+          </p:cNvPr>
+          <p:cNvSpPr>
+            <a:spLocks noGrp="1"/>
+          </p:cNvSpPr>
+          <p:nvPr>
+            <p:ph idx="1"/>
+          </p:nvPr>
+        </p:nvSpPr>
+        <p:spPr/>
+        <p:txBody>
+          <a:bodyPr/>
+          <a:lstStyle/>
+          <a:p>
+            <a:r>
+              <a:rPr lang="en-GB" dirty="0"/>
+              <a:t>Recolor Z’s parents and grandparent</a:t>
+            </a:r>
+          </a:p>
+          <a:p>
+            <a:endParaRPr lang="en-SE" dirty="0"/>
+          </a:p>
+        </p:txBody>
+      </p:sp>
       <p:pic>
         <p:nvPicPr>
-          <p:cNvPr id="14" name="Picture 13">
-            <a:extLst>
-              <a:ext uri="{FF2B5EF4-FFF2-40B4-BE49-F238E27FC236}">
-                <a16:creationId xmlns:a16="http://schemas.microsoft.com/office/drawing/2014/main" id="{6F32ABA3-796C-7223-D72E-6F38817314F5}"/>
+          <p:cNvPr id="7" name="Picture 6">
+            <a:extLst>
+              <a:ext uri="{FF2B5EF4-FFF2-40B4-BE49-F238E27FC236}">
+                <a16:creationId xmlns:a16="http://schemas.microsoft.com/office/drawing/2014/main" id="{2C86E9EE-E136-D30B-564A-2095AF0D4F7A}"/>
               </a:ext>
             </a:extLst>
           </p:cNvPr>
@@ -4923,13 +4943,14 @@
         </p:nvPicPr>
         <p:blipFill>
           <a:blip r:embed="rId2"/>
-          <a:srcRect/>
-          <a:stretch/>
+          <a:stretch>
+            <a:fillRect/>
+          </a:stretch>
         </p:blipFill>
         <p:spPr>
           <a:xfrm>
-            <a:off x="5456973" y="3717731"/>
-            <a:ext cx="3590740" cy="2711756"/>
+            <a:off x="1387715" y="2931456"/>
+            <a:ext cx="2884401" cy="2385944"/>
           </a:xfrm>
           <a:prstGeom prst="rect">
             <a:avLst/>
@@ -4938,10 +4959,10 @@
       </p:pic>
       <p:pic>
         <p:nvPicPr>
-          <p:cNvPr id="11" name="Picture 10">
-            <a:extLst>
-              <a:ext uri="{FF2B5EF4-FFF2-40B4-BE49-F238E27FC236}">
-                <a16:creationId xmlns:a16="http://schemas.microsoft.com/office/drawing/2014/main" id="{892B0FAB-0099-311D-4701-F666597834E0}"/>
+          <p:cNvPr id="9" name="Picture 8">
+            <a:extLst>
+              <a:ext uri="{FF2B5EF4-FFF2-40B4-BE49-F238E27FC236}">
+                <a16:creationId xmlns:a16="http://schemas.microsoft.com/office/drawing/2014/main" id="{6FAEC0F2-F48F-EC83-7CFC-A8D45892D32E}"/>
               </a:ext>
             </a:extLst>
           </p:cNvPr>
@@ -4958,8 +4979,8 @@
         </p:blipFill>
         <p:spPr>
           <a:xfrm>
-            <a:off x="1058989" y="3459579"/>
-            <a:ext cx="3151146" cy="2873386"/>
+            <a:off x="5685693" y="3060230"/>
+            <a:ext cx="1666187" cy="2274376"/>
           </a:xfrm>
           <a:prstGeom prst="rect">
             <a:avLst/>
@@ -4968,100 +4989,10 @@
       </p:pic>
       <p:sp>
         <p:nvSpPr>
-          <p:cNvPr id="3" name="Content Placeholder 2">
-            <a:extLst>
-              <a:ext uri="{FF2B5EF4-FFF2-40B4-BE49-F238E27FC236}">
-                <a16:creationId xmlns:a16="http://schemas.microsoft.com/office/drawing/2014/main" id="{EF8FD79E-D57B-6C48-5D16-CE8BFAAD23A3}"/>
-              </a:ext>
-            </a:extLst>
-          </p:cNvPr>
-          <p:cNvSpPr>
-            <a:spLocks noGrp="1"/>
-          </p:cNvSpPr>
-          <p:nvPr>
-            <p:ph idx="1"/>
-          </p:nvPr>
-        </p:nvSpPr>
-        <p:spPr>
-          <a:xfrm>
-            <a:off x="457200" y="1600201"/>
-            <a:ext cx="8229600" cy="2214052"/>
-          </a:xfrm>
-        </p:spPr>
-        <p:txBody>
-          <a:bodyPr/>
-          <a:lstStyle/>
-          <a:p>
-            <a:endParaRPr lang="en-SE" dirty="0"/>
-          </a:p>
-        </p:txBody>
-      </p:sp>
-      <p:pic>
-        <p:nvPicPr>
-          <p:cNvPr id="5" name="Picture 4">
-            <a:extLst>
-              <a:ext uri="{FF2B5EF4-FFF2-40B4-BE49-F238E27FC236}">
-                <a16:creationId xmlns:a16="http://schemas.microsoft.com/office/drawing/2014/main" id="{D8350048-8E02-5594-EDC7-B4F9F0865E07}"/>
-              </a:ext>
-            </a:extLst>
-          </p:cNvPr>
-          <p:cNvPicPr>
-            <a:picLocks noChangeAspect="1"/>
-          </p:cNvPicPr>
-          <p:nvPr/>
-        </p:nvPicPr>
-        <p:blipFill>
-          <a:blip r:embed="rId4"/>
-          <a:stretch>
-            <a:fillRect/>
-          </a:stretch>
-        </p:blipFill>
-        <p:spPr>
-          <a:xfrm>
-            <a:off x="304801" y="385252"/>
-            <a:ext cx="3470100" cy="2558867"/>
-          </a:xfrm>
-          <a:prstGeom prst="rect">
-            <a:avLst/>
-          </a:prstGeom>
-        </p:spPr>
-      </p:pic>
-      <p:pic>
-        <p:nvPicPr>
-          <p:cNvPr id="7" name="Picture 6">
-            <a:extLst>
-              <a:ext uri="{FF2B5EF4-FFF2-40B4-BE49-F238E27FC236}">
-                <a16:creationId xmlns:a16="http://schemas.microsoft.com/office/drawing/2014/main" id="{BE2E5162-04B3-F214-AEE1-6F0AF3597FF6}"/>
-              </a:ext>
-            </a:extLst>
-          </p:cNvPr>
-          <p:cNvPicPr>
-            <a:picLocks noChangeAspect="1"/>
-          </p:cNvPicPr>
-          <p:nvPr/>
-        </p:nvPicPr>
-        <p:blipFill>
-          <a:blip r:embed="rId5"/>
-          <a:stretch>
-            <a:fillRect/>
-          </a:stretch>
-        </p:blipFill>
-        <p:spPr>
-          <a:xfrm>
-            <a:off x="4896852" y="274638"/>
-            <a:ext cx="3470099" cy="3139613"/>
-          </a:xfrm>
-          <a:prstGeom prst="rect">
-            <a:avLst/>
-          </a:prstGeom>
-        </p:spPr>
-      </p:pic>
-      <p:sp>
-        <p:nvSpPr>
-          <p:cNvPr id="8" name="Arrow: Right 7">
-            <a:extLst>
-              <a:ext uri="{FF2B5EF4-FFF2-40B4-BE49-F238E27FC236}">
-                <a16:creationId xmlns:a16="http://schemas.microsoft.com/office/drawing/2014/main" id="{72776C62-D6E8-A103-4207-9F36C1E9C4A1}"/>
+          <p:cNvPr id="10" name="Arrow: Right 9">
+            <a:extLst>
+              <a:ext uri="{FF2B5EF4-FFF2-40B4-BE49-F238E27FC236}">
+                <a16:creationId xmlns:a16="http://schemas.microsoft.com/office/drawing/2014/main" id="{C92A5FF1-0EFC-3D7C-ADA5-18A79643E530}"/>
               </a:ext>
             </a:extLst>
           </p:cNvPr>
@@ -5070,8 +5001,8 @@
         </p:nvSpPr>
         <p:spPr>
           <a:xfrm>
-            <a:off x="224403" y="5345046"/>
-            <a:ext cx="993644" cy="484632"/>
+            <a:off x="4539998" y="3882112"/>
+            <a:ext cx="978408" cy="484632"/>
           </a:xfrm>
           <a:prstGeom prst="rightArrow">
             <a:avLst/>
@@ -5096,16 +5027,16 @@
           <a:lstStyle/>
           <a:p>
             <a:pPr algn="ctr"/>
-            <a:endParaRPr lang="en-SE" sz="2400"/>
-          </a:p>
-        </p:txBody>
-      </p:sp>
-      <p:sp>
-        <p:nvSpPr>
-          <p:cNvPr id="9" name="TextBox 8">
-            <a:extLst>
-              <a:ext uri="{FF2B5EF4-FFF2-40B4-BE49-F238E27FC236}">
-                <a16:creationId xmlns:a16="http://schemas.microsoft.com/office/drawing/2014/main" id="{FE5F53BB-2653-04C1-04C2-A3A1F21748BA}"/>
+            <a:endParaRPr lang="en-SE"/>
+          </a:p>
+        </p:txBody>
+      </p:sp>
+      <p:sp>
+        <p:nvSpPr>
+          <p:cNvPr id="11" name="TextBox 10">
+            <a:extLst>
+              <a:ext uri="{FF2B5EF4-FFF2-40B4-BE49-F238E27FC236}">
+                <a16:creationId xmlns:a16="http://schemas.microsoft.com/office/drawing/2014/main" id="{FE4C8BA1-B159-1659-22B5-8270999FCBA4}"/>
               </a:ext>
             </a:extLst>
           </p:cNvPr>
@@ -5114,8 +5045,8 @@
         </p:nvSpPr>
         <p:spPr>
           <a:xfrm>
-            <a:off x="86453" y="4296108"/>
-            <a:ext cx="1799303" cy="1200329"/>
+            <a:off x="4104301" y="2748894"/>
+            <a:ext cx="1849802" cy="1200329"/>
           </a:xfrm>
           <a:prstGeom prst="rect">
             <a:avLst/>
@@ -5123,112 +5054,6 @@
           <a:noFill/>
         </p:spPr>
         <p:txBody>
-          <a:bodyPr wrap="square" rtlCol="0">
-            <a:spAutoFit/>
-          </a:bodyPr>
-          <a:lstStyle/>
-          <a:p>
-            <a:r>
-              <a:rPr lang="en-GB" sz="2400" dirty="0"/>
-              <a:t>Case 1. </a:t>
-            </a:r>
-            <a:r>
-              <a:rPr lang="en-GB" sz="2400" dirty="0" err="1"/>
-              <a:t>Z.uncle</a:t>
-            </a:r>
-            <a:r>
-              <a:rPr lang="en-GB" sz="2400" dirty="0"/>
-              <a:t> = </a:t>
-            </a:r>
-            <a:r>
-              <a:rPr lang="en-GB" sz="2400" dirty="0">
-                <a:solidFill>
-                  <a:srgbClr val="FF0000"/>
-                </a:solidFill>
-              </a:rPr>
-              <a:t>red</a:t>
-            </a:r>
-          </a:p>
-          <a:p>
-            <a:r>
-              <a:rPr lang="en-GB" sz="2400" dirty="0" err="1"/>
-              <a:t>recolor</a:t>
-            </a:r>
-            <a:r>
-              <a:rPr lang="en-GB" sz="2400" dirty="0"/>
-              <a:t> </a:t>
-            </a:r>
-            <a:endParaRPr lang="en-SE" sz="2400" dirty="0"/>
-          </a:p>
-        </p:txBody>
-      </p:sp>
-      <p:sp>
-        <p:nvSpPr>
-          <p:cNvPr id="12" name="Arrow: Right 11">
-            <a:extLst>
-              <a:ext uri="{FF2B5EF4-FFF2-40B4-BE49-F238E27FC236}">
-                <a16:creationId xmlns:a16="http://schemas.microsoft.com/office/drawing/2014/main" id="{5C4409BC-B89C-6844-02D6-768768D2A164}"/>
-              </a:ext>
-            </a:extLst>
-          </p:cNvPr>
-          <p:cNvSpPr/>
-          <p:nvPr/>
-        </p:nvSpPr>
-        <p:spPr>
-          <a:xfrm>
-            <a:off x="3927300" y="2032209"/>
-            <a:ext cx="993644" cy="484632"/>
-          </a:xfrm>
-          <a:prstGeom prst="rightArrow">
-            <a:avLst/>
-          </a:prstGeom>
-        </p:spPr>
-        <p:style>
-          <a:lnRef idx="1">
-            <a:schemeClr val="accent1"/>
-          </a:lnRef>
-          <a:fillRef idx="3">
-            <a:schemeClr val="accent1"/>
-          </a:fillRef>
-          <a:effectRef idx="2">
-            <a:schemeClr val="accent1"/>
-          </a:effectRef>
-          <a:fontRef idx="minor">
-            <a:schemeClr val="lt1"/>
-          </a:fontRef>
-        </p:style>
-        <p:txBody>
-          <a:bodyPr rtlCol="0" anchor="ctr"/>
-          <a:lstStyle/>
-          <a:p>
-            <a:pPr algn="ctr"/>
-            <a:endParaRPr lang="en-SE" sz="2400"/>
-          </a:p>
-        </p:txBody>
-      </p:sp>
-      <p:sp>
-        <p:nvSpPr>
-          <p:cNvPr id="13" name="TextBox 12">
-            <a:extLst>
-              <a:ext uri="{FF2B5EF4-FFF2-40B4-BE49-F238E27FC236}">
-                <a16:creationId xmlns:a16="http://schemas.microsoft.com/office/drawing/2014/main" id="{595B9A4D-B995-F89D-178E-71E5C6B0947F}"/>
-              </a:ext>
-            </a:extLst>
-          </p:cNvPr>
-          <p:cNvSpPr txBox="1"/>
-          <p:nvPr/>
-        </p:nvSpPr>
-        <p:spPr>
-          <a:xfrm>
-            <a:off x="3795315" y="1687307"/>
-            <a:ext cx="1281120" cy="461665"/>
-          </a:xfrm>
-          <a:prstGeom prst="rect">
-            <a:avLst/>
-          </a:prstGeom>
-          <a:noFill/>
-        </p:spPr>
-        <p:txBody>
           <a:bodyPr wrap="none" rtlCol="0">
             <a:spAutoFit/>
           </a:bodyPr>
@@ -5236,378 +5061,28 @@
           <a:p>
             <a:r>
               <a:rPr lang="en-GB" sz="2400" dirty="0"/>
-              <a:t>insert 10</a:t>
+              <a:t>Recolor</a:t>
+            </a:r>
+          </a:p>
+          <a:p>
+            <a:r>
+              <a:rPr lang="en-GB" sz="2400" dirty="0"/>
+              <a:t>Parents &amp;</a:t>
+            </a:r>
+          </a:p>
+          <a:p>
+            <a:r>
+              <a:rPr lang="en-GB" sz="2400" dirty="0"/>
+              <a:t>grandparents</a:t>
             </a:r>
             <a:endParaRPr lang="en-SE" sz="2400" dirty="0"/>
-          </a:p>
-        </p:txBody>
-      </p:sp>
-      <p:sp>
-        <p:nvSpPr>
-          <p:cNvPr id="15" name="Arrow: Right 14">
-            <a:extLst>
-              <a:ext uri="{FF2B5EF4-FFF2-40B4-BE49-F238E27FC236}">
-                <a16:creationId xmlns:a16="http://schemas.microsoft.com/office/drawing/2014/main" id="{34091109-3205-1DF9-8B38-D258EBA89378}"/>
-              </a:ext>
-            </a:extLst>
-          </p:cNvPr>
-          <p:cNvSpPr/>
-          <p:nvPr/>
-        </p:nvSpPr>
-        <p:spPr>
-          <a:xfrm>
-            <a:off x="4526499" y="5414407"/>
-            <a:ext cx="993644" cy="484632"/>
-          </a:xfrm>
-          <a:prstGeom prst="rightArrow">
-            <a:avLst/>
-          </a:prstGeom>
-        </p:spPr>
-        <p:style>
-          <a:lnRef idx="1">
-            <a:schemeClr val="accent1"/>
-          </a:lnRef>
-          <a:fillRef idx="3">
-            <a:schemeClr val="accent1"/>
-          </a:fillRef>
-          <a:effectRef idx="2">
-            <a:schemeClr val="accent1"/>
-          </a:effectRef>
-          <a:fontRef idx="minor">
-            <a:schemeClr val="lt1"/>
-          </a:fontRef>
-        </p:style>
-        <p:txBody>
-          <a:bodyPr rtlCol="0" anchor="ctr"/>
-          <a:lstStyle/>
-          <a:p>
-            <a:pPr algn="ctr"/>
-            <a:endParaRPr lang="en-SE" sz="2400"/>
-          </a:p>
-        </p:txBody>
-      </p:sp>
-      <p:sp>
-        <p:nvSpPr>
-          <p:cNvPr id="16" name="TextBox 15">
-            <a:extLst>
-              <a:ext uri="{FF2B5EF4-FFF2-40B4-BE49-F238E27FC236}">
-                <a16:creationId xmlns:a16="http://schemas.microsoft.com/office/drawing/2014/main" id="{8743DD0C-0833-3ADC-AF89-66532AB6C21A}"/>
-              </a:ext>
-            </a:extLst>
-          </p:cNvPr>
-          <p:cNvSpPr txBox="1"/>
-          <p:nvPr/>
-        </p:nvSpPr>
-        <p:spPr>
-          <a:xfrm>
-            <a:off x="4210135" y="3656198"/>
-            <a:ext cx="1669555" cy="1938992"/>
-          </a:xfrm>
-          <a:prstGeom prst="rect">
-            <a:avLst/>
-          </a:prstGeom>
-          <a:noFill/>
-        </p:spPr>
-        <p:txBody>
-          <a:bodyPr wrap="square" rtlCol="0">
-            <a:spAutoFit/>
-          </a:bodyPr>
-          <a:lstStyle/>
-          <a:p>
-            <a:r>
-              <a:rPr lang="en-GB" sz="2400" dirty="0"/>
-              <a:t>Case 2. </a:t>
-            </a:r>
-            <a:r>
-              <a:rPr lang="en-GB" sz="2400" dirty="0" err="1"/>
-              <a:t>Z.uncle</a:t>
-            </a:r>
-            <a:r>
-              <a:rPr lang="en-GB" sz="2400" dirty="0"/>
-              <a:t> = black</a:t>
-            </a:r>
-          </a:p>
-          <a:p>
-            <a:r>
-              <a:rPr lang="en-GB" sz="2400" dirty="0"/>
-              <a:t>right rotate on 15</a:t>
-            </a:r>
-            <a:endParaRPr lang="en-SE" sz="2400" dirty="0"/>
-          </a:p>
-        </p:txBody>
-      </p:sp>
-      <p:sp>
-        <p:nvSpPr>
-          <p:cNvPr id="18" name="TextBox 17">
-            <a:extLst>
-              <a:ext uri="{FF2B5EF4-FFF2-40B4-BE49-F238E27FC236}">
-                <a16:creationId xmlns:a16="http://schemas.microsoft.com/office/drawing/2014/main" id="{E8C736D6-0212-79B6-EE58-FD4362464623}"/>
-              </a:ext>
-            </a:extLst>
-          </p:cNvPr>
-          <p:cNvSpPr txBox="1"/>
-          <p:nvPr/>
-        </p:nvSpPr>
-        <p:spPr>
-          <a:xfrm>
-            <a:off x="2521985" y="4711606"/>
-            <a:ext cx="297426" cy="369332"/>
-          </a:xfrm>
-          <a:prstGeom prst="rect">
-            <a:avLst/>
-          </a:prstGeom>
-          <a:noFill/>
-        </p:spPr>
-        <p:txBody>
-          <a:bodyPr wrap="square">
-            <a:spAutoFit/>
-          </a:bodyPr>
-          <a:lstStyle/>
-          <a:p>
-            <a:r>
-              <a:rPr lang="en-GB" dirty="0"/>
-              <a:t>Z</a:t>
-            </a:r>
-            <a:endParaRPr lang="en-SE" dirty="0"/>
-          </a:p>
-        </p:txBody>
-      </p:sp>
-      <p:sp>
-        <p:nvSpPr>
-          <p:cNvPr id="19" name="TextBox 18">
-            <a:extLst>
-              <a:ext uri="{FF2B5EF4-FFF2-40B4-BE49-F238E27FC236}">
-                <a16:creationId xmlns:a16="http://schemas.microsoft.com/office/drawing/2014/main" id="{E1BB84DB-2C24-3C77-846C-0DAD05DF8FCD}"/>
-              </a:ext>
-            </a:extLst>
-          </p:cNvPr>
-          <p:cNvSpPr txBox="1"/>
-          <p:nvPr/>
-        </p:nvSpPr>
-        <p:spPr>
-          <a:xfrm>
-            <a:off x="1481171" y="4111442"/>
-            <a:ext cx="869491" cy="369332"/>
-          </a:xfrm>
-          <a:prstGeom prst="rect">
-            <a:avLst/>
-          </a:prstGeom>
-          <a:noFill/>
-        </p:spPr>
-        <p:txBody>
-          <a:bodyPr wrap="square">
-            <a:spAutoFit/>
-          </a:bodyPr>
-          <a:lstStyle/>
-          <a:p>
-            <a:r>
-              <a:rPr lang="en-GB" dirty="0" err="1"/>
-              <a:t>Z.uncle</a:t>
-            </a:r>
-            <a:endParaRPr lang="en-SE" dirty="0"/>
-          </a:p>
-        </p:txBody>
-      </p:sp>
-      <p:sp>
-        <p:nvSpPr>
-          <p:cNvPr id="22" name="TextBox 21">
-            <a:extLst>
-              <a:ext uri="{FF2B5EF4-FFF2-40B4-BE49-F238E27FC236}">
-                <a16:creationId xmlns:a16="http://schemas.microsoft.com/office/drawing/2014/main" id="{833BAE2F-1D4B-962D-358B-A87FAA6E1DCE}"/>
-              </a:ext>
-            </a:extLst>
-          </p:cNvPr>
-          <p:cNvSpPr txBox="1"/>
-          <p:nvPr/>
-        </p:nvSpPr>
-        <p:spPr>
-          <a:xfrm>
-            <a:off x="6631901" y="2759453"/>
-            <a:ext cx="869491" cy="369332"/>
-          </a:xfrm>
-          <a:prstGeom prst="rect">
-            <a:avLst/>
-          </a:prstGeom>
-          <a:noFill/>
-        </p:spPr>
-        <p:txBody>
-          <a:bodyPr wrap="square">
-            <a:spAutoFit/>
-          </a:bodyPr>
-          <a:lstStyle/>
-          <a:p>
-            <a:r>
-              <a:rPr lang="en-GB" dirty="0" err="1"/>
-              <a:t>Z.uncle</a:t>
-            </a:r>
-            <a:endParaRPr lang="en-SE" dirty="0"/>
-          </a:p>
-        </p:txBody>
-      </p:sp>
-      <p:sp>
-        <p:nvSpPr>
-          <p:cNvPr id="23" name="TextBox 22">
-            <a:extLst>
-              <a:ext uri="{FF2B5EF4-FFF2-40B4-BE49-F238E27FC236}">
-                <a16:creationId xmlns:a16="http://schemas.microsoft.com/office/drawing/2014/main" id="{F1876323-7348-7F76-157C-38ADC3F22A06}"/>
-              </a:ext>
-            </a:extLst>
-          </p:cNvPr>
-          <p:cNvSpPr txBox="1"/>
-          <p:nvPr/>
-        </p:nvSpPr>
-        <p:spPr>
-          <a:xfrm>
-            <a:off x="5786295" y="3154586"/>
-            <a:ext cx="297426" cy="369332"/>
-          </a:xfrm>
-          <a:prstGeom prst="rect">
-            <a:avLst/>
-          </a:prstGeom>
-          <a:noFill/>
-        </p:spPr>
-        <p:txBody>
-          <a:bodyPr wrap="square">
-            <a:spAutoFit/>
-          </a:bodyPr>
-          <a:lstStyle/>
-          <a:p>
-            <a:r>
-              <a:rPr lang="en-GB" dirty="0"/>
-              <a:t>Z</a:t>
-            </a:r>
-            <a:endParaRPr lang="en-SE" dirty="0"/>
-          </a:p>
-        </p:txBody>
-      </p:sp>
-      <p:sp>
-        <p:nvSpPr>
-          <p:cNvPr id="24" name="Title 1">
-            <a:extLst>
-              <a:ext uri="{FF2B5EF4-FFF2-40B4-BE49-F238E27FC236}">
-                <a16:creationId xmlns:a16="http://schemas.microsoft.com/office/drawing/2014/main" id="{CC34313F-F628-E420-FBC0-57664F0A466C}"/>
-              </a:ext>
-            </a:extLst>
-          </p:cNvPr>
-          <p:cNvSpPr txBox="1">
-            <a:spLocks/>
-          </p:cNvSpPr>
-          <p:nvPr/>
-        </p:nvSpPr>
-        <p:spPr>
-          <a:xfrm>
-            <a:off x="2275976" y="-251744"/>
-            <a:ext cx="3317700" cy="1143000"/>
-          </a:xfrm>
-          <a:prstGeom prst="rect">
-            <a:avLst/>
-          </a:prstGeom>
-        </p:spPr>
-        <p:txBody>
-          <a:bodyPr vert="horz" lIns="91440" tIns="45720" rIns="91440" bIns="45720" rtlCol="0" anchor="ctr">
-            <a:normAutofit/>
-          </a:bodyPr>
-          <a:lstStyle>
-            <a:lvl1pPr algn="ctr" defTabSz="457200" rtl="0" eaLnBrk="1" latinLnBrk="0" hangingPunct="1">
-              <a:spcBef>
-                <a:spcPct val="0"/>
-              </a:spcBef>
-              <a:buNone/>
-              <a:defRPr sz="3600" kern="1200">
-                <a:solidFill>
-                  <a:schemeClr val="accent1"/>
-                </a:solidFill>
-                <a:latin typeface="Helvetica"/>
-                <a:ea typeface="+mj-ea"/>
-                <a:cs typeface="Helvetica"/>
-              </a:defRPr>
-            </a:lvl1pPr>
-          </a:lstStyle>
-          <a:p>
-            <a:r>
-              <a:rPr lang="en-GB" dirty="0"/>
-              <a:t>Example 2</a:t>
-            </a:r>
-            <a:endParaRPr lang="en-SE" dirty="0"/>
-          </a:p>
-        </p:txBody>
-      </p:sp>
-      <p:sp>
-        <p:nvSpPr>
-          <p:cNvPr id="25" name="TextBox 24">
-            <a:extLst>
-              <a:ext uri="{FF2B5EF4-FFF2-40B4-BE49-F238E27FC236}">
-                <a16:creationId xmlns:a16="http://schemas.microsoft.com/office/drawing/2014/main" id="{8464F0C0-9FDC-2994-F0DA-18CB96030672}"/>
-              </a:ext>
-            </a:extLst>
-          </p:cNvPr>
-          <p:cNvSpPr txBox="1"/>
-          <p:nvPr/>
-        </p:nvSpPr>
-        <p:spPr>
-          <a:xfrm>
-            <a:off x="8220540" y="4627648"/>
-            <a:ext cx="297426" cy="369332"/>
-          </a:xfrm>
-          <a:prstGeom prst="rect">
-            <a:avLst/>
-          </a:prstGeom>
-          <a:noFill/>
-        </p:spPr>
-        <p:txBody>
-          <a:bodyPr wrap="square">
-            <a:spAutoFit/>
-          </a:bodyPr>
-          <a:lstStyle/>
-          <a:p>
-            <a:r>
-              <a:rPr lang="en-GB" dirty="0"/>
-              <a:t>Z</a:t>
-            </a:r>
-            <a:endParaRPr lang="en-SE" dirty="0"/>
-          </a:p>
-        </p:txBody>
-      </p:sp>
-      <p:sp>
-        <p:nvSpPr>
-          <p:cNvPr id="28" name="TextBox 27">
-            <a:extLst>
-              <a:ext uri="{FF2B5EF4-FFF2-40B4-BE49-F238E27FC236}">
-                <a16:creationId xmlns:a16="http://schemas.microsoft.com/office/drawing/2014/main" id="{709B0EA1-A5F4-59EC-8FBB-D85FEDC6935A}"/>
-              </a:ext>
-            </a:extLst>
-          </p:cNvPr>
-          <p:cNvSpPr txBox="1"/>
-          <p:nvPr/>
-        </p:nvSpPr>
-        <p:spPr>
-          <a:xfrm>
-            <a:off x="5879690" y="4288037"/>
-            <a:ext cx="869491" cy="369332"/>
-          </a:xfrm>
-          <a:prstGeom prst="rect">
-            <a:avLst/>
-          </a:prstGeom>
-          <a:noFill/>
-        </p:spPr>
-        <p:txBody>
-          <a:bodyPr wrap="square">
-            <a:spAutoFit/>
-          </a:bodyPr>
-          <a:lstStyle/>
-          <a:p>
-            <a:r>
-              <a:rPr lang="en-GB" dirty="0" err="1"/>
-              <a:t>Z.uncle</a:t>
-            </a:r>
-            <a:endParaRPr lang="en-SE" dirty="0"/>
           </a:p>
         </p:txBody>
       </p:sp>
     </p:spTree>
     <p:extLst>
       <p:ext uri="{BB962C8B-B14F-4D97-AF65-F5344CB8AC3E}">
-        <p14:creationId xmlns:p14="http://schemas.microsoft.com/office/powerpoint/2010/main" val="3305834215"/>
+        <p14:creationId xmlns:p14="http://schemas.microsoft.com/office/powerpoint/2010/main" val="2464148555"/>
       </p:ext>
     </p:extLst>
   </p:cSld>
@@ -5639,7 +5114,7 @@
           <p:cNvPr id="2" name="Title 1">
             <a:extLst>
               <a:ext uri="{FF2B5EF4-FFF2-40B4-BE49-F238E27FC236}">
-                <a16:creationId xmlns:a16="http://schemas.microsoft.com/office/drawing/2014/main" id="{97473D06-C2E0-F86B-9A58-360D3DF6B67F}"/>
+                <a16:creationId xmlns:a16="http://schemas.microsoft.com/office/drawing/2014/main" id="{61852DE2-252D-DD50-759E-7607E6C718F3}"/>
               </a:ext>
             </a:extLst>
           </p:cNvPr>
@@ -5659,11 +5134,27 @@
           <a:p>
             <a:r>
               <a:rPr lang="en-GB" dirty="0"/>
-              <a:t>Example 2 </a:t>
+              <a:t>Case 2. </a:t>
             </a:r>
             <a:r>
               <a:rPr lang="en-GB" dirty="0" err="1"/>
-              <a:t>Con’t</a:t>
+              <a:t>Z.uncle</a:t>
+            </a:r>
+            <a:r>
+              <a:rPr lang="en-GB" dirty="0"/>
+              <a:t> = </a:t>
+            </a:r>
+            <a:r>
+              <a:rPr lang="en-GB" dirty="0">
+                <a:solidFill>
+                  <a:schemeClr val="tx1"/>
+                </a:solidFill>
+              </a:rPr>
+              <a:t>black</a:t>
+            </a:r>
+            <a:r>
+              <a:rPr lang="en-GB" dirty="0"/>
+              <a:t> (triangle)</a:t>
             </a:r>
             <a:endParaRPr lang="en-SE" dirty="0"/>
           </a:p>
@@ -5674,7 +5165,7 @@
           <p:cNvPr id="3" name="Content Placeholder 2">
             <a:extLst>
               <a:ext uri="{FF2B5EF4-FFF2-40B4-BE49-F238E27FC236}">
-                <a16:creationId xmlns:a16="http://schemas.microsoft.com/office/drawing/2014/main" id="{F155A4FE-7BB8-541F-BD39-79BD9204B105}"/>
+                <a16:creationId xmlns:a16="http://schemas.microsoft.com/office/drawing/2014/main" id="{F237F824-033E-B0ED-9BDD-EE1A3F45809E}"/>
               </a:ext>
             </a:extLst>
           </p:cNvPr>
@@ -5690,16 +5181,27 @@
           <a:bodyPr/>
           <a:lstStyle/>
           <a:p>
-            <a:endParaRPr lang="en-SE"/>
+            <a:r>
+              <a:rPr lang="en-GB" dirty="0"/>
+              <a:t>Rotate </a:t>
+            </a:r>
+            <a:r>
+              <a:rPr lang="en-GB" dirty="0" err="1"/>
+              <a:t>Z.parent</a:t>
+            </a:r>
+            <a:endParaRPr lang="en-GB" dirty="0"/>
+          </a:p>
+          <a:p>
+            <a:endParaRPr lang="en-SE" dirty="0"/>
           </a:p>
         </p:txBody>
       </p:sp>
       <p:pic>
         <p:nvPicPr>
-          <p:cNvPr id="4" name="Picture 3">
-            <a:extLst>
-              <a:ext uri="{FF2B5EF4-FFF2-40B4-BE49-F238E27FC236}">
-                <a16:creationId xmlns:a16="http://schemas.microsoft.com/office/drawing/2014/main" id="{27A6170B-EE56-2E53-CCA3-F4F34DCAAE14}"/>
+          <p:cNvPr id="9" name="Picture 8">
+            <a:extLst>
+              <a:ext uri="{FF2B5EF4-FFF2-40B4-BE49-F238E27FC236}">
+                <a16:creationId xmlns:a16="http://schemas.microsoft.com/office/drawing/2014/main" id="{4DF22396-6B72-47E8-7A2F-A2D30B8FFFF5}"/>
               </a:ext>
             </a:extLst>
           </p:cNvPr>
@@ -5710,13 +5212,43 @@
         </p:nvPicPr>
         <p:blipFill>
           <a:blip r:embed="rId2"/>
+          <a:stretch>
+            <a:fillRect/>
+          </a:stretch>
+        </p:blipFill>
+        <p:spPr>
+          <a:xfrm>
+            <a:off x="5226077" y="2869494"/>
+            <a:ext cx="3504773" cy="2858106"/>
+          </a:xfrm>
+          <a:prstGeom prst="rect">
+            <a:avLst/>
+          </a:prstGeom>
+        </p:spPr>
+      </p:pic>
+      <p:pic>
+        <p:nvPicPr>
+          <p:cNvPr id="11" name="Picture 10">
+            <a:extLst>
+              <a:ext uri="{FF2B5EF4-FFF2-40B4-BE49-F238E27FC236}">
+                <a16:creationId xmlns:a16="http://schemas.microsoft.com/office/drawing/2014/main" id="{90410713-6DC3-15CC-971D-D55E03F99EFF}"/>
+              </a:ext>
+            </a:extLst>
+          </p:cNvPr>
+          <p:cNvPicPr>
+            <a:picLocks noChangeAspect="1"/>
+          </p:cNvPicPr>
+          <p:nvPr/>
+        </p:nvPicPr>
+        <p:blipFill>
+          <a:blip r:embed="rId3"/>
           <a:srcRect/>
           <a:stretch/>
         </p:blipFill>
         <p:spPr>
           <a:xfrm>
-            <a:off x="272181" y="2353186"/>
-            <a:ext cx="3590740" cy="2711756"/>
+            <a:off x="783008" y="2950235"/>
+            <a:ext cx="2762303" cy="2688640"/>
           </a:xfrm>
           <a:prstGeom prst="rect">
             <a:avLst/>
@@ -5725,82 +5257,10 @@
       </p:pic>
       <p:sp>
         <p:nvSpPr>
-          <p:cNvPr id="7" name="TextBox 6">
-            <a:extLst>
-              <a:ext uri="{FF2B5EF4-FFF2-40B4-BE49-F238E27FC236}">
-                <a16:creationId xmlns:a16="http://schemas.microsoft.com/office/drawing/2014/main" id="{D6D2E3D5-C86A-CA33-431C-2733F2E85EF7}"/>
-              </a:ext>
-            </a:extLst>
-          </p:cNvPr>
-          <p:cNvSpPr txBox="1"/>
-          <p:nvPr/>
-        </p:nvSpPr>
-        <p:spPr>
-          <a:xfrm>
-            <a:off x="3035748" y="3263103"/>
-            <a:ext cx="297426" cy="369332"/>
-          </a:xfrm>
-          <a:prstGeom prst="rect">
-            <a:avLst/>
-          </a:prstGeom>
-          <a:noFill/>
-        </p:spPr>
-        <p:txBody>
-          <a:bodyPr wrap="square">
-            <a:spAutoFit/>
-          </a:bodyPr>
-          <a:lstStyle/>
-          <a:p>
-            <a:r>
-              <a:rPr lang="en-GB" dirty="0"/>
-              <a:t>Z</a:t>
-            </a:r>
-            <a:endParaRPr lang="en-SE" dirty="0"/>
-          </a:p>
-        </p:txBody>
-      </p:sp>
-      <p:sp>
-        <p:nvSpPr>
-          <p:cNvPr id="8" name="TextBox 7">
-            <a:extLst>
-              <a:ext uri="{FF2B5EF4-FFF2-40B4-BE49-F238E27FC236}">
-                <a16:creationId xmlns:a16="http://schemas.microsoft.com/office/drawing/2014/main" id="{970DB451-1101-9B73-7393-E01217DFEBCF}"/>
-              </a:ext>
-            </a:extLst>
-          </p:cNvPr>
-          <p:cNvSpPr txBox="1"/>
-          <p:nvPr/>
-        </p:nvSpPr>
-        <p:spPr>
-          <a:xfrm>
-            <a:off x="694898" y="2923492"/>
-            <a:ext cx="869491" cy="369332"/>
-          </a:xfrm>
-          <a:prstGeom prst="rect">
-            <a:avLst/>
-          </a:prstGeom>
-          <a:noFill/>
-        </p:spPr>
-        <p:txBody>
-          <a:bodyPr wrap="square">
-            <a:spAutoFit/>
-          </a:bodyPr>
-          <a:lstStyle/>
-          <a:p>
-            <a:r>
-              <a:rPr lang="en-GB" dirty="0" err="1"/>
-              <a:t>Z.uncle</a:t>
-            </a:r>
-            <a:endParaRPr lang="en-SE" dirty="0"/>
-          </a:p>
-        </p:txBody>
-      </p:sp>
-      <p:sp>
-        <p:nvSpPr>
-          <p:cNvPr id="11" name="Arrow: Right 10">
-            <a:extLst>
-              <a:ext uri="{FF2B5EF4-FFF2-40B4-BE49-F238E27FC236}">
-                <a16:creationId xmlns:a16="http://schemas.microsoft.com/office/drawing/2014/main" id="{F5838CA9-C463-78FE-16C5-7D7A2A4E9B79}"/>
+          <p:cNvPr id="12" name="Arrow: Right 11">
+            <a:extLst>
+              <a:ext uri="{FF2B5EF4-FFF2-40B4-BE49-F238E27FC236}">
+                <a16:creationId xmlns:a16="http://schemas.microsoft.com/office/drawing/2014/main" id="{2728EFD9-283B-80C1-C34D-54F64208EBE5}"/>
               </a:ext>
             </a:extLst>
           </p:cNvPr>
@@ -5809,8 +5269,8 @@
         </p:nvSpPr>
         <p:spPr>
           <a:xfrm>
-            <a:off x="4037969" y="4195691"/>
-            <a:ext cx="993644" cy="484632"/>
+            <a:off x="3699330" y="4412770"/>
+            <a:ext cx="1360883" cy="484632"/>
           </a:xfrm>
           <a:prstGeom prst="rightArrow">
             <a:avLst/>
@@ -5841,10 +5301,10 @@
       </p:sp>
       <p:sp>
         <p:nvSpPr>
-          <p:cNvPr id="12" name="TextBox 11">
-            <a:extLst>
-              <a:ext uri="{FF2B5EF4-FFF2-40B4-BE49-F238E27FC236}">
-                <a16:creationId xmlns:a16="http://schemas.microsoft.com/office/drawing/2014/main" id="{7E37C1EE-5E48-1DDD-80ED-D90DA1A06BC5}"/>
+          <p:cNvPr id="13" name="TextBox 12">
+            <a:extLst>
+              <a:ext uri="{FF2B5EF4-FFF2-40B4-BE49-F238E27FC236}">
+                <a16:creationId xmlns:a16="http://schemas.microsoft.com/office/drawing/2014/main" id="{072AF439-3254-A2CA-774B-52CA45204B97}"/>
               </a:ext>
             </a:extLst>
           </p:cNvPr>
@@ -5853,8 +5313,8 @@
         </p:nvSpPr>
         <p:spPr>
           <a:xfrm>
-            <a:off x="3763823" y="2083892"/>
-            <a:ext cx="1669555" cy="2308324"/>
+            <a:off x="3711175" y="3701311"/>
+            <a:ext cx="1234120" cy="830997"/>
           </a:xfrm>
           <a:prstGeom prst="rect">
             <a:avLst/>
@@ -5862,71 +5322,29 @@
           <a:noFill/>
         </p:spPr>
         <p:txBody>
-          <a:bodyPr wrap="square" rtlCol="0">
+          <a:bodyPr wrap="none" rtlCol="0">
             <a:spAutoFit/>
           </a:bodyPr>
           <a:lstStyle/>
           <a:p>
             <a:r>
               <a:rPr lang="en-GB" sz="2400" dirty="0"/>
-              <a:t>Case 2. </a:t>
-            </a:r>
+              <a:t>rotate </a:t>
+            </a:r>
+          </a:p>
+          <a:p>
             <a:r>
               <a:rPr lang="en-GB" sz="2400" dirty="0" err="1"/>
-              <a:t>Z.uncle</a:t>
-            </a:r>
-            <a:r>
-              <a:rPr lang="en-GB" sz="2400" dirty="0"/>
-              <a:t> = black</a:t>
-            </a:r>
-          </a:p>
-          <a:p>
-            <a:r>
-              <a:rPr lang="en-GB" sz="2400" dirty="0"/>
-              <a:t>left rotate on 8 &amp; </a:t>
-            </a:r>
-            <a:r>
-              <a:rPr lang="en-GB" sz="2400" dirty="0" err="1"/>
-              <a:t>recolor</a:t>
+              <a:t>Z.parent</a:t>
             </a:r>
             <a:endParaRPr lang="en-SE" sz="2400" dirty="0"/>
           </a:p>
         </p:txBody>
       </p:sp>
-      <p:pic>
-        <p:nvPicPr>
-          <p:cNvPr id="14" name="Picture 13">
-            <a:extLst>
-              <a:ext uri="{FF2B5EF4-FFF2-40B4-BE49-F238E27FC236}">
-                <a16:creationId xmlns:a16="http://schemas.microsoft.com/office/drawing/2014/main" id="{E72F3960-2177-7003-B9A3-03D5B5535ABC}"/>
-              </a:ext>
-            </a:extLst>
-          </p:cNvPr>
-          <p:cNvPicPr>
-            <a:picLocks noChangeAspect="1"/>
-          </p:cNvPicPr>
-          <p:nvPr/>
-        </p:nvPicPr>
-        <p:blipFill>
-          <a:blip r:embed="rId3"/>
-          <a:stretch>
-            <a:fillRect/>
-          </a:stretch>
-        </p:blipFill>
-        <p:spPr>
-          <a:xfrm>
-            <a:off x="5334280" y="2418895"/>
-            <a:ext cx="3489248" cy="2427080"/>
-          </a:xfrm>
-          <a:prstGeom prst="rect">
-            <a:avLst/>
-          </a:prstGeom>
-        </p:spPr>
-      </p:pic>
     </p:spTree>
     <p:extLst>
       <p:ext uri="{BB962C8B-B14F-4D97-AF65-F5344CB8AC3E}">
-        <p14:creationId xmlns:p14="http://schemas.microsoft.com/office/powerpoint/2010/main" val="3490110440"/>
+        <p14:creationId xmlns:p14="http://schemas.microsoft.com/office/powerpoint/2010/main" val="230043739"/>
       </p:ext>
     </p:extLst>
   </p:cSld>
@@ -5941,7 +5359,13 @@
   <p:cSld>
     <p:spTree>
       <p:nvGrpSpPr>
-        <p:cNvPr id="1" name=""/>
+        <p:cNvPr id="1" name="">
+          <a:extLst>
+            <a:ext uri="{FF2B5EF4-FFF2-40B4-BE49-F238E27FC236}">
+              <a16:creationId xmlns:a16="http://schemas.microsoft.com/office/drawing/2014/main" id="{00CC3504-B144-F63F-D828-B1AB6CDD2796}"/>
+            </a:ext>
+          </a:extLst>
+        </p:cNvPr>
         <p:cNvGrpSpPr/>
         <p:nvPr/>
       </p:nvGrpSpPr>
@@ -5958,7 +5382,7 @@
           <p:cNvPr id="2" name="Title 1">
             <a:extLst>
               <a:ext uri="{FF2B5EF4-FFF2-40B4-BE49-F238E27FC236}">
-                <a16:creationId xmlns:a16="http://schemas.microsoft.com/office/drawing/2014/main" id="{3B97C924-B8FD-5B49-633B-08C70B2F5CDA}"/>
+                <a16:creationId xmlns:a16="http://schemas.microsoft.com/office/drawing/2014/main" id="{4CAE4D23-BD08-32F9-2A04-CA8593B03623}"/>
               </a:ext>
             </a:extLst>
           </p:cNvPr>
@@ -5971,12 +5395,34 @@
         </p:nvSpPr>
         <p:spPr/>
         <p:txBody>
-          <a:bodyPr/>
+          <a:bodyPr>
+            <a:normAutofit/>
+          </a:bodyPr>
           <a:lstStyle/>
           <a:p>
             <a:r>
               <a:rPr lang="en-GB" dirty="0"/>
-              <a:t>Another Example</a:t>
+              <a:t>Case 2. </a:t>
+            </a:r>
+            <a:r>
+              <a:rPr lang="en-GB" dirty="0" err="1"/>
+              <a:t>Z.uncle</a:t>
+            </a:r>
+            <a:r>
+              <a:rPr lang="en-GB" dirty="0"/>
+              <a:t> = </a:t>
+            </a:r>
+            <a:r>
+              <a:rPr lang="en-GB" dirty="0">
+                <a:solidFill>
+                  <a:schemeClr val="tx1"/>
+                </a:solidFill>
+              </a:rPr>
+              <a:t>black</a:t>
+            </a:r>
+            <a:r>
+              <a:rPr lang="en-GB" dirty="0"/>
+              <a:t> (triangle)</a:t>
             </a:r>
             <a:endParaRPr lang="en-SE" dirty="0"/>
           </a:p>
@@ -5984,10 +5430,10 @@
       </p:sp>
       <p:sp>
         <p:nvSpPr>
-          <p:cNvPr id="3" name="Content Placeholder 2">
-            <a:extLst>
-              <a:ext uri="{FF2B5EF4-FFF2-40B4-BE49-F238E27FC236}">
-                <a16:creationId xmlns:a16="http://schemas.microsoft.com/office/drawing/2014/main" id="{D121DE93-6C77-E0C7-F409-E97ED136442C}"/>
+          <p:cNvPr id="5" name="Content Placeholder 4">
+            <a:extLst>
+              <a:ext uri="{FF2B5EF4-FFF2-40B4-BE49-F238E27FC236}">
+                <a16:creationId xmlns:a16="http://schemas.microsoft.com/office/drawing/2014/main" id="{B481FB01-39AD-81EE-8609-8293BAC5FAC0}"/>
               </a:ext>
             </a:extLst>
           </p:cNvPr>
@@ -6009,10 +5455,10 @@
       </p:sp>
       <p:pic>
         <p:nvPicPr>
-          <p:cNvPr id="5" name="Picture 4">
-            <a:extLst>
-              <a:ext uri="{FF2B5EF4-FFF2-40B4-BE49-F238E27FC236}">
-                <a16:creationId xmlns:a16="http://schemas.microsoft.com/office/drawing/2014/main" id="{31DCD213-D662-E271-1E0B-84130C648A64}"/>
+          <p:cNvPr id="7" name="Picture 6">
+            <a:extLst>
+              <a:ext uri="{FF2B5EF4-FFF2-40B4-BE49-F238E27FC236}">
+                <a16:creationId xmlns:a16="http://schemas.microsoft.com/office/drawing/2014/main" id="{050725A0-46A4-A6E0-A116-66691C9F87FC}"/>
               </a:ext>
             </a:extLst>
           </p:cNvPr>
@@ -6029,79 +5475,18 @@
         </p:blipFill>
         <p:spPr>
           <a:xfrm>
-            <a:off x="0" y="1289047"/>
-            <a:ext cx="9144000" cy="4837116"/>
+            <a:off x="457200" y="1473934"/>
+            <a:ext cx="8526162" cy="4778494"/>
           </a:xfrm>
           <a:prstGeom prst="rect">
             <a:avLst/>
           </a:prstGeom>
         </p:spPr>
       </p:pic>
-      <p:sp>
-        <p:nvSpPr>
-          <p:cNvPr id="6" name="TextBox 5">
-            <a:extLst>
-              <a:ext uri="{FF2B5EF4-FFF2-40B4-BE49-F238E27FC236}">
-                <a16:creationId xmlns:a16="http://schemas.microsoft.com/office/drawing/2014/main" id="{E5CB9F29-8E61-1717-FA68-E063E9A9958B}"/>
-              </a:ext>
-            </a:extLst>
-          </p:cNvPr>
-          <p:cNvSpPr txBox="1"/>
-          <p:nvPr/>
-        </p:nvSpPr>
-        <p:spPr>
-          <a:xfrm>
-            <a:off x="2728469" y="6182766"/>
-            <a:ext cx="4331094" cy="584775"/>
-          </a:xfrm>
-          <a:prstGeom prst="rect">
-            <a:avLst/>
-          </a:prstGeom>
-          <a:ln w="12700"/>
-        </p:spPr>
-        <p:style>
-          <a:lnRef idx="2">
-            <a:schemeClr val="accent2"/>
-          </a:lnRef>
-          <a:fillRef idx="1">
-            <a:schemeClr val="lt1"/>
-          </a:fillRef>
-          <a:effectRef idx="0">
-            <a:schemeClr val="accent2"/>
-          </a:effectRef>
-          <a:fontRef idx="minor">
-            <a:schemeClr val="dk1"/>
-          </a:fontRef>
-        </p:style>
-        <p:txBody>
-          <a:bodyPr wrap="square">
-            <a:spAutoFit/>
-          </a:bodyPr>
-          <a:lstStyle/>
-          <a:p>
-            <a:r>
-              <a:rPr lang="en-GB" sz="1600" dirty="0"/>
-              <a:t>Red Black Tree – Insertion</a:t>
-            </a:r>
-          </a:p>
-          <a:p>
-            <a:r>
-              <a:rPr lang="en-GB" sz="1600" dirty="0">
-                <a:hlinkClick r:id="rId3"/>
-              </a:rPr>
-              <a:t>https://www.youtube.com/watch?v=9ubIKipLpRU</a:t>
-            </a:r>
-            <a:r>
-              <a:rPr lang="en-GB" sz="1600" dirty="0"/>
-              <a:t>  </a:t>
-            </a:r>
-          </a:p>
-        </p:txBody>
-      </p:sp>
     </p:spTree>
     <p:extLst>
       <p:ext uri="{BB962C8B-B14F-4D97-AF65-F5344CB8AC3E}">
-        <p14:creationId xmlns:p14="http://schemas.microsoft.com/office/powerpoint/2010/main" val="1225420176"/>
+        <p14:creationId xmlns:p14="http://schemas.microsoft.com/office/powerpoint/2010/main" val="1352055371"/>
       </p:ext>
     </p:extLst>
   </p:cSld>
@@ -6133,7 +5518,7 @@
           <p:cNvPr id="2" name="Title 1">
             <a:extLst>
               <a:ext uri="{FF2B5EF4-FFF2-40B4-BE49-F238E27FC236}">
-                <a16:creationId xmlns:a16="http://schemas.microsoft.com/office/drawing/2014/main" id="{C5682CF7-9E14-7B9F-65E8-72D4D69608E7}"/>
+                <a16:creationId xmlns:a16="http://schemas.microsoft.com/office/drawing/2014/main" id="{C372BC7C-3619-07B5-B361-9DABE5952C55}"/>
               </a:ext>
             </a:extLst>
           </p:cNvPr>
@@ -6146,14 +5531,20 @@
         </p:nvSpPr>
         <p:spPr/>
         <p:txBody>
-          <a:bodyPr>
-            <a:normAutofit/>
-          </a:bodyPr>
+          <a:bodyPr/>
           <a:lstStyle/>
           <a:p>
             <a:r>
               <a:rPr lang="en-GB" dirty="0"/>
-              <a:t>Time Complexity</a:t>
+              <a:t>Case 3 </a:t>
+            </a:r>
+            <a:r>
+              <a:rPr lang="en-GB" dirty="0" err="1"/>
+              <a:t>Z.uncle</a:t>
+            </a:r>
+            <a:r>
+              <a:rPr lang="en-GB" dirty="0"/>
+              <a:t> = black (line)</a:t>
             </a:r>
             <a:endParaRPr lang="en-SE" dirty="0"/>
           </a:p>
@@ -6164,7 +5555,7 @@
           <p:cNvPr id="3" name="Content Placeholder 2">
             <a:extLst>
               <a:ext uri="{FF2B5EF4-FFF2-40B4-BE49-F238E27FC236}">
-                <a16:creationId xmlns:a16="http://schemas.microsoft.com/office/drawing/2014/main" id="{FBBBD6D3-070C-593D-B602-E4B863528A96}"/>
+                <a16:creationId xmlns:a16="http://schemas.microsoft.com/office/drawing/2014/main" id="{1D2BED41-7F02-48A9-698F-B10F23044EAB}"/>
               </a:ext>
             </a:extLst>
           </p:cNvPr>
@@ -6177,76 +5568,47 @@
         </p:nvSpPr>
         <p:spPr/>
         <p:txBody>
-          <a:bodyPr>
-            <a:normAutofit/>
-          </a:bodyPr>
-          <a:lstStyle/>
-          <a:p>
-            <a:r>
-              <a:rPr lang="en-GB" sz="2800" dirty="0"/>
-              <a:t>1. Insert : O(log(n))</a:t>
-            </a:r>
-          </a:p>
-          <a:p>
-            <a:pPr lvl="1"/>
-            <a:r>
-              <a:rPr lang="en-GB" sz="2400" dirty="0"/>
-              <a:t>maximum height of red-black trees</a:t>
-            </a:r>
-          </a:p>
-          <a:p>
-            <a:r>
-              <a:rPr lang="en-GB" sz="2800" dirty="0"/>
-              <a:t>2. </a:t>
-            </a:r>
-            <a:r>
-              <a:rPr lang="en-GB" sz="2800" dirty="0" err="1"/>
-              <a:t>Color</a:t>
-            </a:r>
-            <a:r>
-              <a:rPr lang="en-GB" sz="2800" dirty="0"/>
-              <a:t> red : O(1)</a:t>
-            </a:r>
-          </a:p>
-          <a:p>
-            <a:r>
-              <a:rPr lang="en-GB" sz="2800" dirty="0"/>
-              <a:t>3. Fix violations :</a:t>
-            </a:r>
-          </a:p>
-          <a:p>
-            <a:pPr lvl="1"/>
-            <a:r>
-              <a:rPr lang="en-GB" sz="2400" dirty="0"/>
-              <a:t>Constant # of:</a:t>
-            </a:r>
-          </a:p>
-          <a:p>
-            <a:pPr lvl="1"/>
-            <a:r>
-              <a:rPr lang="en-GB" sz="2400" dirty="0"/>
-              <a:t>a. Recolor : O(1)</a:t>
-            </a:r>
-          </a:p>
-          <a:p>
-            <a:pPr lvl="1"/>
-            <a:r>
-              <a:rPr lang="en-GB" sz="2400" dirty="0"/>
-              <a:t>b. Rotation: O(1)</a:t>
-            </a:r>
-          </a:p>
-          <a:p>
-            <a:r>
-              <a:rPr lang="en-GB" sz="2800" dirty="0"/>
-              <a:t>Overall time complexity: O(log(n))</a:t>
-            </a:r>
-          </a:p>
-        </p:txBody>
-      </p:sp>
+          <a:bodyPr/>
+          <a:lstStyle/>
+          <a:p>
+            <a:endParaRPr lang="en-SE"/>
+          </a:p>
+        </p:txBody>
+      </p:sp>
+      <p:pic>
+        <p:nvPicPr>
+          <p:cNvPr id="5" name="Picture 4">
+            <a:extLst>
+              <a:ext uri="{FF2B5EF4-FFF2-40B4-BE49-F238E27FC236}">
+                <a16:creationId xmlns:a16="http://schemas.microsoft.com/office/drawing/2014/main" id="{2EEA4D15-D8EA-CAB1-0EA9-7A7E06E5697E}"/>
+              </a:ext>
+            </a:extLst>
+          </p:cNvPr>
+          <p:cNvPicPr>
+            <a:picLocks noChangeAspect="1"/>
+          </p:cNvPicPr>
+          <p:nvPr/>
+        </p:nvPicPr>
+        <p:blipFill>
+          <a:blip r:embed="rId2"/>
+          <a:stretch>
+            <a:fillRect/>
+          </a:stretch>
+        </p:blipFill>
+        <p:spPr>
+          <a:xfrm>
+            <a:off x="0" y="1400725"/>
+            <a:ext cx="9144000" cy="4056550"/>
+          </a:xfrm>
+          <a:prstGeom prst="rect">
+            <a:avLst/>
+          </a:prstGeom>
+        </p:spPr>
+      </p:pic>
     </p:spTree>
     <p:extLst>
       <p:ext uri="{BB962C8B-B14F-4D97-AF65-F5344CB8AC3E}">
-        <p14:creationId xmlns:p14="http://schemas.microsoft.com/office/powerpoint/2010/main" val="1077355346"/>
+        <p14:creationId xmlns:p14="http://schemas.microsoft.com/office/powerpoint/2010/main" val="2372967333"/>
       </p:ext>
     </p:extLst>
   </p:cSld>
@@ -6278,7 +5640,7 @@
           <p:cNvPr id="2" name="Title 1">
             <a:extLst>
               <a:ext uri="{FF2B5EF4-FFF2-40B4-BE49-F238E27FC236}">
-                <a16:creationId xmlns:a16="http://schemas.microsoft.com/office/drawing/2014/main" id="{000CECD5-61A1-6D40-BE5D-625D0A368D48}"/>
+                <a16:creationId xmlns:a16="http://schemas.microsoft.com/office/drawing/2014/main" id="{38D03389-1367-7C74-6889-3D3162A7B8C8}"/>
               </a:ext>
             </a:extLst>
           </p:cNvPr>
@@ -6290,228 +5652,337 @@
           </p:nvPr>
         </p:nvSpPr>
         <p:spPr/>
-        <p:txBody>
-          <a:bodyPr/>
-          <a:lstStyle/>
-          <a:p>
-            <a:r>
-              <a:rPr lang="en-US" dirty="0"/>
-              <a:t>Applications</a:t>
-            </a:r>
-          </a:p>
-        </p:txBody>
-      </p:sp>
-      <p:sp>
-        <p:nvSpPr>
-          <p:cNvPr id="3" name="Content Placeholder 2">
-            <a:extLst>
-              <a:ext uri="{FF2B5EF4-FFF2-40B4-BE49-F238E27FC236}">
-                <a16:creationId xmlns:a16="http://schemas.microsoft.com/office/drawing/2014/main" id="{091D04F6-1217-3D42-B410-F1BB5AFFC8DD}"/>
-              </a:ext>
-            </a:extLst>
-          </p:cNvPr>
-          <p:cNvSpPr>
-            <a:spLocks noGrp="1"/>
-          </p:cNvSpPr>
-          <p:nvPr>
-            <p:ph idx="1"/>
-          </p:nvPr>
-        </p:nvSpPr>
-        <p:spPr>
-          <a:xfrm>
-            <a:off x="155196" y="1417638"/>
-            <a:ext cx="9114639" cy="4892879"/>
-          </a:xfrm>
-        </p:spPr>
         <p:txBody>
           <a:bodyPr>
             <a:normAutofit/>
           </a:bodyPr>
           <a:lstStyle/>
           <a:p>
-            <a:pPr>
-              <a:lnSpc>
-                <a:spcPct val="110000"/>
-              </a:lnSpc>
-              <a:spcBef>
-                <a:spcPts val="100"/>
-              </a:spcBef>
-              <a:spcAft>
-                <a:spcPts val="100"/>
-              </a:spcAft>
-            </a:pPr>
-            <a:r>
-              <a:rPr lang="en-US" dirty="0">
-                <a:solidFill>
-                  <a:schemeClr val="accent1"/>
-                </a:solidFill>
-                <a:latin typeface="Times New Roman" panose="02020603050405020304" pitchFamily="18" charset="0"/>
-                <a:cs typeface="Times New Roman" panose="02020603050405020304" pitchFamily="18" charset="0"/>
-              </a:rPr>
-              <a:t>Red–black trees are widely used as system symbol tables. </a:t>
-            </a:r>
-            <a:endParaRPr lang="en-US" altLang="zh-CN" dirty="0">
-              <a:solidFill>
-                <a:schemeClr val="accent1"/>
-              </a:solidFill>
-              <a:latin typeface="Times New Roman" panose="02020603050405020304" pitchFamily="18" charset="0"/>
-              <a:cs typeface="Times New Roman" panose="02020603050405020304" pitchFamily="18" charset="0"/>
-            </a:endParaRPr>
-          </a:p>
-          <a:p>
-            <a:pPr lvl="1">
-              <a:lnSpc>
-                <a:spcPct val="110000"/>
-              </a:lnSpc>
-              <a:spcBef>
-                <a:spcPts val="100"/>
-              </a:spcBef>
-              <a:spcAft>
-                <a:spcPts val="100"/>
-              </a:spcAft>
-            </a:pPr>
-            <a:r>
-              <a:rPr lang="en-US" dirty="0">
-                <a:latin typeface="Times New Roman" panose="02020603050405020304" pitchFamily="18" charset="0"/>
-                <a:cs typeface="Times New Roman" panose="02020603050405020304" pitchFamily="18" charset="0"/>
-              </a:rPr>
-              <a:t>Java: </a:t>
-            </a:r>
-            <a:r>
-              <a:rPr lang="en-US" sz="1700" dirty="0" err="1">
-                <a:latin typeface="Times New Roman" panose="02020603050405020304" pitchFamily="18" charset="0"/>
-                <a:cs typeface="Times New Roman" panose="02020603050405020304" pitchFamily="18" charset="0"/>
-              </a:rPr>
-              <a:t>java.util.TreeMap</a:t>
-            </a:r>
-            <a:r>
-              <a:rPr lang="en-US" sz="1700" dirty="0">
-                <a:latin typeface="Times New Roman" panose="02020603050405020304" pitchFamily="18" charset="0"/>
-                <a:cs typeface="Times New Roman" panose="02020603050405020304" pitchFamily="18" charset="0"/>
-              </a:rPr>
-              <a:t>, </a:t>
-            </a:r>
-            <a:r>
-              <a:rPr lang="en-US" sz="1700" dirty="0" err="1">
-                <a:latin typeface="Times New Roman" panose="02020603050405020304" pitchFamily="18" charset="0"/>
-                <a:cs typeface="Times New Roman" panose="02020603050405020304" pitchFamily="18" charset="0"/>
-              </a:rPr>
-              <a:t>java.util.TreeSet</a:t>
-            </a:r>
-            <a:r>
-              <a:rPr lang="en-US" dirty="0">
-                <a:latin typeface="Times New Roman" panose="02020603050405020304" pitchFamily="18" charset="0"/>
-                <a:cs typeface="Times New Roman" panose="02020603050405020304" pitchFamily="18" charset="0"/>
-              </a:rPr>
-              <a:t>. </a:t>
-            </a:r>
-            <a:endParaRPr lang="en-US" altLang="zh-CN" dirty="0">
-              <a:latin typeface="Times New Roman" panose="02020603050405020304" pitchFamily="18" charset="0"/>
-              <a:cs typeface="Times New Roman" panose="02020603050405020304" pitchFamily="18" charset="0"/>
-            </a:endParaRPr>
-          </a:p>
-          <a:p>
-            <a:pPr lvl="1">
-              <a:lnSpc>
-                <a:spcPct val="110000"/>
-              </a:lnSpc>
-              <a:spcBef>
-                <a:spcPts val="100"/>
-              </a:spcBef>
-              <a:spcAft>
-                <a:spcPts val="100"/>
-              </a:spcAft>
-            </a:pPr>
-            <a:r>
-              <a:rPr lang="en-US" dirty="0">
-                <a:latin typeface="Times New Roman" panose="02020603050405020304" pitchFamily="18" charset="0"/>
-                <a:cs typeface="Times New Roman" panose="02020603050405020304" pitchFamily="18" charset="0"/>
-              </a:rPr>
-              <a:t>C++ STL: map, multimap, multiset. </a:t>
-            </a:r>
-            <a:endParaRPr lang="en-US" altLang="zh-CN" dirty="0">
-              <a:latin typeface="Times New Roman" panose="02020603050405020304" pitchFamily="18" charset="0"/>
-              <a:cs typeface="Times New Roman" panose="02020603050405020304" pitchFamily="18" charset="0"/>
-            </a:endParaRPr>
-          </a:p>
-          <a:p>
-            <a:pPr lvl="1">
-              <a:lnSpc>
-                <a:spcPct val="110000"/>
-              </a:lnSpc>
-              <a:spcBef>
-                <a:spcPts val="100"/>
-              </a:spcBef>
-              <a:spcAft>
-                <a:spcPts val="100"/>
-              </a:spcAft>
-            </a:pPr>
-            <a:r>
-              <a:rPr lang="en-US" dirty="0">
-                <a:latin typeface="Times New Roman" panose="02020603050405020304" pitchFamily="18" charset="0"/>
-                <a:cs typeface="Times New Roman" panose="02020603050405020304" pitchFamily="18" charset="0"/>
-              </a:rPr>
-              <a:t>Linux kernel: completely fair scheduler, </a:t>
-            </a:r>
-            <a:r>
-              <a:rPr lang="en-US" sz="1700" dirty="0" err="1">
-                <a:latin typeface="Times New Roman" panose="02020603050405020304" pitchFamily="18" charset="0"/>
-                <a:cs typeface="Times New Roman" panose="02020603050405020304" pitchFamily="18" charset="0"/>
-              </a:rPr>
-              <a:t>linux</a:t>
-            </a:r>
-            <a:r>
-              <a:rPr lang="en-US" sz="1700" dirty="0">
-                <a:latin typeface="Times New Roman" panose="02020603050405020304" pitchFamily="18" charset="0"/>
-                <a:cs typeface="Times New Roman" panose="02020603050405020304" pitchFamily="18" charset="0"/>
-              </a:rPr>
-              <a:t>/</a:t>
-            </a:r>
-            <a:r>
-              <a:rPr lang="en-US" sz="1700" dirty="0" err="1">
-                <a:latin typeface="Times New Roman" panose="02020603050405020304" pitchFamily="18" charset="0"/>
-                <a:cs typeface="Times New Roman" panose="02020603050405020304" pitchFamily="18" charset="0"/>
-              </a:rPr>
-              <a:t>rbtree.h</a:t>
-            </a:r>
-            <a:r>
-              <a:rPr lang="en-US" dirty="0">
-                <a:latin typeface="Times New Roman" panose="02020603050405020304" pitchFamily="18" charset="0"/>
-                <a:cs typeface="Times New Roman" panose="02020603050405020304" pitchFamily="18" charset="0"/>
-              </a:rPr>
-              <a:t>. </a:t>
-            </a:r>
-            <a:endParaRPr lang="en-US" altLang="zh-CN" dirty="0">
-              <a:latin typeface="Times New Roman" panose="02020603050405020304" pitchFamily="18" charset="0"/>
-              <a:cs typeface="Times New Roman" panose="02020603050405020304" pitchFamily="18" charset="0"/>
-            </a:endParaRPr>
-          </a:p>
-          <a:p>
-            <a:pPr lvl="1">
-              <a:lnSpc>
-                <a:spcPct val="110000"/>
-              </a:lnSpc>
-              <a:spcBef>
-                <a:spcPts val="100"/>
-              </a:spcBef>
-              <a:spcAft>
-                <a:spcPts val="100"/>
-              </a:spcAft>
-            </a:pPr>
-            <a:r>
-              <a:rPr lang="en-US" dirty="0">
-                <a:latin typeface="Times New Roman" panose="02020603050405020304" pitchFamily="18" charset="0"/>
-                <a:cs typeface="Times New Roman" panose="02020603050405020304" pitchFamily="18" charset="0"/>
-              </a:rPr>
-              <a:t>Emacs: conservative stack scanning. </a:t>
-            </a:r>
+            <a:r>
+              <a:rPr lang="en-GB" dirty="0"/>
+              <a:t>Case 3 </a:t>
+            </a:r>
+            <a:r>
+              <a:rPr lang="en-GB" dirty="0" err="1"/>
+              <a:t>Z.uncle</a:t>
+            </a:r>
+            <a:r>
+              <a:rPr lang="en-GB" dirty="0"/>
+              <a:t> = black (line)</a:t>
+            </a:r>
+            <a:endParaRPr lang="en-SE" dirty="0"/>
+          </a:p>
+        </p:txBody>
+      </p:sp>
+      <p:sp>
+        <p:nvSpPr>
+          <p:cNvPr id="3" name="Content Placeholder 2">
+            <a:extLst>
+              <a:ext uri="{FF2B5EF4-FFF2-40B4-BE49-F238E27FC236}">
+                <a16:creationId xmlns:a16="http://schemas.microsoft.com/office/drawing/2014/main" id="{6D910BE6-514B-B4A0-B20B-4604ACE7AE58}"/>
+              </a:ext>
+            </a:extLst>
+          </p:cNvPr>
+          <p:cNvSpPr>
+            <a:spLocks noGrp="1"/>
+          </p:cNvSpPr>
+          <p:nvPr>
+            <p:ph idx="1"/>
+          </p:nvPr>
+        </p:nvSpPr>
+        <p:spPr>
+          <a:xfrm>
+            <a:off x="501250" y="1274436"/>
+            <a:ext cx="8229600" cy="4525963"/>
+          </a:xfrm>
+        </p:spPr>
+        <p:txBody>
+          <a:bodyPr/>
+          <a:lstStyle/>
+          <a:p>
+            <a:r>
+              <a:rPr lang="en-GB" dirty="0"/>
+              <a:t>Rotate </a:t>
+            </a:r>
+            <a:r>
+              <a:rPr lang="en-GB" dirty="0" err="1"/>
+              <a:t>Z.grandparent</a:t>
+            </a:r>
+            <a:endParaRPr lang="en-SE" dirty="0"/>
+          </a:p>
+        </p:txBody>
+      </p:sp>
+      <p:pic>
+        <p:nvPicPr>
+          <p:cNvPr id="4" name="Picture 3">
+            <a:extLst>
+              <a:ext uri="{FF2B5EF4-FFF2-40B4-BE49-F238E27FC236}">
+                <a16:creationId xmlns:a16="http://schemas.microsoft.com/office/drawing/2014/main" id="{A53C201C-46FA-7742-13EC-1C9AA5234A10}"/>
+              </a:ext>
+            </a:extLst>
+          </p:cNvPr>
+          <p:cNvPicPr>
+            <a:picLocks noChangeAspect="1"/>
+          </p:cNvPicPr>
+          <p:nvPr/>
+        </p:nvPicPr>
+        <p:blipFill>
+          <a:blip r:embed="rId2"/>
+          <a:srcRect/>
+          <a:stretch/>
+        </p:blipFill>
+        <p:spPr>
+          <a:xfrm>
+            <a:off x="5270127" y="1783276"/>
+            <a:ext cx="3504773" cy="2310774"/>
+          </a:xfrm>
+          <a:prstGeom prst="rect">
+            <a:avLst/>
+          </a:prstGeom>
+        </p:spPr>
+      </p:pic>
+      <p:pic>
+        <p:nvPicPr>
+          <p:cNvPr id="5" name="Picture 4">
+            <a:extLst>
+              <a:ext uri="{FF2B5EF4-FFF2-40B4-BE49-F238E27FC236}">
+                <a16:creationId xmlns:a16="http://schemas.microsoft.com/office/drawing/2014/main" id="{087D9465-83AA-019F-2DCC-33453C827259}"/>
+              </a:ext>
+            </a:extLst>
+          </p:cNvPr>
+          <p:cNvPicPr>
+            <a:picLocks noChangeAspect="1"/>
+          </p:cNvPicPr>
+          <p:nvPr/>
+        </p:nvPicPr>
+        <p:blipFill>
+          <a:blip r:embed="rId3"/>
+          <a:srcRect/>
+          <a:stretch/>
+        </p:blipFill>
+        <p:spPr>
+          <a:xfrm>
+            <a:off x="827058" y="1904543"/>
+            <a:ext cx="2762303" cy="2060255"/>
+          </a:xfrm>
+          <a:prstGeom prst="rect">
+            <a:avLst/>
+          </a:prstGeom>
+        </p:spPr>
+      </p:pic>
+      <p:sp>
+        <p:nvSpPr>
+          <p:cNvPr id="6" name="Arrow: Right 5">
+            <a:extLst>
+              <a:ext uri="{FF2B5EF4-FFF2-40B4-BE49-F238E27FC236}">
+                <a16:creationId xmlns:a16="http://schemas.microsoft.com/office/drawing/2014/main" id="{3EE95494-8129-031C-64D6-9732D58A4423}"/>
+              </a:ext>
+            </a:extLst>
+          </p:cNvPr>
+          <p:cNvSpPr/>
+          <p:nvPr/>
+        </p:nvSpPr>
+        <p:spPr>
+          <a:xfrm>
+            <a:off x="3743380" y="3052886"/>
+            <a:ext cx="1360883" cy="484632"/>
+          </a:xfrm>
+          <a:prstGeom prst="rightArrow">
+            <a:avLst/>
+          </a:prstGeom>
+        </p:spPr>
+        <p:style>
+          <a:lnRef idx="1">
+            <a:schemeClr val="accent1"/>
+          </a:lnRef>
+          <a:fillRef idx="3">
+            <a:schemeClr val="accent1"/>
+          </a:fillRef>
+          <a:effectRef idx="2">
+            <a:schemeClr val="accent1"/>
+          </a:effectRef>
+          <a:fontRef idx="minor">
+            <a:schemeClr val="lt1"/>
+          </a:fontRef>
+        </p:style>
+        <p:txBody>
+          <a:bodyPr rtlCol="0" anchor="ctr"/>
+          <a:lstStyle/>
+          <a:p>
+            <a:pPr algn="ctr"/>
+            <a:endParaRPr lang="en-SE" sz="2400"/>
+          </a:p>
+        </p:txBody>
+      </p:sp>
+      <p:sp>
+        <p:nvSpPr>
+          <p:cNvPr id="7" name="TextBox 6">
+            <a:extLst>
+              <a:ext uri="{FF2B5EF4-FFF2-40B4-BE49-F238E27FC236}">
+                <a16:creationId xmlns:a16="http://schemas.microsoft.com/office/drawing/2014/main" id="{DD648652-AA21-E208-E1CC-764DB70ACDA1}"/>
+              </a:ext>
+            </a:extLst>
+          </p:cNvPr>
+          <p:cNvSpPr txBox="1"/>
+          <p:nvPr/>
+        </p:nvSpPr>
+        <p:spPr>
+          <a:xfrm>
+            <a:off x="3688616" y="2380657"/>
+            <a:ext cx="1954125" cy="830997"/>
+          </a:xfrm>
+          <a:prstGeom prst="rect">
+            <a:avLst/>
+          </a:prstGeom>
+          <a:noFill/>
+        </p:spPr>
+        <p:txBody>
+          <a:bodyPr wrap="none" rtlCol="0">
+            <a:spAutoFit/>
+          </a:bodyPr>
+          <a:lstStyle/>
+          <a:p>
+            <a:r>
+              <a:rPr lang="en-GB" sz="2400" dirty="0"/>
+              <a:t>rotate </a:t>
+            </a:r>
+          </a:p>
+          <a:p>
+            <a:r>
+              <a:rPr lang="en-GB" sz="2400" dirty="0" err="1"/>
+              <a:t>Z.grandparent</a:t>
+            </a:r>
+            <a:endParaRPr lang="en-SE" sz="2400" dirty="0"/>
+          </a:p>
+        </p:txBody>
+      </p:sp>
+      <p:pic>
+        <p:nvPicPr>
+          <p:cNvPr id="9" name="Picture 8">
+            <a:extLst>
+              <a:ext uri="{FF2B5EF4-FFF2-40B4-BE49-F238E27FC236}">
+                <a16:creationId xmlns:a16="http://schemas.microsoft.com/office/drawing/2014/main" id="{B8065325-1B06-96BB-C75C-A2F8E633E306}"/>
+              </a:ext>
+            </a:extLst>
+          </p:cNvPr>
+          <p:cNvPicPr>
+            <a:picLocks noChangeAspect="1"/>
+          </p:cNvPicPr>
+          <p:nvPr/>
+        </p:nvPicPr>
+        <p:blipFill>
+          <a:blip r:embed="rId4"/>
+          <a:stretch>
+            <a:fillRect/>
+          </a:stretch>
+        </p:blipFill>
+        <p:spPr>
+          <a:xfrm>
+            <a:off x="5248101" y="4462752"/>
+            <a:ext cx="3482749" cy="2354813"/>
+          </a:xfrm>
+          <a:prstGeom prst="rect">
+            <a:avLst/>
+          </a:prstGeom>
+        </p:spPr>
+      </p:pic>
+      <p:sp>
+        <p:nvSpPr>
+          <p:cNvPr id="10" name="Arrow: Right 9">
+            <a:extLst>
+              <a:ext uri="{FF2B5EF4-FFF2-40B4-BE49-F238E27FC236}">
+                <a16:creationId xmlns:a16="http://schemas.microsoft.com/office/drawing/2014/main" id="{D86B70CE-51A0-D90D-80CC-45F69A709DF0}"/>
+              </a:ext>
+            </a:extLst>
+          </p:cNvPr>
+          <p:cNvSpPr/>
+          <p:nvPr/>
+        </p:nvSpPr>
+        <p:spPr>
+          <a:xfrm rot="5400000">
+            <a:off x="6746889" y="4096934"/>
+            <a:ext cx="485171" cy="484632"/>
+          </a:xfrm>
+          <a:prstGeom prst="rightArrow">
+            <a:avLst/>
+          </a:prstGeom>
+        </p:spPr>
+        <p:style>
+          <a:lnRef idx="1">
+            <a:schemeClr val="accent1"/>
+          </a:lnRef>
+          <a:fillRef idx="3">
+            <a:schemeClr val="accent1"/>
+          </a:fillRef>
+          <a:effectRef idx="2">
+            <a:schemeClr val="accent1"/>
+          </a:effectRef>
+          <a:fontRef idx="minor">
+            <a:schemeClr val="lt1"/>
+          </a:fontRef>
+        </p:style>
+        <p:txBody>
+          <a:bodyPr rtlCol="0" anchor="ctr"/>
+          <a:lstStyle/>
+          <a:p>
+            <a:pPr algn="ctr"/>
+            <a:endParaRPr lang="en-SE" sz="2400"/>
+          </a:p>
+        </p:txBody>
+      </p:sp>
+      <p:sp>
+        <p:nvSpPr>
+          <p:cNvPr id="11" name="TextBox 10">
+            <a:extLst>
+              <a:ext uri="{FF2B5EF4-FFF2-40B4-BE49-F238E27FC236}">
+                <a16:creationId xmlns:a16="http://schemas.microsoft.com/office/drawing/2014/main" id="{CB8712B7-22D4-1EBA-580D-1FD02E7CFDC4}"/>
+              </a:ext>
+            </a:extLst>
+          </p:cNvPr>
+          <p:cNvSpPr txBox="1"/>
+          <p:nvPr/>
+        </p:nvSpPr>
+        <p:spPr>
+          <a:xfrm>
+            <a:off x="5381989" y="3995035"/>
+            <a:ext cx="1849802" cy="1200329"/>
+          </a:xfrm>
+          <a:prstGeom prst="rect">
+            <a:avLst/>
+          </a:prstGeom>
+          <a:noFill/>
+        </p:spPr>
+        <p:txBody>
+          <a:bodyPr wrap="none" rtlCol="0">
+            <a:spAutoFit/>
+          </a:bodyPr>
+          <a:lstStyle/>
+          <a:p>
+            <a:r>
+              <a:rPr lang="en-GB" sz="2400" dirty="0" err="1"/>
+              <a:t>recolor</a:t>
+            </a:r>
+            <a:endParaRPr lang="en-GB" sz="2400" dirty="0"/>
+          </a:p>
+          <a:p>
+            <a:r>
+              <a:rPr lang="en-GB" sz="2400" dirty="0"/>
+              <a:t>Parents &amp;</a:t>
+            </a:r>
+          </a:p>
+          <a:p>
+            <a:r>
+              <a:rPr lang="en-GB" sz="2400" dirty="0"/>
+              <a:t>grandparents</a:t>
+            </a:r>
+            <a:endParaRPr lang="en-SE" sz="2400" dirty="0"/>
           </a:p>
         </p:txBody>
       </p:sp>
     </p:spTree>
     <p:extLst>
       <p:ext uri="{BB962C8B-B14F-4D97-AF65-F5344CB8AC3E}">
-        <p14:creationId xmlns:p14="http://schemas.microsoft.com/office/powerpoint/2010/main" val="523422879"/>
+        <p14:creationId xmlns:p14="http://schemas.microsoft.com/office/powerpoint/2010/main" val="2272817501"/>
       </p:ext>
     </p:extLst>
   </p:cSld>
@@ -6543,7 +6014,7 @@
           <p:cNvPr id="2" name="Title 1">
             <a:extLst>
               <a:ext uri="{FF2B5EF4-FFF2-40B4-BE49-F238E27FC236}">
-                <a16:creationId xmlns:a16="http://schemas.microsoft.com/office/drawing/2014/main" id="{290EA530-EC46-AB96-1199-9356A51FA28A}"/>
+                <a16:creationId xmlns:a16="http://schemas.microsoft.com/office/drawing/2014/main" id="{CB6C7F44-6A25-12EC-BC90-D6E01B7F2BB7}"/>
               </a:ext>
             </a:extLst>
           </p:cNvPr>
@@ -6556,101 +6027,1471 @@
         </p:nvSpPr>
         <p:spPr/>
         <p:txBody>
-          <a:bodyPr/>
+          <a:bodyPr>
+            <a:normAutofit/>
+          </a:bodyPr>
           <a:lstStyle/>
           <a:p>
             <a:r>
               <a:rPr lang="en-GB" dirty="0"/>
-              <a:t>Video Tutorials</a:t>
+              <a:t>Example 1</a:t>
             </a:r>
             <a:endParaRPr lang="en-SE" dirty="0"/>
           </a:p>
         </p:txBody>
       </p:sp>
-      <p:sp>
-        <p:nvSpPr>
-          <p:cNvPr id="3" name="Content Placeholder 2">
-            <a:extLst>
-              <a:ext uri="{FF2B5EF4-FFF2-40B4-BE49-F238E27FC236}">
-                <a16:creationId xmlns:a16="http://schemas.microsoft.com/office/drawing/2014/main" id="{B43286AA-898C-AFE2-2154-7256C3147C77}"/>
-              </a:ext>
-            </a:extLst>
-          </p:cNvPr>
-          <p:cNvSpPr>
-            <a:spLocks noGrp="1"/>
-          </p:cNvSpPr>
-          <p:nvPr>
-            <p:ph idx="1"/>
-          </p:nvPr>
-        </p:nvSpPr>
-        <p:spPr/>
-        <p:txBody>
-          <a:bodyPr/>
-          <a:lstStyle/>
-          <a:p>
-            <a:r>
-              <a:rPr lang="en-GB" dirty="0"/>
-              <a:t>Red-Black Trees // Michael </a:t>
-            </a:r>
-            <a:r>
-              <a:rPr lang="en-GB" dirty="0" err="1"/>
-              <a:t>Sambol</a:t>
-            </a:r>
-            <a:endParaRPr lang="en-GB" dirty="0"/>
-          </a:p>
-          <a:p>
-            <a:pPr lvl="1"/>
-            <a:r>
-              <a:rPr lang="en-GB" dirty="0">
-                <a:hlinkClick r:id="rId2"/>
-              </a:rPr>
-              <a:t>https://www.youtube.com/playlist?list=PL9xmBV_5YoZNqDI8qfOZgzbqahCUmUEin</a:t>
-            </a:r>
-            <a:r>
-              <a:rPr lang="en-GB" dirty="0"/>
-              <a:t> </a:t>
-            </a:r>
-          </a:p>
-          <a:p>
-            <a:pPr lvl="1"/>
-            <a:r>
-              <a:rPr lang="en-GB" dirty="0"/>
-              <a:t>Lecture slides based in this video series</a:t>
-            </a:r>
-          </a:p>
-          <a:p>
-            <a:r>
-              <a:rPr lang="en-GB" dirty="0"/>
-              <a:t>Red Black Tree – Insertion</a:t>
-            </a:r>
-          </a:p>
-          <a:p>
-            <a:pPr lvl="1"/>
-            <a:r>
-              <a:rPr lang="en-GB" dirty="0">
-                <a:hlinkClick r:id="rId3"/>
-              </a:rPr>
-              <a:t>https://www.youtube.com/watch?v=9ubIKipLpRU</a:t>
-            </a:r>
-            <a:r>
-              <a:rPr lang="en-GB" dirty="0"/>
-              <a:t> </a:t>
-            </a:r>
-          </a:p>
-          <a:p>
-            <a:pPr lvl="1"/>
-            <a:r>
-              <a:rPr lang="en-GB" dirty="0"/>
-              <a:t>Another example</a:t>
-            </a:r>
-            <a:endParaRPr lang="en-SE" dirty="0"/>
+      <p:pic>
+        <p:nvPicPr>
+          <p:cNvPr id="5" name="Picture 4">
+            <a:extLst>
+              <a:ext uri="{FF2B5EF4-FFF2-40B4-BE49-F238E27FC236}">
+                <a16:creationId xmlns:a16="http://schemas.microsoft.com/office/drawing/2014/main" id="{ACD3AF60-1715-E981-0AAC-4C859BA1A230}"/>
+              </a:ext>
+            </a:extLst>
+          </p:cNvPr>
+          <p:cNvPicPr>
+            <a:picLocks noChangeAspect="1"/>
+          </p:cNvPicPr>
+          <p:nvPr/>
+        </p:nvPicPr>
+        <p:blipFill>
+          <a:blip r:embed="rId2"/>
+          <a:srcRect/>
+          <a:stretch/>
+        </p:blipFill>
+        <p:spPr>
+          <a:xfrm>
+            <a:off x="2092349" y="1662050"/>
+            <a:ext cx="2419447" cy="1584241"/>
+          </a:xfrm>
+          <a:prstGeom prst="rect">
+            <a:avLst/>
+          </a:prstGeom>
+        </p:spPr>
+      </p:pic>
+      <p:pic>
+        <p:nvPicPr>
+          <p:cNvPr id="7" name="Picture 6">
+            <a:extLst>
+              <a:ext uri="{FF2B5EF4-FFF2-40B4-BE49-F238E27FC236}">
+                <a16:creationId xmlns:a16="http://schemas.microsoft.com/office/drawing/2014/main" id="{B45419B8-2D29-E258-A4E3-499637FB1267}"/>
+              </a:ext>
+            </a:extLst>
+          </p:cNvPr>
+          <p:cNvPicPr>
+            <a:picLocks noChangeAspect="1"/>
+          </p:cNvPicPr>
+          <p:nvPr/>
+        </p:nvPicPr>
+        <p:blipFill>
+          <a:blip r:embed="rId3"/>
+          <a:stretch>
+            <a:fillRect/>
+          </a:stretch>
+        </p:blipFill>
+        <p:spPr>
+          <a:xfrm>
+            <a:off x="5853982" y="1612567"/>
+            <a:ext cx="1468023" cy="1535307"/>
+          </a:xfrm>
+          <a:prstGeom prst="rect">
+            <a:avLst/>
+          </a:prstGeom>
+        </p:spPr>
+      </p:pic>
+      <p:sp>
+        <p:nvSpPr>
+          <p:cNvPr id="8" name="Arrow: Right 7">
+            <a:extLst>
+              <a:ext uri="{FF2B5EF4-FFF2-40B4-BE49-F238E27FC236}">
+                <a16:creationId xmlns:a16="http://schemas.microsoft.com/office/drawing/2014/main" id="{C79ABA7A-86F2-F550-E7A1-598012AC6AB0}"/>
+              </a:ext>
+            </a:extLst>
+          </p:cNvPr>
+          <p:cNvSpPr/>
+          <p:nvPr/>
+        </p:nvSpPr>
+        <p:spPr>
+          <a:xfrm>
+            <a:off x="1133162" y="2274806"/>
+            <a:ext cx="993644" cy="484632"/>
+          </a:xfrm>
+          <a:prstGeom prst="rightArrow">
+            <a:avLst/>
+          </a:prstGeom>
+        </p:spPr>
+        <p:style>
+          <a:lnRef idx="1">
+            <a:schemeClr val="accent1"/>
+          </a:lnRef>
+          <a:fillRef idx="3">
+            <a:schemeClr val="accent1"/>
+          </a:fillRef>
+          <a:effectRef idx="2">
+            <a:schemeClr val="accent1"/>
+          </a:effectRef>
+          <a:fontRef idx="minor">
+            <a:schemeClr val="lt1"/>
+          </a:fontRef>
+        </p:style>
+        <p:txBody>
+          <a:bodyPr rtlCol="0" anchor="ctr"/>
+          <a:lstStyle/>
+          <a:p>
+            <a:pPr algn="ctr"/>
+            <a:endParaRPr lang="en-SE" sz="2400"/>
+          </a:p>
+        </p:txBody>
+      </p:sp>
+      <p:sp>
+        <p:nvSpPr>
+          <p:cNvPr id="9" name="TextBox 8">
+            <a:extLst>
+              <a:ext uri="{FF2B5EF4-FFF2-40B4-BE49-F238E27FC236}">
+                <a16:creationId xmlns:a16="http://schemas.microsoft.com/office/drawing/2014/main" id="{1830154E-B73F-740F-0832-56708EA6C28C}"/>
+              </a:ext>
+            </a:extLst>
+          </p:cNvPr>
+          <p:cNvSpPr txBox="1"/>
+          <p:nvPr/>
+        </p:nvSpPr>
+        <p:spPr>
+          <a:xfrm>
+            <a:off x="911638" y="1943022"/>
+            <a:ext cx="1281120" cy="461665"/>
+          </a:xfrm>
+          <a:prstGeom prst="rect">
+            <a:avLst/>
+          </a:prstGeom>
+          <a:noFill/>
+        </p:spPr>
+        <p:txBody>
+          <a:bodyPr wrap="none" rtlCol="0">
+            <a:spAutoFit/>
+          </a:bodyPr>
+          <a:lstStyle/>
+          <a:p>
+            <a:r>
+              <a:rPr lang="en-GB" sz="2400" dirty="0"/>
+              <a:t>insert 15</a:t>
+            </a:r>
+            <a:endParaRPr lang="en-SE" sz="2400" dirty="0"/>
+          </a:p>
+        </p:txBody>
+      </p:sp>
+      <p:sp>
+        <p:nvSpPr>
+          <p:cNvPr id="10" name="Arrow: Right 9">
+            <a:extLst>
+              <a:ext uri="{FF2B5EF4-FFF2-40B4-BE49-F238E27FC236}">
+                <a16:creationId xmlns:a16="http://schemas.microsoft.com/office/drawing/2014/main" id="{D24D0946-FA6D-090B-EB05-652B5B335AFA}"/>
+              </a:ext>
+            </a:extLst>
+          </p:cNvPr>
+          <p:cNvSpPr/>
+          <p:nvPr/>
+        </p:nvSpPr>
+        <p:spPr>
+          <a:xfrm>
+            <a:off x="4399453" y="2155888"/>
+            <a:ext cx="993644" cy="484632"/>
+          </a:xfrm>
+          <a:prstGeom prst="rightArrow">
+            <a:avLst/>
+          </a:prstGeom>
+        </p:spPr>
+        <p:style>
+          <a:lnRef idx="1">
+            <a:schemeClr val="accent1"/>
+          </a:lnRef>
+          <a:fillRef idx="3">
+            <a:schemeClr val="accent1"/>
+          </a:fillRef>
+          <a:effectRef idx="2">
+            <a:schemeClr val="accent1"/>
+          </a:effectRef>
+          <a:fontRef idx="minor">
+            <a:schemeClr val="lt1"/>
+          </a:fontRef>
+        </p:style>
+        <p:txBody>
+          <a:bodyPr rtlCol="0" anchor="ctr"/>
+          <a:lstStyle/>
+          <a:p>
+            <a:pPr algn="ctr"/>
+            <a:endParaRPr lang="en-SE" sz="2400"/>
+          </a:p>
+        </p:txBody>
+      </p:sp>
+      <p:sp>
+        <p:nvSpPr>
+          <p:cNvPr id="11" name="TextBox 10">
+            <a:extLst>
+              <a:ext uri="{FF2B5EF4-FFF2-40B4-BE49-F238E27FC236}">
+                <a16:creationId xmlns:a16="http://schemas.microsoft.com/office/drawing/2014/main" id="{479B0E18-62CD-3A49-32EB-9331D55D097E}"/>
+              </a:ext>
+            </a:extLst>
+          </p:cNvPr>
+          <p:cNvSpPr txBox="1"/>
+          <p:nvPr/>
+        </p:nvSpPr>
+        <p:spPr>
+          <a:xfrm>
+            <a:off x="4267468" y="1810986"/>
+            <a:ext cx="1125629" cy="461665"/>
+          </a:xfrm>
+          <a:prstGeom prst="rect">
+            <a:avLst/>
+          </a:prstGeom>
+          <a:noFill/>
+        </p:spPr>
+        <p:txBody>
+          <a:bodyPr wrap="none" rtlCol="0">
+            <a:spAutoFit/>
+          </a:bodyPr>
+          <a:lstStyle/>
+          <a:p>
+            <a:r>
+              <a:rPr lang="en-GB" sz="2400" dirty="0"/>
+              <a:t>insert 5</a:t>
+            </a:r>
+            <a:endParaRPr lang="en-SE" sz="2400" dirty="0"/>
+          </a:p>
+        </p:txBody>
+      </p:sp>
+      <p:pic>
+        <p:nvPicPr>
+          <p:cNvPr id="16" name="Picture 15">
+            <a:extLst>
+              <a:ext uri="{FF2B5EF4-FFF2-40B4-BE49-F238E27FC236}">
+                <a16:creationId xmlns:a16="http://schemas.microsoft.com/office/drawing/2014/main" id="{6FE5C328-3108-5F09-68C3-0CBC5C0F66F4}"/>
+              </a:ext>
+            </a:extLst>
+          </p:cNvPr>
+          <p:cNvPicPr>
+            <a:picLocks noChangeAspect="1"/>
+          </p:cNvPicPr>
+          <p:nvPr/>
+        </p:nvPicPr>
+        <p:blipFill>
+          <a:blip r:embed="rId4"/>
+          <a:srcRect/>
+          <a:stretch/>
+        </p:blipFill>
+        <p:spPr>
+          <a:xfrm>
+            <a:off x="1222064" y="3514360"/>
+            <a:ext cx="4047540" cy="2911874"/>
+          </a:xfrm>
+          <a:prstGeom prst="rect">
+            <a:avLst/>
+          </a:prstGeom>
+        </p:spPr>
+      </p:pic>
+      <p:sp>
+        <p:nvSpPr>
+          <p:cNvPr id="17" name="Arrow: Right 16">
+            <a:extLst>
+              <a:ext uri="{FF2B5EF4-FFF2-40B4-BE49-F238E27FC236}">
+                <a16:creationId xmlns:a16="http://schemas.microsoft.com/office/drawing/2014/main" id="{658916B1-7206-E7AA-0F5D-2829EBEFD717}"/>
+              </a:ext>
+            </a:extLst>
+          </p:cNvPr>
+          <p:cNvSpPr/>
+          <p:nvPr/>
+        </p:nvSpPr>
+        <p:spPr>
+          <a:xfrm>
+            <a:off x="352726" y="4726279"/>
+            <a:ext cx="993644" cy="484632"/>
+          </a:xfrm>
+          <a:prstGeom prst="rightArrow">
+            <a:avLst/>
+          </a:prstGeom>
+        </p:spPr>
+        <p:style>
+          <a:lnRef idx="1">
+            <a:schemeClr val="accent1"/>
+          </a:lnRef>
+          <a:fillRef idx="3">
+            <a:schemeClr val="accent1"/>
+          </a:fillRef>
+          <a:effectRef idx="2">
+            <a:schemeClr val="accent1"/>
+          </a:effectRef>
+          <a:fontRef idx="minor">
+            <a:schemeClr val="lt1"/>
+          </a:fontRef>
+        </p:style>
+        <p:txBody>
+          <a:bodyPr rtlCol="0" anchor="ctr"/>
+          <a:lstStyle/>
+          <a:p>
+            <a:pPr algn="ctr"/>
+            <a:endParaRPr lang="en-SE" sz="2400"/>
+          </a:p>
+        </p:txBody>
+      </p:sp>
+      <p:sp>
+        <p:nvSpPr>
+          <p:cNvPr id="18" name="TextBox 17">
+            <a:extLst>
+              <a:ext uri="{FF2B5EF4-FFF2-40B4-BE49-F238E27FC236}">
+                <a16:creationId xmlns:a16="http://schemas.microsoft.com/office/drawing/2014/main" id="{1D99A30F-816A-98FB-69F6-97A1F226CEF0}"/>
+              </a:ext>
+            </a:extLst>
+          </p:cNvPr>
+          <p:cNvSpPr txBox="1"/>
+          <p:nvPr/>
+        </p:nvSpPr>
+        <p:spPr>
+          <a:xfrm>
+            <a:off x="220741" y="4381377"/>
+            <a:ext cx="1125629" cy="461665"/>
+          </a:xfrm>
+          <a:prstGeom prst="rect">
+            <a:avLst/>
+          </a:prstGeom>
+          <a:noFill/>
+        </p:spPr>
+        <p:txBody>
+          <a:bodyPr wrap="none" rtlCol="0">
+            <a:spAutoFit/>
+          </a:bodyPr>
+          <a:lstStyle/>
+          <a:p>
+            <a:r>
+              <a:rPr lang="en-GB" sz="2400" dirty="0"/>
+              <a:t>insert 1</a:t>
+            </a:r>
+            <a:endParaRPr lang="en-SE" sz="2400" dirty="0"/>
+          </a:p>
+        </p:txBody>
+      </p:sp>
+      <p:pic>
+        <p:nvPicPr>
+          <p:cNvPr id="20" name="Picture 19">
+            <a:extLst>
+              <a:ext uri="{FF2B5EF4-FFF2-40B4-BE49-F238E27FC236}">
+                <a16:creationId xmlns:a16="http://schemas.microsoft.com/office/drawing/2014/main" id="{860E7C90-BC3A-6007-3E69-11E88DE064A2}"/>
+              </a:ext>
+            </a:extLst>
+          </p:cNvPr>
+          <p:cNvPicPr>
+            <a:picLocks noChangeAspect="1"/>
+          </p:cNvPicPr>
+          <p:nvPr/>
+        </p:nvPicPr>
+        <p:blipFill>
+          <a:blip r:embed="rId5"/>
+          <a:stretch>
+            <a:fillRect/>
+          </a:stretch>
+        </p:blipFill>
+        <p:spPr>
+          <a:xfrm>
+            <a:off x="6483989" y="4127963"/>
+            <a:ext cx="1981395" cy="1393082"/>
+          </a:xfrm>
+          <a:prstGeom prst="rect">
+            <a:avLst/>
+          </a:prstGeom>
+        </p:spPr>
+      </p:pic>
+      <p:sp>
+        <p:nvSpPr>
+          <p:cNvPr id="23" name="Arrow: Right 22">
+            <a:extLst>
+              <a:ext uri="{FF2B5EF4-FFF2-40B4-BE49-F238E27FC236}">
+                <a16:creationId xmlns:a16="http://schemas.microsoft.com/office/drawing/2014/main" id="{AD1710E9-6C04-29DB-58C2-9682E69B7965}"/>
+              </a:ext>
+            </a:extLst>
+          </p:cNvPr>
+          <p:cNvSpPr/>
+          <p:nvPr/>
+        </p:nvSpPr>
+        <p:spPr>
+          <a:xfrm>
+            <a:off x="5490345" y="4726279"/>
+            <a:ext cx="993644" cy="484632"/>
+          </a:xfrm>
+          <a:prstGeom prst="rightArrow">
+            <a:avLst/>
+          </a:prstGeom>
+        </p:spPr>
+        <p:style>
+          <a:lnRef idx="1">
+            <a:schemeClr val="accent1"/>
+          </a:lnRef>
+          <a:fillRef idx="3">
+            <a:schemeClr val="accent1"/>
+          </a:fillRef>
+          <a:effectRef idx="2">
+            <a:schemeClr val="accent1"/>
+          </a:effectRef>
+          <a:fontRef idx="minor">
+            <a:schemeClr val="lt1"/>
+          </a:fontRef>
+        </p:style>
+        <p:txBody>
+          <a:bodyPr rtlCol="0" anchor="ctr"/>
+          <a:lstStyle/>
+          <a:p>
+            <a:pPr algn="ctr"/>
+            <a:endParaRPr lang="en-SE" sz="2400"/>
           </a:p>
         </p:txBody>
       </p:sp>
     </p:spTree>
     <p:extLst>
       <p:ext uri="{BB962C8B-B14F-4D97-AF65-F5344CB8AC3E}">
-        <p14:creationId xmlns:p14="http://schemas.microsoft.com/office/powerpoint/2010/main" val="4083943532"/>
+        <p14:creationId xmlns:p14="http://schemas.microsoft.com/office/powerpoint/2010/main" val="3577417179"/>
+      </p:ext>
+    </p:extLst>
+  </p:cSld>
+  <p:clrMapOvr>
+    <a:masterClrMapping/>
+  </p:clrMapOvr>
+</p:sld>
+</file>
+
+<file path=ppt/slides/slide18.xml><?xml version="1.0" encoding="utf-8"?>
+<p:sld xmlns:a="http://schemas.openxmlformats.org/drawingml/2006/main" xmlns:r="http://schemas.openxmlformats.org/officeDocument/2006/relationships" xmlns:p="http://schemas.openxmlformats.org/presentationml/2006/main">
+  <p:cSld>
+    <p:spTree>
+      <p:nvGrpSpPr>
+        <p:cNvPr id="1" name=""/>
+        <p:cNvGrpSpPr/>
+        <p:nvPr/>
+      </p:nvGrpSpPr>
+      <p:grpSpPr>
+        <a:xfrm>
+          <a:off x="0" y="0"/>
+          <a:ext cx="0" cy="0"/>
+          <a:chOff x="0" y="0"/>
+          <a:chExt cx="0" cy="0"/>
+        </a:xfrm>
+      </p:grpSpPr>
+      <p:pic>
+        <p:nvPicPr>
+          <p:cNvPr id="14" name="Picture 13">
+            <a:extLst>
+              <a:ext uri="{FF2B5EF4-FFF2-40B4-BE49-F238E27FC236}">
+                <a16:creationId xmlns:a16="http://schemas.microsoft.com/office/drawing/2014/main" id="{6F32ABA3-796C-7223-D72E-6F38817314F5}"/>
+              </a:ext>
+            </a:extLst>
+          </p:cNvPr>
+          <p:cNvPicPr>
+            <a:picLocks noChangeAspect="1"/>
+          </p:cNvPicPr>
+          <p:nvPr/>
+        </p:nvPicPr>
+        <p:blipFill>
+          <a:blip r:embed="rId2"/>
+          <a:srcRect/>
+          <a:stretch/>
+        </p:blipFill>
+        <p:spPr>
+          <a:xfrm>
+            <a:off x="5456973" y="3717731"/>
+            <a:ext cx="3590740" cy="2711756"/>
+          </a:xfrm>
+          <a:prstGeom prst="rect">
+            <a:avLst/>
+          </a:prstGeom>
+        </p:spPr>
+      </p:pic>
+      <p:pic>
+        <p:nvPicPr>
+          <p:cNvPr id="11" name="Picture 10">
+            <a:extLst>
+              <a:ext uri="{FF2B5EF4-FFF2-40B4-BE49-F238E27FC236}">
+                <a16:creationId xmlns:a16="http://schemas.microsoft.com/office/drawing/2014/main" id="{892B0FAB-0099-311D-4701-F666597834E0}"/>
+              </a:ext>
+            </a:extLst>
+          </p:cNvPr>
+          <p:cNvPicPr>
+            <a:picLocks noChangeAspect="1"/>
+          </p:cNvPicPr>
+          <p:nvPr/>
+        </p:nvPicPr>
+        <p:blipFill>
+          <a:blip r:embed="rId3"/>
+          <a:stretch>
+            <a:fillRect/>
+          </a:stretch>
+        </p:blipFill>
+        <p:spPr>
+          <a:xfrm>
+            <a:off x="1058989" y="3459579"/>
+            <a:ext cx="3151146" cy="2873386"/>
+          </a:xfrm>
+          <a:prstGeom prst="rect">
+            <a:avLst/>
+          </a:prstGeom>
+        </p:spPr>
+      </p:pic>
+      <p:sp>
+        <p:nvSpPr>
+          <p:cNvPr id="3" name="Content Placeholder 2">
+            <a:extLst>
+              <a:ext uri="{FF2B5EF4-FFF2-40B4-BE49-F238E27FC236}">
+                <a16:creationId xmlns:a16="http://schemas.microsoft.com/office/drawing/2014/main" id="{EF8FD79E-D57B-6C48-5D16-CE8BFAAD23A3}"/>
+              </a:ext>
+            </a:extLst>
+          </p:cNvPr>
+          <p:cNvSpPr>
+            <a:spLocks noGrp="1"/>
+          </p:cNvSpPr>
+          <p:nvPr>
+            <p:ph idx="1"/>
+          </p:nvPr>
+        </p:nvSpPr>
+        <p:spPr>
+          <a:xfrm>
+            <a:off x="457200" y="1600201"/>
+            <a:ext cx="8229600" cy="2214052"/>
+          </a:xfrm>
+        </p:spPr>
+        <p:txBody>
+          <a:bodyPr/>
+          <a:lstStyle/>
+          <a:p>
+            <a:endParaRPr lang="en-SE" dirty="0"/>
+          </a:p>
+        </p:txBody>
+      </p:sp>
+      <p:pic>
+        <p:nvPicPr>
+          <p:cNvPr id="5" name="Picture 4">
+            <a:extLst>
+              <a:ext uri="{FF2B5EF4-FFF2-40B4-BE49-F238E27FC236}">
+                <a16:creationId xmlns:a16="http://schemas.microsoft.com/office/drawing/2014/main" id="{D8350048-8E02-5594-EDC7-B4F9F0865E07}"/>
+              </a:ext>
+            </a:extLst>
+          </p:cNvPr>
+          <p:cNvPicPr>
+            <a:picLocks noChangeAspect="1"/>
+          </p:cNvPicPr>
+          <p:nvPr/>
+        </p:nvPicPr>
+        <p:blipFill>
+          <a:blip r:embed="rId4"/>
+          <a:stretch>
+            <a:fillRect/>
+          </a:stretch>
+        </p:blipFill>
+        <p:spPr>
+          <a:xfrm>
+            <a:off x="304801" y="385252"/>
+            <a:ext cx="3470100" cy="2558867"/>
+          </a:xfrm>
+          <a:prstGeom prst="rect">
+            <a:avLst/>
+          </a:prstGeom>
+        </p:spPr>
+      </p:pic>
+      <p:pic>
+        <p:nvPicPr>
+          <p:cNvPr id="7" name="Picture 6">
+            <a:extLst>
+              <a:ext uri="{FF2B5EF4-FFF2-40B4-BE49-F238E27FC236}">
+                <a16:creationId xmlns:a16="http://schemas.microsoft.com/office/drawing/2014/main" id="{BE2E5162-04B3-F214-AEE1-6F0AF3597FF6}"/>
+              </a:ext>
+            </a:extLst>
+          </p:cNvPr>
+          <p:cNvPicPr>
+            <a:picLocks noChangeAspect="1"/>
+          </p:cNvPicPr>
+          <p:nvPr/>
+        </p:nvPicPr>
+        <p:blipFill>
+          <a:blip r:embed="rId5"/>
+          <a:stretch>
+            <a:fillRect/>
+          </a:stretch>
+        </p:blipFill>
+        <p:spPr>
+          <a:xfrm>
+            <a:off x="4896852" y="274638"/>
+            <a:ext cx="3470099" cy="3139613"/>
+          </a:xfrm>
+          <a:prstGeom prst="rect">
+            <a:avLst/>
+          </a:prstGeom>
+        </p:spPr>
+      </p:pic>
+      <p:sp>
+        <p:nvSpPr>
+          <p:cNvPr id="8" name="Arrow: Right 7">
+            <a:extLst>
+              <a:ext uri="{FF2B5EF4-FFF2-40B4-BE49-F238E27FC236}">
+                <a16:creationId xmlns:a16="http://schemas.microsoft.com/office/drawing/2014/main" id="{72776C62-D6E8-A103-4207-9F36C1E9C4A1}"/>
+              </a:ext>
+            </a:extLst>
+          </p:cNvPr>
+          <p:cNvSpPr/>
+          <p:nvPr/>
+        </p:nvSpPr>
+        <p:spPr>
+          <a:xfrm>
+            <a:off x="224403" y="5345046"/>
+            <a:ext cx="993644" cy="484632"/>
+          </a:xfrm>
+          <a:prstGeom prst="rightArrow">
+            <a:avLst/>
+          </a:prstGeom>
+        </p:spPr>
+        <p:style>
+          <a:lnRef idx="1">
+            <a:schemeClr val="accent1"/>
+          </a:lnRef>
+          <a:fillRef idx="3">
+            <a:schemeClr val="accent1"/>
+          </a:fillRef>
+          <a:effectRef idx="2">
+            <a:schemeClr val="accent1"/>
+          </a:effectRef>
+          <a:fontRef idx="minor">
+            <a:schemeClr val="lt1"/>
+          </a:fontRef>
+        </p:style>
+        <p:txBody>
+          <a:bodyPr rtlCol="0" anchor="ctr"/>
+          <a:lstStyle/>
+          <a:p>
+            <a:pPr algn="ctr"/>
+            <a:endParaRPr lang="en-SE" sz="2400"/>
+          </a:p>
+        </p:txBody>
+      </p:sp>
+      <p:sp>
+        <p:nvSpPr>
+          <p:cNvPr id="9" name="TextBox 8">
+            <a:extLst>
+              <a:ext uri="{FF2B5EF4-FFF2-40B4-BE49-F238E27FC236}">
+                <a16:creationId xmlns:a16="http://schemas.microsoft.com/office/drawing/2014/main" id="{FE5F53BB-2653-04C1-04C2-A3A1F21748BA}"/>
+              </a:ext>
+            </a:extLst>
+          </p:cNvPr>
+          <p:cNvSpPr txBox="1"/>
+          <p:nvPr/>
+        </p:nvSpPr>
+        <p:spPr>
+          <a:xfrm>
+            <a:off x="86453" y="4296108"/>
+            <a:ext cx="1799303" cy="1200329"/>
+          </a:xfrm>
+          <a:prstGeom prst="rect">
+            <a:avLst/>
+          </a:prstGeom>
+          <a:noFill/>
+        </p:spPr>
+        <p:txBody>
+          <a:bodyPr wrap="square" rtlCol="0">
+            <a:spAutoFit/>
+          </a:bodyPr>
+          <a:lstStyle/>
+          <a:p>
+            <a:r>
+              <a:rPr lang="en-GB" sz="2400" dirty="0"/>
+              <a:t>Case 1. </a:t>
+            </a:r>
+            <a:r>
+              <a:rPr lang="en-GB" sz="2400" dirty="0" err="1"/>
+              <a:t>Z.uncle</a:t>
+            </a:r>
+            <a:r>
+              <a:rPr lang="en-GB" sz="2400" dirty="0"/>
+              <a:t> = </a:t>
+            </a:r>
+            <a:r>
+              <a:rPr lang="en-GB" sz="2400" dirty="0">
+                <a:solidFill>
+                  <a:srgbClr val="FF0000"/>
+                </a:solidFill>
+              </a:rPr>
+              <a:t>red</a:t>
+            </a:r>
+          </a:p>
+          <a:p>
+            <a:r>
+              <a:rPr lang="en-GB" sz="2400" dirty="0" err="1"/>
+              <a:t>recolor</a:t>
+            </a:r>
+            <a:r>
+              <a:rPr lang="en-GB" sz="2400" dirty="0"/>
+              <a:t> </a:t>
+            </a:r>
+            <a:endParaRPr lang="en-SE" sz="2400" dirty="0"/>
+          </a:p>
+        </p:txBody>
+      </p:sp>
+      <p:sp>
+        <p:nvSpPr>
+          <p:cNvPr id="12" name="Arrow: Right 11">
+            <a:extLst>
+              <a:ext uri="{FF2B5EF4-FFF2-40B4-BE49-F238E27FC236}">
+                <a16:creationId xmlns:a16="http://schemas.microsoft.com/office/drawing/2014/main" id="{5C4409BC-B89C-6844-02D6-768768D2A164}"/>
+              </a:ext>
+            </a:extLst>
+          </p:cNvPr>
+          <p:cNvSpPr/>
+          <p:nvPr/>
+        </p:nvSpPr>
+        <p:spPr>
+          <a:xfrm>
+            <a:off x="3927300" y="2032209"/>
+            <a:ext cx="993644" cy="484632"/>
+          </a:xfrm>
+          <a:prstGeom prst="rightArrow">
+            <a:avLst/>
+          </a:prstGeom>
+        </p:spPr>
+        <p:style>
+          <a:lnRef idx="1">
+            <a:schemeClr val="accent1"/>
+          </a:lnRef>
+          <a:fillRef idx="3">
+            <a:schemeClr val="accent1"/>
+          </a:fillRef>
+          <a:effectRef idx="2">
+            <a:schemeClr val="accent1"/>
+          </a:effectRef>
+          <a:fontRef idx="minor">
+            <a:schemeClr val="lt1"/>
+          </a:fontRef>
+        </p:style>
+        <p:txBody>
+          <a:bodyPr rtlCol="0" anchor="ctr"/>
+          <a:lstStyle/>
+          <a:p>
+            <a:pPr algn="ctr"/>
+            <a:endParaRPr lang="en-SE" sz="2400"/>
+          </a:p>
+        </p:txBody>
+      </p:sp>
+      <p:sp>
+        <p:nvSpPr>
+          <p:cNvPr id="13" name="TextBox 12">
+            <a:extLst>
+              <a:ext uri="{FF2B5EF4-FFF2-40B4-BE49-F238E27FC236}">
+                <a16:creationId xmlns:a16="http://schemas.microsoft.com/office/drawing/2014/main" id="{595B9A4D-B995-F89D-178E-71E5C6B0947F}"/>
+              </a:ext>
+            </a:extLst>
+          </p:cNvPr>
+          <p:cNvSpPr txBox="1"/>
+          <p:nvPr/>
+        </p:nvSpPr>
+        <p:spPr>
+          <a:xfrm>
+            <a:off x="3795315" y="1687307"/>
+            <a:ext cx="1281120" cy="461665"/>
+          </a:xfrm>
+          <a:prstGeom prst="rect">
+            <a:avLst/>
+          </a:prstGeom>
+          <a:noFill/>
+        </p:spPr>
+        <p:txBody>
+          <a:bodyPr wrap="none" rtlCol="0">
+            <a:spAutoFit/>
+          </a:bodyPr>
+          <a:lstStyle/>
+          <a:p>
+            <a:r>
+              <a:rPr lang="en-GB" sz="2400" dirty="0"/>
+              <a:t>insert 10</a:t>
+            </a:r>
+            <a:endParaRPr lang="en-SE" sz="2400" dirty="0"/>
+          </a:p>
+        </p:txBody>
+      </p:sp>
+      <p:sp>
+        <p:nvSpPr>
+          <p:cNvPr id="15" name="Arrow: Right 14">
+            <a:extLst>
+              <a:ext uri="{FF2B5EF4-FFF2-40B4-BE49-F238E27FC236}">
+                <a16:creationId xmlns:a16="http://schemas.microsoft.com/office/drawing/2014/main" id="{34091109-3205-1DF9-8B38-D258EBA89378}"/>
+              </a:ext>
+            </a:extLst>
+          </p:cNvPr>
+          <p:cNvSpPr/>
+          <p:nvPr/>
+        </p:nvSpPr>
+        <p:spPr>
+          <a:xfrm>
+            <a:off x="4526499" y="5414407"/>
+            <a:ext cx="993644" cy="484632"/>
+          </a:xfrm>
+          <a:prstGeom prst="rightArrow">
+            <a:avLst/>
+          </a:prstGeom>
+        </p:spPr>
+        <p:style>
+          <a:lnRef idx="1">
+            <a:schemeClr val="accent1"/>
+          </a:lnRef>
+          <a:fillRef idx="3">
+            <a:schemeClr val="accent1"/>
+          </a:fillRef>
+          <a:effectRef idx="2">
+            <a:schemeClr val="accent1"/>
+          </a:effectRef>
+          <a:fontRef idx="minor">
+            <a:schemeClr val="lt1"/>
+          </a:fontRef>
+        </p:style>
+        <p:txBody>
+          <a:bodyPr rtlCol="0" anchor="ctr"/>
+          <a:lstStyle/>
+          <a:p>
+            <a:pPr algn="ctr"/>
+            <a:endParaRPr lang="en-SE" sz="2400"/>
+          </a:p>
+        </p:txBody>
+      </p:sp>
+      <p:sp>
+        <p:nvSpPr>
+          <p:cNvPr id="16" name="TextBox 15">
+            <a:extLst>
+              <a:ext uri="{FF2B5EF4-FFF2-40B4-BE49-F238E27FC236}">
+                <a16:creationId xmlns:a16="http://schemas.microsoft.com/office/drawing/2014/main" id="{8743DD0C-0833-3ADC-AF89-66532AB6C21A}"/>
+              </a:ext>
+            </a:extLst>
+          </p:cNvPr>
+          <p:cNvSpPr txBox="1"/>
+          <p:nvPr/>
+        </p:nvSpPr>
+        <p:spPr>
+          <a:xfrm>
+            <a:off x="4210135" y="3656198"/>
+            <a:ext cx="1669555" cy="1938992"/>
+          </a:xfrm>
+          <a:prstGeom prst="rect">
+            <a:avLst/>
+          </a:prstGeom>
+          <a:noFill/>
+        </p:spPr>
+        <p:txBody>
+          <a:bodyPr wrap="square" rtlCol="0">
+            <a:spAutoFit/>
+          </a:bodyPr>
+          <a:lstStyle/>
+          <a:p>
+            <a:r>
+              <a:rPr lang="en-GB" sz="2400" dirty="0"/>
+              <a:t>Case 2. </a:t>
+            </a:r>
+            <a:r>
+              <a:rPr lang="en-GB" sz="2400" dirty="0" err="1"/>
+              <a:t>Z.uncle</a:t>
+            </a:r>
+            <a:r>
+              <a:rPr lang="en-GB" sz="2400" dirty="0"/>
+              <a:t> = black</a:t>
+            </a:r>
+          </a:p>
+          <a:p>
+            <a:r>
+              <a:rPr lang="en-GB" sz="2400" dirty="0"/>
+              <a:t>right rotate on 15</a:t>
+            </a:r>
+            <a:endParaRPr lang="en-SE" sz="2400" dirty="0"/>
+          </a:p>
+        </p:txBody>
+      </p:sp>
+      <p:sp>
+        <p:nvSpPr>
+          <p:cNvPr id="18" name="TextBox 17">
+            <a:extLst>
+              <a:ext uri="{FF2B5EF4-FFF2-40B4-BE49-F238E27FC236}">
+                <a16:creationId xmlns:a16="http://schemas.microsoft.com/office/drawing/2014/main" id="{E8C736D6-0212-79B6-EE58-FD4362464623}"/>
+              </a:ext>
+            </a:extLst>
+          </p:cNvPr>
+          <p:cNvSpPr txBox="1"/>
+          <p:nvPr/>
+        </p:nvSpPr>
+        <p:spPr>
+          <a:xfrm>
+            <a:off x="2521985" y="4711606"/>
+            <a:ext cx="297426" cy="369332"/>
+          </a:xfrm>
+          <a:prstGeom prst="rect">
+            <a:avLst/>
+          </a:prstGeom>
+          <a:noFill/>
+        </p:spPr>
+        <p:txBody>
+          <a:bodyPr wrap="square">
+            <a:spAutoFit/>
+          </a:bodyPr>
+          <a:lstStyle/>
+          <a:p>
+            <a:r>
+              <a:rPr lang="en-GB" dirty="0"/>
+              <a:t>Z</a:t>
+            </a:r>
+            <a:endParaRPr lang="en-SE" dirty="0"/>
+          </a:p>
+        </p:txBody>
+      </p:sp>
+      <p:sp>
+        <p:nvSpPr>
+          <p:cNvPr id="19" name="TextBox 18">
+            <a:extLst>
+              <a:ext uri="{FF2B5EF4-FFF2-40B4-BE49-F238E27FC236}">
+                <a16:creationId xmlns:a16="http://schemas.microsoft.com/office/drawing/2014/main" id="{E1BB84DB-2C24-3C77-846C-0DAD05DF8FCD}"/>
+              </a:ext>
+            </a:extLst>
+          </p:cNvPr>
+          <p:cNvSpPr txBox="1"/>
+          <p:nvPr/>
+        </p:nvSpPr>
+        <p:spPr>
+          <a:xfrm>
+            <a:off x="1481171" y="4111442"/>
+            <a:ext cx="869491" cy="369332"/>
+          </a:xfrm>
+          <a:prstGeom prst="rect">
+            <a:avLst/>
+          </a:prstGeom>
+          <a:noFill/>
+        </p:spPr>
+        <p:txBody>
+          <a:bodyPr wrap="square">
+            <a:spAutoFit/>
+          </a:bodyPr>
+          <a:lstStyle/>
+          <a:p>
+            <a:r>
+              <a:rPr lang="en-GB" dirty="0" err="1"/>
+              <a:t>Z.uncle</a:t>
+            </a:r>
+            <a:endParaRPr lang="en-SE" dirty="0"/>
+          </a:p>
+        </p:txBody>
+      </p:sp>
+      <p:sp>
+        <p:nvSpPr>
+          <p:cNvPr id="22" name="TextBox 21">
+            <a:extLst>
+              <a:ext uri="{FF2B5EF4-FFF2-40B4-BE49-F238E27FC236}">
+                <a16:creationId xmlns:a16="http://schemas.microsoft.com/office/drawing/2014/main" id="{833BAE2F-1D4B-962D-358B-A87FAA6E1DCE}"/>
+              </a:ext>
+            </a:extLst>
+          </p:cNvPr>
+          <p:cNvSpPr txBox="1"/>
+          <p:nvPr/>
+        </p:nvSpPr>
+        <p:spPr>
+          <a:xfrm>
+            <a:off x="6631901" y="2759453"/>
+            <a:ext cx="869491" cy="369332"/>
+          </a:xfrm>
+          <a:prstGeom prst="rect">
+            <a:avLst/>
+          </a:prstGeom>
+          <a:noFill/>
+        </p:spPr>
+        <p:txBody>
+          <a:bodyPr wrap="square">
+            <a:spAutoFit/>
+          </a:bodyPr>
+          <a:lstStyle/>
+          <a:p>
+            <a:r>
+              <a:rPr lang="en-GB" dirty="0" err="1"/>
+              <a:t>Z.uncle</a:t>
+            </a:r>
+            <a:endParaRPr lang="en-SE" dirty="0"/>
+          </a:p>
+        </p:txBody>
+      </p:sp>
+      <p:sp>
+        <p:nvSpPr>
+          <p:cNvPr id="23" name="TextBox 22">
+            <a:extLst>
+              <a:ext uri="{FF2B5EF4-FFF2-40B4-BE49-F238E27FC236}">
+                <a16:creationId xmlns:a16="http://schemas.microsoft.com/office/drawing/2014/main" id="{F1876323-7348-7F76-157C-38ADC3F22A06}"/>
+              </a:ext>
+            </a:extLst>
+          </p:cNvPr>
+          <p:cNvSpPr txBox="1"/>
+          <p:nvPr/>
+        </p:nvSpPr>
+        <p:spPr>
+          <a:xfrm>
+            <a:off x="5786295" y="3154586"/>
+            <a:ext cx="297426" cy="369332"/>
+          </a:xfrm>
+          <a:prstGeom prst="rect">
+            <a:avLst/>
+          </a:prstGeom>
+          <a:noFill/>
+        </p:spPr>
+        <p:txBody>
+          <a:bodyPr wrap="square">
+            <a:spAutoFit/>
+          </a:bodyPr>
+          <a:lstStyle/>
+          <a:p>
+            <a:r>
+              <a:rPr lang="en-GB" dirty="0"/>
+              <a:t>Z</a:t>
+            </a:r>
+            <a:endParaRPr lang="en-SE" dirty="0"/>
+          </a:p>
+        </p:txBody>
+      </p:sp>
+      <p:sp>
+        <p:nvSpPr>
+          <p:cNvPr id="24" name="Title 1">
+            <a:extLst>
+              <a:ext uri="{FF2B5EF4-FFF2-40B4-BE49-F238E27FC236}">
+                <a16:creationId xmlns:a16="http://schemas.microsoft.com/office/drawing/2014/main" id="{CC34313F-F628-E420-FBC0-57664F0A466C}"/>
+              </a:ext>
+            </a:extLst>
+          </p:cNvPr>
+          <p:cNvSpPr txBox="1">
+            <a:spLocks/>
+          </p:cNvSpPr>
+          <p:nvPr/>
+        </p:nvSpPr>
+        <p:spPr>
+          <a:xfrm>
+            <a:off x="2275976" y="-251744"/>
+            <a:ext cx="3317700" cy="1143000"/>
+          </a:xfrm>
+          <a:prstGeom prst="rect">
+            <a:avLst/>
+          </a:prstGeom>
+        </p:spPr>
+        <p:txBody>
+          <a:bodyPr vert="horz" lIns="91440" tIns="45720" rIns="91440" bIns="45720" rtlCol="0" anchor="ctr">
+            <a:normAutofit/>
+          </a:bodyPr>
+          <a:lstStyle>
+            <a:lvl1pPr algn="ctr" defTabSz="457200" rtl="0" eaLnBrk="1" latinLnBrk="0" hangingPunct="1">
+              <a:spcBef>
+                <a:spcPct val="0"/>
+              </a:spcBef>
+              <a:buNone/>
+              <a:defRPr sz="3600" kern="1200">
+                <a:solidFill>
+                  <a:schemeClr val="accent1"/>
+                </a:solidFill>
+                <a:latin typeface="Helvetica"/>
+                <a:ea typeface="+mj-ea"/>
+                <a:cs typeface="Helvetica"/>
+              </a:defRPr>
+            </a:lvl1pPr>
+          </a:lstStyle>
+          <a:p>
+            <a:r>
+              <a:rPr lang="en-GB" dirty="0"/>
+              <a:t>Example 2</a:t>
+            </a:r>
+            <a:endParaRPr lang="en-SE" dirty="0"/>
+          </a:p>
+        </p:txBody>
+      </p:sp>
+      <p:sp>
+        <p:nvSpPr>
+          <p:cNvPr id="25" name="TextBox 24">
+            <a:extLst>
+              <a:ext uri="{FF2B5EF4-FFF2-40B4-BE49-F238E27FC236}">
+                <a16:creationId xmlns:a16="http://schemas.microsoft.com/office/drawing/2014/main" id="{8464F0C0-9FDC-2994-F0DA-18CB96030672}"/>
+              </a:ext>
+            </a:extLst>
+          </p:cNvPr>
+          <p:cNvSpPr txBox="1"/>
+          <p:nvPr/>
+        </p:nvSpPr>
+        <p:spPr>
+          <a:xfrm>
+            <a:off x="8220540" y="4627648"/>
+            <a:ext cx="297426" cy="369332"/>
+          </a:xfrm>
+          <a:prstGeom prst="rect">
+            <a:avLst/>
+          </a:prstGeom>
+          <a:noFill/>
+        </p:spPr>
+        <p:txBody>
+          <a:bodyPr wrap="square">
+            <a:spAutoFit/>
+          </a:bodyPr>
+          <a:lstStyle/>
+          <a:p>
+            <a:r>
+              <a:rPr lang="en-GB" dirty="0"/>
+              <a:t>Z</a:t>
+            </a:r>
+            <a:endParaRPr lang="en-SE" dirty="0"/>
+          </a:p>
+        </p:txBody>
+      </p:sp>
+      <p:sp>
+        <p:nvSpPr>
+          <p:cNvPr id="28" name="TextBox 27">
+            <a:extLst>
+              <a:ext uri="{FF2B5EF4-FFF2-40B4-BE49-F238E27FC236}">
+                <a16:creationId xmlns:a16="http://schemas.microsoft.com/office/drawing/2014/main" id="{709B0EA1-A5F4-59EC-8FBB-D85FEDC6935A}"/>
+              </a:ext>
+            </a:extLst>
+          </p:cNvPr>
+          <p:cNvSpPr txBox="1"/>
+          <p:nvPr/>
+        </p:nvSpPr>
+        <p:spPr>
+          <a:xfrm>
+            <a:off x="5879690" y="4288037"/>
+            <a:ext cx="869491" cy="369332"/>
+          </a:xfrm>
+          <a:prstGeom prst="rect">
+            <a:avLst/>
+          </a:prstGeom>
+          <a:noFill/>
+        </p:spPr>
+        <p:txBody>
+          <a:bodyPr wrap="square">
+            <a:spAutoFit/>
+          </a:bodyPr>
+          <a:lstStyle/>
+          <a:p>
+            <a:r>
+              <a:rPr lang="en-GB" dirty="0" err="1"/>
+              <a:t>Z.uncle</a:t>
+            </a:r>
+            <a:endParaRPr lang="en-SE" dirty="0"/>
+          </a:p>
+        </p:txBody>
+      </p:sp>
+    </p:spTree>
+    <p:extLst>
+      <p:ext uri="{BB962C8B-B14F-4D97-AF65-F5344CB8AC3E}">
+        <p14:creationId xmlns:p14="http://schemas.microsoft.com/office/powerpoint/2010/main" val="3305834215"/>
+      </p:ext>
+    </p:extLst>
+  </p:cSld>
+  <p:clrMapOvr>
+    <a:masterClrMapping/>
+  </p:clrMapOvr>
+</p:sld>
+</file>
+
+<file path=ppt/slides/slide19.xml><?xml version="1.0" encoding="utf-8"?>
+<p:sld xmlns:a="http://schemas.openxmlformats.org/drawingml/2006/main" xmlns:r="http://schemas.openxmlformats.org/officeDocument/2006/relationships" xmlns:p="http://schemas.openxmlformats.org/presentationml/2006/main">
+  <p:cSld>
+    <p:spTree>
+      <p:nvGrpSpPr>
+        <p:cNvPr id="1" name=""/>
+        <p:cNvGrpSpPr/>
+        <p:nvPr/>
+      </p:nvGrpSpPr>
+      <p:grpSpPr>
+        <a:xfrm>
+          <a:off x="0" y="0"/>
+          <a:ext cx="0" cy="0"/>
+          <a:chOff x="0" y="0"/>
+          <a:chExt cx="0" cy="0"/>
+        </a:xfrm>
+      </p:grpSpPr>
+      <p:sp>
+        <p:nvSpPr>
+          <p:cNvPr id="2" name="Title 1">
+            <a:extLst>
+              <a:ext uri="{FF2B5EF4-FFF2-40B4-BE49-F238E27FC236}">
+                <a16:creationId xmlns:a16="http://schemas.microsoft.com/office/drawing/2014/main" id="{97473D06-C2E0-F86B-9A58-360D3DF6B67F}"/>
+              </a:ext>
+            </a:extLst>
+          </p:cNvPr>
+          <p:cNvSpPr>
+            <a:spLocks noGrp="1"/>
+          </p:cNvSpPr>
+          <p:nvPr>
+            <p:ph type="title"/>
+          </p:nvPr>
+        </p:nvSpPr>
+        <p:spPr/>
+        <p:txBody>
+          <a:bodyPr>
+            <a:normAutofit/>
+          </a:bodyPr>
+          <a:lstStyle/>
+          <a:p>
+            <a:r>
+              <a:rPr lang="en-GB" dirty="0"/>
+              <a:t>Example 2 </a:t>
+            </a:r>
+            <a:r>
+              <a:rPr lang="en-GB" dirty="0" err="1"/>
+              <a:t>Con’t</a:t>
+            </a:r>
+            <a:endParaRPr lang="en-SE" dirty="0"/>
+          </a:p>
+        </p:txBody>
+      </p:sp>
+      <p:sp>
+        <p:nvSpPr>
+          <p:cNvPr id="3" name="Content Placeholder 2">
+            <a:extLst>
+              <a:ext uri="{FF2B5EF4-FFF2-40B4-BE49-F238E27FC236}">
+                <a16:creationId xmlns:a16="http://schemas.microsoft.com/office/drawing/2014/main" id="{F155A4FE-7BB8-541F-BD39-79BD9204B105}"/>
+              </a:ext>
+            </a:extLst>
+          </p:cNvPr>
+          <p:cNvSpPr>
+            <a:spLocks noGrp="1"/>
+          </p:cNvSpPr>
+          <p:nvPr>
+            <p:ph idx="1"/>
+          </p:nvPr>
+        </p:nvSpPr>
+        <p:spPr/>
+        <p:txBody>
+          <a:bodyPr/>
+          <a:lstStyle/>
+          <a:p>
+            <a:endParaRPr lang="en-SE"/>
+          </a:p>
+        </p:txBody>
+      </p:sp>
+      <p:pic>
+        <p:nvPicPr>
+          <p:cNvPr id="4" name="Picture 3">
+            <a:extLst>
+              <a:ext uri="{FF2B5EF4-FFF2-40B4-BE49-F238E27FC236}">
+                <a16:creationId xmlns:a16="http://schemas.microsoft.com/office/drawing/2014/main" id="{27A6170B-EE56-2E53-CCA3-F4F34DCAAE14}"/>
+              </a:ext>
+            </a:extLst>
+          </p:cNvPr>
+          <p:cNvPicPr>
+            <a:picLocks noChangeAspect="1"/>
+          </p:cNvPicPr>
+          <p:nvPr/>
+        </p:nvPicPr>
+        <p:blipFill>
+          <a:blip r:embed="rId2"/>
+          <a:srcRect/>
+          <a:stretch/>
+        </p:blipFill>
+        <p:spPr>
+          <a:xfrm>
+            <a:off x="272181" y="2353186"/>
+            <a:ext cx="3590740" cy="2711756"/>
+          </a:xfrm>
+          <a:prstGeom prst="rect">
+            <a:avLst/>
+          </a:prstGeom>
+        </p:spPr>
+      </p:pic>
+      <p:sp>
+        <p:nvSpPr>
+          <p:cNvPr id="7" name="TextBox 6">
+            <a:extLst>
+              <a:ext uri="{FF2B5EF4-FFF2-40B4-BE49-F238E27FC236}">
+                <a16:creationId xmlns:a16="http://schemas.microsoft.com/office/drawing/2014/main" id="{D6D2E3D5-C86A-CA33-431C-2733F2E85EF7}"/>
+              </a:ext>
+            </a:extLst>
+          </p:cNvPr>
+          <p:cNvSpPr txBox="1"/>
+          <p:nvPr/>
+        </p:nvSpPr>
+        <p:spPr>
+          <a:xfrm>
+            <a:off x="3035748" y="3263103"/>
+            <a:ext cx="297426" cy="369332"/>
+          </a:xfrm>
+          <a:prstGeom prst="rect">
+            <a:avLst/>
+          </a:prstGeom>
+          <a:noFill/>
+        </p:spPr>
+        <p:txBody>
+          <a:bodyPr wrap="square">
+            <a:spAutoFit/>
+          </a:bodyPr>
+          <a:lstStyle/>
+          <a:p>
+            <a:r>
+              <a:rPr lang="en-GB" dirty="0"/>
+              <a:t>Z</a:t>
+            </a:r>
+            <a:endParaRPr lang="en-SE" dirty="0"/>
+          </a:p>
+        </p:txBody>
+      </p:sp>
+      <p:sp>
+        <p:nvSpPr>
+          <p:cNvPr id="8" name="TextBox 7">
+            <a:extLst>
+              <a:ext uri="{FF2B5EF4-FFF2-40B4-BE49-F238E27FC236}">
+                <a16:creationId xmlns:a16="http://schemas.microsoft.com/office/drawing/2014/main" id="{970DB451-1101-9B73-7393-E01217DFEBCF}"/>
+              </a:ext>
+            </a:extLst>
+          </p:cNvPr>
+          <p:cNvSpPr txBox="1"/>
+          <p:nvPr/>
+        </p:nvSpPr>
+        <p:spPr>
+          <a:xfrm>
+            <a:off x="694898" y="2923492"/>
+            <a:ext cx="869491" cy="369332"/>
+          </a:xfrm>
+          <a:prstGeom prst="rect">
+            <a:avLst/>
+          </a:prstGeom>
+          <a:noFill/>
+        </p:spPr>
+        <p:txBody>
+          <a:bodyPr wrap="square">
+            <a:spAutoFit/>
+          </a:bodyPr>
+          <a:lstStyle/>
+          <a:p>
+            <a:r>
+              <a:rPr lang="en-GB" dirty="0" err="1"/>
+              <a:t>Z.uncle</a:t>
+            </a:r>
+            <a:endParaRPr lang="en-SE" dirty="0"/>
+          </a:p>
+        </p:txBody>
+      </p:sp>
+      <p:sp>
+        <p:nvSpPr>
+          <p:cNvPr id="11" name="Arrow: Right 10">
+            <a:extLst>
+              <a:ext uri="{FF2B5EF4-FFF2-40B4-BE49-F238E27FC236}">
+                <a16:creationId xmlns:a16="http://schemas.microsoft.com/office/drawing/2014/main" id="{F5838CA9-C463-78FE-16C5-7D7A2A4E9B79}"/>
+              </a:ext>
+            </a:extLst>
+          </p:cNvPr>
+          <p:cNvSpPr/>
+          <p:nvPr/>
+        </p:nvSpPr>
+        <p:spPr>
+          <a:xfrm>
+            <a:off x="4037969" y="4195691"/>
+            <a:ext cx="993644" cy="484632"/>
+          </a:xfrm>
+          <a:prstGeom prst="rightArrow">
+            <a:avLst/>
+          </a:prstGeom>
+        </p:spPr>
+        <p:style>
+          <a:lnRef idx="1">
+            <a:schemeClr val="accent1"/>
+          </a:lnRef>
+          <a:fillRef idx="3">
+            <a:schemeClr val="accent1"/>
+          </a:fillRef>
+          <a:effectRef idx="2">
+            <a:schemeClr val="accent1"/>
+          </a:effectRef>
+          <a:fontRef idx="minor">
+            <a:schemeClr val="lt1"/>
+          </a:fontRef>
+        </p:style>
+        <p:txBody>
+          <a:bodyPr rtlCol="0" anchor="ctr"/>
+          <a:lstStyle/>
+          <a:p>
+            <a:pPr algn="ctr"/>
+            <a:endParaRPr lang="en-SE" sz="2400"/>
+          </a:p>
+        </p:txBody>
+      </p:sp>
+      <p:sp>
+        <p:nvSpPr>
+          <p:cNvPr id="12" name="TextBox 11">
+            <a:extLst>
+              <a:ext uri="{FF2B5EF4-FFF2-40B4-BE49-F238E27FC236}">
+                <a16:creationId xmlns:a16="http://schemas.microsoft.com/office/drawing/2014/main" id="{7E37C1EE-5E48-1DDD-80ED-D90DA1A06BC5}"/>
+              </a:ext>
+            </a:extLst>
+          </p:cNvPr>
+          <p:cNvSpPr txBox="1"/>
+          <p:nvPr/>
+        </p:nvSpPr>
+        <p:spPr>
+          <a:xfrm>
+            <a:off x="3763823" y="2083892"/>
+            <a:ext cx="1669555" cy="2308324"/>
+          </a:xfrm>
+          <a:prstGeom prst="rect">
+            <a:avLst/>
+          </a:prstGeom>
+          <a:noFill/>
+        </p:spPr>
+        <p:txBody>
+          <a:bodyPr wrap="square" rtlCol="0">
+            <a:spAutoFit/>
+          </a:bodyPr>
+          <a:lstStyle/>
+          <a:p>
+            <a:r>
+              <a:rPr lang="en-GB" sz="2400" dirty="0"/>
+              <a:t>Case 2. </a:t>
+            </a:r>
+            <a:r>
+              <a:rPr lang="en-GB" sz="2400" dirty="0" err="1"/>
+              <a:t>Z.uncle</a:t>
+            </a:r>
+            <a:r>
+              <a:rPr lang="en-GB" sz="2400" dirty="0"/>
+              <a:t> = black</a:t>
+            </a:r>
+          </a:p>
+          <a:p>
+            <a:r>
+              <a:rPr lang="en-GB" sz="2400" dirty="0"/>
+              <a:t>left rotate on 8 &amp; </a:t>
+            </a:r>
+            <a:r>
+              <a:rPr lang="en-GB" sz="2400" dirty="0" err="1"/>
+              <a:t>recolor</a:t>
+            </a:r>
+            <a:endParaRPr lang="en-SE" sz="2400" dirty="0"/>
+          </a:p>
+        </p:txBody>
+      </p:sp>
+      <p:pic>
+        <p:nvPicPr>
+          <p:cNvPr id="14" name="Picture 13">
+            <a:extLst>
+              <a:ext uri="{FF2B5EF4-FFF2-40B4-BE49-F238E27FC236}">
+                <a16:creationId xmlns:a16="http://schemas.microsoft.com/office/drawing/2014/main" id="{E72F3960-2177-7003-B9A3-03D5B5535ABC}"/>
+              </a:ext>
+            </a:extLst>
+          </p:cNvPr>
+          <p:cNvPicPr>
+            <a:picLocks noChangeAspect="1"/>
+          </p:cNvPicPr>
+          <p:nvPr/>
+        </p:nvPicPr>
+        <p:blipFill>
+          <a:blip r:embed="rId3"/>
+          <a:stretch>
+            <a:fillRect/>
+          </a:stretch>
+        </p:blipFill>
+        <p:spPr>
+          <a:xfrm>
+            <a:off x="5334280" y="2418895"/>
+            <a:ext cx="3489248" cy="2427080"/>
+          </a:xfrm>
+          <a:prstGeom prst="rect">
+            <a:avLst/>
+          </a:prstGeom>
+        </p:spPr>
+      </p:pic>
+    </p:spTree>
+    <p:extLst>
+      <p:ext uri="{BB962C8B-B14F-4D97-AF65-F5344CB8AC3E}">
+        <p14:creationId xmlns:p14="http://schemas.microsoft.com/office/powerpoint/2010/main" val="3490110440"/>
       </p:ext>
     </p:extLst>
   </p:cSld>
@@ -6852,6 +7693,747 @@
 </p:sld>
 </file>
 
+<file path=ppt/slides/slide20.xml><?xml version="1.0" encoding="utf-8"?>
+<p:sld xmlns:a="http://schemas.openxmlformats.org/drawingml/2006/main" xmlns:r="http://schemas.openxmlformats.org/officeDocument/2006/relationships" xmlns:p="http://schemas.openxmlformats.org/presentationml/2006/main">
+  <p:cSld>
+    <p:spTree>
+      <p:nvGrpSpPr>
+        <p:cNvPr id="1" name=""/>
+        <p:cNvGrpSpPr/>
+        <p:nvPr/>
+      </p:nvGrpSpPr>
+      <p:grpSpPr>
+        <a:xfrm>
+          <a:off x="0" y="0"/>
+          <a:ext cx="0" cy="0"/>
+          <a:chOff x="0" y="0"/>
+          <a:chExt cx="0" cy="0"/>
+        </a:xfrm>
+      </p:grpSpPr>
+      <p:sp>
+        <p:nvSpPr>
+          <p:cNvPr id="2" name="Title 1">
+            <a:extLst>
+              <a:ext uri="{FF2B5EF4-FFF2-40B4-BE49-F238E27FC236}">
+                <a16:creationId xmlns:a16="http://schemas.microsoft.com/office/drawing/2014/main" id="{3B97C924-B8FD-5B49-633B-08C70B2F5CDA}"/>
+              </a:ext>
+            </a:extLst>
+          </p:cNvPr>
+          <p:cNvSpPr>
+            <a:spLocks noGrp="1"/>
+          </p:cNvSpPr>
+          <p:nvPr>
+            <p:ph type="title"/>
+          </p:nvPr>
+        </p:nvSpPr>
+        <p:spPr/>
+        <p:txBody>
+          <a:bodyPr/>
+          <a:lstStyle/>
+          <a:p>
+            <a:r>
+              <a:rPr lang="en-GB" dirty="0"/>
+              <a:t>Another Example</a:t>
+            </a:r>
+            <a:endParaRPr lang="en-SE" dirty="0"/>
+          </a:p>
+        </p:txBody>
+      </p:sp>
+      <p:sp>
+        <p:nvSpPr>
+          <p:cNvPr id="3" name="Content Placeholder 2">
+            <a:extLst>
+              <a:ext uri="{FF2B5EF4-FFF2-40B4-BE49-F238E27FC236}">
+                <a16:creationId xmlns:a16="http://schemas.microsoft.com/office/drawing/2014/main" id="{D121DE93-6C77-E0C7-F409-E97ED136442C}"/>
+              </a:ext>
+            </a:extLst>
+          </p:cNvPr>
+          <p:cNvSpPr>
+            <a:spLocks noGrp="1"/>
+          </p:cNvSpPr>
+          <p:nvPr>
+            <p:ph idx="1"/>
+          </p:nvPr>
+        </p:nvSpPr>
+        <p:spPr/>
+        <p:txBody>
+          <a:bodyPr/>
+          <a:lstStyle/>
+          <a:p>
+            <a:endParaRPr lang="en-SE"/>
+          </a:p>
+        </p:txBody>
+      </p:sp>
+      <p:pic>
+        <p:nvPicPr>
+          <p:cNvPr id="5" name="Picture 4">
+            <a:extLst>
+              <a:ext uri="{FF2B5EF4-FFF2-40B4-BE49-F238E27FC236}">
+                <a16:creationId xmlns:a16="http://schemas.microsoft.com/office/drawing/2014/main" id="{31DCD213-D662-E271-1E0B-84130C648A64}"/>
+              </a:ext>
+            </a:extLst>
+          </p:cNvPr>
+          <p:cNvPicPr>
+            <a:picLocks noChangeAspect="1"/>
+          </p:cNvPicPr>
+          <p:nvPr/>
+        </p:nvPicPr>
+        <p:blipFill>
+          <a:blip r:embed="rId2"/>
+          <a:stretch>
+            <a:fillRect/>
+          </a:stretch>
+        </p:blipFill>
+        <p:spPr>
+          <a:xfrm>
+            <a:off x="0" y="1289047"/>
+            <a:ext cx="9144000" cy="4837116"/>
+          </a:xfrm>
+          <a:prstGeom prst="rect">
+            <a:avLst/>
+          </a:prstGeom>
+        </p:spPr>
+      </p:pic>
+      <p:sp>
+        <p:nvSpPr>
+          <p:cNvPr id="6" name="TextBox 5">
+            <a:extLst>
+              <a:ext uri="{FF2B5EF4-FFF2-40B4-BE49-F238E27FC236}">
+                <a16:creationId xmlns:a16="http://schemas.microsoft.com/office/drawing/2014/main" id="{E5CB9F29-8E61-1717-FA68-E063E9A9958B}"/>
+              </a:ext>
+            </a:extLst>
+          </p:cNvPr>
+          <p:cNvSpPr txBox="1"/>
+          <p:nvPr/>
+        </p:nvSpPr>
+        <p:spPr>
+          <a:xfrm>
+            <a:off x="2728469" y="6182766"/>
+            <a:ext cx="4331094" cy="584775"/>
+          </a:xfrm>
+          <a:prstGeom prst="rect">
+            <a:avLst/>
+          </a:prstGeom>
+          <a:ln w="12700"/>
+        </p:spPr>
+        <p:style>
+          <a:lnRef idx="2">
+            <a:schemeClr val="accent2"/>
+          </a:lnRef>
+          <a:fillRef idx="1">
+            <a:schemeClr val="lt1"/>
+          </a:fillRef>
+          <a:effectRef idx="0">
+            <a:schemeClr val="accent2"/>
+          </a:effectRef>
+          <a:fontRef idx="minor">
+            <a:schemeClr val="dk1"/>
+          </a:fontRef>
+        </p:style>
+        <p:txBody>
+          <a:bodyPr wrap="square">
+            <a:spAutoFit/>
+          </a:bodyPr>
+          <a:lstStyle/>
+          <a:p>
+            <a:r>
+              <a:rPr lang="en-GB" sz="1600" dirty="0"/>
+              <a:t>Red Black Tree – Insertion</a:t>
+            </a:r>
+          </a:p>
+          <a:p>
+            <a:r>
+              <a:rPr lang="en-GB" sz="1600" dirty="0">
+                <a:hlinkClick r:id="rId3"/>
+              </a:rPr>
+              <a:t>https://www.youtube.com/watch?v=9ubIKipLpRU</a:t>
+            </a:r>
+            <a:r>
+              <a:rPr lang="en-GB" sz="1600" dirty="0"/>
+              <a:t>  </a:t>
+            </a:r>
+          </a:p>
+        </p:txBody>
+      </p:sp>
+    </p:spTree>
+    <p:extLst>
+      <p:ext uri="{BB962C8B-B14F-4D97-AF65-F5344CB8AC3E}">
+        <p14:creationId xmlns:p14="http://schemas.microsoft.com/office/powerpoint/2010/main" val="1225420176"/>
+      </p:ext>
+    </p:extLst>
+  </p:cSld>
+  <p:clrMapOvr>
+    <a:masterClrMapping/>
+  </p:clrMapOvr>
+</p:sld>
+</file>
+
+<file path=ppt/slides/slide21.xml><?xml version="1.0" encoding="utf-8"?>
+<p:sld xmlns:a="http://schemas.openxmlformats.org/drawingml/2006/main" xmlns:r="http://schemas.openxmlformats.org/officeDocument/2006/relationships" xmlns:p="http://schemas.openxmlformats.org/presentationml/2006/main">
+  <p:cSld>
+    <p:spTree>
+      <p:nvGrpSpPr>
+        <p:cNvPr id="1" name=""/>
+        <p:cNvGrpSpPr/>
+        <p:nvPr/>
+      </p:nvGrpSpPr>
+      <p:grpSpPr>
+        <a:xfrm>
+          <a:off x="0" y="0"/>
+          <a:ext cx="0" cy="0"/>
+          <a:chOff x="0" y="0"/>
+          <a:chExt cx="0" cy="0"/>
+        </a:xfrm>
+      </p:grpSpPr>
+      <p:sp>
+        <p:nvSpPr>
+          <p:cNvPr id="2" name="Title 1">
+            <a:extLst>
+              <a:ext uri="{FF2B5EF4-FFF2-40B4-BE49-F238E27FC236}">
+                <a16:creationId xmlns:a16="http://schemas.microsoft.com/office/drawing/2014/main" id="{C5682CF7-9E14-7B9F-65E8-72D4D69608E7}"/>
+              </a:ext>
+            </a:extLst>
+          </p:cNvPr>
+          <p:cNvSpPr>
+            <a:spLocks noGrp="1"/>
+          </p:cNvSpPr>
+          <p:nvPr>
+            <p:ph type="title"/>
+          </p:nvPr>
+        </p:nvSpPr>
+        <p:spPr/>
+        <p:txBody>
+          <a:bodyPr>
+            <a:normAutofit/>
+          </a:bodyPr>
+          <a:lstStyle/>
+          <a:p>
+            <a:r>
+              <a:rPr lang="en-GB" dirty="0"/>
+              <a:t>Time Complexity</a:t>
+            </a:r>
+            <a:endParaRPr lang="en-SE" dirty="0"/>
+          </a:p>
+        </p:txBody>
+      </p:sp>
+      <p:sp>
+        <p:nvSpPr>
+          <p:cNvPr id="3" name="Content Placeholder 2">
+            <a:extLst>
+              <a:ext uri="{FF2B5EF4-FFF2-40B4-BE49-F238E27FC236}">
+                <a16:creationId xmlns:a16="http://schemas.microsoft.com/office/drawing/2014/main" id="{FBBBD6D3-070C-593D-B602-E4B863528A96}"/>
+              </a:ext>
+            </a:extLst>
+          </p:cNvPr>
+          <p:cNvSpPr>
+            <a:spLocks noGrp="1"/>
+          </p:cNvSpPr>
+          <p:nvPr>
+            <p:ph idx="1"/>
+          </p:nvPr>
+        </p:nvSpPr>
+        <p:spPr/>
+        <p:txBody>
+          <a:bodyPr>
+            <a:normAutofit/>
+          </a:bodyPr>
+          <a:lstStyle/>
+          <a:p>
+            <a:r>
+              <a:rPr lang="en-GB" sz="2800" dirty="0"/>
+              <a:t>1. Insert : O(log(n))</a:t>
+            </a:r>
+          </a:p>
+          <a:p>
+            <a:pPr lvl="1"/>
+            <a:r>
+              <a:rPr lang="en-GB" sz="2400" dirty="0"/>
+              <a:t>maximum height of red-black trees</a:t>
+            </a:r>
+          </a:p>
+          <a:p>
+            <a:r>
+              <a:rPr lang="en-GB" sz="2800" dirty="0"/>
+              <a:t>2. </a:t>
+            </a:r>
+            <a:r>
+              <a:rPr lang="en-GB" sz="2800" dirty="0" err="1"/>
+              <a:t>Color</a:t>
+            </a:r>
+            <a:r>
+              <a:rPr lang="en-GB" sz="2800" dirty="0"/>
+              <a:t> red : O(1)</a:t>
+            </a:r>
+          </a:p>
+          <a:p>
+            <a:r>
+              <a:rPr lang="en-GB" sz="2800" dirty="0"/>
+              <a:t>3. Fix violations :</a:t>
+            </a:r>
+          </a:p>
+          <a:p>
+            <a:pPr lvl="1"/>
+            <a:r>
+              <a:rPr lang="en-GB" sz="2400" dirty="0"/>
+              <a:t>Constant # of:</a:t>
+            </a:r>
+          </a:p>
+          <a:p>
+            <a:pPr lvl="1"/>
+            <a:r>
+              <a:rPr lang="en-GB" sz="2400" dirty="0"/>
+              <a:t>a. Recolor : O(1)</a:t>
+            </a:r>
+          </a:p>
+          <a:p>
+            <a:pPr lvl="1"/>
+            <a:r>
+              <a:rPr lang="en-GB" sz="2400" dirty="0"/>
+              <a:t>b. Rotation: O(1)</a:t>
+            </a:r>
+          </a:p>
+          <a:p>
+            <a:r>
+              <a:rPr lang="en-GB" sz="2800" dirty="0"/>
+              <a:t>Overall time complexity: O(log(n))</a:t>
+            </a:r>
+          </a:p>
+        </p:txBody>
+      </p:sp>
+    </p:spTree>
+    <p:extLst>
+      <p:ext uri="{BB962C8B-B14F-4D97-AF65-F5344CB8AC3E}">
+        <p14:creationId xmlns:p14="http://schemas.microsoft.com/office/powerpoint/2010/main" val="1077355346"/>
+      </p:ext>
+    </p:extLst>
+  </p:cSld>
+  <p:clrMapOvr>
+    <a:masterClrMapping/>
+  </p:clrMapOvr>
+</p:sld>
+</file>
+
+<file path=ppt/slides/slide22.xml><?xml version="1.0" encoding="utf-8"?>
+<p:sld xmlns:a="http://schemas.openxmlformats.org/drawingml/2006/main" xmlns:r="http://schemas.openxmlformats.org/officeDocument/2006/relationships" xmlns:p="http://schemas.openxmlformats.org/presentationml/2006/main">
+  <p:cSld>
+    <p:spTree>
+      <p:nvGrpSpPr>
+        <p:cNvPr id="1" name=""/>
+        <p:cNvGrpSpPr/>
+        <p:nvPr/>
+      </p:nvGrpSpPr>
+      <p:grpSpPr>
+        <a:xfrm>
+          <a:off x="0" y="0"/>
+          <a:ext cx="0" cy="0"/>
+          <a:chOff x="0" y="0"/>
+          <a:chExt cx="0" cy="0"/>
+        </a:xfrm>
+      </p:grpSpPr>
+      <p:sp>
+        <p:nvSpPr>
+          <p:cNvPr id="2" name="Title 1">
+            <a:extLst>
+              <a:ext uri="{FF2B5EF4-FFF2-40B4-BE49-F238E27FC236}">
+                <a16:creationId xmlns:a16="http://schemas.microsoft.com/office/drawing/2014/main" id="{000CECD5-61A1-6D40-BE5D-625D0A368D48}"/>
+              </a:ext>
+            </a:extLst>
+          </p:cNvPr>
+          <p:cNvSpPr>
+            <a:spLocks noGrp="1"/>
+          </p:cNvSpPr>
+          <p:nvPr>
+            <p:ph type="title"/>
+          </p:nvPr>
+        </p:nvSpPr>
+        <p:spPr/>
+        <p:txBody>
+          <a:bodyPr/>
+          <a:lstStyle/>
+          <a:p>
+            <a:r>
+              <a:rPr lang="en-US" dirty="0"/>
+              <a:t>Applications</a:t>
+            </a:r>
+          </a:p>
+        </p:txBody>
+      </p:sp>
+      <p:sp>
+        <p:nvSpPr>
+          <p:cNvPr id="3" name="Content Placeholder 2">
+            <a:extLst>
+              <a:ext uri="{FF2B5EF4-FFF2-40B4-BE49-F238E27FC236}">
+                <a16:creationId xmlns:a16="http://schemas.microsoft.com/office/drawing/2014/main" id="{091D04F6-1217-3D42-B410-F1BB5AFFC8DD}"/>
+              </a:ext>
+            </a:extLst>
+          </p:cNvPr>
+          <p:cNvSpPr>
+            <a:spLocks noGrp="1"/>
+          </p:cNvSpPr>
+          <p:nvPr>
+            <p:ph idx="1"/>
+          </p:nvPr>
+        </p:nvSpPr>
+        <p:spPr>
+          <a:xfrm>
+            <a:off x="155196" y="1417638"/>
+            <a:ext cx="9114639" cy="4892879"/>
+          </a:xfrm>
+        </p:spPr>
+        <p:txBody>
+          <a:bodyPr>
+            <a:normAutofit/>
+          </a:bodyPr>
+          <a:lstStyle/>
+          <a:p>
+            <a:pPr>
+              <a:lnSpc>
+                <a:spcPct val="110000"/>
+              </a:lnSpc>
+              <a:spcBef>
+                <a:spcPts val="100"/>
+              </a:spcBef>
+              <a:spcAft>
+                <a:spcPts val="100"/>
+              </a:spcAft>
+            </a:pPr>
+            <a:r>
+              <a:rPr lang="en-US" dirty="0">
+                <a:solidFill>
+                  <a:schemeClr val="accent1"/>
+                </a:solidFill>
+                <a:latin typeface="Times New Roman" panose="02020603050405020304" pitchFamily="18" charset="0"/>
+                <a:cs typeface="Times New Roman" panose="02020603050405020304" pitchFamily="18" charset="0"/>
+              </a:rPr>
+              <a:t>Red–black trees are widely used as system symbol tables. </a:t>
+            </a:r>
+            <a:endParaRPr lang="en-US" altLang="zh-CN" dirty="0">
+              <a:solidFill>
+                <a:schemeClr val="accent1"/>
+              </a:solidFill>
+              <a:latin typeface="Times New Roman" panose="02020603050405020304" pitchFamily="18" charset="0"/>
+              <a:cs typeface="Times New Roman" panose="02020603050405020304" pitchFamily="18" charset="0"/>
+            </a:endParaRPr>
+          </a:p>
+          <a:p>
+            <a:pPr lvl="1">
+              <a:lnSpc>
+                <a:spcPct val="110000"/>
+              </a:lnSpc>
+              <a:spcBef>
+                <a:spcPts val="100"/>
+              </a:spcBef>
+              <a:spcAft>
+                <a:spcPts val="100"/>
+              </a:spcAft>
+            </a:pPr>
+            <a:r>
+              <a:rPr lang="en-US" dirty="0">
+                <a:latin typeface="Times New Roman" panose="02020603050405020304" pitchFamily="18" charset="0"/>
+                <a:cs typeface="Times New Roman" panose="02020603050405020304" pitchFamily="18" charset="0"/>
+              </a:rPr>
+              <a:t>Java: </a:t>
+            </a:r>
+            <a:r>
+              <a:rPr lang="en-US" sz="1700" dirty="0" err="1">
+                <a:latin typeface="Times New Roman" panose="02020603050405020304" pitchFamily="18" charset="0"/>
+                <a:cs typeface="Times New Roman" panose="02020603050405020304" pitchFamily="18" charset="0"/>
+              </a:rPr>
+              <a:t>java.util.TreeMap</a:t>
+            </a:r>
+            <a:r>
+              <a:rPr lang="en-US" sz="1700" dirty="0">
+                <a:latin typeface="Times New Roman" panose="02020603050405020304" pitchFamily="18" charset="0"/>
+                <a:cs typeface="Times New Roman" panose="02020603050405020304" pitchFamily="18" charset="0"/>
+              </a:rPr>
+              <a:t>, </a:t>
+            </a:r>
+            <a:r>
+              <a:rPr lang="en-US" sz="1700" dirty="0" err="1">
+                <a:latin typeface="Times New Roman" panose="02020603050405020304" pitchFamily="18" charset="0"/>
+                <a:cs typeface="Times New Roman" panose="02020603050405020304" pitchFamily="18" charset="0"/>
+              </a:rPr>
+              <a:t>java.util.TreeSet</a:t>
+            </a:r>
+            <a:r>
+              <a:rPr lang="en-US" dirty="0">
+                <a:latin typeface="Times New Roman" panose="02020603050405020304" pitchFamily="18" charset="0"/>
+                <a:cs typeface="Times New Roman" panose="02020603050405020304" pitchFamily="18" charset="0"/>
+              </a:rPr>
+              <a:t>. </a:t>
+            </a:r>
+            <a:endParaRPr lang="en-US" altLang="zh-CN" dirty="0">
+              <a:latin typeface="Times New Roman" panose="02020603050405020304" pitchFamily="18" charset="0"/>
+              <a:cs typeface="Times New Roman" panose="02020603050405020304" pitchFamily="18" charset="0"/>
+            </a:endParaRPr>
+          </a:p>
+          <a:p>
+            <a:pPr lvl="1">
+              <a:lnSpc>
+                <a:spcPct val="110000"/>
+              </a:lnSpc>
+              <a:spcBef>
+                <a:spcPts val="100"/>
+              </a:spcBef>
+              <a:spcAft>
+                <a:spcPts val="100"/>
+              </a:spcAft>
+            </a:pPr>
+            <a:r>
+              <a:rPr lang="en-US" dirty="0">
+                <a:latin typeface="Times New Roman" panose="02020603050405020304" pitchFamily="18" charset="0"/>
+                <a:cs typeface="Times New Roman" panose="02020603050405020304" pitchFamily="18" charset="0"/>
+              </a:rPr>
+              <a:t>C++ STL: map, multimap, multiset. </a:t>
+            </a:r>
+            <a:endParaRPr lang="en-US" altLang="zh-CN" dirty="0">
+              <a:latin typeface="Times New Roman" panose="02020603050405020304" pitchFamily="18" charset="0"/>
+              <a:cs typeface="Times New Roman" panose="02020603050405020304" pitchFamily="18" charset="0"/>
+            </a:endParaRPr>
+          </a:p>
+          <a:p>
+            <a:pPr lvl="1">
+              <a:lnSpc>
+                <a:spcPct val="110000"/>
+              </a:lnSpc>
+              <a:spcBef>
+                <a:spcPts val="100"/>
+              </a:spcBef>
+              <a:spcAft>
+                <a:spcPts val="100"/>
+              </a:spcAft>
+            </a:pPr>
+            <a:r>
+              <a:rPr lang="en-US" dirty="0">
+                <a:latin typeface="Times New Roman" panose="02020603050405020304" pitchFamily="18" charset="0"/>
+                <a:cs typeface="Times New Roman" panose="02020603050405020304" pitchFamily="18" charset="0"/>
+              </a:rPr>
+              <a:t>Linux kernel: completely fair scheduler, </a:t>
+            </a:r>
+            <a:r>
+              <a:rPr lang="en-US" sz="1700" dirty="0" err="1">
+                <a:latin typeface="Times New Roman" panose="02020603050405020304" pitchFamily="18" charset="0"/>
+                <a:cs typeface="Times New Roman" panose="02020603050405020304" pitchFamily="18" charset="0"/>
+              </a:rPr>
+              <a:t>linux</a:t>
+            </a:r>
+            <a:r>
+              <a:rPr lang="en-US" sz="1700" dirty="0">
+                <a:latin typeface="Times New Roman" panose="02020603050405020304" pitchFamily="18" charset="0"/>
+                <a:cs typeface="Times New Roman" panose="02020603050405020304" pitchFamily="18" charset="0"/>
+              </a:rPr>
+              <a:t>/</a:t>
+            </a:r>
+            <a:r>
+              <a:rPr lang="en-US" sz="1700" dirty="0" err="1">
+                <a:latin typeface="Times New Roman" panose="02020603050405020304" pitchFamily="18" charset="0"/>
+                <a:cs typeface="Times New Roman" panose="02020603050405020304" pitchFamily="18" charset="0"/>
+              </a:rPr>
+              <a:t>rbtree.h</a:t>
+            </a:r>
+            <a:r>
+              <a:rPr lang="en-US" dirty="0">
+                <a:latin typeface="Times New Roman" panose="02020603050405020304" pitchFamily="18" charset="0"/>
+                <a:cs typeface="Times New Roman" panose="02020603050405020304" pitchFamily="18" charset="0"/>
+              </a:rPr>
+              <a:t>. </a:t>
+            </a:r>
+            <a:endParaRPr lang="en-US" altLang="zh-CN" dirty="0">
+              <a:latin typeface="Times New Roman" panose="02020603050405020304" pitchFamily="18" charset="0"/>
+              <a:cs typeface="Times New Roman" panose="02020603050405020304" pitchFamily="18" charset="0"/>
+            </a:endParaRPr>
+          </a:p>
+          <a:p>
+            <a:pPr lvl="1">
+              <a:lnSpc>
+                <a:spcPct val="110000"/>
+              </a:lnSpc>
+              <a:spcBef>
+                <a:spcPts val="100"/>
+              </a:spcBef>
+              <a:spcAft>
+                <a:spcPts val="100"/>
+              </a:spcAft>
+            </a:pPr>
+            <a:r>
+              <a:rPr lang="en-US" dirty="0">
+                <a:latin typeface="Times New Roman" panose="02020603050405020304" pitchFamily="18" charset="0"/>
+                <a:cs typeface="Times New Roman" panose="02020603050405020304" pitchFamily="18" charset="0"/>
+              </a:rPr>
+              <a:t>Emacs: conservative stack scanning. </a:t>
+            </a:r>
+          </a:p>
+        </p:txBody>
+      </p:sp>
+    </p:spTree>
+    <p:extLst>
+      <p:ext uri="{BB962C8B-B14F-4D97-AF65-F5344CB8AC3E}">
+        <p14:creationId xmlns:p14="http://schemas.microsoft.com/office/powerpoint/2010/main" val="523422879"/>
+      </p:ext>
+    </p:extLst>
+  </p:cSld>
+  <p:clrMapOvr>
+    <a:masterClrMapping/>
+  </p:clrMapOvr>
+</p:sld>
+</file>
+
+<file path=ppt/slides/slide23.xml><?xml version="1.0" encoding="utf-8"?>
+<p:sld xmlns:a="http://schemas.openxmlformats.org/drawingml/2006/main" xmlns:r="http://schemas.openxmlformats.org/officeDocument/2006/relationships" xmlns:p="http://schemas.openxmlformats.org/presentationml/2006/main">
+  <p:cSld>
+    <p:spTree>
+      <p:nvGrpSpPr>
+        <p:cNvPr id="1" name=""/>
+        <p:cNvGrpSpPr/>
+        <p:nvPr/>
+      </p:nvGrpSpPr>
+      <p:grpSpPr>
+        <a:xfrm>
+          <a:off x="0" y="0"/>
+          <a:ext cx="0" cy="0"/>
+          <a:chOff x="0" y="0"/>
+          <a:chExt cx="0" cy="0"/>
+        </a:xfrm>
+      </p:grpSpPr>
+      <p:sp>
+        <p:nvSpPr>
+          <p:cNvPr id="2" name="Title 1">
+            <a:extLst>
+              <a:ext uri="{FF2B5EF4-FFF2-40B4-BE49-F238E27FC236}">
+                <a16:creationId xmlns:a16="http://schemas.microsoft.com/office/drawing/2014/main" id="{290EA530-EC46-AB96-1199-9356A51FA28A}"/>
+              </a:ext>
+            </a:extLst>
+          </p:cNvPr>
+          <p:cNvSpPr>
+            <a:spLocks noGrp="1"/>
+          </p:cNvSpPr>
+          <p:nvPr>
+            <p:ph type="title"/>
+          </p:nvPr>
+        </p:nvSpPr>
+        <p:spPr/>
+        <p:txBody>
+          <a:bodyPr/>
+          <a:lstStyle/>
+          <a:p>
+            <a:r>
+              <a:rPr lang="en-GB" dirty="0"/>
+              <a:t>Video Tutorials</a:t>
+            </a:r>
+            <a:endParaRPr lang="en-SE" dirty="0"/>
+          </a:p>
+        </p:txBody>
+      </p:sp>
+      <p:sp>
+        <p:nvSpPr>
+          <p:cNvPr id="3" name="Content Placeholder 2">
+            <a:extLst>
+              <a:ext uri="{FF2B5EF4-FFF2-40B4-BE49-F238E27FC236}">
+                <a16:creationId xmlns:a16="http://schemas.microsoft.com/office/drawing/2014/main" id="{B43286AA-898C-AFE2-2154-7256C3147C77}"/>
+              </a:ext>
+            </a:extLst>
+          </p:cNvPr>
+          <p:cNvSpPr>
+            <a:spLocks noGrp="1"/>
+          </p:cNvSpPr>
+          <p:nvPr>
+            <p:ph idx="1"/>
+          </p:nvPr>
+        </p:nvSpPr>
+        <p:spPr>
+          <a:xfrm>
+            <a:off x="457200" y="1600200"/>
+            <a:ext cx="8229600" cy="5084805"/>
+          </a:xfrm>
+        </p:spPr>
+        <p:txBody>
+          <a:bodyPr/>
+          <a:lstStyle/>
+          <a:p>
+            <a:r>
+              <a:rPr lang="en-GB" dirty="0"/>
+              <a:t>Red-Black Trees // Michael </a:t>
+            </a:r>
+            <a:r>
+              <a:rPr lang="en-GB" dirty="0" err="1"/>
+              <a:t>Sambol</a:t>
+            </a:r>
+            <a:endParaRPr lang="en-GB" dirty="0"/>
+          </a:p>
+          <a:p>
+            <a:pPr lvl="1"/>
+            <a:r>
+              <a:rPr lang="en-GB" dirty="0">
+                <a:hlinkClick r:id="rId2"/>
+              </a:rPr>
+              <a:t>https://www.youtube.com/playlist?list=PL9xmBV_5YoZNqDI8qfOZgzbqahCUmUEin</a:t>
+            </a:r>
+            <a:r>
+              <a:rPr lang="en-GB" dirty="0"/>
+              <a:t> </a:t>
+            </a:r>
+          </a:p>
+          <a:p>
+            <a:pPr lvl="1"/>
+            <a:r>
+              <a:rPr lang="en-GB" dirty="0"/>
+              <a:t>Lecture slides based in this video series</a:t>
+            </a:r>
+          </a:p>
+          <a:p>
+            <a:r>
+              <a:rPr lang="en-GB" dirty="0"/>
+              <a:t>Red Black Tree – Insertion</a:t>
+            </a:r>
+          </a:p>
+          <a:p>
+            <a:pPr lvl="1"/>
+            <a:r>
+              <a:rPr lang="en-GB" dirty="0">
+                <a:hlinkClick r:id="rId3"/>
+              </a:rPr>
+              <a:t>https://www.youtube.com/watch?v=9ubIKipLpRU</a:t>
+            </a:r>
+            <a:r>
+              <a:rPr lang="en-GB" dirty="0"/>
+              <a:t> </a:t>
+            </a:r>
+          </a:p>
+          <a:p>
+            <a:r>
+              <a:rPr lang="en-GB" dirty="0"/>
+              <a:t>https://www.geeksforgeeks.org/introduction-to-red-black-tree/</a:t>
+            </a:r>
+          </a:p>
+          <a:p>
+            <a:pPr lvl="1"/>
+            <a:r>
+              <a:rPr lang="en-GB" dirty="0">
+                <a:hlinkClick r:id="rId4"/>
+              </a:rPr>
+              <a:t>https://www.geeksforgeeks.org/introduction-to-red-black-tree/</a:t>
+            </a:r>
+            <a:r>
+              <a:rPr lang="en-GB" dirty="0"/>
+              <a:t> </a:t>
+            </a:r>
+            <a:endParaRPr lang="en-SE" dirty="0"/>
+          </a:p>
+        </p:txBody>
+      </p:sp>
+    </p:spTree>
+    <p:extLst>
+      <p:ext uri="{BB962C8B-B14F-4D97-AF65-F5344CB8AC3E}">
+        <p14:creationId xmlns:p14="http://schemas.microsoft.com/office/powerpoint/2010/main" val="4083943532"/>
+      </p:ext>
+    </p:extLst>
+  </p:cSld>
+  <p:clrMapOvr>
+    <a:masterClrMapping/>
+  </p:clrMapOvr>
+</p:sld>
+</file>
+
 <file path=ppt/slides/slide3.xml><?xml version="1.0" encoding="utf-8"?>
 <p:sld xmlns:a="http://schemas.openxmlformats.org/drawingml/2006/main" xmlns:r="http://schemas.openxmlformats.org/officeDocument/2006/relationships" xmlns:p="http://schemas.openxmlformats.org/presentationml/2006/main">
   <p:cSld>
@@ -6918,8 +8500,8 @@
         </p:nvSpPr>
         <p:spPr>
           <a:xfrm>
-            <a:off x="457201" y="1258529"/>
-            <a:ext cx="4262284" cy="5427405"/>
+            <a:off x="81623" y="1258529"/>
+            <a:ext cx="4637862" cy="5427405"/>
           </a:xfrm>
         </p:spPr>
         <p:txBody>
@@ -6930,25 +8512,33 @@
           <a:p>
             <a:r>
               <a:rPr lang="en-GB" dirty="0"/>
-              <a:t>1. A node is either red or black.</a:t>
-            </a:r>
-          </a:p>
-          <a:p>
+              <a:t>1. Node </a:t>
+            </a:r>
+            <a:r>
+              <a:rPr lang="en-GB" dirty="0" err="1"/>
+              <a:t>Color</a:t>
+            </a:r>
             <a:r>
               <a:rPr lang="en-GB" dirty="0"/>
-              <a:t>2. The root and leaves (NIL) are black.</a:t>
+              <a:t>: A node is either red or black.</a:t>
             </a:r>
           </a:p>
           <a:p>
             <a:r>
               <a:rPr lang="en-GB" dirty="0"/>
-              <a:t>3. If a node is red, then its children are black.</a:t>
+              <a:t>2. Root Property: The root and leaves (NIL) are black.</a:t>
             </a:r>
           </a:p>
           <a:p>
             <a:r>
               <a:rPr lang="en-GB" dirty="0"/>
-              <a:t>4. All paths from a node to its NIL descendants contain the same number of black nodes.</a:t>
+              <a:t>3. Red Property: If a node is red, then its children are black.</a:t>
+            </a:r>
+          </a:p>
+          <a:p>
+            <a:r>
+              <a:rPr lang="en-GB" dirty="0"/>
+              <a:t>4. Black Property: All paths from a node to its NIL descendants contain the same number of black nodes.</a:t>
             </a:r>
           </a:p>
           <a:p>
@@ -6957,6 +8547,19 @@
               <a:rPr lang="en-GB" dirty="0"/>
               <a:t>Path length excludes root node itself</a:t>
             </a:r>
+            <a:r>
+              <a:rPr lang="en-US" dirty="0"/>
+              <a:t>,</a:t>
+            </a:r>
+            <a:r>
+              <a:rPr lang="zh-CN" altLang="en-US" dirty="0"/>
+              <a:t> </a:t>
+            </a:r>
+            <a:r>
+              <a:rPr lang="en-US" altLang="zh-CN" dirty="0"/>
+              <a:t>so here each path contains 1 black node</a:t>
+            </a:r>
+            <a:endParaRPr lang="en-GB" dirty="0"/>
           </a:p>
           <a:p>
             <a:endParaRPr lang="en-GB" sz="2800" dirty="0"/>
@@ -7027,7 +8630,7 @@
           <p:cNvPr id="2" name="Title 1">
             <a:extLst>
               <a:ext uri="{FF2B5EF4-FFF2-40B4-BE49-F238E27FC236}">
-                <a16:creationId xmlns:a16="http://schemas.microsoft.com/office/drawing/2014/main" id="{EC7E9E7B-9776-DA6F-C104-F8ECB682CEF1}"/>
+                <a16:creationId xmlns:a16="http://schemas.microsoft.com/office/drawing/2014/main" id="{84758525-6CA5-BC78-F5F5-7C0405F3BD03}"/>
               </a:ext>
             </a:extLst>
           </p:cNvPr>
@@ -7039,6 +8642,40 @@
           </p:nvPr>
         </p:nvSpPr>
         <p:spPr/>
+        <p:txBody>
+          <a:bodyPr/>
+          <a:lstStyle/>
+          <a:p>
+            <a:r>
+              <a:rPr lang="en-US" altLang="zh-CN" dirty="0"/>
+              <a:t>Example</a:t>
+            </a:r>
+            <a:endParaRPr lang="en-SE" dirty="0"/>
+          </a:p>
+        </p:txBody>
+      </p:sp>
+      <p:sp>
+        <p:nvSpPr>
+          <p:cNvPr id="3" name="Content Placeholder 2">
+            <a:extLst>
+              <a:ext uri="{FF2B5EF4-FFF2-40B4-BE49-F238E27FC236}">
+                <a16:creationId xmlns:a16="http://schemas.microsoft.com/office/drawing/2014/main" id="{DCB9FBB4-BCCA-675E-AD7F-2825A4097591}"/>
+              </a:ext>
+            </a:extLst>
+          </p:cNvPr>
+          <p:cNvSpPr>
+            <a:spLocks noGrp="1"/>
+          </p:cNvSpPr>
+          <p:nvPr>
+            <p:ph idx="1"/>
+          </p:nvPr>
+        </p:nvSpPr>
+        <p:spPr>
+          <a:xfrm>
+            <a:off x="1" y="1789367"/>
+            <a:ext cx="3296994" cy="4525963"/>
+          </a:xfrm>
+        </p:spPr>
         <p:txBody>
           <a:bodyPr>
             <a:normAutofit/>
@@ -7046,88 +8683,41 @@
           <a:lstStyle/>
           <a:p>
             <a:r>
+              <a:rPr lang="en-US" altLang="zh-CN" dirty="0"/>
+              <a:t>Tree on the left</a:t>
+            </a:r>
+            <a:r>
+              <a:rPr lang="en-GB" altLang="zh-CN" dirty="0"/>
+              <a:t>: </a:t>
+            </a:r>
+            <a:r>
               <a:rPr lang="en-GB" dirty="0"/>
-              <a:t>Additional Properties</a:t>
-            </a:r>
-            <a:endParaRPr lang="en-SE" dirty="0"/>
-          </a:p>
-        </p:txBody>
-      </p:sp>
-      <p:sp>
-        <p:nvSpPr>
-          <p:cNvPr id="3" name="Content Placeholder 2">
-            <a:extLst>
-              <a:ext uri="{FF2B5EF4-FFF2-40B4-BE49-F238E27FC236}">
-                <a16:creationId xmlns:a16="http://schemas.microsoft.com/office/drawing/2014/main" id="{C59CF67B-E104-ED9B-E649-C15F87F1838F}"/>
-              </a:ext>
-            </a:extLst>
-          </p:cNvPr>
-          <p:cNvSpPr>
-            <a:spLocks noGrp="1"/>
-          </p:cNvSpPr>
-          <p:nvPr>
-            <p:ph idx="1"/>
-          </p:nvPr>
-        </p:nvSpPr>
-        <p:spPr>
-          <a:xfrm>
-            <a:off x="457200" y="1600200"/>
-            <a:ext cx="4262285" cy="4613787"/>
-          </a:xfrm>
-        </p:spPr>
-        <p:txBody>
-          <a:bodyPr>
-            <a:normAutofit fontScale="92500" lnSpcReduction="10000"/>
-          </a:bodyPr>
-          <a:lstStyle/>
-          <a:p>
+              <a:t>Incorrect Red Black Tree.</a:t>
+            </a:r>
+          </a:p>
+          <a:p>
+            <a:pPr lvl="1"/>
             <a:r>
               <a:rPr lang="en-GB" dirty="0"/>
-              <a:t>Balanced search tree: the longest path (root to farthest NIL) is no more than twice the length of the shortest path (root to nearest NIL).</a:t>
+              <a:t>Two red nodes are adjacent to each other. </a:t>
             </a:r>
           </a:p>
           <a:p>
             <a:pPr lvl="1"/>
             <a:r>
               <a:rPr lang="en-GB" dirty="0"/>
-              <a:t>Shortest path: all black nodes (=2)</a:t>
-            </a:r>
-          </a:p>
-          <a:p>
-            <a:pPr lvl="1"/>
-            <a:r>
-              <a:rPr lang="en-GB" dirty="0"/>
-              <a:t>Longest path: alternating red and black (=4)</a:t>
-            </a:r>
-          </a:p>
-          <a:p>
-            <a:r>
-              <a:rPr lang="en-GB" dirty="0"/>
-              <a:t>Operations: search, insert, remove, each with time complexity O(log(n)).</a:t>
-            </a:r>
-          </a:p>
-          <a:p>
-            <a:pPr lvl="1"/>
-            <a:r>
-              <a:rPr lang="en-GB" dirty="0"/>
-              <a:t>Insert and remove may result in violation of red-black tree properties, use rotations to fix it</a:t>
-            </a:r>
-          </a:p>
-          <a:p>
-            <a:pPr lvl="1"/>
-            <a:endParaRPr lang="en-GB" dirty="0"/>
-          </a:p>
-          <a:p>
+              <a:t>One of the paths to a leaf node has zero black nodes, whereas the other two paths contain 1 black node each.</a:t>
+            </a:r>
             <a:endParaRPr lang="en-SE" dirty="0"/>
           </a:p>
         </p:txBody>
       </p:sp>
       <p:pic>
         <p:nvPicPr>
-          <p:cNvPr id="4" name="Picture 3">
-            <a:extLst>
-              <a:ext uri="{FF2B5EF4-FFF2-40B4-BE49-F238E27FC236}">
-                <a16:creationId xmlns:a16="http://schemas.microsoft.com/office/drawing/2014/main" id="{5532C267-B707-7F38-D2CE-FCA65A5C4EB8}"/>
+          <p:cNvPr id="5" name="Picture 4">
+            <a:extLst>
+              <a:ext uri="{FF2B5EF4-FFF2-40B4-BE49-F238E27FC236}">
+                <a16:creationId xmlns:a16="http://schemas.microsoft.com/office/drawing/2014/main" id="{DBACBE9F-061B-C6A7-39F6-A122E4F82ADA}"/>
               </a:ext>
             </a:extLst>
           </p:cNvPr>
@@ -7138,13 +8728,14 @@
         </p:nvPicPr>
         <p:blipFill>
           <a:blip r:embed="rId2"/>
-          <a:srcRect/>
-          <a:stretch/>
+          <a:stretch>
+            <a:fillRect/>
+          </a:stretch>
         </p:blipFill>
         <p:spPr>
           <a:xfrm>
-            <a:off x="4730624" y="2072073"/>
-            <a:ext cx="4331753" cy="3370747"/>
+            <a:off x="3296994" y="1772161"/>
+            <a:ext cx="5847006" cy="4182039"/>
           </a:xfrm>
           <a:prstGeom prst="rect">
             <a:avLst/>
@@ -7154,13 +8745,157 @@
     </p:spTree>
     <p:extLst>
       <p:ext uri="{BB962C8B-B14F-4D97-AF65-F5344CB8AC3E}">
-        <p14:creationId xmlns:p14="http://schemas.microsoft.com/office/powerpoint/2010/main" val="3547036899"/>
+        <p14:creationId xmlns:p14="http://schemas.microsoft.com/office/powerpoint/2010/main" val="564510866"/>
       </p:ext>
     </p:extLst>
   </p:cSld>
   <p:clrMapOvr>
     <a:masterClrMapping/>
   </p:clrMapOvr>
+  <p:timing>
+    <p:tnLst>
+      <p:par>
+        <p:cTn id="1" dur="indefinite" restart="never" nodeType="tmRoot">
+          <p:childTnLst>
+            <p:seq concurrent="1" nextAc="seek">
+              <p:cTn id="2" dur="indefinite" nodeType="mainSeq">
+                <p:childTnLst>
+                  <p:par>
+                    <p:cTn id="3" fill="hold">
+                      <p:stCondLst>
+                        <p:cond delay="indefinite"/>
+                      </p:stCondLst>
+                      <p:childTnLst>
+                        <p:par>
+                          <p:cTn id="4" fill="hold">
+                            <p:stCondLst>
+                              <p:cond delay="0"/>
+                            </p:stCondLst>
+                            <p:childTnLst>
+                              <p:par>
+                                <p:cTn id="5" presetID="1" presetClass="entr" presetSubtype="0" fill="hold" grpId="0" nodeType="clickEffect">
+                                  <p:stCondLst>
+                                    <p:cond delay="0"/>
+                                  </p:stCondLst>
+                                  <p:childTnLst>
+                                    <p:set>
+                                      <p:cBhvr>
+                                        <p:cTn id="6" dur="1" fill="hold">
+                                          <p:stCondLst>
+                                            <p:cond delay="0"/>
+                                          </p:stCondLst>
+                                        </p:cTn>
+                                        <p:tgtEl>
+                                          <p:spTgt spid="3">
+                                            <p:txEl>
+                                              <p:pRg st="0" end="0"/>
+                                            </p:txEl>
+                                          </p:spTgt>
+                                        </p:tgtEl>
+                                        <p:attrNameLst>
+                                          <p:attrName>style.visibility</p:attrName>
+                                        </p:attrNameLst>
+                                      </p:cBhvr>
+                                      <p:to>
+                                        <p:strVal val="visible"/>
+                                      </p:to>
+                                    </p:set>
+                                  </p:childTnLst>
+                                </p:cTn>
+                              </p:par>
+                              <p:par>
+                                <p:cTn id="7" presetID="1" presetClass="entr" presetSubtype="0" fill="hold" grpId="0" nodeType="withEffect">
+                                  <p:stCondLst>
+                                    <p:cond delay="0"/>
+                                  </p:stCondLst>
+                                  <p:childTnLst>
+                                    <p:set>
+                                      <p:cBhvr>
+                                        <p:cTn id="8" dur="1" fill="hold">
+                                          <p:stCondLst>
+                                            <p:cond delay="0"/>
+                                          </p:stCondLst>
+                                        </p:cTn>
+                                        <p:tgtEl>
+                                          <p:spTgt spid="3">
+                                            <p:txEl>
+                                              <p:pRg st="1" end="1"/>
+                                            </p:txEl>
+                                          </p:spTgt>
+                                        </p:tgtEl>
+                                        <p:attrNameLst>
+                                          <p:attrName>style.visibility</p:attrName>
+                                        </p:attrNameLst>
+                                      </p:cBhvr>
+                                      <p:to>
+                                        <p:strVal val="visible"/>
+                                      </p:to>
+                                    </p:set>
+                                  </p:childTnLst>
+                                </p:cTn>
+                              </p:par>
+                              <p:par>
+                                <p:cTn id="9" presetID="1" presetClass="entr" presetSubtype="0" fill="hold" grpId="0" nodeType="withEffect">
+                                  <p:stCondLst>
+                                    <p:cond delay="0"/>
+                                  </p:stCondLst>
+                                  <p:childTnLst>
+                                    <p:set>
+                                      <p:cBhvr>
+                                        <p:cTn id="10" dur="1" fill="hold">
+                                          <p:stCondLst>
+                                            <p:cond delay="0"/>
+                                          </p:stCondLst>
+                                        </p:cTn>
+                                        <p:tgtEl>
+                                          <p:spTgt spid="3">
+                                            <p:txEl>
+                                              <p:pRg st="2" end="2"/>
+                                            </p:txEl>
+                                          </p:spTgt>
+                                        </p:tgtEl>
+                                        <p:attrNameLst>
+                                          <p:attrName>style.visibility</p:attrName>
+                                        </p:attrNameLst>
+                                      </p:cBhvr>
+                                      <p:to>
+                                        <p:strVal val="visible"/>
+                                      </p:to>
+                                    </p:set>
+                                  </p:childTnLst>
+                                </p:cTn>
+                              </p:par>
+                            </p:childTnLst>
+                          </p:cTn>
+                        </p:par>
+                      </p:childTnLst>
+                    </p:cTn>
+                  </p:par>
+                </p:childTnLst>
+              </p:cTn>
+              <p:prevCondLst>
+                <p:cond evt="onPrev" delay="0">
+                  <p:tgtEl>
+                    <p:sldTgt/>
+                  </p:tgtEl>
+                </p:cond>
+              </p:prevCondLst>
+              <p:nextCondLst>
+                <p:cond evt="onNext" delay="0">
+                  <p:tgtEl>
+                    <p:sldTgt/>
+                  </p:tgtEl>
+                </p:cond>
+              </p:nextCondLst>
+            </p:seq>
+          </p:childTnLst>
+        </p:cTn>
+      </p:par>
+    </p:tnLst>
+    <p:bldLst>
+      <p:bldP spid="3" grpId="0" build="p"/>
+    </p:bldLst>
+  </p:timing>
 </p:sld>
 </file>
 
@@ -7186,7 +8921,7 @@
           <p:cNvPr id="2" name="Title 1">
             <a:extLst>
               <a:ext uri="{FF2B5EF4-FFF2-40B4-BE49-F238E27FC236}">
-                <a16:creationId xmlns:a16="http://schemas.microsoft.com/office/drawing/2014/main" id="{F9B8C4BC-6C37-C8A7-FDD1-1162419CEA1D}"/>
+                <a16:creationId xmlns:a16="http://schemas.microsoft.com/office/drawing/2014/main" id="{BB0F82B0-B4BF-61F6-C9E0-67D47CF4C280}"/>
               </a:ext>
             </a:extLst>
           </p:cNvPr>
@@ -7199,140 +8934,99 @@
         </p:nvSpPr>
         <p:spPr/>
         <p:txBody>
+          <a:bodyPr>
+            <a:normAutofit/>
+          </a:bodyPr>
+          <a:lstStyle/>
+          <a:p>
+            <a:r>
+              <a:rPr lang="en-GB" dirty="0"/>
+              <a:t>Red-Black tree ensures balancing</a:t>
+            </a:r>
+            <a:endParaRPr lang="en-SE" dirty="0"/>
+          </a:p>
+        </p:txBody>
+      </p:sp>
+      <p:sp>
+        <p:nvSpPr>
+          <p:cNvPr id="3" name="Content Placeholder 2">
+            <a:extLst>
+              <a:ext uri="{FF2B5EF4-FFF2-40B4-BE49-F238E27FC236}">
+                <a16:creationId xmlns:a16="http://schemas.microsoft.com/office/drawing/2014/main" id="{526B6C34-D031-B4AD-DB2A-04C858F2CDC3}"/>
+              </a:ext>
+            </a:extLst>
+          </p:cNvPr>
+          <p:cNvSpPr>
+            <a:spLocks noGrp="1"/>
+          </p:cNvSpPr>
+          <p:nvPr>
+            <p:ph idx="1"/>
+          </p:nvPr>
+        </p:nvSpPr>
+        <p:spPr/>
+        <p:txBody>
           <a:bodyPr/>
           <a:lstStyle/>
           <a:p>
             <a:r>
               <a:rPr lang="en-GB" dirty="0"/>
-              <a:t>Rotations</a:t>
-            </a:r>
-            <a:endParaRPr lang="en-SE" dirty="0"/>
-          </a:p>
-        </p:txBody>
-      </p:sp>
-      <p:sp>
-        <p:nvSpPr>
-          <p:cNvPr id="3" name="Content Placeholder 2">
-            <a:extLst>
-              <a:ext uri="{FF2B5EF4-FFF2-40B4-BE49-F238E27FC236}">
-                <a16:creationId xmlns:a16="http://schemas.microsoft.com/office/drawing/2014/main" id="{215906F3-2682-3A97-646C-AFBD72279F02}"/>
-              </a:ext>
-            </a:extLst>
-          </p:cNvPr>
-          <p:cNvSpPr>
-            <a:spLocks noGrp="1"/>
-          </p:cNvSpPr>
-          <p:nvPr>
-            <p:ph idx="1"/>
-          </p:nvPr>
-        </p:nvSpPr>
-        <p:spPr>
-          <a:xfrm>
-            <a:off x="457200" y="1600200"/>
-            <a:ext cx="3937819" cy="4525963"/>
-          </a:xfrm>
-        </p:spPr>
-        <p:txBody>
-          <a:bodyPr/>
-          <a:lstStyle/>
-          <a:p>
-            <a:r>
-              <a:rPr lang="en-GB" dirty="0"/>
-              <a:t>Alters the structure of a tree by rearranging subtrees</a:t>
-            </a:r>
-          </a:p>
-          <a:p>
-            <a:r>
-              <a:rPr lang="en-GB" dirty="0"/>
-              <a:t>Goal is to decrease the height of the tree to maximum height of O(log n) </a:t>
-            </a:r>
-          </a:p>
-          <a:p>
-            <a:pPr lvl="1"/>
-            <a:r>
-              <a:rPr lang="en-GB" dirty="0"/>
-              <a:t>Larger subtrees up, smaller subtrees down</a:t>
-            </a:r>
-          </a:p>
-          <a:p>
-            <a:r>
-              <a:rPr lang="en-GB" dirty="0"/>
-              <a:t>Does not affect the order of elements</a:t>
-            </a:r>
-          </a:p>
-          <a:p>
-            <a:r>
-              <a:rPr lang="en-GB" dirty="0"/>
-              <a:t>Time complexity O(1)</a:t>
-            </a:r>
-          </a:p>
-          <a:p>
+              <a:t>A chain of 3 nodes is not possible in a Red-Black tree</a:t>
+            </a:r>
             <a:endParaRPr lang="en-SE" dirty="0"/>
           </a:p>
         </p:txBody>
       </p:sp>
       <p:pic>
         <p:nvPicPr>
-          <p:cNvPr id="5" name="Picture 4">
-            <a:extLst>
-              <a:ext uri="{FF2B5EF4-FFF2-40B4-BE49-F238E27FC236}">
-                <a16:creationId xmlns:a16="http://schemas.microsoft.com/office/drawing/2014/main" id="{76EEA92D-A236-CA68-C993-B1AFD3E3787A}"/>
+          <p:cNvPr id="2050" name="Picture 2">
+            <a:extLst>
+              <a:ext uri="{FF2B5EF4-FFF2-40B4-BE49-F238E27FC236}">
+                <a16:creationId xmlns:a16="http://schemas.microsoft.com/office/drawing/2014/main" id="{BDA5004B-6DED-E935-4D51-CBBA3B985798}"/>
               </a:ext>
             </a:extLst>
           </p:cNvPr>
           <p:cNvPicPr>
-            <a:picLocks noChangeAspect="1"/>
+            <a:picLocks noChangeAspect="1" noChangeArrowheads="1"/>
           </p:cNvPicPr>
           <p:nvPr/>
         </p:nvPicPr>
         <p:blipFill>
-          <a:blip r:embed="rId3"/>
+          <a:blip r:embed="rId2">
+            <a:extLst>
+              <a:ext uri="{28A0092B-C50C-407E-A947-70E740481C1C}">
+                <a14:useLocalDpi xmlns:a14="http://schemas.microsoft.com/office/drawing/2010/main" val="0"/>
+              </a:ext>
+            </a:extLst>
+          </a:blip>
           <a:srcRect/>
-          <a:stretch/>
+          <a:stretch>
+            <a:fillRect/>
+          </a:stretch>
         </p:blipFill>
-        <p:spPr>
-          <a:xfrm>
-            <a:off x="4565214" y="1383159"/>
-            <a:ext cx="4246650" cy="2388741"/>
+        <p:spPr bwMode="auto">
+          <a:xfrm>
+            <a:off x="0" y="2509377"/>
+            <a:ext cx="9144000" cy="3333750"/>
           </a:xfrm>
           <a:prstGeom prst="rect">
             <a:avLst/>
           </a:prstGeom>
-        </p:spPr>
-      </p:pic>
-      <p:pic>
-        <p:nvPicPr>
-          <p:cNvPr id="7" name="Picture 6">
-            <a:extLst>
-              <a:ext uri="{FF2B5EF4-FFF2-40B4-BE49-F238E27FC236}">
-                <a16:creationId xmlns:a16="http://schemas.microsoft.com/office/drawing/2014/main" id="{F93D3070-8E71-86A3-E6E9-6F6A0313C4C0}"/>
-              </a:ext>
-            </a:extLst>
-          </p:cNvPr>
-          <p:cNvPicPr>
-            <a:picLocks noChangeAspect="1"/>
-          </p:cNvPicPr>
-          <p:nvPr/>
-        </p:nvPicPr>
-        <p:blipFill>
-          <a:blip r:embed="rId4"/>
-          <a:srcRect/>
-          <a:stretch/>
-        </p:blipFill>
-        <p:spPr>
-          <a:xfrm>
-            <a:off x="4305901" y="3954462"/>
-            <a:ext cx="4423611" cy="2331923"/>
-          </a:xfrm>
-          <a:prstGeom prst="rect">
-            <a:avLst/>
-          </a:prstGeom>
+          <a:noFill/>
+          <a:extLst>
+            <a:ext uri="{909E8E84-426E-40DD-AFC4-6F175D3DCCD1}">
+              <a14:hiddenFill xmlns:a14="http://schemas.microsoft.com/office/drawing/2010/main">
+                <a:solidFill>
+                  <a:srgbClr val="FFFFFF"/>
+                </a:solidFill>
+              </a14:hiddenFill>
+            </a:ext>
+          </a:extLst>
         </p:spPr>
       </p:pic>
     </p:spTree>
     <p:extLst>
       <p:ext uri="{BB962C8B-B14F-4D97-AF65-F5344CB8AC3E}">
-        <p14:creationId xmlns:p14="http://schemas.microsoft.com/office/powerpoint/2010/main" val="481779665"/>
+        <p14:creationId xmlns:p14="http://schemas.microsoft.com/office/powerpoint/2010/main" val="4177967897"/>
       </p:ext>
     </p:extLst>
   </p:cSld>
@@ -7364,7 +9058,7 @@
           <p:cNvPr id="2" name="Title 1">
             <a:extLst>
               <a:ext uri="{FF2B5EF4-FFF2-40B4-BE49-F238E27FC236}">
-                <a16:creationId xmlns:a16="http://schemas.microsoft.com/office/drawing/2014/main" id="{267C38C2-EB52-EBF8-92F2-9EAD71CA2A1E}"/>
+                <a16:creationId xmlns:a16="http://schemas.microsoft.com/office/drawing/2014/main" id="{EC7E9E7B-9776-DA6F-C104-F8ECB682CEF1}"/>
               </a:ext>
             </a:extLst>
           </p:cNvPr>
@@ -7376,40 +9070,6 @@
           </p:nvPr>
         </p:nvSpPr>
         <p:spPr/>
-        <p:txBody>
-          <a:bodyPr/>
-          <a:lstStyle/>
-          <a:p>
-            <a:r>
-              <a:rPr lang="en-GB" dirty="0"/>
-              <a:t>Insertions</a:t>
-            </a:r>
-            <a:endParaRPr lang="en-SE" dirty="0"/>
-          </a:p>
-        </p:txBody>
-      </p:sp>
-      <p:sp>
-        <p:nvSpPr>
-          <p:cNvPr id="3" name="Content Placeholder 2">
-            <a:extLst>
-              <a:ext uri="{FF2B5EF4-FFF2-40B4-BE49-F238E27FC236}">
-                <a16:creationId xmlns:a16="http://schemas.microsoft.com/office/drawing/2014/main" id="{499EFC65-866E-E39A-746C-BCF3614C5B08}"/>
-              </a:ext>
-            </a:extLst>
-          </p:cNvPr>
-          <p:cNvSpPr>
-            <a:spLocks noGrp="1"/>
-          </p:cNvSpPr>
-          <p:nvPr>
-            <p:ph idx="1"/>
-          </p:nvPr>
-        </p:nvSpPr>
-        <p:spPr>
-          <a:xfrm>
-            <a:off x="457200" y="1600200"/>
-            <a:ext cx="8229600" cy="5095567"/>
-          </a:xfrm>
-        </p:spPr>
         <p:txBody>
           <a:bodyPr>
             <a:normAutofit/>
@@ -7418,146 +9078,87 @@
           <a:p>
             <a:r>
               <a:rPr lang="en-GB" dirty="0"/>
-              <a:t>Step 1. Insert Z and </a:t>
-            </a:r>
-            <a:r>
-              <a:rPr lang="en-GB" dirty="0" err="1"/>
-              <a:t>color</a:t>
-            </a:r>
+              <a:t>Additional Properties</a:t>
+            </a:r>
+            <a:endParaRPr lang="en-SE" dirty="0"/>
+          </a:p>
+        </p:txBody>
+      </p:sp>
+      <p:sp>
+        <p:nvSpPr>
+          <p:cNvPr id="3" name="Content Placeholder 2">
+            <a:extLst>
+              <a:ext uri="{FF2B5EF4-FFF2-40B4-BE49-F238E27FC236}">
+                <a16:creationId xmlns:a16="http://schemas.microsoft.com/office/drawing/2014/main" id="{C59CF67B-E104-ED9B-E649-C15F87F1838F}"/>
+              </a:ext>
+            </a:extLst>
+          </p:cNvPr>
+          <p:cNvSpPr>
+            <a:spLocks noGrp="1"/>
+          </p:cNvSpPr>
+          <p:nvPr>
+            <p:ph idx="1"/>
+          </p:nvPr>
+        </p:nvSpPr>
+        <p:spPr>
+          <a:xfrm>
+            <a:off x="457200" y="1600200"/>
+            <a:ext cx="4262285" cy="4613787"/>
+          </a:xfrm>
+        </p:spPr>
+        <p:txBody>
+          <a:bodyPr>
+            <a:normAutofit fontScale="92500" lnSpcReduction="10000"/>
+          </a:bodyPr>
+          <a:lstStyle/>
+          <a:p>
             <a:r>
               <a:rPr lang="en-GB" dirty="0"/>
-              <a:t> it </a:t>
-            </a:r>
-            <a:r>
-              <a:rPr lang="en-GB" dirty="0">
-                <a:solidFill>
-                  <a:srgbClr val="FF0000"/>
-                </a:solidFill>
-              </a:rPr>
-              <a:t>red</a:t>
-            </a:r>
-          </a:p>
-          <a:p>
+              <a:t>Balanced search tree: the longest path (root to farthest NIL) is no more than twice the length of the shortest path (root to nearest NIL).</a:t>
+            </a:r>
+          </a:p>
+          <a:p>
+            <a:pPr lvl="1"/>
             <a:r>
               <a:rPr lang="en-GB" dirty="0"/>
-              <a:t>Step 2. Recolor and rotate nodes to fix violations</a:t>
-            </a:r>
-          </a:p>
-          <a:p>
+              <a:t>Shortest path: all black nodes (=2)</a:t>
+            </a:r>
+          </a:p>
+          <a:p>
+            <a:pPr lvl="1"/>
             <a:r>
               <a:rPr lang="en-GB" dirty="0"/>
-              <a:t>4 scenarios after inserting node Z</a:t>
+              <a:t>Longest path: alternating red and black (=4)</a:t>
             </a:r>
           </a:p>
           <a:p>
             <a:r>
               <a:rPr lang="en-GB" dirty="0"/>
-              <a:t>Case 0. Z = root</a:t>
+              <a:t>Operations: search, insert, remove, each with time complexity O(log(n)).</a:t>
             </a:r>
           </a:p>
           <a:p>
             <a:pPr lvl="1"/>
             <a:r>
-              <a:rPr lang="en-GB" dirty="0" err="1"/>
-              <a:t>Color</a:t>
-            </a:r>
-            <a:r>
               <a:rPr lang="en-GB" dirty="0"/>
-              <a:t> Z black</a:t>
-            </a:r>
-          </a:p>
-          <a:p>
-            <a:r>
-              <a:rPr lang="en-GB" dirty="0"/>
-              <a:t>Case 1. </a:t>
-            </a:r>
-            <a:r>
-              <a:rPr lang="en-GB" dirty="0" err="1"/>
-              <a:t>Z.uncle</a:t>
-            </a:r>
-            <a:r>
-              <a:rPr lang="en-GB" dirty="0"/>
-              <a:t> = </a:t>
-            </a:r>
-            <a:r>
-              <a:rPr lang="en-GB" dirty="0">
-                <a:solidFill>
-                  <a:srgbClr val="FF0000"/>
-                </a:solidFill>
-              </a:rPr>
-              <a:t>red</a:t>
+              <a:t>Insert and remove may result in violation of red-black tree properties, use rotations to fix it</a:t>
             </a:r>
           </a:p>
           <a:p>
             <a:pPr lvl="1"/>
-            <a:r>
-              <a:rPr lang="en-GB" dirty="0"/>
-              <a:t>Recolor Z’s parents and grandparent</a:t>
-            </a:r>
-          </a:p>
-          <a:p>
-            <a:r>
-              <a:rPr lang="en-GB" dirty="0"/>
-              <a:t>Case 2. </a:t>
-            </a:r>
-            <a:r>
-              <a:rPr lang="en-GB" dirty="0" err="1"/>
-              <a:t>Z.uncle</a:t>
-            </a:r>
-            <a:r>
-              <a:rPr lang="en-GB" dirty="0"/>
-              <a:t> = black (triangle)</a:t>
-            </a:r>
-          </a:p>
-          <a:p>
-            <a:pPr lvl="1"/>
-            <a:r>
-              <a:rPr lang="en-GB" dirty="0"/>
-              <a:t>Rotate </a:t>
-            </a:r>
-            <a:r>
-              <a:rPr lang="en-GB" dirty="0" err="1"/>
-              <a:t>Z.parent</a:t>
-            </a:r>
             <a:endParaRPr lang="en-GB" dirty="0"/>
           </a:p>
           <a:p>
-            <a:r>
-              <a:rPr lang="en-GB" dirty="0"/>
-              <a:t>Case 3. </a:t>
-            </a:r>
-            <a:r>
-              <a:rPr lang="en-GB" dirty="0" err="1"/>
-              <a:t>Z.uncle</a:t>
-            </a:r>
-            <a:r>
-              <a:rPr lang="en-GB" dirty="0"/>
-              <a:t> = black (line)</a:t>
-            </a:r>
-          </a:p>
-          <a:p>
-            <a:pPr lvl="1"/>
-            <a:r>
-              <a:rPr lang="en-GB" dirty="0"/>
-              <a:t>Rotate </a:t>
-            </a:r>
-            <a:r>
-              <a:rPr lang="en-GB" dirty="0" err="1"/>
-              <a:t>Z.grandparent</a:t>
-            </a:r>
-            <a:r>
-              <a:rPr lang="en-GB" dirty="0"/>
-              <a:t> &amp; Recolor Z’s parents and grandparent</a:t>
-            </a:r>
+            <a:endParaRPr lang="en-SE" dirty="0"/>
           </a:p>
         </p:txBody>
       </p:sp>
       <p:pic>
         <p:nvPicPr>
-          <p:cNvPr id="5" name="Picture 4">
-            <a:extLst>
-              <a:ext uri="{FF2B5EF4-FFF2-40B4-BE49-F238E27FC236}">
-                <a16:creationId xmlns:a16="http://schemas.microsoft.com/office/drawing/2014/main" id="{73200FAC-C95F-DE8E-B699-6349D011B528}"/>
+          <p:cNvPr id="4" name="Picture 3">
+            <a:extLst>
+              <a:ext uri="{FF2B5EF4-FFF2-40B4-BE49-F238E27FC236}">
+                <a16:creationId xmlns:a16="http://schemas.microsoft.com/office/drawing/2014/main" id="{5532C267-B707-7F38-D2CE-FCA65A5C4EB8}"/>
               </a:ext>
             </a:extLst>
           </p:cNvPr>
@@ -7568,14 +9169,13 @@
         </p:nvPicPr>
         <p:blipFill>
           <a:blip r:embed="rId2"/>
-          <a:stretch>
-            <a:fillRect/>
-          </a:stretch>
+          <a:srcRect/>
+          <a:stretch/>
         </p:blipFill>
         <p:spPr>
           <a:xfrm>
-            <a:off x="5112227" y="2863647"/>
-            <a:ext cx="3962947" cy="2052482"/>
+            <a:off x="4730624" y="2072073"/>
+            <a:ext cx="4331753" cy="3370747"/>
           </a:xfrm>
           <a:prstGeom prst="rect">
             <a:avLst/>
@@ -7585,7 +9185,7 @@
     </p:spTree>
     <p:extLst>
       <p:ext uri="{BB962C8B-B14F-4D97-AF65-F5344CB8AC3E}">
-        <p14:creationId xmlns:p14="http://schemas.microsoft.com/office/powerpoint/2010/main" val="2867380140"/>
+        <p14:creationId xmlns:p14="http://schemas.microsoft.com/office/powerpoint/2010/main" val="3547036899"/>
       </p:ext>
     </p:extLst>
   </p:cSld>
@@ -7617,7 +9217,7 @@
           <p:cNvPr id="2" name="Title 1">
             <a:extLst>
               <a:ext uri="{FF2B5EF4-FFF2-40B4-BE49-F238E27FC236}">
-                <a16:creationId xmlns:a16="http://schemas.microsoft.com/office/drawing/2014/main" id="{2D942522-D3FC-7D11-0972-EA12F100AF50}"/>
+                <a16:creationId xmlns:a16="http://schemas.microsoft.com/office/drawing/2014/main" id="{F9B8C4BC-6C37-C8A7-FDD1-1162419CEA1D}"/>
               </a:ext>
             </a:extLst>
           </p:cNvPr>
@@ -7629,6 +9229,40 @@
           </p:nvPr>
         </p:nvSpPr>
         <p:spPr/>
+        <p:txBody>
+          <a:bodyPr/>
+          <a:lstStyle/>
+          <a:p>
+            <a:r>
+              <a:rPr lang="en-GB" dirty="0"/>
+              <a:t>Rotations</a:t>
+            </a:r>
+            <a:endParaRPr lang="en-SE" dirty="0"/>
+          </a:p>
+        </p:txBody>
+      </p:sp>
+      <p:sp>
+        <p:nvSpPr>
+          <p:cNvPr id="3" name="Content Placeholder 2">
+            <a:extLst>
+              <a:ext uri="{FF2B5EF4-FFF2-40B4-BE49-F238E27FC236}">
+                <a16:creationId xmlns:a16="http://schemas.microsoft.com/office/drawing/2014/main" id="{215906F3-2682-3A97-646C-AFBD72279F02}"/>
+              </a:ext>
+            </a:extLst>
+          </p:cNvPr>
+          <p:cNvSpPr>
+            <a:spLocks noGrp="1"/>
+          </p:cNvSpPr>
+          <p:nvPr>
+            <p:ph idx="1"/>
+          </p:nvPr>
+        </p:nvSpPr>
+        <p:spPr>
+          <a:xfrm>
+            <a:off x="0" y="1600200"/>
+            <a:ext cx="3262185" cy="4874741"/>
+          </a:xfrm>
+        </p:spPr>
         <p:txBody>
           <a:bodyPr>
             <a:normAutofit/>
@@ -7637,127 +9271,45 @@
           <a:p>
             <a:r>
               <a:rPr lang="en-GB" dirty="0"/>
-              <a:t>Case 0. Z = root</a:t>
-            </a:r>
-            <a:endParaRPr lang="en-SE" dirty="0">
-              <a:solidFill>
-                <a:srgbClr val="FF0000"/>
-              </a:solidFill>
-            </a:endParaRPr>
-          </a:p>
-        </p:txBody>
-      </p:sp>
-      <p:sp>
-        <p:nvSpPr>
-          <p:cNvPr id="3" name="Content Placeholder 2">
-            <a:extLst>
-              <a:ext uri="{FF2B5EF4-FFF2-40B4-BE49-F238E27FC236}">
-                <a16:creationId xmlns:a16="http://schemas.microsoft.com/office/drawing/2014/main" id="{0CA4BF79-FCAE-853C-19D0-2FC605F64070}"/>
-              </a:ext>
-            </a:extLst>
-          </p:cNvPr>
-          <p:cNvSpPr>
-            <a:spLocks noGrp="1"/>
-          </p:cNvSpPr>
-          <p:nvPr>
-            <p:ph idx="1"/>
-          </p:nvPr>
-        </p:nvSpPr>
-        <p:spPr/>
-        <p:txBody>
-          <a:bodyPr/>
-          <a:lstStyle/>
-          <a:p>
-            <a:r>
-              <a:rPr lang="en-GB" dirty="0" err="1"/>
-              <a:t>Color</a:t>
-            </a:r>
+              <a:t>Alters the structure of a tree by rearranging subtrees</a:t>
+            </a:r>
+          </a:p>
+          <a:p>
             <a:r>
               <a:rPr lang="en-GB" dirty="0"/>
-              <a:t> Z black</a:t>
-            </a:r>
-          </a:p>
-        </p:txBody>
-      </p:sp>
-      <p:pic>
-        <p:nvPicPr>
-          <p:cNvPr id="7" name="Picture 6">
-            <a:extLst>
-              <a:ext uri="{FF2B5EF4-FFF2-40B4-BE49-F238E27FC236}">
-                <a16:creationId xmlns:a16="http://schemas.microsoft.com/office/drawing/2014/main" id="{2C86E9EE-E136-D30B-564A-2095AF0D4F7A}"/>
-              </a:ext>
-            </a:extLst>
-          </p:cNvPr>
-          <p:cNvPicPr>
-            <a:picLocks noChangeAspect="1"/>
-          </p:cNvPicPr>
-          <p:nvPr/>
-        </p:nvPicPr>
-        <p:blipFill>
-          <a:blip r:embed="rId2"/>
-          <a:srcRect/>
-          <a:stretch/>
-        </p:blipFill>
-        <p:spPr>
-          <a:xfrm>
-            <a:off x="3242212" y="3731045"/>
-            <a:ext cx="769349" cy="762022"/>
-          </a:xfrm>
-          <a:prstGeom prst="rect">
-            <a:avLst/>
-          </a:prstGeom>
-        </p:spPr>
-      </p:pic>
-      <p:sp>
-        <p:nvSpPr>
-          <p:cNvPr id="10" name="Arrow: Right 9">
-            <a:extLst>
-              <a:ext uri="{FF2B5EF4-FFF2-40B4-BE49-F238E27FC236}">
-                <a16:creationId xmlns:a16="http://schemas.microsoft.com/office/drawing/2014/main" id="{C92A5FF1-0EFC-3D7C-ADA5-18A79643E530}"/>
-              </a:ext>
-            </a:extLst>
-          </p:cNvPr>
-          <p:cNvSpPr/>
-          <p:nvPr/>
-        </p:nvSpPr>
-        <p:spPr>
-          <a:xfrm>
-            <a:off x="4194483" y="3882112"/>
-            <a:ext cx="978408" cy="484632"/>
-          </a:xfrm>
-          <a:prstGeom prst="rightArrow">
-            <a:avLst/>
-          </a:prstGeom>
-        </p:spPr>
-        <p:style>
-          <a:lnRef idx="1">
-            <a:schemeClr val="accent1"/>
-          </a:lnRef>
-          <a:fillRef idx="3">
-            <a:schemeClr val="accent1"/>
-          </a:fillRef>
-          <a:effectRef idx="2">
-            <a:schemeClr val="accent1"/>
-          </a:effectRef>
-          <a:fontRef idx="minor">
-            <a:schemeClr val="lt1"/>
-          </a:fontRef>
-        </p:style>
-        <p:txBody>
-          <a:bodyPr rtlCol="0" anchor="ctr"/>
-          <a:lstStyle/>
-          <a:p>
-            <a:pPr algn="ctr"/>
-            <a:endParaRPr lang="en-SE"/>
-          </a:p>
-        </p:txBody>
-      </p:sp>
-      <p:sp>
-        <p:nvSpPr>
-          <p:cNvPr id="11" name="TextBox 10">
-            <a:extLst>
-              <a:ext uri="{FF2B5EF4-FFF2-40B4-BE49-F238E27FC236}">
-                <a16:creationId xmlns:a16="http://schemas.microsoft.com/office/drawing/2014/main" id="{FE4C8BA1-B159-1659-22B5-8270999FCBA4}"/>
+              <a:t>Goal is to decrease the height of the tree to maximum height of O(log n) </a:t>
+            </a:r>
+          </a:p>
+          <a:p>
+            <a:pPr lvl="1"/>
+            <a:r>
+              <a:rPr lang="en-GB" dirty="0"/>
+              <a:t>Larger subtrees up, smaller subtrees down</a:t>
+            </a:r>
+          </a:p>
+          <a:p>
+            <a:r>
+              <a:rPr lang="en-GB" dirty="0"/>
+              <a:t>Does not affect the order of elements</a:t>
+            </a:r>
+          </a:p>
+          <a:p>
+            <a:r>
+              <a:rPr lang="en-GB" dirty="0"/>
+              <a:t>Time complexity O(1)</a:t>
+            </a:r>
+          </a:p>
+          <a:p>
+            <a:endParaRPr lang="en-SE" dirty="0"/>
+          </a:p>
+        </p:txBody>
+      </p:sp>
+      <p:sp>
+        <p:nvSpPr>
+          <p:cNvPr id="6" name="TextBox 5">
+            <a:extLst>
+              <a:ext uri="{FF2B5EF4-FFF2-40B4-BE49-F238E27FC236}">
+                <a16:creationId xmlns:a16="http://schemas.microsoft.com/office/drawing/2014/main" id="{98FC935F-5EA2-94E0-C908-736E2D3E8622}"/>
               </a:ext>
             </a:extLst>
           </p:cNvPr>
@@ -7766,8 +9318,8 @@
         </p:nvSpPr>
         <p:spPr>
           <a:xfrm>
-            <a:off x="4109779" y="3164392"/>
-            <a:ext cx="1063112" cy="830997"/>
+            <a:off x="3608174" y="1225689"/>
+            <a:ext cx="2718486" cy="5632311"/>
           </a:xfrm>
           <a:prstGeom prst="rect">
             <a:avLst/>
@@ -7775,63 +9327,209 @@
           <a:noFill/>
         </p:spPr>
         <p:txBody>
-          <a:bodyPr wrap="none" rtlCol="0">
+          <a:bodyPr wrap="square" rtlCol="0">
             <a:spAutoFit/>
           </a:bodyPr>
           <a:lstStyle/>
           <a:p>
             <a:r>
-              <a:rPr lang="en-GB" sz="2400" dirty="0" err="1"/>
-              <a:t>Color</a:t>
-            </a:r>
-            <a:r>
               <a:rPr lang="en-GB" sz="2400" dirty="0"/>
-              <a:t> Z</a:t>
-            </a:r>
+              <a:t>Before Rotation:</a:t>
+            </a:r>
+          </a:p>
+          <a:p>
+            <a:endParaRPr lang="en-GB" sz="2400" dirty="0"/>
           </a:p>
           <a:p>
             <a:r>
               <a:rPr lang="en-GB" sz="2400" dirty="0"/>
-              <a:t>black</a:t>
+              <a:t>    x                                              </a:t>
+            </a:r>
+          </a:p>
+          <a:p>
+            <a:r>
+              <a:rPr lang="en-GB" sz="2400" dirty="0"/>
+              <a:t>     \                                             </a:t>
+            </a:r>
+          </a:p>
+          <a:p>
+            <a:r>
+              <a:rPr lang="en-GB" sz="2400" dirty="0"/>
+              <a:t>      y                                                         </a:t>
+            </a:r>
+          </a:p>
+          <a:p>
+            <a:r>
+              <a:rPr lang="en-GB" sz="2400" dirty="0"/>
+              <a:t>     / \                                                     </a:t>
+            </a:r>
+          </a:p>
+          <a:p>
+            <a:r>
+              <a:rPr lang="en-GB" sz="2400" dirty="0"/>
+              <a:t>    a   b                                                     </a:t>
+            </a:r>
+          </a:p>
+          <a:p>
+            <a:endParaRPr lang="en-GB" sz="2400" dirty="0"/>
+          </a:p>
+          <a:p>
+            <a:r>
+              <a:rPr lang="en-GB" sz="2400" dirty="0"/>
+              <a:t>After Left Rotation:</a:t>
+            </a:r>
+          </a:p>
+          <a:p>
+            <a:endParaRPr lang="en-GB" sz="2400" dirty="0"/>
+          </a:p>
+          <a:p>
+            <a:r>
+              <a:rPr lang="en-GB" sz="2400" dirty="0"/>
+              <a:t>      y</a:t>
+            </a:r>
+          </a:p>
+          <a:p>
+            <a:r>
+              <a:rPr lang="en-GB" sz="2400" dirty="0"/>
+              <a:t>     / \</a:t>
+            </a:r>
+          </a:p>
+          <a:p>
+            <a:r>
+              <a:rPr lang="en-GB" sz="2400" dirty="0"/>
+              <a:t>    x   b</a:t>
+            </a:r>
+          </a:p>
+          <a:p>
+            <a:r>
+              <a:rPr lang="en-GB" sz="2400" dirty="0"/>
+              <a:t>     \</a:t>
+            </a:r>
+          </a:p>
+          <a:p>
+            <a:r>
+              <a:rPr lang="en-GB" sz="2400" dirty="0"/>
+              <a:t>      a</a:t>
             </a:r>
             <a:endParaRPr lang="en-SE" sz="2400" dirty="0"/>
           </a:p>
         </p:txBody>
       </p:sp>
-      <p:pic>
-        <p:nvPicPr>
-          <p:cNvPr id="5" name="Picture 4">
-            <a:extLst>
-              <a:ext uri="{FF2B5EF4-FFF2-40B4-BE49-F238E27FC236}">
-                <a16:creationId xmlns:a16="http://schemas.microsoft.com/office/drawing/2014/main" id="{1F814C78-0410-F9C1-0D58-7D996118E549}"/>
-              </a:ext>
-            </a:extLst>
-          </p:cNvPr>
-          <p:cNvPicPr>
-            <a:picLocks noChangeAspect="1"/>
-          </p:cNvPicPr>
+      <p:sp>
+        <p:nvSpPr>
+          <p:cNvPr id="12" name="TextBox 11">
+            <a:extLst>
+              <a:ext uri="{FF2B5EF4-FFF2-40B4-BE49-F238E27FC236}">
+                <a16:creationId xmlns:a16="http://schemas.microsoft.com/office/drawing/2014/main" id="{C896764E-4C0B-53AA-1222-A438747A303E}"/>
+              </a:ext>
+            </a:extLst>
+          </p:cNvPr>
+          <p:cNvSpPr txBox="1"/>
           <p:nvPr/>
-        </p:nvPicPr>
-        <p:blipFill>
-          <a:blip r:embed="rId3"/>
-          <a:stretch>
-            <a:fillRect/>
-          </a:stretch>
-        </p:blipFill>
-        <p:spPr>
-          <a:xfrm>
-            <a:off x="5263620" y="3736274"/>
-            <a:ext cx="769349" cy="754833"/>
+        </p:nvSpPr>
+        <p:spPr>
+          <a:xfrm>
+            <a:off x="6314303" y="1221414"/>
+            <a:ext cx="2718486" cy="5632311"/>
           </a:xfrm>
           <a:prstGeom prst="rect">
             <a:avLst/>
           </a:prstGeom>
-        </p:spPr>
-      </p:pic>
+          <a:noFill/>
+        </p:spPr>
+        <p:txBody>
+          <a:bodyPr wrap="square" rtlCol="0">
+            <a:spAutoFit/>
+          </a:bodyPr>
+          <a:lstStyle/>
+          <a:p>
+            <a:r>
+              <a:rPr lang="en-GB" sz="2400" dirty="0"/>
+              <a:t>Before Rotation:    </a:t>
+            </a:r>
+          </a:p>
+          <a:p>
+            <a:endParaRPr lang="en-GB" sz="2400" dirty="0"/>
+          </a:p>
+          <a:p>
+            <a:r>
+              <a:rPr lang="en-GB" sz="2400" dirty="0"/>
+              <a:t>      x</a:t>
+            </a:r>
+          </a:p>
+          <a:p>
+            <a:r>
+              <a:rPr lang="en-GB" sz="2400" dirty="0"/>
+              <a:t>     /</a:t>
+            </a:r>
+          </a:p>
+          <a:p>
+            <a:r>
+              <a:rPr lang="en-GB" sz="2400" dirty="0"/>
+              <a:t>    y</a:t>
+            </a:r>
+          </a:p>
+          <a:p>
+            <a:r>
+              <a:rPr lang="en-GB" sz="2400" dirty="0"/>
+              <a:t>   / \</a:t>
+            </a:r>
+          </a:p>
+          <a:p>
+            <a:r>
+              <a:rPr lang="en-GB" sz="2400" dirty="0"/>
+              <a:t>  a   b</a:t>
+            </a:r>
+          </a:p>
+          <a:p>
+            <a:endParaRPr lang="en-GB" sz="2400" dirty="0"/>
+          </a:p>
+          <a:p>
+            <a:r>
+              <a:rPr lang="en-GB" sz="2400" dirty="0"/>
+              <a:t>After Right Rotation:</a:t>
+            </a:r>
+          </a:p>
+          <a:p>
+            <a:endParaRPr lang="en-GB" sz="2400" dirty="0"/>
+          </a:p>
+          <a:p>
+            <a:r>
+              <a:rPr lang="en-GB" sz="2400" dirty="0"/>
+              <a:t>    y</a:t>
+            </a:r>
+          </a:p>
+          <a:p>
+            <a:r>
+              <a:rPr lang="en-GB" sz="2400" dirty="0"/>
+              <a:t>   / \</a:t>
+            </a:r>
+          </a:p>
+          <a:p>
+            <a:r>
+              <a:rPr lang="en-GB" sz="2400" dirty="0"/>
+              <a:t>  a   x</a:t>
+            </a:r>
+          </a:p>
+          <a:p>
+            <a:r>
+              <a:rPr lang="en-GB" sz="2400" dirty="0"/>
+              <a:t>     /</a:t>
+            </a:r>
+          </a:p>
+          <a:p>
+            <a:r>
+              <a:rPr lang="en-GB" sz="2400" dirty="0"/>
+              <a:t>    b</a:t>
+            </a:r>
+            <a:endParaRPr lang="en-SE" sz="2400" dirty="0"/>
+          </a:p>
+        </p:txBody>
+      </p:sp>
     </p:spTree>
     <p:extLst>
       <p:ext uri="{BB962C8B-B14F-4D97-AF65-F5344CB8AC3E}">
-        <p14:creationId xmlns:p14="http://schemas.microsoft.com/office/powerpoint/2010/main" val="3665673816"/>
+        <p14:creationId xmlns:p14="http://schemas.microsoft.com/office/powerpoint/2010/main" val="481779665"/>
       </p:ext>
     </p:extLst>
   </p:cSld>
@@ -7863,7 +9561,7 @@
           <p:cNvPr id="2" name="Title 1">
             <a:extLst>
               <a:ext uri="{FF2B5EF4-FFF2-40B4-BE49-F238E27FC236}">
-                <a16:creationId xmlns:a16="http://schemas.microsoft.com/office/drawing/2014/main" id="{2D942522-D3FC-7D11-0972-EA12F100AF50}"/>
+                <a16:creationId xmlns:a16="http://schemas.microsoft.com/office/drawing/2014/main" id="{AB4FE4C5-E1C9-F18C-8D16-D8C1C384F2AE}"/>
               </a:ext>
             </a:extLst>
           </p:cNvPr>
@@ -7876,36 +9574,14 @@
         </p:nvSpPr>
         <p:spPr/>
         <p:txBody>
-          <a:bodyPr>
-            <a:normAutofit/>
-          </a:bodyPr>
+          <a:bodyPr/>
           <a:lstStyle/>
           <a:p>
             <a:r>
               <a:rPr lang="en-GB" dirty="0"/>
-              <a:t>Case 1. </a:t>
-            </a:r>
-            <a:r>
-              <a:rPr lang="en-GB" dirty="0" err="1"/>
-              <a:t>Z.uncle</a:t>
-            </a:r>
-            <a:r>
-              <a:rPr lang="en-GB" dirty="0"/>
-              <a:t> = </a:t>
-            </a:r>
-            <a:r>
-              <a:rPr lang="en-GB" dirty="0">
-                <a:solidFill>
-                  <a:srgbClr val="FF0000"/>
-                </a:solidFill>
-              </a:rPr>
-              <a:t>red</a:t>
-            </a:r>
-            <a:endParaRPr lang="en-SE" dirty="0">
-              <a:solidFill>
-                <a:srgbClr val="FF0000"/>
-              </a:solidFill>
-            </a:endParaRPr>
+              <a:t>Rotations Examples</a:t>
+            </a:r>
+            <a:endParaRPr lang="en-SE" dirty="0"/>
           </a:p>
         </p:txBody>
       </p:sp>
@@ -7914,7 +9590,7 @@
           <p:cNvPr id="3" name="Content Placeholder 2">
             <a:extLst>
               <a:ext uri="{FF2B5EF4-FFF2-40B4-BE49-F238E27FC236}">
-                <a16:creationId xmlns:a16="http://schemas.microsoft.com/office/drawing/2014/main" id="{0CA4BF79-FCAE-853C-19D0-2FC605F64070}"/>
+                <a16:creationId xmlns:a16="http://schemas.microsoft.com/office/drawing/2014/main" id="{28B03F5C-8D8D-139B-7FFA-7858BE35D97B}"/>
               </a:ext>
             </a:extLst>
           </p:cNvPr>
@@ -7930,22 +9606,16 @@
           <a:bodyPr/>
           <a:lstStyle/>
           <a:p>
-            <a:r>
-              <a:rPr lang="en-GB" dirty="0"/>
-              <a:t>Recolor Z’s parents and grandparent</a:t>
-            </a:r>
-          </a:p>
-          <a:p>
-            <a:endParaRPr lang="en-SE" dirty="0"/>
+            <a:endParaRPr lang="en-SE"/>
           </a:p>
         </p:txBody>
       </p:sp>
       <p:pic>
         <p:nvPicPr>
-          <p:cNvPr id="7" name="Picture 6">
-            <a:extLst>
-              <a:ext uri="{FF2B5EF4-FFF2-40B4-BE49-F238E27FC236}">
-                <a16:creationId xmlns:a16="http://schemas.microsoft.com/office/drawing/2014/main" id="{2C86E9EE-E136-D30B-564A-2095AF0D4F7A}"/>
+          <p:cNvPr id="5" name="Picture 4">
+            <a:extLst>
+              <a:ext uri="{FF2B5EF4-FFF2-40B4-BE49-F238E27FC236}">
+                <a16:creationId xmlns:a16="http://schemas.microsoft.com/office/drawing/2014/main" id="{76EEA92D-A236-CA68-C993-B1AFD3E3787A}"/>
               </a:ext>
             </a:extLst>
           </p:cNvPr>
@@ -7956,14 +9626,13 @@
         </p:nvPicPr>
         <p:blipFill>
           <a:blip r:embed="rId2"/>
-          <a:stretch>
-            <a:fillRect/>
-          </a:stretch>
+          <a:srcRect/>
+          <a:stretch/>
         </p:blipFill>
         <p:spPr>
           <a:xfrm>
-            <a:off x="1387715" y="2931456"/>
-            <a:ext cx="2884401" cy="2385944"/>
+            <a:off x="59251" y="2623163"/>
+            <a:ext cx="4246650" cy="2388741"/>
           </a:xfrm>
           <a:prstGeom prst="rect">
             <a:avLst/>
@@ -7972,10 +9641,10 @@
       </p:pic>
       <p:pic>
         <p:nvPicPr>
-          <p:cNvPr id="9" name="Picture 8">
-            <a:extLst>
-              <a:ext uri="{FF2B5EF4-FFF2-40B4-BE49-F238E27FC236}">
-                <a16:creationId xmlns:a16="http://schemas.microsoft.com/office/drawing/2014/main" id="{6FAEC0F2-F48F-EC83-7CFC-A8D45892D32E}"/>
+          <p:cNvPr id="7" name="Picture 6">
+            <a:extLst>
+              <a:ext uri="{FF2B5EF4-FFF2-40B4-BE49-F238E27FC236}">
+                <a16:creationId xmlns:a16="http://schemas.microsoft.com/office/drawing/2014/main" id="{F93D3070-8E71-86A3-E6E9-6F6A0313C4C0}"/>
               </a:ext>
             </a:extLst>
           </p:cNvPr>
@@ -7986,116 +9655,23 @@
         </p:nvPicPr>
         <p:blipFill>
           <a:blip r:embed="rId3"/>
-          <a:stretch>
-            <a:fillRect/>
-          </a:stretch>
+          <a:srcRect/>
+          <a:stretch/>
         </p:blipFill>
         <p:spPr>
           <a:xfrm>
-            <a:off x="5685693" y="3060230"/>
-            <a:ext cx="1666187" cy="2274376"/>
+            <a:off x="4703850" y="2623163"/>
+            <a:ext cx="4423611" cy="2331923"/>
           </a:xfrm>
           <a:prstGeom prst="rect">
             <a:avLst/>
           </a:prstGeom>
         </p:spPr>
       </p:pic>
-      <p:sp>
-        <p:nvSpPr>
-          <p:cNvPr id="10" name="Arrow: Right 9">
-            <a:extLst>
-              <a:ext uri="{FF2B5EF4-FFF2-40B4-BE49-F238E27FC236}">
-                <a16:creationId xmlns:a16="http://schemas.microsoft.com/office/drawing/2014/main" id="{C92A5FF1-0EFC-3D7C-ADA5-18A79643E530}"/>
-              </a:ext>
-            </a:extLst>
-          </p:cNvPr>
-          <p:cNvSpPr/>
-          <p:nvPr/>
-        </p:nvSpPr>
-        <p:spPr>
-          <a:xfrm>
-            <a:off x="4539998" y="3882112"/>
-            <a:ext cx="978408" cy="484632"/>
-          </a:xfrm>
-          <a:prstGeom prst="rightArrow">
-            <a:avLst/>
-          </a:prstGeom>
-        </p:spPr>
-        <p:style>
-          <a:lnRef idx="1">
-            <a:schemeClr val="accent1"/>
-          </a:lnRef>
-          <a:fillRef idx="3">
-            <a:schemeClr val="accent1"/>
-          </a:fillRef>
-          <a:effectRef idx="2">
-            <a:schemeClr val="accent1"/>
-          </a:effectRef>
-          <a:fontRef idx="minor">
-            <a:schemeClr val="lt1"/>
-          </a:fontRef>
-        </p:style>
-        <p:txBody>
-          <a:bodyPr rtlCol="0" anchor="ctr"/>
-          <a:lstStyle/>
-          <a:p>
-            <a:pPr algn="ctr"/>
-            <a:endParaRPr lang="en-SE"/>
-          </a:p>
-        </p:txBody>
-      </p:sp>
-      <p:sp>
-        <p:nvSpPr>
-          <p:cNvPr id="11" name="TextBox 10">
-            <a:extLst>
-              <a:ext uri="{FF2B5EF4-FFF2-40B4-BE49-F238E27FC236}">
-                <a16:creationId xmlns:a16="http://schemas.microsoft.com/office/drawing/2014/main" id="{FE4C8BA1-B159-1659-22B5-8270999FCBA4}"/>
-              </a:ext>
-            </a:extLst>
-          </p:cNvPr>
-          <p:cNvSpPr txBox="1"/>
-          <p:nvPr/>
-        </p:nvSpPr>
-        <p:spPr>
-          <a:xfrm>
-            <a:off x="4104301" y="2748894"/>
-            <a:ext cx="1849802" cy="1200329"/>
-          </a:xfrm>
-          <a:prstGeom prst="rect">
-            <a:avLst/>
-          </a:prstGeom>
-          <a:noFill/>
-        </p:spPr>
-        <p:txBody>
-          <a:bodyPr wrap="none" rtlCol="0">
-            <a:spAutoFit/>
-          </a:bodyPr>
-          <a:lstStyle/>
-          <a:p>
-            <a:r>
-              <a:rPr lang="en-GB" sz="2400" dirty="0"/>
-              <a:t>Recolor</a:t>
-            </a:r>
-          </a:p>
-          <a:p>
-            <a:r>
-              <a:rPr lang="en-GB" sz="2400" dirty="0"/>
-              <a:t>Parents &amp;</a:t>
-            </a:r>
-          </a:p>
-          <a:p>
-            <a:r>
-              <a:rPr lang="en-GB" sz="2400" dirty="0"/>
-              <a:t>grandparents</a:t>
-            </a:r>
-            <a:endParaRPr lang="en-SE" sz="2400" dirty="0"/>
-          </a:p>
-        </p:txBody>
-      </p:sp>
     </p:spTree>
     <p:extLst>
       <p:ext uri="{BB962C8B-B14F-4D97-AF65-F5344CB8AC3E}">
-        <p14:creationId xmlns:p14="http://schemas.microsoft.com/office/powerpoint/2010/main" val="2464148555"/>
+        <p14:creationId xmlns:p14="http://schemas.microsoft.com/office/powerpoint/2010/main" val="3883905197"/>
       </p:ext>
     </p:extLst>
   </p:cSld>
@@ -8127,7 +9703,7 @@
           <p:cNvPr id="2" name="Title 1">
             <a:extLst>
               <a:ext uri="{FF2B5EF4-FFF2-40B4-BE49-F238E27FC236}">
-                <a16:creationId xmlns:a16="http://schemas.microsoft.com/office/drawing/2014/main" id="{61852DE2-252D-DD50-759E-7607E6C718F3}"/>
+                <a16:creationId xmlns:a16="http://schemas.microsoft.com/office/drawing/2014/main" id="{6661EF06-23CE-B4B1-8942-8A795C25FDE9}"/>
               </a:ext>
             </a:extLst>
           </p:cNvPr>
@@ -8147,217 +9723,230 @@
           <a:p>
             <a:r>
               <a:rPr lang="en-GB" dirty="0"/>
-              <a:t>Case 2. </a:t>
-            </a:r>
-            <a:r>
-              <a:rPr lang="en-GB" dirty="0" err="1"/>
-              <a:t>Z.uncle</a:t>
-            </a:r>
-            <a:r>
-              <a:rPr lang="en-GB" dirty="0"/>
-              <a:t> = </a:t>
-            </a:r>
-            <a:r>
-              <a:rPr lang="en-GB" dirty="0">
+              <a:t>Insertion</a:t>
+            </a:r>
+            <a:endParaRPr lang="en-SE" dirty="0"/>
+          </a:p>
+        </p:txBody>
+      </p:sp>
+      <p:sp>
+        <p:nvSpPr>
+          <p:cNvPr id="3" name="Content Placeholder 2">
+            <a:extLst>
+              <a:ext uri="{FF2B5EF4-FFF2-40B4-BE49-F238E27FC236}">
+                <a16:creationId xmlns:a16="http://schemas.microsoft.com/office/drawing/2014/main" id="{68CC49FF-1098-2B08-FC19-78BFB244D5A2}"/>
+              </a:ext>
+            </a:extLst>
+          </p:cNvPr>
+          <p:cNvSpPr>
+            <a:spLocks noGrp="1"/>
+          </p:cNvSpPr>
+          <p:nvPr>
+            <p:ph idx="1"/>
+          </p:nvPr>
+        </p:nvSpPr>
+        <p:spPr/>
+        <p:txBody>
+          <a:bodyPr>
+            <a:normAutofit lnSpcReduction="10000"/>
+          </a:bodyPr>
+          <a:lstStyle/>
+          <a:p>
+            <a:pPr algn="l" rtl="0" fontAlgn="base"/>
+            <a:r>
+              <a:rPr lang="en-GB" b="0" i="0" dirty="0">
                 <a:solidFill>
-                  <a:schemeClr val="tx1"/>
+                  <a:srgbClr val="273239"/>
                 </a:solidFill>
+                <a:effectLst/>
+                <a:latin typeface="Nunito" pitchFamily="2" charset="0"/>
+              </a:rPr>
+              <a:t>Inserting a new node in a Red-Black Tree involves a two-step process: performing a standard </a:t>
+            </a:r>
+            <a:r>
+              <a:rPr lang="en-GB" b="0" i="0" u="sng" dirty="0">
+                <a:solidFill>
+                  <a:srgbClr val="273239"/>
+                </a:solidFill>
+                <a:effectLst/>
+                <a:latin typeface="Nunito" pitchFamily="2" charset="0"/>
+              </a:rPr>
+              <a:t>binary search tree (BST) insertion</a:t>
+            </a:r>
+            <a:r>
+              <a:rPr lang="en-GB" b="0" i="0" dirty="0">
+                <a:solidFill>
+                  <a:srgbClr val="273239"/>
+                </a:solidFill>
+                <a:effectLst/>
+                <a:latin typeface="Nunito" pitchFamily="2" charset="0"/>
+              </a:rPr>
+              <a:t>, followed by fixing any violations of Red-Black properties.</a:t>
+            </a:r>
+          </a:p>
+          <a:p>
+            <a:pPr algn="l" fontAlgn="base"/>
+            <a:r>
+              <a:rPr lang="en-GB" b="1" i="0" dirty="0">
+                <a:solidFill>
+                  <a:srgbClr val="273239"/>
+                </a:solidFill>
+                <a:effectLst/>
+                <a:latin typeface="Nunito" pitchFamily="2" charset="0"/>
+              </a:rPr>
+              <a:t>Insertion Steps</a:t>
+            </a:r>
+          </a:p>
+          <a:p>
+            <a:pPr algn="l" fontAlgn="base">
+              <a:buFont typeface="+mj-lt"/>
+              <a:buAutoNum type="arabicPeriod"/>
+            </a:pPr>
+            <a:r>
+              <a:rPr lang="en-GB" b="1" i="0" dirty="0">
+                <a:solidFill>
+                  <a:srgbClr val="273239"/>
+                </a:solidFill>
+                <a:effectLst/>
+                <a:latin typeface="Nunito" pitchFamily="2" charset="0"/>
+              </a:rPr>
+              <a:t>BST Insert</a:t>
+            </a:r>
+            <a:r>
+              <a:rPr lang="en-GB" b="0" i="0" dirty="0">
+                <a:solidFill>
+                  <a:srgbClr val="273239"/>
+                </a:solidFill>
+                <a:effectLst/>
+                <a:latin typeface="Nunito" pitchFamily="2" charset="0"/>
+              </a:rPr>
+              <a:t>: Insert the new node into BST and </a:t>
+            </a:r>
+            <a:r>
+              <a:rPr lang="en-GB" b="0" i="0" dirty="0" err="1">
+                <a:solidFill>
+                  <a:srgbClr val="273239"/>
+                </a:solidFill>
+                <a:effectLst/>
+                <a:latin typeface="Nunito" pitchFamily="2" charset="0"/>
+              </a:rPr>
+              <a:t>color</a:t>
+            </a:r>
+            <a:r>
+              <a:rPr lang="en-GB" b="0" i="0" dirty="0">
+                <a:solidFill>
+                  <a:srgbClr val="273239"/>
+                </a:solidFill>
+                <a:effectLst/>
+                <a:latin typeface="Nunito" pitchFamily="2" charset="0"/>
+              </a:rPr>
+              <a:t> it red.</a:t>
+            </a:r>
+          </a:p>
+          <a:p>
+            <a:pPr algn="l" fontAlgn="base">
+              <a:buFont typeface="+mj-lt"/>
+              <a:buAutoNum type="arabicPeriod" startAt="2"/>
+            </a:pPr>
+            <a:r>
+              <a:rPr lang="en-GB" b="1" i="0" dirty="0">
+                <a:solidFill>
+                  <a:srgbClr val="273239"/>
+                </a:solidFill>
+                <a:effectLst/>
+                <a:latin typeface="Nunito" pitchFamily="2" charset="0"/>
+              </a:rPr>
+              <a:t>Fix Violations</a:t>
+            </a:r>
+            <a:r>
+              <a:rPr lang="en-GB" b="0" i="0" dirty="0">
+                <a:solidFill>
+                  <a:srgbClr val="273239"/>
+                </a:solidFill>
+                <a:effectLst/>
+                <a:latin typeface="Nunito" pitchFamily="2" charset="0"/>
+              </a:rPr>
+              <a:t>:</a:t>
+            </a:r>
+          </a:p>
+          <a:p>
+            <a:pPr marL="742950" lvl="1" indent="-285750" algn="l" fontAlgn="base">
+              <a:buFont typeface="+mj-lt"/>
+              <a:buAutoNum type="arabicPeriod" startAt="2"/>
+            </a:pPr>
+            <a:r>
+              <a:rPr lang="en-GB" b="0" i="0" dirty="0">
+                <a:solidFill>
+                  <a:srgbClr val="273239"/>
+                </a:solidFill>
+                <a:effectLst/>
+                <a:latin typeface="Nunito" pitchFamily="2" charset="0"/>
+              </a:rPr>
+              <a:t>If the parent of the new node is </a:t>
+            </a:r>
+            <a:r>
+              <a:rPr lang="en-GB" b="1" i="0" dirty="0">
+                <a:solidFill>
+                  <a:srgbClr val="273239"/>
+                </a:solidFill>
+                <a:effectLst/>
+                <a:latin typeface="Nunito" pitchFamily="2" charset="0"/>
               </a:rPr>
               <a:t>black</a:t>
             </a:r>
             <a:r>
-              <a:rPr lang="en-GB" dirty="0"/>
-              <a:t> (triangle)</a:t>
-            </a:r>
-            <a:endParaRPr lang="en-SE" dirty="0"/>
-          </a:p>
-        </p:txBody>
-      </p:sp>
-      <p:sp>
-        <p:nvSpPr>
-          <p:cNvPr id="3" name="Content Placeholder 2">
-            <a:extLst>
-              <a:ext uri="{FF2B5EF4-FFF2-40B4-BE49-F238E27FC236}">
-                <a16:creationId xmlns:a16="http://schemas.microsoft.com/office/drawing/2014/main" id="{F237F824-033E-B0ED-9BDD-EE1A3F45809E}"/>
-              </a:ext>
-            </a:extLst>
-          </p:cNvPr>
-          <p:cNvSpPr>
-            <a:spLocks noGrp="1"/>
-          </p:cNvSpPr>
-          <p:nvPr>
-            <p:ph idx="1"/>
-          </p:nvPr>
-        </p:nvSpPr>
-        <p:spPr/>
-        <p:txBody>
-          <a:bodyPr/>
-          <a:lstStyle/>
-          <a:p>
-            <a:r>
-              <a:rPr lang="en-GB" dirty="0"/>
-              <a:t>Rotate </a:t>
-            </a:r>
-            <a:r>
-              <a:rPr lang="en-GB" dirty="0" err="1"/>
-              <a:t>Z.parent</a:t>
-            </a:r>
-            <a:endParaRPr lang="en-GB" dirty="0"/>
-          </a:p>
-          <a:p>
-            <a:endParaRPr lang="en-SE" dirty="0"/>
-          </a:p>
-        </p:txBody>
-      </p:sp>
-      <p:pic>
-        <p:nvPicPr>
-          <p:cNvPr id="9" name="Picture 8">
-            <a:extLst>
-              <a:ext uri="{FF2B5EF4-FFF2-40B4-BE49-F238E27FC236}">
-                <a16:creationId xmlns:a16="http://schemas.microsoft.com/office/drawing/2014/main" id="{4DF22396-6B72-47E8-7A2F-A2D30B8FFFF5}"/>
-              </a:ext>
-            </a:extLst>
-          </p:cNvPr>
-          <p:cNvPicPr>
-            <a:picLocks noChangeAspect="1"/>
-          </p:cNvPicPr>
-          <p:nvPr/>
-        </p:nvPicPr>
-        <p:blipFill>
-          <a:blip r:embed="rId2"/>
-          <a:stretch>
-            <a:fillRect/>
-          </a:stretch>
-        </p:blipFill>
-        <p:spPr>
-          <a:xfrm>
-            <a:off x="5226077" y="2869494"/>
-            <a:ext cx="3504773" cy="2858106"/>
-          </a:xfrm>
-          <a:prstGeom prst="rect">
-            <a:avLst/>
-          </a:prstGeom>
-        </p:spPr>
-      </p:pic>
-      <p:pic>
-        <p:nvPicPr>
-          <p:cNvPr id="11" name="Picture 10">
-            <a:extLst>
-              <a:ext uri="{FF2B5EF4-FFF2-40B4-BE49-F238E27FC236}">
-                <a16:creationId xmlns:a16="http://schemas.microsoft.com/office/drawing/2014/main" id="{90410713-6DC3-15CC-971D-D55E03F99EFF}"/>
-              </a:ext>
-            </a:extLst>
-          </p:cNvPr>
-          <p:cNvPicPr>
-            <a:picLocks noChangeAspect="1"/>
-          </p:cNvPicPr>
-          <p:nvPr/>
-        </p:nvPicPr>
-        <p:blipFill>
-          <a:blip r:embed="rId3"/>
-          <a:srcRect/>
-          <a:stretch/>
-        </p:blipFill>
-        <p:spPr>
-          <a:xfrm>
-            <a:off x="783008" y="2950235"/>
-            <a:ext cx="2762303" cy="2688640"/>
-          </a:xfrm>
-          <a:prstGeom prst="rect">
-            <a:avLst/>
-          </a:prstGeom>
-        </p:spPr>
-      </p:pic>
-      <p:sp>
-        <p:nvSpPr>
-          <p:cNvPr id="12" name="Arrow: Right 11">
-            <a:extLst>
-              <a:ext uri="{FF2B5EF4-FFF2-40B4-BE49-F238E27FC236}">
-                <a16:creationId xmlns:a16="http://schemas.microsoft.com/office/drawing/2014/main" id="{2728EFD9-283B-80C1-C34D-54F64208EBE5}"/>
-              </a:ext>
-            </a:extLst>
-          </p:cNvPr>
-          <p:cNvSpPr/>
-          <p:nvPr/>
-        </p:nvSpPr>
-        <p:spPr>
-          <a:xfrm>
-            <a:off x="3699330" y="4412770"/>
-            <a:ext cx="1360883" cy="484632"/>
-          </a:xfrm>
-          <a:prstGeom prst="rightArrow">
-            <a:avLst/>
-          </a:prstGeom>
-        </p:spPr>
-        <p:style>
-          <a:lnRef idx="1">
-            <a:schemeClr val="accent1"/>
-          </a:lnRef>
-          <a:fillRef idx="3">
-            <a:schemeClr val="accent1"/>
-          </a:fillRef>
-          <a:effectRef idx="2">
-            <a:schemeClr val="accent1"/>
-          </a:effectRef>
-          <a:fontRef idx="minor">
-            <a:schemeClr val="lt1"/>
-          </a:fontRef>
-        </p:style>
-        <p:txBody>
-          <a:bodyPr rtlCol="0" anchor="ctr"/>
-          <a:lstStyle/>
-          <a:p>
-            <a:pPr algn="ctr"/>
-            <a:endParaRPr lang="en-SE" sz="2400"/>
-          </a:p>
-        </p:txBody>
-      </p:sp>
-      <p:sp>
-        <p:nvSpPr>
-          <p:cNvPr id="13" name="TextBox 12">
-            <a:extLst>
-              <a:ext uri="{FF2B5EF4-FFF2-40B4-BE49-F238E27FC236}">
-                <a16:creationId xmlns:a16="http://schemas.microsoft.com/office/drawing/2014/main" id="{072AF439-3254-A2CA-774B-52CA45204B97}"/>
-              </a:ext>
-            </a:extLst>
-          </p:cNvPr>
-          <p:cNvSpPr txBox="1"/>
-          <p:nvPr/>
-        </p:nvSpPr>
-        <p:spPr>
-          <a:xfrm>
-            <a:off x="3711175" y="3701311"/>
-            <a:ext cx="1234120" cy="830997"/>
-          </a:xfrm>
-          <a:prstGeom prst="rect">
-            <a:avLst/>
-          </a:prstGeom>
-          <a:noFill/>
-        </p:spPr>
-        <p:txBody>
-          <a:bodyPr wrap="none" rtlCol="0">
-            <a:spAutoFit/>
-          </a:bodyPr>
-          <a:lstStyle/>
-          <a:p>
-            <a:r>
-              <a:rPr lang="en-GB" sz="2400" dirty="0"/>
-              <a:t>rotate </a:t>
-            </a:r>
-          </a:p>
-          <a:p>
-            <a:r>
-              <a:rPr lang="en-GB" sz="2400" dirty="0" err="1"/>
-              <a:t>Z.parent</a:t>
-            </a:r>
-            <a:endParaRPr lang="en-SE" sz="2400" dirty="0"/>
+              <a:rPr lang="en-GB" b="0" i="0" dirty="0">
+                <a:solidFill>
+                  <a:srgbClr val="273239"/>
+                </a:solidFill>
+                <a:effectLst/>
+                <a:latin typeface="Nunito" pitchFamily="2" charset="0"/>
+              </a:rPr>
+              <a:t>, no properties are violated.</a:t>
+            </a:r>
+          </a:p>
+          <a:p>
+            <a:pPr marL="742950" lvl="1" indent="-285750" algn="l" fontAlgn="base">
+              <a:buFont typeface="+mj-lt"/>
+              <a:buAutoNum type="arabicPeriod" startAt="2"/>
+            </a:pPr>
+            <a:r>
+              <a:rPr lang="en-GB" b="0" i="0" dirty="0">
+                <a:solidFill>
+                  <a:srgbClr val="273239"/>
+                </a:solidFill>
+                <a:effectLst/>
+                <a:latin typeface="Nunito" pitchFamily="2" charset="0"/>
+              </a:rPr>
+              <a:t>If the parent is </a:t>
+            </a:r>
+            <a:r>
+              <a:rPr lang="en-GB" b="1" i="0" dirty="0">
+                <a:solidFill>
+                  <a:srgbClr val="273239"/>
+                </a:solidFill>
+                <a:effectLst/>
+                <a:latin typeface="Nunito" pitchFamily="2" charset="0"/>
+              </a:rPr>
+              <a:t>red</a:t>
+            </a:r>
+            <a:r>
+              <a:rPr lang="en-GB" b="0" i="0" dirty="0">
+                <a:solidFill>
+                  <a:srgbClr val="273239"/>
+                </a:solidFill>
+                <a:effectLst/>
+                <a:latin typeface="Nunito" pitchFamily="2" charset="0"/>
+              </a:rPr>
+              <a:t>, the tree might violate the Red Property, requiring fixes.</a:t>
+            </a:r>
           </a:p>
         </p:txBody>
       </p:sp>
     </p:spTree>
     <p:extLst>
       <p:ext uri="{BB962C8B-B14F-4D97-AF65-F5344CB8AC3E}">
-        <p14:creationId xmlns:p14="http://schemas.microsoft.com/office/powerpoint/2010/main" val="230043739"/>
+        <p14:creationId xmlns:p14="http://schemas.microsoft.com/office/powerpoint/2010/main" val="3720269717"/>
       </p:ext>
     </p:extLst>
   </p:cSld>
@@ -8984,6 +10573,6 @@
 
 <file path=docMetadata/LabelInfo.xml><?xml version="1.0" encoding="utf-8"?>
 <clbl:labelList xmlns:clbl="http://schemas.microsoft.com/office/2020/mipLabelMetadata">
-  <clbl:label id="{f13b610e-d3b5-490f-b165-988100e8232a}" enabled="1" method="Standard" siteId="{5a4ba6f9-f531-4f32-9467-398f19e69de4}" contentBits="1" removed="0"/>
+  <clbl:label id="{da48a9ac-7937-4134-8b13-3620bf967764}" enabled="1" method="Privileged" siteId="{5a4ba6f9-f531-4f32-9467-398f19e69de4}" contentBits="0" removed="0"/>
 </clbl:labelList>
 </file>
--- a/PPTs/Lecture 9-red-black trees.pptx
+++ b/PPTs/Lecture 9-red-black trees.pptx
@@ -20,8 +20,8 @@
     <p:sldId id="343" r:id="rId11"/>
     <p:sldId id="348" r:id="rId12"/>
     <p:sldId id="345" r:id="rId13"/>
-    <p:sldId id="344" r:id="rId14"/>
-    <p:sldId id="357" r:id="rId15"/>
+    <p:sldId id="357" r:id="rId14"/>
+    <p:sldId id="344" r:id="rId15"/>
     <p:sldId id="358" r:id="rId16"/>
     <p:sldId id="347" r:id="rId17"/>
     <p:sldId id="340" r:id="rId18"/>
@@ -4506,7 +4506,10 @@
               <a:rPr lang="en-GB" dirty="0" err="1"/>
               <a:t>Z.parent</a:t>
             </a:r>
-            <a:endParaRPr lang="en-GB" dirty="0"/>
+            <a:r>
+              <a:rPr lang="en-GB" dirty="0"/>
+              <a:t>, turns into Case 3</a:t>
+            </a:r>
           </a:p>
           <a:p>
             <a:r>
@@ -5097,268 +5100,6 @@
   <p:cSld>
     <p:spTree>
       <p:nvGrpSpPr>
-        <p:cNvPr id="1" name=""/>
-        <p:cNvGrpSpPr/>
-        <p:nvPr/>
-      </p:nvGrpSpPr>
-      <p:grpSpPr>
-        <a:xfrm>
-          <a:off x="0" y="0"/>
-          <a:ext cx="0" cy="0"/>
-          <a:chOff x="0" y="0"/>
-          <a:chExt cx="0" cy="0"/>
-        </a:xfrm>
-      </p:grpSpPr>
-      <p:sp>
-        <p:nvSpPr>
-          <p:cNvPr id="2" name="Title 1">
-            <a:extLst>
-              <a:ext uri="{FF2B5EF4-FFF2-40B4-BE49-F238E27FC236}">
-                <a16:creationId xmlns:a16="http://schemas.microsoft.com/office/drawing/2014/main" id="{61852DE2-252D-DD50-759E-7607E6C718F3}"/>
-              </a:ext>
-            </a:extLst>
-          </p:cNvPr>
-          <p:cNvSpPr>
-            <a:spLocks noGrp="1"/>
-          </p:cNvSpPr>
-          <p:nvPr>
-            <p:ph type="title"/>
-          </p:nvPr>
-        </p:nvSpPr>
-        <p:spPr/>
-        <p:txBody>
-          <a:bodyPr>
-            <a:normAutofit/>
-          </a:bodyPr>
-          <a:lstStyle/>
-          <a:p>
-            <a:r>
-              <a:rPr lang="en-GB" dirty="0"/>
-              <a:t>Case 2. </a:t>
-            </a:r>
-            <a:r>
-              <a:rPr lang="en-GB" dirty="0" err="1"/>
-              <a:t>Z.uncle</a:t>
-            </a:r>
-            <a:r>
-              <a:rPr lang="en-GB" dirty="0"/>
-              <a:t> = </a:t>
-            </a:r>
-            <a:r>
-              <a:rPr lang="en-GB" dirty="0">
-                <a:solidFill>
-                  <a:schemeClr val="tx1"/>
-                </a:solidFill>
-              </a:rPr>
-              <a:t>black</a:t>
-            </a:r>
-            <a:r>
-              <a:rPr lang="en-GB" dirty="0"/>
-              <a:t> (triangle)</a:t>
-            </a:r>
-            <a:endParaRPr lang="en-SE" dirty="0"/>
-          </a:p>
-        </p:txBody>
-      </p:sp>
-      <p:sp>
-        <p:nvSpPr>
-          <p:cNvPr id="3" name="Content Placeholder 2">
-            <a:extLst>
-              <a:ext uri="{FF2B5EF4-FFF2-40B4-BE49-F238E27FC236}">
-                <a16:creationId xmlns:a16="http://schemas.microsoft.com/office/drawing/2014/main" id="{F237F824-033E-B0ED-9BDD-EE1A3F45809E}"/>
-              </a:ext>
-            </a:extLst>
-          </p:cNvPr>
-          <p:cNvSpPr>
-            <a:spLocks noGrp="1"/>
-          </p:cNvSpPr>
-          <p:nvPr>
-            <p:ph idx="1"/>
-          </p:nvPr>
-        </p:nvSpPr>
-        <p:spPr/>
-        <p:txBody>
-          <a:bodyPr/>
-          <a:lstStyle/>
-          <a:p>
-            <a:r>
-              <a:rPr lang="en-GB" dirty="0"/>
-              <a:t>Rotate </a:t>
-            </a:r>
-            <a:r>
-              <a:rPr lang="en-GB" dirty="0" err="1"/>
-              <a:t>Z.parent</a:t>
-            </a:r>
-            <a:endParaRPr lang="en-GB" dirty="0"/>
-          </a:p>
-          <a:p>
-            <a:endParaRPr lang="en-SE" dirty="0"/>
-          </a:p>
-        </p:txBody>
-      </p:sp>
-      <p:pic>
-        <p:nvPicPr>
-          <p:cNvPr id="9" name="Picture 8">
-            <a:extLst>
-              <a:ext uri="{FF2B5EF4-FFF2-40B4-BE49-F238E27FC236}">
-                <a16:creationId xmlns:a16="http://schemas.microsoft.com/office/drawing/2014/main" id="{4DF22396-6B72-47E8-7A2F-A2D30B8FFFF5}"/>
-              </a:ext>
-            </a:extLst>
-          </p:cNvPr>
-          <p:cNvPicPr>
-            <a:picLocks noChangeAspect="1"/>
-          </p:cNvPicPr>
-          <p:nvPr/>
-        </p:nvPicPr>
-        <p:blipFill>
-          <a:blip r:embed="rId2"/>
-          <a:stretch>
-            <a:fillRect/>
-          </a:stretch>
-        </p:blipFill>
-        <p:spPr>
-          <a:xfrm>
-            <a:off x="5226077" y="2869494"/>
-            <a:ext cx="3504773" cy="2858106"/>
-          </a:xfrm>
-          <a:prstGeom prst="rect">
-            <a:avLst/>
-          </a:prstGeom>
-        </p:spPr>
-      </p:pic>
-      <p:pic>
-        <p:nvPicPr>
-          <p:cNvPr id="11" name="Picture 10">
-            <a:extLst>
-              <a:ext uri="{FF2B5EF4-FFF2-40B4-BE49-F238E27FC236}">
-                <a16:creationId xmlns:a16="http://schemas.microsoft.com/office/drawing/2014/main" id="{90410713-6DC3-15CC-971D-D55E03F99EFF}"/>
-              </a:ext>
-            </a:extLst>
-          </p:cNvPr>
-          <p:cNvPicPr>
-            <a:picLocks noChangeAspect="1"/>
-          </p:cNvPicPr>
-          <p:nvPr/>
-        </p:nvPicPr>
-        <p:blipFill>
-          <a:blip r:embed="rId3"/>
-          <a:srcRect/>
-          <a:stretch/>
-        </p:blipFill>
-        <p:spPr>
-          <a:xfrm>
-            <a:off x="783008" y="2950235"/>
-            <a:ext cx="2762303" cy="2688640"/>
-          </a:xfrm>
-          <a:prstGeom prst="rect">
-            <a:avLst/>
-          </a:prstGeom>
-        </p:spPr>
-      </p:pic>
-      <p:sp>
-        <p:nvSpPr>
-          <p:cNvPr id="12" name="Arrow: Right 11">
-            <a:extLst>
-              <a:ext uri="{FF2B5EF4-FFF2-40B4-BE49-F238E27FC236}">
-                <a16:creationId xmlns:a16="http://schemas.microsoft.com/office/drawing/2014/main" id="{2728EFD9-283B-80C1-C34D-54F64208EBE5}"/>
-              </a:ext>
-            </a:extLst>
-          </p:cNvPr>
-          <p:cNvSpPr/>
-          <p:nvPr/>
-        </p:nvSpPr>
-        <p:spPr>
-          <a:xfrm>
-            <a:off x="3699330" y="4412770"/>
-            <a:ext cx="1360883" cy="484632"/>
-          </a:xfrm>
-          <a:prstGeom prst="rightArrow">
-            <a:avLst/>
-          </a:prstGeom>
-        </p:spPr>
-        <p:style>
-          <a:lnRef idx="1">
-            <a:schemeClr val="accent1"/>
-          </a:lnRef>
-          <a:fillRef idx="3">
-            <a:schemeClr val="accent1"/>
-          </a:fillRef>
-          <a:effectRef idx="2">
-            <a:schemeClr val="accent1"/>
-          </a:effectRef>
-          <a:fontRef idx="minor">
-            <a:schemeClr val="lt1"/>
-          </a:fontRef>
-        </p:style>
-        <p:txBody>
-          <a:bodyPr rtlCol="0" anchor="ctr"/>
-          <a:lstStyle/>
-          <a:p>
-            <a:pPr algn="ctr"/>
-            <a:endParaRPr lang="en-SE" sz="2400"/>
-          </a:p>
-        </p:txBody>
-      </p:sp>
-      <p:sp>
-        <p:nvSpPr>
-          <p:cNvPr id="13" name="TextBox 12">
-            <a:extLst>
-              <a:ext uri="{FF2B5EF4-FFF2-40B4-BE49-F238E27FC236}">
-                <a16:creationId xmlns:a16="http://schemas.microsoft.com/office/drawing/2014/main" id="{072AF439-3254-A2CA-774B-52CA45204B97}"/>
-              </a:ext>
-            </a:extLst>
-          </p:cNvPr>
-          <p:cNvSpPr txBox="1"/>
-          <p:nvPr/>
-        </p:nvSpPr>
-        <p:spPr>
-          <a:xfrm>
-            <a:off x="3711175" y="3701311"/>
-            <a:ext cx="1234120" cy="830997"/>
-          </a:xfrm>
-          <a:prstGeom prst="rect">
-            <a:avLst/>
-          </a:prstGeom>
-          <a:noFill/>
-        </p:spPr>
-        <p:txBody>
-          <a:bodyPr wrap="none" rtlCol="0">
-            <a:spAutoFit/>
-          </a:bodyPr>
-          <a:lstStyle/>
-          <a:p>
-            <a:r>
-              <a:rPr lang="en-GB" sz="2400" dirty="0"/>
-              <a:t>rotate </a:t>
-            </a:r>
-          </a:p>
-          <a:p>
-            <a:r>
-              <a:rPr lang="en-GB" sz="2400" dirty="0" err="1"/>
-              <a:t>Z.parent</a:t>
-            </a:r>
-            <a:endParaRPr lang="en-SE" sz="2400" dirty="0"/>
-          </a:p>
-        </p:txBody>
-      </p:sp>
-    </p:spTree>
-    <p:extLst>
-      <p:ext uri="{BB962C8B-B14F-4D97-AF65-F5344CB8AC3E}">
-        <p14:creationId xmlns:p14="http://schemas.microsoft.com/office/powerpoint/2010/main" val="230043739"/>
-      </p:ext>
-    </p:extLst>
-  </p:cSld>
-  <p:clrMapOvr>
-    <a:masterClrMapping/>
-  </p:clrMapOvr>
-</p:sld>
-</file>
-
-<file path=ppt/slides/slide14.xml><?xml version="1.0" encoding="utf-8"?>
-<p:sld xmlns:a="http://schemas.openxmlformats.org/drawingml/2006/main" xmlns:r="http://schemas.openxmlformats.org/officeDocument/2006/relationships" xmlns:p="http://schemas.openxmlformats.org/presentationml/2006/main">
-  <p:cSld>
-    <p:spTree>
-      <p:nvGrpSpPr>
         <p:cNvPr id="1" name="">
           <a:extLst>
             <a:ext uri="{FF2B5EF4-FFF2-40B4-BE49-F238E27FC236}">
@@ -5487,6 +5228,275 @@
     <p:extLst>
       <p:ext uri="{BB962C8B-B14F-4D97-AF65-F5344CB8AC3E}">
         <p14:creationId xmlns:p14="http://schemas.microsoft.com/office/powerpoint/2010/main" val="1352055371"/>
+      </p:ext>
+    </p:extLst>
+  </p:cSld>
+  <p:clrMapOvr>
+    <a:masterClrMapping/>
+  </p:clrMapOvr>
+</p:sld>
+</file>
+
+<file path=ppt/slides/slide14.xml><?xml version="1.0" encoding="utf-8"?>
+<p:sld xmlns:a="http://schemas.openxmlformats.org/drawingml/2006/main" xmlns:r="http://schemas.openxmlformats.org/officeDocument/2006/relationships" xmlns:p="http://schemas.openxmlformats.org/presentationml/2006/main">
+  <p:cSld>
+    <p:spTree>
+      <p:nvGrpSpPr>
+        <p:cNvPr id="1" name=""/>
+        <p:cNvGrpSpPr/>
+        <p:nvPr/>
+      </p:nvGrpSpPr>
+      <p:grpSpPr>
+        <a:xfrm>
+          <a:off x="0" y="0"/>
+          <a:ext cx="0" cy="0"/>
+          <a:chOff x="0" y="0"/>
+          <a:chExt cx="0" cy="0"/>
+        </a:xfrm>
+      </p:grpSpPr>
+      <p:sp>
+        <p:nvSpPr>
+          <p:cNvPr id="2" name="Title 1">
+            <a:extLst>
+              <a:ext uri="{FF2B5EF4-FFF2-40B4-BE49-F238E27FC236}">
+                <a16:creationId xmlns:a16="http://schemas.microsoft.com/office/drawing/2014/main" id="{61852DE2-252D-DD50-759E-7607E6C718F3}"/>
+              </a:ext>
+            </a:extLst>
+          </p:cNvPr>
+          <p:cNvSpPr>
+            <a:spLocks noGrp="1"/>
+          </p:cNvSpPr>
+          <p:nvPr>
+            <p:ph type="title"/>
+          </p:nvPr>
+        </p:nvSpPr>
+        <p:spPr/>
+        <p:txBody>
+          <a:bodyPr>
+            <a:normAutofit/>
+          </a:bodyPr>
+          <a:lstStyle/>
+          <a:p>
+            <a:r>
+              <a:rPr lang="en-GB" dirty="0"/>
+              <a:t>Case 2. </a:t>
+            </a:r>
+            <a:r>
+              <a:rPr lang="en-GB" dirty="0" err="1"/>
+              <a:t>Z.uncle</a:t>
+            </a:r>
+            <a:r>
+              <a:rPr lang="en-GB" dirty="0"/>
+              <a:t> = </a:t>
+            </a:r>
+            <a:r>
+              <a:rPr lang="en-GB" dirty="0">
+                <a:solidFill>
+                  <a:schemeClr val="tx1"/>
+                </a:solidFill>
+              </a:rPr>
+              <a:t>black</a:t>
+            </a:r>
+            <a:r>
+              <a:rPr lang="en-GB" dirty="0"/>
+              <a:t> (triangle)</a:t>
+            </a:r>
+            <a:endParaRPr lang="en-SE" dirty="0"/>
+          </a:p>
+        </p:txBody>
+      </p:sp>
+      <p:sp>
+        <p:nvSpPr>
+          <p:cNvPr id="3" name="Content Placeholder 2">
+            <a:extLst>
+              <a:ext uri="{FF2B5EF4-FFF2-40B4-BE49-F238E27FC236}">
+                <a16:creationId xmlns:a16="http://schemas.microsoft.com/office/drawing/2014/main" id="{F237F824-033E-B0ED-9BDD-EE1A3F45809E}"/>
+              </a:ext>
+            </a:extLst>
+          </p:cNvPr>
+          <p:cNvSpPr>
+            <a:spLocks noGrp="1"/>
+          </p:cNvSpPr>
+          <p:nvPr>
+            <p:ph idx="1"/>
+          </p:nvPr>
+        </p:nvSpPr>
+        <p:spPr/>
+        <p:txBody>
+          <a:bodyPr/>
+          <a:lstStyle/>
+          <a:p>
+            <a:r>
+              <a:rPr lang="en-GB" dirty="0"/>
+              <a:t>Rotate </a:t>
+            </a:r>
+            <a:r>
+              <a:rPr lang="en-GB" dirty="0" err="1"/>
+              <a:t>Z.parent</a:t>
+            </a:r>
+            <a:endParaRPr lang="en-GB" dirty="0"/>
+          </a:p>
+          <a:p>
+            <a:r>
+              <a:rPr lang="en-GB"/>
+              <a:t>Turns into Case 3</a:t>
+            </a:r>
+            <a:endParaRPr lang="en-GB" dirty="0"/>
+          </a:p>
+          <a:p>
+            <a:endParaRPr lang="en-SE" dirty="0"/>
+          </a:p>
+        </p:txBody>
+      </p:sp>
+      <p:pic>
+        <p:nvPicPr>
+          <p:cNvPr id="9" name="Picture 8">
+            <a:extLst>
+              <a:ext uri="{FF2B5EF4-FFF2-40B4-BE49-F238E27FC236}">
+                <a16:creationId xmlns:a16="http://schemas.microsoft.com/office/drawing/2014/main" id="{4DF22396-6B72-47E8-7A2F-A2D30B8FFFF5}"/>
+              </a:ext>
+            </a:extLst>
+          </p:cNvPr>
+          <p:cNvPicPr>
+            <a:picLocks noChangeAspect="1"/>
+          </p:cNvPicPr>
+          <p:nvPr/>
+        </p:nvPicPr>
+        <p:blipFill>
+          <a:blip r:embed="rId2"/>
+          <a:stretch>
+            <a:fillRect/>
+          </a:stretch>
+        </p:blipFill>
+        <p:spPr>
+          <a:xfrm>
+            <a:off x="5226077" y="2869494"/>
+            <a:ext cx="3504773" cy="2858106"/>
+          </a:xfrm>
+          <a:prstGeom prst="rect">
+            <a:avLst/>
+          </a:prstGeom>
+        </p:spPr>
+      </p:pic>
+      <p:pic>
+        <p:nvPicPr>
+          <p:cNvPr id="11" name="Picture 10">
+            <a:extLst>
+              <a:ext uri="{FF2B5EF4-FFF2-40B4-BE49-F238E27FC236}">
+                <a16:creationId xmlns:a16="http://schemas.microsoft.com/office/drawing/2014/main" id="{90410713-6DC3-15CC-971D-D55E03F99EFF}"/>
+              </a:ext>
+            </a:extLst>
+          </p:cNvPr>
+          <p:cNvPicPr>
+            <a:picLocks noChangeAspect="1"/>
+          </p:cNvPicPr>
+          <p:nvPr/>
+        </p:nvPicPr>
+        <p:blipFill>
+          <a:blip r:embed="rId3"/>
+          <a:srcRect/>
+          <a:stretch/>
+        </p:blipFill>
+        <p:spPr>
+          <a:xfrm>
+            <a:off x="783008" y="2950235"/>
+            <a:ext cx="2762303" cy="2688640"/>
+          </a:xfrm>
+          <a:prstGeom prst="rect">
+            <a:avLst/>
+          </a:prstGeom>
+        </p:spPr>
+      </p:pic>
+      <p:sp>
+        <p:nvSpPr>
+          <p:cNvPr id="12" name="Arrow: Right 11">
+            <a:extLst>
+              <a:ext uri="{FF2B5EF4-FFF2-40B4-BE49-F238E27FC236}">
+                <a16:creationId xmlns:a16="http://schemas.microsoft.com/office/drawing/2014/main" id="{2728EFD9-283B-80C1-C34D-54F64208EBE5}"/>
+              </a:ext>
+            </a:extLst>
+          </p:cNvPr>
+          <p:cNvSpPr/>
+          <p:nvPr/>
+        </p:nvSpPr>
+        <p:spPr>
+          <a:xfrm>
+            <a:off x="3699330" y="4412770"/>
+            <a:ext cx="1360883" cy="484632"/>
+          </a:xfrm>
+          <a:prstGeom prst="rightArrow">
+            <a:avLst/>
+          </a:prstGeom>
+        </p:spPr>
+        <p:style>
+          <a:lnRef idx="1">
+            <a:schemeClr val="accent1"/>
+          </a:lnRef>
+          <a:fillRef idx="3">
+            <a:schemeClr val="accent1"/>
+          </a:fillRef>
+          <a:effectRef idx="2">
+            <a:schemeClr val="accent1"/>
+          </a:effectRef>
+          <a:fontRef idx="minor">
+            <a:schemeClr val="lt1"/>
+          </a:fontRef>
+        </p:style>
+        <p:txBody>
+          <a:bodyPr rtlCol="0" anchor="ctr"/>
+          <a:lstStyle/>
+          <a:p>
+            <a:pPr algn="ctr"/>
+            <a:endParaRPr lang="en-SE" sz="2400"/>
+          </a:p>
+        </p:txBody>
+      </p:sp>
+      <p:sp>
+        <p:nvSpPr>
+          <p:cNvPr id="13" name="TextBox 12">
+            <a:extLst>
+              <a:ext uri="{FF2B5EF4-FFF2-40B4-BE49-F238E27FC236}">
+                <a16:creationId xmlns:a16="http://schemas.microsoft.com/office/drawing/2014/main" id="{072AF439-3254-A2CA-774B-52CA45204B97}"/>
+              </a:ext>
+            </a:extLst>
+          </p:cNvPr>
+          <p:cNvSpPr txBox="1"/>
+          <p:nvPr/>
+        </p:nvSpPr>
+        <p:spPr>
+          <a:xfrm>
+            <a:off x="3711175" y="3701311"/>
+            <a:ext cx="1234120" cy="830997"/>
+          </a:xfrm>
+          <a:prstGeom prst="rect">
+            <a:avLst/>
+          </a:prstGeom>
+          <a:noFill/>
+        </p:spPr>
+        <p:txBody>
+          <a:bodyPr wrap="none" rtlCol="0">
+            <a:spAutoFit/>
+          </a:bodyPr>
+          <a:lstStyle/>
+          <a:p>
+            <a:r>
+              <a:rPr lang="en-GB" sz="2400" dirty="0"/>
+              <a:t>rotate </a:t>
+            </a:r>
+          </a:p>
+          <a:p>
+            <a:r>
+              <a:rPr lang="en-GB" sz="2400" dirty="0" err="1"/>
+              <a:t>Z.parent</a:t>
+            </a:r>
+            <a:endParaRPr lang="en-SE" sz="2400" dirty="0"/>
+          </a:p>
+        </p:txBody>
+      </p:sp>
+    </p:spTree>
+    <p:extLst>
+      <p:ext uri="{BB962C8B-B14F-4D97-AF65-F5344CB8AC3E}">
+        <p14:creationId xmlns:p14="http://schemas.microsoft.com/office/powerpoint/2010/main" val="230043739"/>
       </p:ext>
     </p:extLst>
   </p:cSld>

--- a/PPTs/Lecture 9-red-black trees.pptx
+++ b/PPTs/Lecture 9-red-black trees.pptx
@@ -230,7 +230,7 @@
           <a:p>
             <a:fld id="{1B0CF57B-C747-FC49-8C8F-81AE37C96CA4}" type="datetimeFigureOut">
               <a:rPr lang="en-US" smtClean="0"/>
-              <a:t>10/30/2024</a:t>
+              <a:t>11/4/2024</a:t>
             </a:fld>
             <a:endParaRPr lang="en-US"/>
           </a:p>
@@ -1317,7 +1317,7 @@
           <a:p>
             <a:fld id="{FB221443-D73C-634A-A910-7320408C156D}" type="datetimeFigureOut">
               <a:rPr lang="en-US" smtClean="0"/>
-              <a:t>10/30/2024</a:t>
+              <a:t>11/4/2024</a:t>
             </a:fld>
             <a:endParaRPr lang="en-US"/>
           </a:p>
@@ -1487,7 +1487,7 @@
           <a:p>
             <a:fld id="{FB221443-D73C-634A-A910-7320408C156D}" type="datetimeFigureOut">
               <a:rPr lang="en-US" smtClean="0"/>
-              <a:t>10/30/2024</a:t>
+              <a:t>11/4/2024</a:t>
             </a:fld>
             <a:endParaRPr lang="en-US"/>
           </a:p>
@@ -1667,7 +1667,7 @@
           <a:p>
             <a:fld id="{FB221443-D73C-634A-A910-7320408C156D}" type="datetimeFigureOut">
               <a:rPr lang="en-US" smtClean="0"/>
-              <a:t>10/30/2024</a:t>
+              <a:t>11/4/2024</a:t>
             </a:fld>
             <a:endParaRPr lang="en-US"/>
           </a:p>
@@ -1837,7 +1837,7 @@
           <a:p>
             <a:fld id="{FB221443-D73C-634A-A910-7320408C156D}" type="datetimeFigureOut">
               <a:rPr lang="en-US" smtClean="0"/>
-              <a:t>10/30/2024</a:t>
+              <a:t>11/4/2024</a:t>
             </a:fld>
             <a:endParaRPr lang="en-US"/>
           </a:p>
@@ -2083,7 +2083,7 @@
           <a:p>
             <a:fld id="{FB221443-D73C-634A-A910-7320408C156D}" type="datetimeFigureOut">
               <a:rPr lang="en-US" smtClean="0"/>
-              <a:t>10/30/2024</a:t>
+              <a:t>11/4/2024</a:t>
             </a:fld>
             <a:endParaRPr lang="en-US"/>
           </a:p>
@@ -2371,7 +2371,7 @@
           <a:p>
             <a:fld id="{FB221443-D73C-634A-A910-7320408C156D}" type="datetimeFigureOut">
               <a:rPr lang="en-US" smtClean="0"/>
-              <a:t>10/30/2024</a:t>
+              <a:t>11/4/2024</a:t>
             </a:fld>
             <a:endParaRPr lang="en-US"/>
           </a:p>
@@ -2793,7 +2793,7 @@
           <a:p>
             <a:fld id="{FB221443-D73C-634A-A910-7320408C156D}" type="datetimeFigureOut">
               <a:rPr lang="en-US" smtClean="0"/>
-              <a:t>10/30/2024</a:t>
+              <a:t>11/4/2024</a:t>
             </a:fld>
             <a:endParaRPr lang="en-US"/>
           </a:p>
@@ -2911,7 +2911,7 @@
           <a:p>
             <a:fld id="{FB221443-D73C-634A-A910-7320408C156D}" type="datetimeFigureOut">
               <a:rPr lang="en-US" smtClean="0"/>
-              <a:t>10/30/2024</a:t>
+              <a:t>11/4/2024</a:t>
             </a:fld>
             <a:endParaRPr lang="en-US"/>
           </a:p>
@@ -3006,7 +3006,7 @@
           <a:p>
             <a:fld id="{FB221443-D73C-634A-A910-7320408C156D}" type="datetimeFigureOut">
               <a:rPr lang="en-US" smtClean="0"/>
-              <a:t>10/30/2024</a:t>
+              <a:t>11/4/2024</a:t>
             </a:fld>
             <a:endParaRPr lang="en-US"/>
           </a:p>
@@ -3283,7 +3283,7 @@
           <a:p>
             <a:fld id="{FB221443-D73C-634A-A910-7320408C156D}" type="datetimeFigureOut">
               <a:rPr lang="en-US" smtClean="0"/>
-              <a:t>10/30/2024</a:t>
+              <a:t>11/4/2024</a:t>
             </a:fld>
             <a:endParaRPr lang="en-US"/>
           </a:p>
@@ -3536,7 +3536,7 @@
           <a:p>
             <a:fld id="{FB221443-D73C-634A-A910-7320408C156D}" type="datetimeFigureOut">
               <a:rPr lang="en-US" smtClean="0"/>
-              <a:t>10/30/2024</a:t>
+              <a:t>11/4/2024</a:t>
             </a:fld>
             <a:endParaRPr lang="en-US"/>
           </a:p>
@@ -3749,7 +3749,7 @@
           <a:p>
             <a:fld id="{FB221443-D73C-634A-A910-7320408C156D}" type="datetimeFigureOut">
               <a:rPr lang="en-US" smtClean="0"/>
-              <a:t>10/30/2024</a:t>
+              <a:t>11/4/2024</a:t>
             </a:fld>
             <a:endParaRPr lang="en-US"/>
           </a:p>
@@ -8412,16 +8412,26 @@
           <a:p>
             <a:r>
               <a:rPr lang="en-GB" dirty="0"/>
-              <a:t>https://www.geeksforgeeks.org/introduction-to-red-black-tree/</a:t>
+              <a:t>Introduction to </a:t>
+            </a:r>
+            <a:r>
+              <a:rPr lang="en-GB"/>
+              <a:t>Red-Black Tree</a:t>
             </a:r>
           </a:p>
           <a:p>
             <a:pPr lvl="1"/>
+            <a:r>
+              <a:rPr lang="en-GB">
+                <a:hlinkClick r:id="rId4"/>
+              </a:rPr>
+              <a:t>https</a:t>
+            </a:r>
             <a:r>
               <a:rPr lang="en-GB" dirty="0">
                 <a:hlinkClick r:id="rId4"/>
               </a:rPr>
-              <a:t>https://www.geeksforgeeks.org/introduction-to-red-black-tree/</a:t>
+              <a:t>://www.geeksforgeeks.org/introduction-to-red-black-tree/</a:t>
             </a:r>
             <a:r>
               <a:rPr lang="en-GB" dirty="0"/>
@@ -9112,13 +9122,13 @@
         </p:nvSpPr>
         <p:spPr>
           <a:xfrm>
-            <a:off x="457200" y="1600200"/>
-            <a:ext cx="4262285" cy="4613787"/>
+            <a:off x="81624" y="1600200"/>
+            <a:ext cx="4637862" cy="4613787"/>
           </a:xfrm>
         </p:spPr>
         <p:txBody>
           <a:bodyPr>
-            <a:normAutofit fontScale="92500" lnSpcReduction="10000"/>
+            <a:normAutofit fontScale="92500"/>
           </a:bodyPr>
           <a:lstStyle/>
           <a:p>
